--- a/Strangeloop2014.pptx
+++ b/Strangeloop2014.pptx
@@ -5,36 +5,42 @@
     <p:sldMasterId id="2147483660" r:id="rId1"/>
   </p:sldMasterIdLst>
   <p:notesMasterIdLst>
-    <p:notesMasterId r:id="rId26"/>
+    <p:notesMasterId r:id="rId32"/>
   </p:notesMasterIdLst>
   <p:handoutMasterIdLst>
-    <p:handoutMasterId r:id="rId27"/>
+    <p:handoutMasterId r:id="rId33"/>
   </p:handoutMasterIdLst>
   <p:sldIdLst>
     <p:sldId id="321" r:id="rId2"/>
     <p:sldId id="256" r:id="rId3"/>
     <p:sldId id="291" r:id="rId4"/>
-    <p:sldId id="302" r:id="rId5"/>
-    <p:sldId id="320" r:id="rId6"/>
-    <p:sldId id="293" r:id="rId7"/>
-    <p:sldId id="303" r:id="rId8"/>
-    <p:sldId id="304" r:id="rId9"/>
-    <p:sldId id="305" r:id="rId10"/>
-    <p:sldId id="306" r:id="rId11"/>
-    <p:sldId id="307" r:id="rId12"/>
-    <p:sldId id="308" r:id="rId13"/>
-    <p:sldId id="309" r:id="rId14"/>
-    <p:sldId id="310" r:id="rId15"/>
-    <p:sldId id="298" r:id="rId16"/>
-    <p:sldId id="313" r:id="rId17"/>
-    <p:sldId id="322" r:id="rId18"/>
-    <p:sldId id="314" r:id="rId19"/>
-    <p:sldId id="315" r:id="rId20"/>
-    <p:sldId id="312" r:id="rId21"/>
-    <p:sldId id="316" r:id="rId22"/>
-    <p:sldId id="299" r:id="rId23"/>
-    <p:sldId id="301" r:id="rId24"/>
-    <p:sldId id="318" r:id="rId25"/>
+    <p:sldId id="325" r:id="rId5"/>
+    <p:sldId id="302" r:id="rId6"/>
+    <p:sldId id="323" r:id="rId7"/>
+    <p:sldId id="320" r:id="rId8"/>
+    <p:sldId id="293" r:id="rId9"/>
+    <p:sldId id="324" r:id="rId10"/>
+    <p:sldId id="303" r:id="rId11"/>
+    <p:sldId id="304" r:id="rId12"/>
+    <p:sldId id="305" r:id="rId13"/>
+    <p:sldId id="306" r:id="rId14"/>
+    <p:sldId id="307" r:id="rId15"/>
+    <p:sldId id="308" r:id="rId16"/>
+    <p:sldId id="309" r:id="rId17"/>
+    <p:sldId id="310" r:id="rId18"/>
+    <p:sldId id="326" r:id="rId19"/>
+    <p:sldId id="298" r:id="rId20"/>
+    <p:sldId id="322" r:id="rId21"/>
+    <p:sldId id="314" r:id="rId22"/>
+    <p:sldId id="313" r:id="rId23"/>
+    <p:sldId id="327" r:id="rId24"/>
+    <p:sldId id="315" r:id="rId25"/>
+    <p:sldId id="312" r:id="rId26"/>
+    <p:sldId id="316" r:id="rId27"/>
+    <p:sldId id="328" r:id="rId28"/>
+    <p:sldId id="329" r:id="rId29"/>
+    <p:sldId id="299" r:id="rId30"/>
+    <p:sldId id="318" r:id="rId31"/>
   </p:sldIdLst>
   <p:sldSz cx="12192000" cy="6858000"/>
   <p:notesSz cx="7315200" cy="9601200"/>
@@ -226,7 +232,7 @@
           <a:p>
             <a:fld id="{977DF69C-E9E3-495D-97CD-9DE9551D6BCD}" type="datetimeFigureOut">
               <a:rPr lang="en-US" smtClean="0"/>
-              <a:t>9/13/2014</a:t>
+              <a:t>9/15/2014</a:t>
             </a:fld>
             <a:endParaRPr lang="en-US"/>
           </a:p>
@@ -391,7 +397,7 @@
           <a:p>
             <a:fld id="{F6A42A1D-00DD-4101-B7F4-B4774CC8540E}" type="datetimeFigureOut">
               <a:rPr lang="en-US" smtClean="0"/>
-              <a:t>9/13/2014</a:t>
+              <a:t>9/15/2014</a:t>
             </a:fld>
             <a:endParaRPr lang="en-US"/>
           </a:p>
@@ -796,11 +802,17 @@
           <a:p>
             <a:r>
               <a:rPr lang="en-US" dirty="0" smtClean="0"/>
-              <a:t>However the container can explicitly</a:t>
+              <a:t>Of course we</a:t>
             </a:r>
             <a:r>
               <a:rPr lang="en-US" baseline="0" dirty="0" smtClean="0"/>
-              <a:t> mark individual predicates as safe. Obviously if you are going to allow users to alter a database, somewhere there has to be a hole to get to it.</a:t>
+              <a:t> shouldn't expose all of it. We don't want the pengine to be able to call shell, for example. </a:t>
+            </a:r>
+          </a:p>
+          <a:p>
+            <a:r>
+              <a:rPr lang="en-US" baseline="0" dirty="0" smtClean="0"/>
+              <a:t>The default application is sandbox. Sandbox only exposes those items that it considers safe, and analyzes code before running it to make sure it too is safe.</a:t>
             </a:r>
             <a:endParaRPr lang="en-US" dirty="0"/>
           </a:p>
@@ -832,7 +844,7 @@
     </p:spTree>
     <p:extLst>
       <p:ext uri="{BB962C8B-B14F-4D97-AF65-F5344CB8AC3E}">
-        <p14:creationId xmlns:p14="http://schemas.microsoft.com/office/powerpoint/2010/main" val="1834499201"/>
+        <p14:creationId xmlns:p14="http://schemas.microsoft.com/office/powerpoint/2010/main" val="32098397"/>
       </p:ext>
     </p:extLst>
   </p:cSld>
@@ -888,28 +900,14 @@
           <a:p>
             <a:r>
               <a:rPr lang="en-US" dirty="0" smtClean="0"/>
-              <a:t>When you</a:t>
+              <a:t>Typically one creates</a:t>
             </a:r>
             <a:r>
               <a:rPr lang="en-US" baseline="0" dirty="0" smtClean="0"/>
-              <a:t> make a </a:t>
-            </a:r>
-            <a:r>
-              <a:rPr lang="en-US" baseline="0" dirty="0" err="1" smtClean="0"/>
-              <a:t>pengine</a:t>
-            </a:r>
-            <a:r>
-              <a:rPr lang="en-US" baseline="0" dirty="0" smtClean="0"/>
-              <a:t> you can supply code to be added. This is great for holding state on the server, customizing queries by ID's and such, and making precompiled </a:t>
-            </a:r>
-            <a:r>
-              <a:rPr lang="en-US" baseline="0" dirty="0" err="1" smtClean="0"/>
-              <a:t>subqueries</a:t>
-            </a:r>
-            <a:r>
-              <a:rPr lang="en-US" baseline="0" dirty="0" smtClean="0"/>
-              <a:t>. This code is unique to this slave.</a:t>
-            </a:r>
+              <a:t> an application by importing a module into the sandbox. So we have the union of the sandbox and the application space</a:t>
+            </a:r>
+          </a:p>
+          <a:p>
             <a:endParaRPr lang="en-US" dirty="0"/>
           </a:p>
         </p:txBody>
@@ -940,7 +938,7 @@
     </p:spTree>
     <p:extLst>
       <p:ext uri="{BB962C8B-B14F-4D97-AF65-F5344CB8AC3E}">
-        <p14:creationId xmlns:p14="http://schemas.microsoft.com/office/powerpoint/2010/main" val="3146364584"/>
+        <p14:creationId xmlns:p14="http://schemas.microsoft.com/office/powerpoint/2010/main" val="4073926035"/>
       </p:ext>
     </p:extLst>
   </p:cSld>
@@ -996,11 +994,11 @@
           <a:p>
             <a:r>
               <a:rPr lang="en-US" dirty="0" smtClean="0"/>
-              <a:t>Of course</a:t>
+              <a:t>The</a:t>
             </a:r>
             <a:r>
               <a:rPr lang="en-US" baseline="0" dirty="0" smtClean="0"/>
-              <a:t> letting someone hand us a shell call would be unsafe, so we do the same code analysis on the code passed by the master.</a:t>
+              <a:t> application, however, also needs to be safe code, so unsafe code is removed.</a:t>
             </a:r>
             <a:endParaRPr lang="en-US" dirty="0"/>
           </a:p>
@@ -1032,7 +1030,7 @@
     </p:spTree>
     <p:extLst>
       <p:ext uri="{BB962C8B-B14F-4D97-AF65-F5344CB8AC3E}">
-        <p14:creationId xmlns:p14="http://schemas.microsoft.com/office/powerpoint/2010/main" val="535389258"/>
+        <p14:creationId xmlns:p14="http://schemas.microsoft.com/office/powerpoint/2010/main" val="731577893"/>
       </p:ext>
     </p:extLst>
   </p:cSld>
@@ -1088,7 +1086,11 @@
           <a:p>
             <a:r>
               <a:rPr lang="en-US" dirty="0" smtClean="0"/>
-              <a:t>So this is the net knowledge base we query against.</a:t>
+              <a:t>However the container can explicitly</a:t>
+            </a:r>
+            <a:r>
+              <a:rPr lang="en-US" baseline="0" dirty="0" smtClean="0"/>
+              <a:t> mark individual predicates as safe. Obviously if you are going to allow users to alter a database, somewhere there has to be a hole to get to it.</a:t>
             </a:r>
             <a:endParaRPr lang="en-US" dirty="0"/>
           </a:p>
@@ -1120,7 +1122,7 @@
     </p:spTree>
     <p:extLst>
       <p:ext uri="{BB962C8B-B14F-4D97-AF65-F5344CB8AC3E}">
-        <p14:creationId xmlns:p14="http://schemas.microsoft.com/office/powerpoint/2010/main" val="3756303305"/>
+        <p14:creationId xmlns:p14="http://schemas.microsoft.com/office/powerpoint/2010/main" val="1834499201"/>
       </p:ext>
     </p:extLst>
   </p:cSld>
@@ -1176,40 +1178,20 @@
           <a:p>
             <a:r>
               <a:rPr lang="en-US" dirty="0" smtClean="0"/>
-              <a:t> Once the </a:t>
-            </a:r>
-            <a:r>
-              <a:rPr lang="en-US" dirty="0" err="1" smtClean="0"/>
-              <a:t>pengine</a:t>
-            </a:r>
-            <a:r>
-              <a:rPr lang="en-US" dirty="0" smtClean="0"/>
-              <a:t> is created, the master can then make normal, nondeterministic Prolog queries.</a:t>
-            </a:r>
-          </a:p>
-          <a:p>
-            <a:r>
-              <a:rPr lang="en-US" dirty="0" smtClean="0"/>
-              <a:t>Here we have some client</a:t>
+              <a:t>When you</a:t>
             </a:r>
             <a:r>
               <a:rPr lang="en-US" baseline="0" dirty="0" smtClean="0"/>
-              <a:t> code. Notice the </a:t>
+              <a:t> make a pengine you can supply code to be added. This is great for holding state on the server, customizing queries by ID's and such, and making precompiled </a:t>
             </a:r>
             <a:r>
               <a:rPr lang="en-US" baseline="0" dirty="0" err="1" smtClean="0"/>
-              <a:t>pengine_event_loop</a:t>
+              <a:t>subqueries</a:t>
             </a:r>
             <a:r>
               <a:rPr lang="en-US" baseline="0" dirty="0" smtClean="0"/>
-              <a:t> and closure..</a:t>
-            </a:r>
-            <a:endParaRPr lang="en-US" dirty="0" smtClean="0"/>
-          </a:p>
-          <a:p>
-            <a:endParaRPr lang="en-US" dirty="0" smtClean="0"/>
-          </a:p>
-          <a:p>
+              <a:t>. This code is unique to this slave.</a:t>
+            </a:r>
             <a:endParaRPr lang="en-US" dirty="0"/>
           </a:p>
         </p:txBody>
@@ -1240,7 +1222,7 @@
     </p:spTree>
     <p:extLst>
       <p:ext uri="{BB962C8B-B14F-4D97-AF65-F5344CB8AC3E}">
-        <p14:creationId xmlns:p14="http://schemas.microsoft.com/office/powerpoint/2010/main" val="2902388178"/>
+        <p14:creationId xmlns:p14="http://schemas.microsoft.com/office/powerpoint/2010/main" val="3146364584"/>
       </p:ext>
     </p:extLst>
   </p:cSld>
@@ -1295,16 +1277,12 @@
           <a:lstStyle/>
           <a:p>
             <a:r>
+              <a:rPr lang="en-US" dirty="0" smtClean="0"/>
+              <a:t>Of course</a:t>
+            </a:r>
+            <a:r>
               <a:rPr lang="en-US" baseline="0" dirty="0" smtClean="0"/>
-              <a:t>If </a:t>
-            </a:r>
-            <a:r>
-              <a:rPr lang="en-US" baseline="0" dirty="0" smtClean="0"/>
-              <a:t>you want to retain the same nondeterministic behavior as the local call, you can use </a:t>
-            </a:r>
-            <a:r>
-              <a:rPr lang="en-US" baseline="0" dirty="0" err="1" smtClean="0"/>
-              <a:t>pengine_rpc</a:t>
+              <a:t> letting someone hand us a shell call would be unsafe, so we do the same code analysis on the code passed by the master.</a:t>
             </a:r>
             <a:endParaRPr lang="en-US" dirty="0"/>
           </a:p>
@@ -1336,7 +1314,7 @@
     </p:spTree>
     <p:extLst>
       <p:ext uri="{BB962C8B-B14F-4D97-AF65-F5344CB8AC3E}">
-        <p14:creationId xmlns:p14="http://schemas.microsoft.com/office/powerpoint/2010/main" val="1345559102"/>
+        <p14:creationId xmlns:p14="http://schemas.microsoft.com/office/powerpoint/2010/main" val="535389258"/>
       </p:ext>
     </p:extLst>
   </p:cSld>
@@ -1392,26 +1370,8 @@
           <a:p>
             <a:r>
               <a:rPr lang="en-US" dirty="0" smtClean="0"/>
-              <a:t>This is what the </a:t>
-            </a:r>
-            <a:r>
-              <a:rPr lang="en-US" dirty="0" err="1" smtClean="0"/>
-              <a:t>javascript</a:t>
-            </a:r>
-            <a:r>
-              <a:rPr lang="en-US" dirty="0" smtClean="0"/>
-              <a:t> looks like.</a:t>
-            </a:r>
-            <a:r>
-              <a:rPr lang="en-US" baseline="0" dirty="0" smtClean="0"/>
-              <a:t> It's substantially like the Prolog version. Note that code to be injected goes in a script tag with type text/x-prolog</a:t>
-            </a:r>
-            <a:endParaRPr lang="en-US" dirty="0" smtClean="0"/>
-          </a:p>
-          <a:p>
-            <a:endParaRPr lang="en-US" dirty="0" smtClean="0"/>
-          </a:p>
-          <a:p>
+              <a:t>So this is the net knowledge base we query against.</a:t>
+            </a:r>
             <a:endParaRPr lang="en-US" dirty="0"/>
           </a:p>
         </p:txBody>
@@ -1442,7 +1402,7 @@
     </p:spTree>
     <p:extLst>
       <p:ext uri="{BB962C8B-B14F-4D97-AF65-F5344CB8AC3E}">
-        <p14:creationId xmlns:p14="http://schemas.microsoft.com/office/powerpoint/2010/main" val="3028308726"/>
+        <p14:creationId xmlns:p14="http://schemas.microsoft.com/office/powerpoint/2010/main" val="3756303305"/>
       </p:ext>
     </p:extLst>
   </p:cSld>
@@ -1496,80 +1456,14 @@
           <a:bodyPr/>
           <a:lstStyle/>
           <a:p>
-            <a:endParaRPr lang="en-US" dirty="0" smtClean="0"/>
-          </a:p>
-          <a:p>
             <a:r>
               <a:rPr lang="en-US" dirty="0" smtClean="0"/>
-              <a:t>   Lets try this.</a:t>
-            </a:r>
-          </a:p>
-          <a:p>
-            <a:r>
-              <a:rPr lang="en-US" dirty="0" smtClean="0"/>
-              <a:t>   Here we have a shell that lets us enter arbitrary code on the left, make a query here, and execute the query on the server.</a:t>
-            </a:r>
-          </a:p>
-          <a:p>
-            <a:r>
-              <a:rPr lang="en-US" dirty="0" smtClean="0"/>
-              <a:t>   This application is called SWISH, it's one of the central pieces of the </a:t>
-            </a:r>
-            <a:r>
-              <a:rPr lang="en-US" dirty="0" err="1" smtClean="0"/>
-              <a:t>pengines</a:t>
-            </a:r>
-            <a:r>
-              <a:rPr lang="en-US" dirty="0" smtClean="0"/>
-              <a:t> toolkit.</a:t>
-            </a:r>
-          </a:p>
-          <a:p>
-            <a:endParaRPr lang="en-US" dirty="0" smtClean="0"/>
-          </a:p>
-          <a:p>
-            <a:r>
-              <a:rPr lang="en-US" dirty="0" smtClean="0"/>
-              <a:t> DEMO SIMPLE PENGINE QUERY IN SWISH.</a:t>
-            </a:r>
-          </a:p>
-          <a:p>
-            <a:r>
-              <a:rPr lang="en-US" dirty="0" smtClean="0"/>
-              <a:t>   Notice that we're submitting Prolog from </a:t>
-            </a:r>
-            <a:r>
-              <a:rPr lang="en-US" dirty="0" err="1" smtClean="0"/>
-              <a:t>Javascript</a:t>
-            </a:r>
-            <a:r>
-              <a:rPr lang="en-US" dirty="0" smtClean="0"/>
-              <a:t> here. We've learned that using </a:t>
-            </a:r>
-            <a:r>
-              <a:rPr lang="en-US" dirty="0" err="1" smtClean="0"/>
-              <a:t>pengines</a:t>
-            </a:r>
-            <a:r>
-              <a:rPr lang="en-US" dirty="0" smtClean="0"/>
-              <a:t> can make doing </a:t>
-            </a:r>
-            <a:r>
-              <a:rPr lang="en-US" dirty="0" err="1" smtClean="0"/>
-              <a:t>ajax</a:t>
-            </a:r>
-            <a:r>
-              <a:rPr lang="en-US" dirty="0" smtClean="0"/>
-              <a:t> type web development a lot simpler.</a:t>
-            </a:r>
-          </a:p>
-          <a:p>
-            <a:r>
-              <a:rPr lang="en-US" dirty="0" smtClean="0"/>
-              <a:t>   Questions?</a:t>
-            </a:r>
-          </a:p>
-          <a:p>
+              <a:t>Now lets look at actually</a:t>
+            </a:r>
+            <a:r>
+              <a:rPr lang="en-US" baseline="0" dirty="0" smtClean="0"/>
+              <a:t> making some queries against the pengine</a:t>
+            </a:r>
             <a:endParaRPr lang="en-US" dirty="0"/>
           </a:p>
         </p:txBody>
@@ -1600,7 +1494,7 @@
     </p:spTree>
     <p:extLst>
       <p:ext uri="{BB962C8B-B14F-4D97-AF65-F5344CB8AC3E}">
-        <p14:creationId xmlns:p14="http://schemas.microsoft.com/office/powerpoint/2010/main" val="3962878406"/>
+        <p14:creationId xmlns:p14="http://schemas.microsoft.com/office/powerpoint/2010/main" val="1591996742"/>
       </p:ext>
     </p:extLst>
   </p:cSld>
@@ -1656,18 +1550,32 @@
           <a:p>
             <a:r>
               <a:rPr lang="en-US" dirty="0" smtClean="0"/>
-              <a:t>You'll</a:t>
+              <a:t> Once the pengine is created, the master can then make normal, nondeterministic Prolog queries.</a:t>
+            </a:r>
+          </a:p>
+          <a:p>
+            <a:r>
+              <a:rPr lang="en-US" dirty="0" smtClean="0"/>
+              <a:t>Here we have some client</a:t>
             </a:r>
             <a:r>
               <a:rPr lang="en-US" baseline="0" dirty="0" smtClean="0"/>
-              <a:t> remember that we imported our application code into the sandbox.</a:t>
-            </a:r>
-          </a:p>
-          <a:p>
+              <a:t> code. Notice the </a:t>
+            </a:r>
+            <a:r>
+              <a:rPr lang="en-US" baseline="0" dirty="0" err="1" smtClean="0"/>
+              <a:t>pengine_event_loop</a:t>
+            </a:r>
             <a:r>
               <a:rPr lang="en-US" baseline="0" dirty="0" smtClean="0"/>
-              <a:t>Lets see how to do that.</a:t>
-            </a:r>
+              <a:t> and closure. </a:t>
+            </a:r>
+            <a:endParaRPr lang="en-US" dirty="0" smtClean="0"/>
+          </a:p>
+          <a:p>
+            <a:endParaRPr lang="en-US" dirty="0" smtClean="0"/>
+          </a:p>
+          <a:p>
             <a:endParaRPr lang="en-US" dirty="0"/>
           </a:p>
         </p:txBody>
@@ -1698,7 +1606,7 @@
     </p:spTree>
     <p:extLst>
       <p:ext uri="{BB962C8B-B14F-4D97-AF65-F5344CB8AC3E}">
-        <p14:creationId xmlns:p14="http://schemas.microsoft.com/office/powerpoint/2010/main" val="3988756705"/>
+        <p14:creationId xmlns:p14="http://schemas.microsoft.com/office/powerpoint/2010/main" val="2902388178"/>
       </p:ext>
     </p:extLst>
   </p:cSld>
@@ -1754,19 +1662,19 @@
           <a:p>
             <a:r>
               <a:rPr lang="en-US" dirty="0" smtClean="0"/>
-              <a:t>To add material to sandbox, just import your module into </a:t>
+              <a:t>This is what the </a:t>
             </a:r>
             <a:r>
               <a:rPr lang="en-US" dirty="0" err="1" smtClean="0"/>
-              <a:t>pengine_sandbox</a:t>
+              <a:t>javascript</a:t>
             </a:r>
             <a:r>
               <a:rPr lang="en-US" dirty="0" smtClean="0"/>
-              <a:t>,</a:t>
+              <a:t> looks like.</a:t>
             </a:r>
             <a:r>
               <a:rPr lang="en-US" baseline="0" dirty="0" smtClean="0"/>
-              <a:t> and make your API predicates public.</a:t>
+              <a:t> It's substantially like the Prolog version. Note that code to be injected goes in a script tag with type text/x-prolog</a:t>
             </a:r>
             <a:endParaRPr lang="en-US" dirty="0" smtClean="0"/>
           </a:p>
@@ -1804,7 +1712,7 @@
     </p:spTree>
     <p:extLst>
       <p:ext uri="{BB962C8B-B14F-4D97-AF65-F5344CB8AC3E}">
-        <p14:creationId xmlns:p14="http://schemas.microsoft.com/office/powerpoint/2010/main" val="869247695"/>
+        <p14:creationId xmlns:p14="http://schemas.microsoft.com/office/powerpoint/2010/main" val="3028308726"/>
       </p:ext>
     </p:extLst>
   </p:cSld>
@@ -1860,29 +1768,40 @@
           <a:p>
             <a:r>
               <a:rPr lang="en-US" dirty="0" smtClean="0"/>
-              <a:t>Over the last 9 months an </a:t>
-            </a:r>
+              <a:t>Over the last 9 months an interesting ecosystem has built up in the SWI-Prolog  environment, </a:t>
+            </a:r>
+            <a:endParaRPr lang="en-US" dirty="0" smtClean="0"/>
+          </a:p>
+          <a:p>
             <a:r>
               <a:rPr lang="en-US" dirty="0" smtClean="0"/>
-              <a:t>interesting </a:t>
+              <a:t>based around</a:t>
+            </a:r>
+            <a:r>
+              <a:rPr lang="en-US" baseline="0" dirty="0" smtClean="0"/>
+              <a:t> </a:t>
             </a:r>
             <a:r>
               <a:rPr lang="en-US" dirty="0" smtClean="0"/>
-              <a:t>ecosystem has built up in the SWI-Prolog  environment, based around</a:t>
-            </a:r>
-          </a:p>
-          <a:p>
+              <a:t>a </a:t>
+            </a:r>
             <a:r>
               <a:rPr lang="en-US" dirty="0" smtClean="0"/>
-              <a:t>	a library called </a:t>
-            </a:r>
-            <a:r>
-              <a:rPr lang="en-US" dirty="0" err="1" smtClean="0"/>
-              <a:t>pengines</a:t>
+              <a:t>library called pengines</a:t>
             </a:r>
             <a:r>
               <a:rPr lang="en-US" dirty="0" smtClean="0"/>
-              <a:t>, written by </a:t>
+              <a:t>,</a:t>
+            </a:r>
+          </a:p>
+          <a:p>
+            <a:r>
+              <a:rPr lang="en-US" dirty="0" smtClean="0"/>
+              <a:t> </a:t>
+            </a:r>
+            <a:r>
+              <a:rPr lang="en-US" dirty="0" smtClean="0"/>
+              <a:t>written by </a:t>
             </a:r>
             <a:r>
               <a:rPr lang="en-US" dirty="0" err="1" smtClean="0"/>
@@ -1890,56 +1809,70 @@
             </a:r>
             <a:r>
               <a:rPr lang="en-US" dirty="0" smtClean="0"/>
-              <a:t> lager of the </a:t>
-            </a:r>
-            <a:r>
-              <a:rPr lang="en-US" dirty="0" err="1" smtClean="0"/>
-              <a:t>univ</a:t>
-            </a:r>
+              <a:t> lager </a:t>
+            </a:r>
+            <a:r>
+              <a:rPr lang="en-US" baseline="0" dirty="0" smtClean="0"/>
+              <a:t>Jan Wielemaker</a:t>
+            </a:r>
+            <a:endParaRPr lang="en-US" dirty="0" smtClean="0"/>
+          </a:p>
+          <a:p>
             <a:r>
               <a:rPr lang="en-US" dirty="0" smtClean="0"/>
-              <a:t> of </a:t>
-            </a:r>
-            <a:r>
-              <a:rPr lang="en-US" dirty="0" err="1" smtClean="0"/>
-              <a:t>Gothenborg</a:t>
+              <a:t>I'm </a:t>
+            </a:r>
+            <a:r>
+              <a:rPr lang="en-US" dirty="0" smtClean="0"/>
+              <a:t>going to show you that </a:t>
+            </a:r>
+            <a:r>
+              <a:rPr lang="en-US" dirty="0" smtClean="0"/>
+              <a:t>library,</a:t>
             </a:r>
             <a:r>
               <a:rPr lang="en-US" baseline="0" dirty="0" smtClean="0"/>
-              <a:t> and Jan </a:t>
-            </a:r>
-            <a:r>
-              <a:rPr lang="en-US" baseline="0" dirty="0" err="1" smtClean="0"/>
-              <a:t>Wielemaker</a:t>
+              <a:t> starting with </a:t>
+            </a:r>
+            <a:r>
+              <a:rPr lang="en-US" dirty="0" smtClean="0"/>
+              <a:t>motivation</a:t>
+            </a:r>
+          </a:p>
+          <a:p>
+            <a:r>
+              <a:rPr lang="en-US" dirty="0" smtClean="0"/>
+              <a:t>then </a:t>
+            </a:r>
+            <a:r>
+              <a:rPr lang="en-US" dirty="0" smtClean="0"/>
+              <a:t>showing you the API.</a:t>
+            </a:r>
+          </a:p>
+          <a:p>
+            <a:r>
+              <a:rPr lang="en-US" dirty="0" smtClean="0"/>
+              <a:t>After </a:t>
+            </a:r>
+            <a:r>
+              <a:rPr lang="en-US" dirty="0" smtClean="0"/>
+              <a:t>that we'll take a brief look at the rest of the ecosystem.</a:t>
+            </a:r>
+          </a:p>
+          <a:p>
+            <a:r>
+              <a:rPr lang="en-US" dirty="0" smtClean="0"/>
+              <a:t>Early</a:t>
             </a:r>
             <a:r>
               <a:rPr lang="en-US" baseline="0" dirty="0" smtClean="0"/>
-              <a:t> at the Free University of the Netherlands.</a:t>
-            </a:r>
-            <a:endParaRPr lang="en-US" dirty="0" smtClean="0"/>
-          </a:p>
-          <a:p>
-            <a:r>
-              <a:rPr lang="en-US" dirty="0" smtClean="0"/>
-              <a:t>	I'm going to show you that library, starting with some of what motivated it, and then showing you the API.</a:t>
-            </a:r>
-          </a:p>
-          <a:p>
-            <a:r>
-              <a:rPr lang="en-US" dirty="0" smtClean="0"/>
-              <a:t>	After that we'll take a brief look at the rest of the ecosystem.</a:t>
-            </a:r>
-          </a:p>
-          <a:p>
-            <a:r>
-              <a:rPr lang="en-US" dirty="0" smtClean="0"/>
-              <a:t>	This is an early look at a very new system. While the core is pretty solid, many of the peripheral pieces are just</a:t>
-            </a:r>
-          </a:p>
-          <a:p>
-            <a:r>
-              <a:rPr lang="en-US" dirty="0" smtClean="0"/>
-              <a:t>	now being made, so it's an interesting time for us.</a:t>
+              <a:t> look at a new system. </a:t>
+            </a:r>
+          </a:p>
+          <a:p>
+            <a:r>
+              <a:rPr lang="en-US" baseline="0" dirty="0" smtClean="0"/>
+              <a:t>Interesting time.</a:t>
             </a:r>
             <a:endParaRPr lang="en-US" dirty="0"/>
           </a:p>
@@ -2030,33 +1963,72 @@
           <a:p>
             <a:r>
               <a:rPr lang="en-US" dirty="0" smtClean="0"/>
-              <a:t>Now,</a:t>
+              <a:t>This application is called SWISH, it's one of the central pieces of the pengines toolkit.</a:t>
+            </a:r>
+          </a:p>
+          <a:p>
+            <a:r>
+              <a:rPr lang="en-US" dirty="0" smtClean="0"/>
+              <a:t>We'll use it to demo</a:t>
             </a:r>
             <a:r>
               <a:rPr lang="en-US" baseline="0" dirty="0" smtClean="0"/>
-              <a:t> if we want to use unsafe predicates, adding them is fairly straightforward.</a:t>
-            </a:r>
-          </a:p>
-          <a:p>
+              <a:t> making queries</a:t>
+            </a:r>
+            <a:endParaRPr lang="en-US" dirty="0" smtClean="0"/>
+          </a:p>
+          <a:p>
+            <a:r>
+              <a:rPr lang="en-US" dirty="0" smtClean="0"/>
+              <a:t>   Explain</a:t>
+            </a:r>
             <a:r>
               <a:rPr lang="en-US" baseline="0" dirty="0" smtClean="0"/>
-              <a:t>We just export the unsafe predicate, and then define a new clause for </a:t>
-            </a:r>
-            <a:r>
-              <a:rPr lang="en-US" baseline="0" dirty="0" err="1" smtClean="0"/>
-              <a:t>sandbox:safe_primitive</a:t>
-            </a:r>
-            <a:r>
-              <a:rPr lang="en-US" baseline="0" dirty="0" smtClean="0"/>
-              <a:t> that unifies with our call.</a:t>
-            </a:r>
-          </a:p>
-          <a:p>
-            <a:r>
-              <a:rPr lang="en-US" baseline="0" dirty="0" smtClean="0"/>
-              <a:t>Notice that this means we can make an arbitrary test for what's safe, we're not restricted to either allowing unrestricted access to a predicate or forbidding it.</a:t>
+              <a:t> Parts of Screen</a:t>
             </a:r>
             <a:endParaRPr lang="en-US" dirty="0" smtClean="0"/>
+          </a:p>
+          <a:p>
+            <a:r>
+              <a:rPr lang="en-US" dirty="0" smtClean="0"/>
+              <a:t> DEMO SIMPLE PENGINE QUERY IN SWISH.</a:t>
+            </a:r>
+          </a:p>
+          <a:p>
+            <a:r>
+              <a:rPr lang="en-US" dirty="0" smtClean="0"/>
+              <a:t>   Notice that we're submitting Prolog from </a:t>
+            </a:r>
+            <a:r>
+              <a:rPr lang="en-US" dirty="0" err="1" smtClean="0"/>
+              <a:t>Javascript</a:t>
+            </a:r>
+            <a:r>
+              <a:rPr lang="en-US" dirty="0" smtClean="0"/>
+              <a:t> here. </a:t>
+            </a:r>
+            <a:endParaRPr lang="en-US" dirty="0" smtClean="0"/>
+          </a:p>
+          <a:p>
+            <a:r>
+              <a:rPr lang="en-US" dirty="0" smtClean="0"/>
+              <a:t>We've </a:t>
+            </a:r>
+            <a:r>
+              <a:rPr lang="en-US" dirty="0" smtClean="0"/>
+              <a:t>learned that using pengines can make doing </a:t>
+            </a:r>
+            <a:r>
+              <a:rPr lang="en-US" dirty="0" err="1" smtClean="0"/>
+              <a:t>ajax</a:t>
+            </a:r>
+            <a:r>
+              <a:rPr lang="en-US" dirty="0" smtClean="0"/>
+              <a:t> type web development a lot simpler.</a:t>
+            </a:r>
+          </a:p>
+          <a:p>
+            <a:endParaRPr lang="en-US" dirty="0"/>
           </a:p>
         </p:txBody>
       </p:sp>
@@ -2086,7 +2058,7 @@
     </p:spTree>
     <p:extLst>
       <p:ext uri="{BB962C8B-B14F-4D97-AF65-F5344CB8AC3E}">
-        <p14:creationId xmlns:p14="http://schemas.microsoft.com/office/powerpoint/2010/main" val="997467916"/>
+        <p14:creationId xmlns:p14="http://schemas.microsoft.com/office/powerpoint/2010/main" val="3962878406"/>
       </p:ext>
     </p:extLst>
   </p:cSld>
@@ -2141,49 +2113,14 @@
           <a:lstStyle/>
           <a:p>
             <a:r>
-              <a:rPr lang="en-US" dirty="0" smtClean="0"/>
-              <a:t>We're building up an ecosystem for </a:t>
-            </a:r>
-          </a:p>
-          <a:p>
-            <a:r>
-              <a:rPr lang="en-US" dirty="0" smtClean="0"/>
-              <a:t>building distributed systems around </a:t>
-            </a:r>
-            <a:r>
-              <a:rPr lang="en-US" dirty="0" err="1" smtClean="0"/>
-              <a:t>pengines</a:t>
-            </a:r>
-            <a:r>
-              <a:rPr lang="en-US" dirty="0" smtClean="0"/>
-              <a:t>,</a:t>
-            </a:r>
-            <a:r>
               <a:rPr lang="en-US" baseline="0" dirty="0" smtClean="0"/>
-              <a:t> </a:t>
+              <a:t>If you want to retain the same nondeterministic behavior as the local call, you can use </a:t>
             </a:r>
             <a:r>
               <a:rPr lang="en-US" baseline="0" dirty="0" err="1" smtClean="0"/>
-              <a:t>websocket</a:t>
-            </a:r>
-            <a:r>
-              <a:rPr lang="en-US" baseline="0" dirty="0" smtClean="0"/>
-              <a:t> support, and a tool, hub.pl, for building collaborative applications.</a:t>
-            </a:r>
-          </a:p>
-          <a:p>
-            <a:r>
-              <a:rPr lang="en-US" dirty="0" smtClean="0"/>
-              <a:t> We've made a few projects with that already. There's a whiteboard, a chat room, shared code editing, and other collaborative applications are coming quickly. There's already a commercial user - we have a hospital that is building a distributed system for scheduling hospital resources like rooms, operating theaters, and so on.</a:t>
+              <a:t>pengine_rpc</a:t>
             </a:r>
             <a:endParaRPr lang="en-US" baseline="0" dirty="0" smtClean="0"/>
-          </a:p>
-          <a:p>
-            <a:r>
-              <a:rPr lang="en-US" baseline="0" dirty="0" smtClean="0"/>
-              <a:t>I've been having a lot of fun with the collaborative application system. It makes building a shared environment fun and easy.</a:t>
-            </a:r>
-            <a:endParaRPr lang="en-US" dirty="0" smtClean="0"/>
           </a:p>
         </p:txBody>
       </p:sp>
@@ -2213,7 +2150,7 @@
     </p:spTree>
     <p:extLst>
       <p:ext uri="{BB962C8B-B14F-4D97-AF65-F5344CB8AC3E}">
-        <p14:creationId xmlns:p14="http://schemas.microsoft.com/office/powerpoint/2010/main" val="778895308"/>
+        <p14:creationId xmlns:p14="http://schemas.microsoft.com/office/powerpoint/2010/main" val="1345559102"/>
       </p:ext>
     </p:extLst>
   </p:cSld>
@@ -2268,57 +2205,54 @@
           <a:lstStyle/>
           <a:p>
             <a:r>
+              <a:rPr lang="en-US" dirty="0" err="1" smtClean="0"/>
+              <a:t>pengine_input</a:t>
+            </a:r>
+            <a:r>
+              <a:rPr lang="en-US" baseline="0" dirty="0" smtClean="0"/>
+              <a:t> prompts the master and waits for input. </a:t>
+            </a:r>
+          </a:p>
+          <a:p>
+            <a:r>
+              <a:rPr lang="en-US" baseline="0" dirty="0" smtClean="0"/>
+              <a:t>Prompt is a term, it need not be atomic</a:t>
+            </a:r>
+          </a:p>
+          <a:p>
+            <a:endParaRPr lang="en-US" dirty="0" smtClean="0"/>
+          </a:p>
+          <a:p>
+            <a:r>
               <a:rPr lang="en-US" dirty="0" smtClean="0"/>
-              <a:t>We have SWISH, and are just completing refactoring it into pieces so it can be used as building blocks for online query systems.</a:t>
-            </a:r>
+              <a:t>Because</a:t>
+            </a:r>
+            <a:r>
+              <a:rPr lang="en-US" baseline="0" dirty="0" smtClean="0"/>
+              <a:t> HTTP requires that the client initiate the transaction, you may need to call </a:t>
+            </a:r>
+            <a:r>
+              <a:rPr lang="en-US" baseline="0" dirty="0" err="1" smtClean="0"/>
+              <a:t>pengine_pull_response</a:t>
+            </a:r>
+            <a:r>
+              <a:rPr lang="en-US" baseline="0" dirty="0" smtClean="0"/>
+              <a:t> to get subsequent output or success events after output</a:t>
+            </a:r>
+            <a:r>
+              <a:rPr lang="en-US" baseline="0" dirty="0" smtClean="0"/>
+              <a:t>.</a:t>
+            </a:r>
+          </a:p>
+          <a:p>
+            <a:endParaRPr lang="en-US" baseline="0" dirty="0" smtClean="0"/>
           </a:p>
           <a:p>
             <a:r>
               <a:rPr lang="en-US" dirty="0" smtClean="0"/>
-              <a:t>   Jan is working on a data browser system that he's still keeping under wraps.</a:t>
-            </a:r>
-          </a:p>
-          <a:p>
-            <a:r>
-              <a:rPr lang="en-US" dirty="0" smtClean="0"/>
-              <a:t>   </a:t>
-            </a:r>
-            <a:r>
-              <a:rPr lang="en-US" dirty="0" err="1" smtClean="0"/>
-              <a:t>Torbjorn's</a:t>
-            </a:r>
-            <a:r>
-              <a:rPr lang="en-US" dirty="0" smtClean="0"/>
-              <a:t> planning on building an online system to teach Prolog.</a:t>
-            </a:r>
-          </a:p>
-          <a:p>
-            <a:r>
-              <a:rPr lang="en-US" dirty="0" smtClean="0"/>
-              <a:t>   And I'm slated to build some expert system shells with interactive interfaces</a:t>
-            </a:r>
-            <a:r>
-              <a:rPr lang="en-US" baseline="0" dirty="0" smtClean="0"/>
-              <a:t> along with some students from Stanford this semester.</a:t>
+              <a:t> Questions?</a:t>
             </a:r>
             <a:endParaRPr lang="en-US" dirty="0" smtClean="0"/>
-          </a:p>
-          <a:p>
-            <a:r>
-              <a:rPr lang="en-US" dirty="0" smtClean="0"/>
-              <a:t>   Over the next 12 to 15 months, we expect to slowly turn SWISH into an industrial strength IDE, and slowly supplant the existing </a:t>
-            </a:r>
-            <a:r>
-              <a:rPr lang="en-US" dirty="0" err="1" smtClean="0"/>
-              <a:t>pceEmacs</a:t>
-            </a:r>
-            <a:r>
-              <a:rPr lang="en-US" dirty="0" smtClean="0"/>
-              <a:t> based IDE for SWI-Prolog.</a:t>
-            </a:r>
-          </a:p>
-          <a:p>
-            <a:endParaRPr lang="en-US" dirty="0"/>
           </a:p>
         </p:txBody>
       </p:sp>
@@ -2348,7 +2282,7 @@
     </p:spTree>
     <p:extLst>
       <p:ext uri="{BB962C8B-B14F-4D97-AF65-F5344CB8AC3E}">
-        <p14:creationId xmlns:p14="http://schemas.microsoft.com/office/powerpoint/2010/main" val="3864008732"/>
+        <p14:creationId xmlns:p14="http://schemas.microsoft.com/office/powerpoint/2010/main" val="4091775906"/>
       </p:ext>
     </p:extLst>
   </p:cSld>
@@ -2404,46 +2338,774 @@
           <a:p>
             <a:r>
               <a:rPr lang="en-US" dirty="0" smtClean="0"/>
+              <a:t>You'll</a:t>
+            </a:r>
+            <a:r>
+              <a:rPr lang="en-US" baseline="0" dirty="0" smtClean="0"/>
+              <a:t> remember that we imported our application code into the sandbox.</a:t>
+            </a:r>
+          </a:p>
+          <a:p>
+            <a:r>
+              <a:rPr lang="en-US" baseline="0" dirty="0" smtClean="0"/>
+              <a:t>Lets see how to do that.</a:t>
+            </a:r>
+            <a:endParaRPr lang="en-US" dirty="0"/>
+          </a:p>
+        </p:txBody>
+      </p:sp>
+      <p:sp>
+        <p:nvSpPr>
+          <p:cNvPr id="4" name="Slide Number Placeholder 3"/>
+          <p:cNvSpPr>
+            <a:spLocks noGrp="1"/>
+          </p:cNvSpPr>
+          <p:nvPr>
+            <p:ph type="sldNum" sz="quarter" idx="10"/>
+          </p:nvPr>
+        </p:nvSpPr>
+        <p:spPr/>
+        <p:txBody>
+          <a:bodyPr/>
+          <a:lstStyle/>
+          <a:p>
+            <a:fld id="{42EAAFEF-7C69-4829-A810-B8C7AEBE8F0E}" type="slidenum">
+              <a:rPr lang="en-US" smtClean="0"/>
+              <a:t>24</a:t>
+            </a:fld>
+            <a:endParaRPr lang="en-US"/>
+          </a:p>
+        </p:txBody>
+      </p:sp>
+    </p:spTree>
+    <p:extLst>
+      <p:ext uri="{BB962C8B-B14F-4D97-AF65-F5344CB8AC3E}">
+        <p14:creationId xmlns:p14="http://schemas.microsoft.com/office/powerpoint/2010/main" val="3988756705"/>
+      </p:ext>
+    </p:extLst>
+  </p:cSld>
+  <p:clrMapOvr>
+    <a:masterClrMapping/>
+  </p:clrMapOvr>
+</p:notes>
+</file>
+
+<file path=ppt/notesSlides/notesSlide24.xml><?xml version="1.0" encoding="utf-8"?>
+<p:notes xmlns:a="http://schemas.openxmlformats.org/drawingml/2006/main" xmlns:r="http://schemas.openxmlformats.org/officeDocument/2006/relationships" xmlns:p="http://schemas.openxmlformats.org/presentationml/2006/main">
+  <p:cSld>
+    <p:spTree>
+      <p:nvGrpSpPr>
+        <p:cNvPr id="1" name=""/>
+        <p:cNvGrpSpPr/>
+        <p:nvPr/>
+      </p:nvGrpSpPr>
+      <p:grpSpPr>
+        <a:xfrm>
+          <a:off x="0" y="0"/>
+          <a:ext cx="0" cy="0"/>
+          <a:chOff x="0" y="0"/>
+          <a:chExt cx="0" cy="0"/>
+        </a:xfrm>
+      </p:grpSpPr>
+      <p:sp>
+        <p:nvSpPr>
+          <p:cNvPr id="2" name="Slide Image Placeholder 1"/>
+          <p:cNvSpPr>
+            <a:spLocks noGrp="1" noRot="1" noChangeAspect="1"/>
+          </p:cNvSpPr>
+          <p:nvPr>
+            <p:ph type="sldImg"/>
+          </p:nvPr>
+        </p:nvSpPr>
+        <p:spPr/>
+      </p:sp>
+      <p:sp>
+        <p:nvSpPr>
+          <p:cNvPr id="3" name="Notes Placeholder 2"/>
+          <p:cNvSpPr>
+            <a:spLocks noGrp="1"/>
+          </p:cNvSpPr>
+          <p:nvPr>
+            <p:ph type="body" idx="1"/>
+          </p:nvPr>
+        </p:nvSpPr>
+        <p:spPr/>
+        <p:txBody>
+          <a:bodyPr/>
+          <a:lstStyle/>
+          <a:p>
+            <a:r>
+              <a:rPr lang="en-US" dirty="0" smtClean="0"/>
+              <a:t>To add material to sandbox, just import your module into pengine</a:t>
+            </a:r>
+            <a:r>
+              <a:rPr lang="en-US" baseline="0" dirty="0" smtClean="0"/>
+              <a:t> </a:t>
+            </a:r>
+            <a:r>
+              <a:rPr lang="en-US" dirty="0" smtClean="0"/>
+              <a:t>sandbox,</a:t>
+            </a:r>
+            <a:r>
+              <a:rPr lang="en-US" baseline="0" dirty="0" smtClean="0"/>
+              <a:t> and make your API predicates public.</a:t>
+            </a:r>
+            <a:endParaRPr lang="en-US" dirty="0" smtClean="0"/>
+          </a:p>
+          <a:p>
+            <a:endParaRPr lang="en-US" dirty="0" smtClean="0"/>
+          </a:p>
+          <a:p>
+            <a:endParaRPr lang="en-US" dirty="0"/>
+          </a:p>
+        </p:txBody>
+      </p:sp>
+      <p:sp>
+        <p:nvSpPr>
+          <p:cNvPr id="4" name="Slide Number Placeholder 3"/>
+          <p:cNvSpPr>
+            <a:spLocks noGrp="1"/>
+          </p:cNvSpPr>
+          <p:nvPr>
+            <p:ph type="sldNum" sz="quarter" idx="10"/>
+          </p:nvPr>
+        </p:nvSpPr>
+        <p:spPr/>
+        <p:txBody>
+          <a:bodyPr/>
+          <a:lstStyle/>
+          <a:p>
+            <a:fld id="{42EAAFEF-7C69-4829-A810-B8C7AEBE8F0E}" type="slidenum">
+              <a:rPr lang="en-US" smtClean="0"/>
+              <a:t>25</a:t>
+            </a:fld>
+            <a:endParaRPr lang="en-US"/>
+          </a:p>
+        </p:txBody>
+      </p:sp>
+    </p:spTree>
+    <p:extLst>
+      <p:ext uri="{BB962C8B-B14F-4D97-AF65-F5344CB8AC3E}">
+        <p14:creationId xmlns:p14="http://schemas.microsoft.com/office/powerpoint/2010/main" val="869247695"/>
+      </p:ext>
+    </p:extLst>
+  </p:cSld>
+  <p:clrMapOvr>
+    <a:masterClrMapping/>
+  </p:clrMapOvr>
+</p:notes>
+</file>
+
+<file path=ppt/notesSlides/notesSlide25.xml><?xml version="1.0" encoding="utf-8"?>
+<p:notes xmlns:a="http://schemas.openxmlformats.org/drawingml/2006/main" xmlns:r="http://schemas.openxmlformats.org/officeDocument/2006/relationships" xmlns:p="http://schemas.openxmlformats.org/presentationml/2006/main">
+  <p:cSld>
+    <p:spTree>
+      <p:nvGrpSpPr>
+        <p:cNvPr id="1" name=""/>
+        <p:cNvGrpSpPr/>
+        <p:nvPr/>
+      </p:nvGrpSpPr>
+      <p:grpSpPr>
+        <a:xfrm>
+          <a:off x="0" y="0"/>
+          <a:ext cx="0" cy="0"/>
+          <a:chOff x="0" y="0"/>
+          <a:chExt cx="0" cy="0"/>
+        </a:xfrm>
+      </p:grpSpPr>
+      <p:sp>
+        <p:nvSpPr>
+          <p:cNvPr id="2" name="Slide Image Placeholder 1"/>
+          <p:cNvSpPr>
+            <a:spLocks noGrp="1" noRot="1" noChangeAspect="1"/>
+          </p:cNvSpPr>
+          <p:nvPr>
+            <p:ph type="sldImg"/>
+          </p:nvPr>
+        </p:nvSpPr>
+        <p:spPr/>
+      </p:sp>
+      <p:sp>
+        <p:nvSpPr>
+          <p:cNvPr id="3" name="Notes Placeholder 2"/>
+          <p:cNvSpPr>
+            <a:spLocks noGrp="1"/>
+          </p:cNvSpPr>
+          <p:nvPr>
+            <p:ph type="body" idx="1"/>
+          </p:nvPr>
+        </p:nvSpPr>
+        <p:spPr/>
+        <p:txBody>
+          <a:bodyPr/>
+          <a:lstStyle/>
+          <a:p>
+            <a:endParaRPr lang="en-US" dirty="0" smtClean="0"/>
+          </a:p>
+          <a:p>
+            <a:r>
+              <a:rPr lang="en-US" dirty="0" smtClean="0"/>
+              <a:t>Now,</a:t>
+            </a:r>
+            <a:r>
+              <a:rPr lang="en-US" baseline="0" dirty="0" smtClean="0"/>
+              <a:t> if we want to use unsafe predicates, adding them is fairly straightforward.</a:t>
+            </a:r>
+          </a:p>
+          <a:p>
+            <a:r>
+              <a:rPr lang="en-US" baseline="0" dirty="0" smtClean="0"/>
+              <a:t>We just export the unsafe predicate, and then define a new clause for </a:t>
+            </a:r>
+            <a:r>
+              <a:rPr lang="en-US" baseline="0" dirty="0" err="1" smtClean="0"/>
+              <a:t>sandbox:safe_primitive</a:t>
+            </a:r>
+            <a:r>
+              <a:rPr lang="en-US" baseline="0" dirty="0" smtClean="0"/>
+              <a:t> that unifies with our call.</a:t>
+            </a:r>
+          </a:p>
+          <a:p>
+            <a:r>
+              <a:rPr lang="en-US" baseline="0" dirty="0" smtClean="0"/>
+              <a:t>Notice that this </a:t>
+            </a:r>
+            <a:r>
+              <a:rPr lang="en-US" baseline="0" dirty="0" smtClean="0"/>
+              <a:t>means </a:t>
+            </a:r>
+            <a:r>
+              <a:rPr lang="en-US" baseline="0" dirty="0" smtClean="0"/>
+              <a:t>we can make an arbitrary test for what's safe, </a:t>
+            </a:r>
+            <a:endParaRPr lang="en-US" baseline="0" dirty="0" smtClean="0"/>
+          </a:p>
+          <a:p>
+            <a:endParaRPr lang="en-US" baseline="0" dirty="0" smtClean="0"/>
+          </a:p>
+          <a:p>
+            <a:endParaRPr lang="en-US" baseline="0" dirty="0" smtClean="0"/>
+          </a:p>
+          <a:p>
+            <a:r>
+              <a:rPr lang="en-US" dirty="0" smtClean="0"/>
+              <a:t> Questions?</a:t>
+            </a:r>
+            <a:r>
+              <a:rPr lang="en-US" baseline="0" dirty="0" smtClean="0"/>
+              <a:t>.</a:t>
+            </a:r>
+            <a:endParaRPr lang="en-US" dirty="0" smtClean="0"/>
+          </a:p>
+        </p:txBody>
+      </p:sp>
+      <p:sp>
+        <p:nvSpPr>
+          <p:cNvPr id="4" name="Slide Number Placeholder 3"/>
+          <p:cNvSpPr>
+            <a:spLocks noGrp="1"/>
+          </p:cNvSpPr>
+          <p:nvPr>
+            <p:ph type="sldNum" sz="quarter" idx="10"/>
+          </p:nvPr>
+        </p:nvSpPr>
+        <p:spPr/>
+        <p:txBody>
+          <a:bodyPr/>
+          <a:lstStyle/>
+          <a:p>
+            <a:fld id="{42EAAFEF-7C69-4829-A810-B8C7AEBE8F0E}" type="slidenum">
+              <a:rPr lang="en-US" smtClean="0"/>
+              <a:t>26</a:t>
+            </a:fld>
+            <a:endParaRPr lang="en-US"/>
+          </a:p>
+        </p:txBody>
+      </p:sp>
+    </p:spTree>
+    <p:extLst>
+      <p:ext uri="{BB962C8B-B14F-4D97-AF65-F5344CB8AC3E}">
+        <p14:creationId xmlns:p14="http://schemas.microsoft.com/office/powerpoint/2010/main" val="997467916"/>
+      </p:ext>
+    </p:extLst>
+  </p:cSld>
+  <p:clrMapOvr>
+    <a:masterClrMapping/>
+  </p:clrMapOvr>
+</p:notes>
+</file>
+
+<file path=ppt/notesSlides/notesSlide26.xml><?xml version="1.0" encoding="utf-8"?>
+<p:notes xmlns:a="http://schemas.openxmlformats.org/drawingml/2006/main" xmlns:r="http://schemas.openxmlformats.org/officeDocument/2006/relationships" xmlns:p="http://schemas.openxmlformats.org/presentationml/2006/main">
+  <p:cSld>
+    <p:spTree>
+      <p:nvGrpSpPr>
+        <p:cNvPr id="1" name=""/>
+        <p:cNvGrpSpPr/>
+        <p:nvPr/>
+      </p:nvGrpSpPr>
+      <p:grpSpPr>
+        <a:xfrm>
+          <a:off x="0" y="0"/>
+          <a:ext cx="0" cy="0"/>
+          <a:chOff x="0" y="0"/>
+          <a:chExt cx="0" cy="0"/>
+        </a:xfrm>
+      </p:grpSpPr>
+      <p:sp>
+        <p:nvSpPr>
+          <p:cNvPr id="2" name="Slide Image Placeholder 1"/>
+          <p:cNvSpPr>
+            <a:spLocks noGrp="1" noRot="1" noChangeAspect="1"/>
+          </p:cNvSpPr>
+          <p:nvPr>
+            <p:ph type="sldImg"/>
+          </p:nvPr>
+        </p:nvSpPr>
+        <p:spPr/>
+      </p:sp>
+      <p:sp>
+        <p:nvSpPr>
+          <p:cNvPr id="3" name="Notes Placeholder 2"/>
+          <p:cNvSpPr>
+            <a:spLocks noGrp="1"/>
+          </p:cNvSpPr>
+          <p:nvPr>
+            <p:ph type="body" idx="1"/>
+          </p:nvPr>
+        </p:nvSpPr>
+        <p:spPr/>
+        <p:txBody>
+          <a:bodyPr/>
+          <a:lstStyle/>
+          <a:p>
+            <a:r>
+              <a:rPr lang="en-US" dirty="0" smtClean="0"/>
+              <a:t>One of the big reasons for doing this work is a larger scheme of heading towards a more prolog oriented semantic web. Here's a query</a:t>
+            </a:r>
+            <a:r>
+              <a:rPr lang="en-US" baseline="0" dirty="0" smtClean="0"/>
+              <a:t> federated across two </a:t>
+            </a:r>
+            <a:r>
+              <a:rPr lang="en-US" baseline="0" dirty="0" err="1" smtClean="0"/>
+              <a:t>ser</a:t>
+            </a:r>
+            <a:r>
+              <a:rPr lang="en-US" baseline="0" dirty="0" smtClean="0"/>
+              <a:t> </a:t>
+            </a:r>
+            <a:r>
+              <a:rPr lang="en-US" baseline="0" dirty="0" err="1" smtClean="0"/>
+              <a:t>vers</a:t>
+            </a:r>
+            <a:r>
+              <a:rPr lang="en-US" baseline="0" dirty="0" smtClean="0"/>
+              <a:t>. You can see that doing these sorts of federated queries is as easy as doing a local query. No more SPARQL to deal with.</a:t>
+            </a:r>
+            <a:endParaRPr lang="en-US" dirty="0"/>
+          </a:p>
+        </p:txBody>
+      </p:sp>
+      <p:sp>
+        <p:nvSpPr>
+          <p:cNvPr id="4" name="Slide Number Placeholder 3"/>
+          <p:cNvSpPr>
+            <a:spLocks noGrp="1"/>
+          </p:cNvSpPr>
+          <p:nvPr>
+            <p:ph type="sldNum" sz="quarter" idx="10"/>
+          </p:nvPr>
+        </p:nvSpPr>
+        <p:spPr/>
+        <p:txBody>
+          <a:bodyPr/>
+          <a:lstStyle/>
+          <a:p>
+            <a:fld id="{42EAAFEF-7C69-4829-A810-B8C7AEBE8F0E}" type="slidenum">
+              <a:rPr lang="en-US" smtClean="0"/>
+              <a:t>27</a:t>
+            </a:fld>
+            <a:endParaRPr lang="en-US"/>
+          </a:p>
+        </p:txBody>
+      </p:sp>
+    </p:spTree>
+    <p:extLst>
+      <p:ext uri="{BB962C8B-B14F-4D97-AF65-F5344CB8AC3E}">
+        <p14:creationId xmlns:p14="http://schemas.microsoft.com/office/powerpoint/2010/main" val="3236293595"/>
+      </p:ext>
+    </p:extLst>
+  </p:cSld>
+  <p:clrMapOvr>
+    <a:masterClrMapping/>
+  </p:clrMapOvr>
+</p:notes>
+</file>
+
+<file path=ppt/notesSlides/notesSlide27.xml><?xml version="1.0" encoding="utf-8"?>
+<p:notes xmlns:a="http://schemas.openxmlformats.org/drawingml/2006/main" xmlns:r="http://schemas.openxmlformats.org/officeDocument/2006/relationships" xmlns:p="http://schemas.openxmlformats.org/presentationml/2006/main">
+  <p:cSld>
+    <p:spTree>
+      <p:nvGrpSpPr>
+        <p:cNvPr id="1" name=""/>
+        <p:cNvGrpSpPr/>
+        <p:nvPr/>
+      </p:nvGrpSpPr>
+      <p:grpSpPr>
+        <a:xfrm>
+          <a:off x="0" y="0"/>
+          <a:ext cx="0" cy="0"/>
+          <a:chOff x="0" y="0"/>
+          <a:chExt cx="0" cy="0"/>
+        </a:xfrm>
+      </p:grpSpPr>
+      <p:sp>
+        <p:nvSpPr>
+          <p:cNvPr id="2" name="Slide Image Placeholder 1"/>
+          <p:cNvSpPr>
+            <a:spLocks noGrp="1" noRot="1" noChangeAspect="1"/>
+          </p:cNvSpPr>
+          <p:nvPr>
+            <p:ph type="sldImg"/>
+          </p:nvPr>
+        </p:nvSpPr>
+        <p:spPr/>
+      </p:sp>
+      <p:sp>
+        <p:nvSpPr>
+          <p:cNvPr id="3" name="Notes Placeholder 2"/>
+          <p:cNvSpPr>
+            <a:spLocks noGrp="1"/>
+          </p:cNvSpPr>
+          <p:nvPr>
+            <p:ph type="body" idx="1"/>
+          </p:nvPr>
+        </p:nvSpPr>
+        <p:spPr/>
+        <p:txBody>
+          <a:bodyPr/>
+          <a:lstStyle/>
+          <a:p>
+            <a:r>
+              <a:rPr lang="en-US" dirty="0" smtClean="0"/>
+              <a:t>This paper's useful for the relationship between Prolog and RDF</a:t>
+            </a:r>
+            <a:endParaRPr lang="en-US" dirty="0"/>
+          </a:p>
+        </p:txBody>
+      </p:sp>
+      <p:sp>
+        <p:nvSpPr>
+          <p:cNvPr id="4" name="Slide Number Placeholder 3"/>
+          <p:cNvSpPr>
+            <a:spLocks noGrp="1"/>
+          </p:cNvSpPr>
+          <p:nvPr>
+            <p:ph type="sldNum" sz="quarter" idx="10"/>
+          </p:nvPr>
+        </p:nvSpPr>
+        <p:spPr/>
+        <p:txBody>
+          <a:bodyPr/>
+          <a:lstStyle/>
+          <a:p>
+            <a:fld id="{42EAAFEF-7C69-4829-A810-B8C7AEBE8F0E}" type="slidenum">
+              <a:rPr lang="en-US" smtClean="0"/>
+              <a:t>28</a:t>
+            </a:fld>
+            <a:endParaRPr lang="en-US"/>
+          </a:p>
+        </p:txBody>
+      </p:sp>
+    </p:spTree>
+    <p:extLst>
+      <p:ext uri="{BB962C8B-B14F-4D97-AF65-F5344CB8AC3E}">
+        <p14:creationId xmlns:p14="http://schemas.microsoft.com/office/powerpoint/2010/main" val="1416130782"/>
+      </p:ext>
+    </p:extLst>
+  </p:cSld>
+  <p:clrMapOvr>
+    <a:masterClrMapping/>
+  </p:clrMapOvr>
+</p:notes>
+</file>
+
+<file path=ppt/notesSlides/notesSlide28.xml><?xml version="1.0" encoding="utf-8"?>
+<p:notes xmlns:a="http://schemas.openxmlformats.org/drawingml/2006/main" xmlns:r="http://schemas.openxmlformats.org/officeDocument/2006/relationships" xmlns:p="http://schemas.openxmlformats.org/presentationml/2006/main">
+  <p:cSld>
+    <p:spTree>
+      <p:nvGrpSpPr>
+        <p:cNvPr id="1" name=""/>
+        <p:cNvGrpSpPr/>
+        <p:nvPr/>
+      </p:nvGrpSpPr>
+      <p:grpSpPr>
+        <a:xfrm>
+          <a:off x="0" y="0"/>
+          <a:ext cx="0" cy="0"/>
+          <a:chOff x="0" y="0"/>
+          <a:chExt cx="0" cy="0"/>
+        </a:xfrm>
+      </p:grpSpPr>
+      <p:sp>
+        <p:nvSpPr>
+          <p:cNvPr id="2" name="Slide Image Placeholder 1"/>
+          <p:cNvSpPr>
+            <a:spLocks noGrp="1" noRot="1" noChangeAspect="1"/>
+          </p:cNvSpPr>
+          <p:nvPr>
+            <p:ph type="sldImg"/>
+          </p:nvPr>
+        </p:nvSpPr>
+        <p:spPr/>
+      </p:sp>
+      <p:sp>
+        <p:nvSpPr>
+          <p:cNvPr id="3" name="Notes Placeholder 2"/>
+          <p:cNvSpPr>
+            <a:spLocks noGrp="1"/>
+          </p:cNvSpPr>
+          <p:nvPr>
+            <p:ph type="body" idx="1"/>
+          </p:nvPr>
+        </p:nvSpPr>
+        <p:spPr/>
+        <p:txBody>
+          <a:bodyPr/>
+          <a:lstStyle/>
+          <a:p>
+            <a:r>
+              <a:rPr lang="en-US" dirty="0" smtClean="0"/>
+              <a:t>Building an ecosystem around pengines</a:t>
+            </a:r>
+          </a:p>
+          <a:p>
+            <a:pPr marL="171450" indent="-171450">
+              <a:buFont typeface="Arial" panose="020B0604020202020204" pitchFamily="34" charset="0"/>
+              <a:buChar char="•"/>
+            </a:pPr>
+            <a:r>
+              <a:rPr lang="en-US" dirty="0" err="1" smtClean="0"/>
+              <a:t>websocket</a:t>
+            </a:r>
+            <a:endParaRPr lang="en-US" dirty="0" smtClean="0"/>
+          </a:p>
+          <a:p>
+            <a:pPr marL="171450" indent="-171450">
+              <a:buFont typeface="Arial" panose="020B0604020202020204" pitchFamily="34" charset="0"/>
+              <a:buChar char="•"/>
+            </a:pPr>
+            <a:r>
+              <a:rPr lang="en-US" dirty="0" smtClean="0"/>
+              <a:t>hub.pl  tool for</a:t>
+            </a:r>
+            <a:r>
+              <a:rPr lang="en-US" baseline="0" dirty="0" smtClean="0"/>
+              <a:t> collaborative applications</a:t>
+            </a:r>
+            <a:endParaRPr lang="en-US" dirty="0" smtClean="0"/>
+          </a:p>
+          <a:p>
+            <a:r>
+              <a:rPr lang="en-US" dirty="0" smtClean="0"/>
+              <a:t>Projects</a:t>
+            </a:r>
+          </a:p>
+          <a:p>
+            <a:pPr marL="171450" indent="-171450">
+              <a:buFont typeface="Arial" panose="020B0604020202020204" pitchFamily="34" charset="0"/>
+              <a:buChar char="•"/>
+            </a:pPr>
+            <a:r>
+              <a:rPr lang="en-US" dirty="0" smtClean="0"/>
+              <a:t>Chat</a:t>
+            </a:r>
+            <a:r>
+              <a:rPr lang="en-US" baseline="0" dirty="0" smtClean="0"/>
+              <a:t> Room</a:t>
+            </a:r>
+          </a:p>
+          <a:p>
+            <a:pPr marL="171450" indent="-171450">
+              <a:buFont typeface="Arial" panose="020B0604020202020204" pitchFamily="34" charset="0"/>
+              <a:buChar char="•"/>
+            </a:pPr>
+            <a:r>
+              <a:rPr lang="en-US" baseline="0" dirty="0" smtClean="0"/>
+              <a:t>White Board</a:t>
+            </a:r>
+          </a:p>
+          <a:p>
+            <a:pPr marL="171450" indent="-171450">
+              <a:buFont typeface="Arial" panose="020B0604020202020204" pitchFamily="34" charset="0"/>
+              <a:buChar char="•"/>
+            </a:pPr>
+            <a:r>
+              <a:rPr lang="en-US" baseline="0" dirty="0" smtClean="0"/>
+              <a:t>Hospital scheduling</a:t>
+            </a:r>
+          </a:p>
+          <a:p>
+            <a:pPr marL="171450" indent="-171450">
+              <a:buFont typeface="Arial" panose="020B0604020202020204" pitchFamily="34" charset="0"/>
+              <a:buChar char="•"/>
+            </a:pPr>
+            <a:r>
+              <a:rPr lang="en-US" baseline="0" dirty="0" smtClean="0"/>
+              <a:t>SWISH</a:t>
+            </a:r>
+          </a:p>
+          <a:p>
+            <a:pPr marL="171450" indent="-171450">
+              <a:buFont typeface="Arial" panose="020B0604020202020204" pitchFamily="34" charset="0"/>
+              <a:buChar char="•"/>
+            </a:pPr>
+            <a:r>
+              <a:rPr lang="en-US" baseline="0" dirty="0" smtClean="0"/>
+              <a:t>Online </a:t>
+            </a:r>
+            <a:r>
+              <a:rPr lang="en-US" baseline="0" dirty="0" err="1" smtClean="0"/>
+              <a:t>LearningTool</a:t>
+            </a:r>
+            <a:endParaRPr lang="en-US" baseline="0" dirty="0" smtClean="0"/>
+          </a:p>
+          <a:p>
+            <a:pPr marL="171450" indent="-171450">
+              <a:buFont typeface="Arial" panose="020B0604020202020204" pitchFamily="34" charset="0"/>
+              <a:buChar char="•"/>
+            </a:pPr>
+            <a:r>
+              <a:rPr lang="en-US" baseline="0" dirty="0" smtClean="0"/>
+              <a:t>Data Browser</a:t>
+            </a:r>
+          </a:p>
+          <a:p>
+            <a:pPr marL="171450" indent="-171450">
+              <a:buFont typeface="Arial" panose="020B0604020202020204" pitchFamily="34" charset="0"/>
+              <a:buChar char="•"/>
+            </a:pPr>
+            <a:r>
+              <a:rPr lang="en-US" baseline="0" dirty="0" smtClean="0"/>
+              <a:t>Eventually replace XPCE</a:t>
+            </a:r>
+          </a:p>
+          <a:p>
+            <a:pPr marL="171450" indent="-171450">
+              <a:buFont typeface="Arial" panose="020B0604020202020204" pitchFamily="34" charset="0"/>
+              <a:buChar char="•"/>
+            </a:pPr>
+            <a:endParaRPr lang="en-US" baseline="0" dirty="0" smtClean="0"/>
+          </a:p>
+          <a:p>
+            <a:pPr marL="0" indent="0">
+              <a:buFont typeface="Arial" panose="020B0604020202020204" pitchFamily="34" charset="0"/>
+              <a:buNone/>
+            </a:pPr>
+            <a:r>
+              <a:rPr lang="en-US" baseline="0" dirty="0" smtClean="0"/>
+              <a:t>Try the collaborative system, It makes building a shared environment fun and easy.</a:t>
+            </a:r>
+            <a:endParaRPr lang="en-US" dirty="0" smtClean="0"/>
+          </a:p>
+        </p:txBody>
+      </p:sp>
+      <p:sp>
+        <p:nvSpPr>
+          <p:cNvPr id="4" name="Slide Number Placeholder 3"/>
+          <p:cNvSpPr>
+            <a:spLocks noGrp="1"/>
+          </p:cNvSpPr>
+          <p:nvPr>
+            <p:ph type="sldNum" sz="quarter" idx="10"/>
+          </p:nvPr>
+        </p:nvSpPr>
+        <p:spPr/>
+        <p:txBody>
+          <a:bodyPr/>
+          <a:lstStyle/>
+          <a:p>
+            <a:fld id="{42EAAFEF-7C69-4829-A810-B8C7AEBE8F0E}" type="slidenum">
+              <a:rPr lang="en-US" smtClean="0"/>
+              <a:t>29</a:t>
+            </a:fld>
+            <a:endParaRPr lang="en-US"/>
+          </a:p>
+        </p:txBody>
+      </p:sp>
+    </p:spTree>
+    <p:extLst>
+      <p:ext uri="{BB962C8B-B14F-4D97-AF65-F5344CB8AC3E}">
+        <p14:creationId xmlns:p14="http://schemas.microsoft.com/office/powerpoint/2010/main" val="778895308"/>
+      </p:ext>
+    </p:extLst>
+  </p:cSld>
+  <p:clrMapOvr>
+    <a:masterClrMapping/>
+  </p:clrMapOvr>
+</p:notes>
+</file>
+
+<file path=ppt/notesSlides/notesSlide29.xml><?xml version="1.0" encoding="utf-8"?>
+<p:notes xmlns:a="http://schemas.openxmlformats.org/drawingml/2006/main" xmlns:r="http://schemas.openxmlformats.org/officeDocument/2006/relationships" xmlns:p="http://schemas.openxmlformats.org/presentationml/2006/main">
+  <p:cSld>
+    <p:spTree>
+      <p:nvGrpSpPr>
+        <p:cNvPr id="1" name=""/>
+        <p:cNvGrpSpPr/>
+        <p:nvPr/>
+      </p:nvGrpSpPr>
+      <p:grpSpPr>
+        <a:xfrm>
+          <a:off x="0" y="0"/>
+          <a:ext cx="0" cy="0"/>
+          <a:chOff x="0" y="0"/>
+          <a:chExt cx="0" cy="0"/>
+        </a:xfrm>
+      </p:grpSpPr>
+      <p:sp>
+        <p:nvSpPr>
+          <p:cNvPr id="2" name="Slide Image Placeholder 1"/>
+          <p:cNvSpPr>
+            <a:spLocks noGrp="1" noRot="1" noChangeAspect="1"/>
+          </p:cNvSpPr>
+          <p:nvPr>
+            <p:ph type="sldImg"/>
+          </p:nvPr>
+        </p:nvSpPr>
+        <p:spPr/>
+      </p:sp>
+      <p:sp>
+        <p:nvSpPr>
+          <p:cNvPr id="3" name="Notes Placeholder 2"/>
+          <p:cNvSpPr>
+            <a:spLocks noGrp="1"/>
+          </p:cNvSpPr>
+          <p:nvPr>
+            <p:ph type="body" idx="1"/>
+          </p:nvPr>
+        </p:nvSpPr>
+        <p:spPr/>
+        <p:txBody>
+          <a:bodyPr/>
+          <a:lstStyle/>
+          <a:p>
+            <a:r>
+              <a:rPr lang="en-US" dirty="0" smtClean="0"/>
               <a:t>Here's some resources.</a:t>
             </a:r>
             <a:r>
               <a:rPr lang="en-US" baseline="0" dirty="0" smtClean="0"/>
-              <a:t> I don't expect anybody to read this mess, but you can grab the slides from my </a:t>
-            </a:r>
-            <a:r>
-              <a:rPr lang="en-US" baseline="0" dirty="0" err="1" smtClean="0"/>
-              <a:t>github</a:t>
-            </a:r>
-            <a:r>
-              <a:rPr lang="en-US" baseline="0" dirty="0" smtClean="0"/>
-              <a:t>. I'm </a:t>
-            </a:r>
-            <a:r>
-              <a:rPr lang="en-US" baseline="0" dirty="0" err="1" smtClean="0"/>
-              <a:t>Anniepoo</a:t>
-            </a:r>
-            <a:r>
-              <a:rPr lang="en-US" baseline="0" dirty="0" smtClean="0"/>
-              <a:t> on </a:t>
-            </a:r>
-            <a:r>
-              <a:rPr lang="en-US" baseline="0" dirty="0" err="1" smtClean="0"/>
-              <a:t>github</a:t>
+              <a:t> I don't expect anybody to read this mess, get Slides</a:t>
             </a:r>
             <a:endParaRPr lang="en-US" dirty="0" smtClean="0"/>
           </a:p>
           <a:p>
             <a:r>
               <a:rPr lang="en-US" dirty="0" smtClean="0"/>
-              <a:t> Thanks, I hope you've enjoyed hearing about </a:t>
-            </a:r>
-            <a:r>
-              <a:rPr lang="en-US" dirty="0" err="1" smtClean="0"/>
-              <a:t>pengines</a:t>
-            </a:r>
-            <a:r>
-              <a:rPr lang="en-US" dirty="0" smtClean="0"/>
-              <a:t>, I've enjoyed telling you all about them.</a:t>
+              <a:t> Enjoyed hearing, enjoyed telling</a:t>
             </a:r>
           </a:p>
           <a:p>
@@ -2466,39 +3128,18 @@
             </a:pPr>
             <a:r>
               <a:rPr lang="en-US" dirty="0" smtClean="0"/>
-              <a:t>Thanks to </a:t>
-            </a:r>
-            <a:r>
-              <a:rPr lang="en-US" dirty="0" err="1" smtClean="0"/>
-              <a:t>Torbjörn</a:t>
-            </a:r>
+              <a:t>Thanks to Torbjörn Lager and Jan Wielemaker, who tolerated many naive questions while I was working on this.</a:t>
+            </a:r>
+          </a:p>
+          <a:p>
+            <a:endParaRPr lang="en-US" dirty="0" smtClean="0"/>
+          </a:p>
+          <a:p>
             <a:r>
               <a:rPr lang="en-US" dirty="0" smtClean="0"/>
-              <a:t> Lager and Jan </a:t>
-            </a:r>
-            <a:r>
-              <a:rPr lang="en-US" dirty="0" err="1" smtClean="0"/>
-              <a:t>Wielemaker</a:t>
-            </a:r>
-            <a:r>
-              <a:rPr lang="en-US" dirty="0" smtClean="0"/>
-              <a:t>, who tolerated many naive questions while I was working on this.</a:t>
-            </a:r>
-          </a:p>
-          <a:p>
-            <a:r>
-              <a:rPr lang="en-US" baseline="0" dirty="0" smtClean="0"/>
-              <a:t>The documentation is currently divided between the last link on this slide and the main swi-prolog.org site</a:t>
-            </a:r>
-          </a:p>
-          <a:p>
+              <a:t>Questions?</a:t>
+            </a:r>
             <a:endParaRPr lang="en-US" dirty="0" smtClean="0"/>
-          </a:p>
-          <a:p>
-            <a:r>
-              <a:rPr lang="en-US" dirty="0" smtClean="0"/>
-              <a:t>   Any questions?</a:t>
-            </a:r>
           </a:p>
           <a:p>
             <a:endParaRPr lang="en-US" dirty="0"/>
@@ -2522,7 +3163,7 @@
           <a:p>
             <a:fld id="{FE80C184-613D-42A8-A044-4FB84949CE70}" type="slidenum">
               <a:rPr lang="en-US" smtClean="0"/>
-              <a:t>24</a:t>
+              <a:t>30</a:t>
             </a:fld>
             <a:endParaRPr lang="en-US"/>
           </a:p>
@@ -2587,107 +3228,13 @@
           <a:p>
             <a:r>
               <a:rPr lang="en-US" dirty="0" smtClean="0"/>
-              <a:t>This is how people</a:t>
+              <a:t>I'll</a:t>
             </a:r>
             <a:r>
               <a:rPr lang="en-US" baseline="0" dirty="0" smtClean="0"/>
-              <a:t> interact with servers today.  </a:t>
-            </a:r>
-            <a:r>
-              <a:rPr lang="en-US" dirty="0" smtClean="0"/>
-              <a:t> Every data feed has its</a:t>
-            </a:r>
-            <a:r>
-              <a:rPr lang="en-US" baseline="0" dirty="0" smtClean="0"/>
-              <a:t> own API. We need to manually write an interface to each one.</a:t>
-            </a:r>
-            <a:endParaRPr lang="en-US" dirty="0" smtClean="0"/>
-          </a:p>
-          <a:p>
-            <a:r>
-              <a:rPr lang="en-US" baseline="0" dirty="0" smtClean="0"/>
-              <a:t>This even applies to our own server-  we have to write code for </a:t>
-            </a:r>
-            <a:r>
-              <a:rPr lang="en-US" baseline="0" dirty="0" err="1" smtClean="0"/>
-              <a:t>ajax</a:t>
-            </a:r>
-            <a:r>
-              <a:rPr lang="en-US" baseline="0" dirty="0" smtClean="0"/>
-              <a:t> on each end of the pipe.</a:t>
-            </a:r>
-          </a:p>
-          <a:p>
-            <a:endParaRPr lang="en-US" baseline="0" dirty="0" smtClean="0"/>
-          </a:p>
-          <a:p>
-            <a:r>
-              <a:rPr lang="en-US" baseline="0" dirty="0" smtClean="0"/>
-              <a:t>One of the problems with this is simply that the language we're using is really, really simple. HTTP just doesn't have much combinatorial power.</a:t>
-            </a:r>
-          </a:p>
-          <a:p>
-            <a:r>
-              <a:rPr lang="en-US" baseline="0" dirty="0" smtClean="0"/>
-              <a:t>That means some combinatorial explosion of URI endpoints. It hurts, and keeps lots of us in a job we really want out of.</a:t>
-            </a:r>
-          </a:p>
-          <a:p>
-            <a:endParaRPr lang="en-US" baseline="0" dirty="0" smtClean="0"/>
-          </a:p>
-          <a:p>
-            <a:r>
-              <a:rPr lang="en-US" baseline="0" dirty="0" smtClean="0"/>
-              <a:t>Is there some way we could give our friend here a more powerful, easier to use interface?</a:t>
-            </a:r>
-          </a:p>
-          <a:p>
-            <a:endParaRPr lang="en-US" baseline="0" dirty="0" smtClean="0"/>
-          </a:p>
-          <a:p>
-            <a:r>
-              <a:rPr lang="en-US" baseline="0" dirty="0" smtClean="0"/>
-              <a:t>One solution would be to give our friend shell access.  That would vastly simplify his problems, but it wouldn't do much for our security.</a:t>
-            </a:r>
-          </a:p>
-          <a:p>
-            <a:r>
-              <a:rPr lang="en-US" baseline="0" dirty="0" smtClean="0"/>
-              <a:t>And it's a completely infeasible solution if we have millions of users.</a:t>
-            </a:r>
-          </a:p>
-          <a:p>
-            <a:endParaRPr lang="en-US" baseline="0" dirty="0" smtClean="0"/>
-          </a:p>
-          <a:p>
-            <a:r>
-              <a:rPr lang="en-US" baseline="0" dirty="0" err="1" smtClean="0"/>
-              <a:t>Pengines</a:t>
-            </a:r>
-            <a:r>
-              <a:rPr lang="en-US" baseline="0" dirty="0" smtClean="0"/>
-              <a:t>, does something like this. A foreign server can request a </a:t>
-            </a:r>
-            <a:r>
-              <a:rPr lang="en-US" baseline="0" dirty="0" err="1" smtClean="0"/>
-              <a:t>pengine</a:t>
-            </a:r>
-            <a:r>
-              <a:rPr lang="en-US" baseline="0" dirty="0" smtClean="0"/>
-              <a:t> - a lightweight VM it can interact with just like the Prolog top level.</a:t>
-            </a:r>
-          </a:p>
-          <a:p>
-            <a:endParaRPr lang="en-US" baseline="0" dirty="0" smtClean="0"/>
-          </a:p>
-          <a:p>
-            <a:r>
-              <a:rPr lang="en-US" baseline="0" dirty="0" smtClean="0"/>
-              <a:t>The requesting entity can be a foreign server, or a web page.</a:t>
-            </a:r>
-          </a:p>
-          <a:p>
-            <a:endParaRPr lang="en-US" baseline="0" dirty="0" smtClean="0"/>
+              <a:t> start by motivating pengines and explaining the larger pieces and their roles</a:t>
+            </a:r>
+            <a:endParaRPr lang="en-US" dirty="0"/>
           </a:p>
         </p:txBody>
       </p:sp>
@@ -2717,7 +3264,7 @@
     </p:spTree>
     <p:extLst>
       <p:ext uri="{BB962C8B-B14F-4D97-AF65-F5344CB8AC3E}">
-        <p14:creationId xmlns:p14="http://schemas.microsoft.com/office/powerpoint/2010/main" val="2512807061"/>
+        <p14:creationId xmlns:p14="http://schemas.microsoft.com/office/powerpoint/2010/main" val="1159676221"/>
       </p:ext>
     </p:extLst>
   </p:cSld>
@@ -2773,124 +3320,82 @@
           <a:p>
             <a:r>
               <a:rPr lang="en-US" dirty="0" smtClean="0"/>
-              <a:t> There are 3 roles - applications, masters, and slaves.</a:t>
-            </a:r>
-          </a:p>
-          <a:p>
+              <a:t>This is how people</a:t>
+            </a:r>
+            <a:r>
+              <a:rPr lang="en-US" baseline="0" dirty="0" smtClean="0"/>
+              <a:t> interact with servers today.  </a:t>
+            </a:r>
             <a:r>
               <a:rPr lang="en-US" dirty="0" smtClean="0"/>
-              <a:t>   Applications are containers that hold </a:t>
-            </a:r>
-            <a:r>
-              <a:rPr lang="en-US" dirty="0" err="1" smtClean="0"/>
-              <a:t>pengines</a:t>
-            </a:r>
-            <a:r>
-              <a:rPr lang="en-US" dirty="0" smtClean="0"/>
-              <a:t>. Each application has an URI.</a:t>
-            </a:r>
-          </a:p>
-          <a:p>
-            <a:r>
-              <a:rPr lang="en-US" dirty="0" smtClean="0"/>
-              <a:t>   Masters request </a:t>
-            </a:r>
-            <a:r>
-              <a:rPr lang="en-US" dirty="0" err="1" smtClean="0"/>
-              <a:t>pengines</a:t>
-            </a:r>
-            <a:r>
-              <a:rPr lang="en-US" dirty="0" smtClean="0"/>
-              <a:t> from applications.</a:t>
-            </a:r>
-          </a:p>
-          <a:p>
-            <a:pPr marL="0" marR="0" indent="0" algn="l" defTabSz="914400" rtl="0" eaLnBrk="1" fontAlgn="auto" latinLnBrk="0" hangingPunct="1">
-              <a:lnSpc>
-                <a:spcPct val="100000"/>
-              </a:lnSpc>
-              <a:spcBef>
-                <a:spcPts val="0"/>
-              </a:spcBef>
-              <a:spcAft>
-                <a:spcPts val="0"/>
-              </a:spcAft>
-              <a:buClrTx/>
-              <a:buSzTx/>
-              <a:buFontTx/>
-              <a:buNone/>
-              <a:tabLst/>
-              <a:defRPr/>
-            </a:pPr>
-            <a:r>
-              <a:rPr lang="en-US" dirty="0" smtClean="0"/>
-              <a:t>The application returns an ID. Since the master alone knows the ID, only it can control the </a:t>
-            </a:r>
-            <a:r>
-              <a:rPr lang="en-US" dirty="0" err="1" smtClean="0"/>
-              <a:t>pengine</a:t>
-            </a:r>
-            <a:r>
-              <a:rPr lang="en-US" dirty="0" smtClean="0"/>
-              <a:t>.</a:t>
-            </a:r>
-          </a:p>
-          <a:p>
-            <a:r>
-              <a:rPr lang="en-US" dirty="0" smtClean="0"/>
-              <a:t>   Slaves are the actual </a:t>
-            </a:r>
-            <a:r>
-              <a:rPr lang="en-US" dirty="0" err="1" smtClean="0"/>
-              <a:t>pengines</a:t>
-            </a:r>
-            <a:r>
-              <a:rPr lang="en-US" dirty="0" smtClean="0"/>
-              <a:t>. </a:t>
-            </a:r>
-          </a:p>
-          <a:p>
-            <a:r>
-              <a:rPr lang="en-US" dirty="0" smtClean="0"/>
-              <a:t>   The slave is a lightweight VM, similar to an </a:t>
-            </a:r>
-            <a:r>
-              <a:rPr lang="en-US" dirty="0" err="1" smtClean="0"/>
-              <a:t>Erlang</a:t>
-            </a:r>
-            <a:r>
-              <a:rPr lang="en-US" dirty="0" smtClean="0"/>
-              <a:t> process, that provides the master with a Prolog </a:t>
-            </a:r>
-            <a:r>
-              <a:rPr lang="en-US" dirty="0" err="1" smtClean="0"/>
-              <a:t>interactor</a:t>
-            </a:r>
-            <a:r>
-              <a:rPr lang="en-US" dirty="0" smtClean="0"/>
-              <a:t>,</a:t>
-            </a:r>
-          </a:p>
-          <a:p>
-            <a:r>
-              <a:rPr lang="en-US" dirty="0" smtClean="0"/>
-              <a:t>   just like if the programmer had </a:t>
-            </a:r>
-            <a:r>
-              <a:rPr lang="en-US" dirty="0" err="1" smtClean="0"/>
-              <a:t>SSH'ed</a:t>
-            </a:r>
-            <a:r>
-              <a:rPr lang="en-US" dirty="0" smtClean="0"/>
-              <a:t> into the server manually.</a:t>
-            </a:r>
-          </a:p>
-          <a:p>
-            <a:r>
-              <a:rPr lang="en-US" dirty="0" smtClean="0"/>
-              <a:t>   </a:t>
-            </a:r>
-            <a:endParaRPr lang="en-US" dirty="0"/>
+              <a:t> Every data feed has its</a:t>
+            </a:r>
+            <a:r>
+              <a:rPr lang="en-US" baseline="0" dirty="0" smtClean="0"/>
+              <a:t> own API. We need to manually write an interface to each one.</a:t>
+            </a:r>
+            <a:endParaRPr lang="en-US" dirty="0" smtClean="0"/>
+          </a:p>
+          <a:p>
+            <a:r>
+              <a:rPr lang="en-US" baseline="0" dirty="0" smtClean="0"/>
+              <a:t>This even applies to our own server-  we have to write code for </a:t>
+            </a:r>
+            <a:r>
+              <a:rPr lang="en-US" baseline="0" dirty="0" err="1" smtClean="0"/>
+              <a:t>ajax</a:t>
+            </a:r>
+            <a:r>
+              <a:rPr lang="en-US" baseline="0" dirty="0" smtClean="0"/>
+              <a:t> on each end of the pipe.</a:t>
+            </a:r>
+          </a:p>
+          <a:p>
+            <a:endParaRPr lang="en-US" baseline="0" dirty="0" smtClean="0"/>
+          </a:p>
+          <a:p>
+            <a:r>
+              <a:rPr lang="en-US" baseline="0" dirty="0" smtClean="0"/>
+              <a:t>One cause of this is the lack of combinatorial power in HTTP. HTTP is </a:t>
+            </a:r>
+            <a:r>
+              <a:rPr lang="en-US" i="1" baseline="0" dirty="0" smtClean="0"/>
+              <a:t>hand me a query with some parameters,</a:t>
+            </a:r>
+          </a:p>
+          <a:p>
+            <a:r>
+              <a:rPr lang="en-US" i="1" baseline="0" dirty="0" smtClean="0"/>
+              <a:t>I hand you back some information</a:t>
+            </a:r>
+            <a:r>
+              <a:rPr lang="en-US" baseline="0" dirty="0" smtClean="0"/>
+              <a:t>. It's not combinatorial.</a:t>
+            </a:r>
+          </a:p>
+          <a:p>
+            <a:endParaRPr lang="en-US" baseline="0" dirty="0" smtClean="0"/>
+          </a:p>
+          <a:p>
+            <a:r>
+              <a:rPr lang="en-US" baseline="0" dirty="0" smtClean="0"/>
+              <a:t>So instead we have a combinatorial explosion of URI endpoints.</a:t>
+            </a:r>
+          </a:p>
+          <a:p>
+            <a:endParaRPr lang="en-US" baseline="0" dirty="0" smtClean="0"/>
+          </a:p>
+          <a:p>
+            <a:r>
+              <a:rPr lang="en-US" baseline="0" dirty="0" smtClean="0"/>
+              <a:t>Is there a better way?</a:t>
+            </a:r>
+          </a:p>
+          <a:p>
+            <a:endParaRPr lang="en-US" baseline="0" dirty="0" smtClean="0"/>
+          </a:p>
+          <a:p>
+            <a:endParaRPr lang="en-US" baseline="0" dirty="0" smtClean="0"/>
           </a:p>
         </p:txBody>
       </p:sp>
@@ -2920,7 +3425,7 @@
     </p:spTree>
     <p:extLst>
       <p:ext uri="{BB962C8B-B14F-4D97-AF65-F5344CB8AC3E}">
-        <p14:creationId xmlns:p14="http://schemas.microsoft.com/office/powerpoint/2010/main" val="3087435415"/>
+        <p14:creationId xmlns:p14="http://schemas.microsoft.com/office/powerpoint/2010/main" val="2512807061"/>
       </p:ext>
     </p:extLst>
   </p:cSld>
@@ -2975,60 +3480,21 @@
           <a:lstStyle/>
           <a:p>
             <a:r>
-              <a:rPr lang="en-US" dirty="0" smtClean="0"/>
-              <a:t> So, here's a sample universe with some </a:t>
-            </a:r>
-            <a:r>
-              <a:rPr lang="en-US" dirty="0" err="1" smtClean="0"/>
-              <a:t>pengines</a:t>
-            </a:r>
-            <a:r>
-              <a:rPr lang="en-US" dirty="0" smtClean="0"/>
-              <a:t>.</a:t>
-            </a:r>
-          </a:p>
-          <a:p>
-            <a:r>
-              <a:rPr lang="en-US" dirty="0" smtClean="0"/>
-              <a:t>The master could be random code</a:t>
-            </a:r>
-            <a:r>
               <a:rPr lang="en-US" baseline="0" dirty="0" smtClean="0"/>
-              <a:t> in the same VM, or a foreign server, or a web page.</a:t>
-            </a:r>
-          </a:p>
-          <a:p>
-            <a:endParaRPr lang="en-US" baseline="0" dirty="0" smtClean="0"/>
+              <a:t>We could give our friend shell access.  </a:t>
+            </a:r>
           </a:p>
           <a:p>
             <a:r>
               <a:rPr lang="en-US" baseline="0" dirty="0" smtClean="0"/>
-              <a:t>A master can have more than one slave, but each slave has one master.</a:t>
-            </a:r>
-          </a:p>
-          <a:p>
-            <a:endParaRPr lang="en-US" baseline="0" dirty="0" smtClean="0"/>
-          </a:p>
-          <a:p>
-            <a:r>
-              <a:rPr lang="en-US" dirty="0" smtClean="0"/>
-              <a:t>The master can be a remote server, another process on the same server, the same VM that is running the application, or a web page.</a:t>
-            </a:r>
-          </a:p>
-          <a:p>
-            <a:r>
-              <a:rPr lang="en-US" dirty="0" smtClean="0"/>
-              <a:t>   People clear about the architecture?</a:t>
-            </a:r>
-          </a:p>
-          <a:p>
-            <a:endParaRPr lang="en-US" baseline="0" dirty="0" smtClean="0"/>
-          </a:p>
-          <a:p>
-            <a:endParaRPr lang="en-US" dirty="0" smtClean="0"/>
-          </a:p>
-          <a:p>
-            <a:endParaRPr lang="en-US" dirty="0" smtClean="0"/>
+              <a:t>That would vastly simplify his problems, but it wouldn't do much for our security.</a:t>
+            </a:r>
+          </a:p>
+          <a:p>
+            <a:r>
+              <a:rPr lang="en-US" baseline="0" dirty="0" smtClean="0"/>
+              <a:t>And it's a completely infeasible solution if we have millions of users.</a:t>
+            </a:r>
           </a:p>
           <a:p>
             <a:endParaRPr lang="en-US" dirty="0"/>
@@ -3061,7 +3527,7 @@
     </p:spTree>
     <p:extLst>
       <p:ext uri="{BB962C8B-B14F-4D97-AF65-F5344CB8AC3E}">
-        <p14:creationId xmlns:p14="http://schemas.microsoft.com/office/powerpoint/2010/main" val="1903109925"/>
+        <p14:creationId xmlns:p14="http://schemas.microsoft.com/office/powerpoint/2010/main" val="3070174606"/>
       </p:ext>
     </p:extLst>
   </p:cSld>
@@ -3117,11 +3583,114 @@
           <a:p>
             <a:r>
               <a:rPr lang="en-US" dirty="0" smtClean="0"/>
-              <a:t>Here's the server's total</a:t>
-            </a:r>
+              <a:t> </a:t>
+            </a:r>
+            <a:endParaRPr lang="en-US" baseline="0" dirty="0" smtClean="0"/>
+          </a:p>
+          <a:p>
             <a:r>
               <a:rPr lang="en-US" baseline="0" dirty="0" smtClean="0"/>
-              <a:t> knowledgebase</a:t>
+              <a:t>A pengine is similar to an SSH shell in some ways. </a:t>
+            </a:r>
+          </a:p>
+          <a:p>
+            <a:endParaRPr lang="en-US" baseline="0" dirty="0" smtClean="0"/>
+          </a:p>
+          <a:p>
+            <a:r>
+              <a:rPr lang="en-US" baseline="0" dirty="0" smtClean="0"/>
+              <a:t>An application is an URI endpoint that will create a certain type of pengine</a:t>
+            </a:r>
+          </a:p>
+          <a:p>
+            <a:endParaRPr lang="en-US" baseline="0" dirty="0" smtClean="0"/>
+          </a:p>
+          <a:p>
+            <a:r>
+              <a:rPr lang="en-US" baseline="0" dirty="0" smtClean="0"/>
+              <a:t>A "master" sends a request to the application, and the application creates the slave pengine and returns the ID.</a:t>
+            </a:r>
+          </a:p>
+          <a:p>
+            <a:pPr marL="0" marR="0" indent="0" algn="l" defTabSz="914400" rtl="0" eaLnBrk="1" fontAlgn="auto" latinLnBrk="0" hangingPunct="1">
+              <a:lnSpc>
+                <a:spcPct val="100000"/>
+              </a:lnSpc>
+              <a:spcBef>
+                <a:spcPts val="0"/>
+              </a:spcBef>
+              <a:spcAft>
+                <a:spcPts val="0"/>
+              </a:spcAft>
+              <a:buClrTx/>
+              <a:buSzTx/>
+              <a:buFontTx/>
+              <a:buNone/>
+              <a:tabLst/>
+              <a:defRPr/>
+            </a:pPr>
+            <a:r>
+              <a:rPr lang="en-US" dirty="0" smtClean="0"/>
+              <a:t>Since the master alone knows the ID, only it can control the pengine.</a:t>
+            </a:r>
+          </a:p>
+          <a:p>
+            <a:pPr marL="0" marR="0" indent="0" algn="l" defTabSz="914400" rtl="0" eaLnBrk="1" fontAlgn="auto" latinLnBrk="0" hangingPunct="1">
+              <a:lnSpc>
+                <a:spcPct val="100000"/>
+              </a:lnSpc>
+              <a:spcBef>
+                <a:spcPts val="0"/>
+              </a:spcBef>
+              <a:spcAft>
+                <a:spcPts val="0"/>
+              </a:spcAft>
+              <a:buClrTx/>
+              <a:buSzTx/>
+              <a:buFontTx/>
+              <a:buNone/>
+              <a:tabLst/>
+              <a:defRPr/>
+            </a:pPr>
+            <a:endParaRPr lang="en-US" baseline="0" dirty="0" smtClean="0"/>
+          </a:p>
+          <a:p>
+            <a:pPr marL="0" marR="0" indent="0" algn="l" defTabSz="914400" rtl="0" eaLnBrk="1" fontAlgn="auto" latinLnBrk="0" hangingPunct="1">
+              <a:lnSpc>
+                <a:spcPct val="100000"/>
+              </a:lnSpc>
+              <a:spcBef>
+                <a:spcPts val="0"/>
+              </a:spcBef>
+              <a:spcAft>
+                <a:spcPts val="0"/>
+              </a:spcAft>
+              <a:buClrTx/>
+              <a:buSzTx/>
+              <a:buFontTx/>
+              <a:buNone/>
+              <a:tabLst/>
+              <a:defRPr/>
+            </a:pPr>
+            <a:r>
+              <a:rPr lang="en-US" baseline="0" dirty="0" smtClean="0"/>
+              <a:t>Now the master can send nondeterministic queries to the pengine slave.</a:t>
+            </a:r>
+          </a:p>
+          <a:p>
+            <a:endParaRPr lang="en-US" baseline="0" dirty="0" smtClean="0"/>
+          </a:p>
+          <a:p>
+            <a:r>
+              <a:rPr lang="en-US" baseline="0" dirty="0" smtClean="0"/>
+              <a:t>Effectively, the master has a sandboxed shell on the host server.</a:t>
+            </a:r>
+            <a:endParaRPr lang="en-US" dirty="0" smtClean="0"/>
+          </a:p>
+          <a:p>
+            <a:r>
+              <a:rPr lang="en-US" dirty="0" smtClean="0"/>
+              <a:t>   </a:t>
             </a:r>
             <a:endParaRPr lang="en-US" dirty="0"/>
           </a:p>
@@ -3153,7 +3722,7 @@
     </p:spTree>
     <p:extLst>
       <p:ext uri="{BB962C8B-B14F-4D97-AF65-F5344CB8AC3E}">
-        <p14:creationId xmlns:p14="http://schemas.microsoft.com/office/powerpoint/2010/main" val="2604775681"/>
+        <p14:creationId xmlns:p14="http://schemas.microsoft.com/office/powerpoint/2010/main" val="3087435415"/>
       </p:ext>
     </p:extLst>
   </p:cSld>
@@ -3209,26 +3778,53 @@
           <a:p>
             <a:r>
               <a:rPr lang="en-US" dirty="0" smtClean="0"/>
-              <a:t>Of course we</a:t>
+              <a:t> So, here's a sample universe with some pengines.</a:t>
+            </a:r>
+          </a:p>
+          <a:p>
+            <a:r>
+              <a:rPr lang="en-US" dirty="0" smtClean="0"/>
+              <a:t>The master could be random code</a:t>
             </a:r>
             <a:r>
               <a:rPr lang="en-US" baseline="0" dirty="0" smtClean="0"/>
-              <a:t> shouldn't expose all of it. We don't want the </a:t>
-            </a:r>
-            <a:r>
-              <a:rPr lang="en-US" baseline="0" dirty="0" err="1" smtClean="0"/>
-              <a:t>pengine</a:t>
-            </a:r>
+              <a:t> in the same VM, or a foreign server, or a web page.</a:t>
+            </a:r>
+          </a:p>
+          <a:p>
+            <a:endParaRPr lang="en-US" baseline="0" dirty="0" smtClean="0"/>
+          </a:p>
+          <a:p>
             <a:r>
               <a:rPr lang="en-US" baseline="0" dirty="0" smtClean="0"/>
-              <a:t> to be able to call shell, for example. </a:t>
-            </a:r>
-          </a:p>
-          <a:p>
-            <a:r>
-              <a:rPr lang="en-US" baseline="0" dirty="0" smtClean="0"/>
-              <a:t>The default application is sandbox. Sandbox only exposes those items that it considers safe, and analyzes code before running it to make sure it too is safe.</a:t>
-            </a:r>
+              <a:t>A master can have more than one slave, but each slave has one master.</a:t>
+            </a:r>
+          </a:p>
+          <a:p>
+            <a:endParaRPr lang="en-US" baseline="0" dirty="0" smtClean="0"/>
+          </a:p>
+          <a:p>
+            <a:r>
+              <a:rPr lang="en-US" dirty="0" smtClean="0"/>
+              <a:t>The master can be a remote server, another process on the same server, the same VM that is running the application, or a web page.</a:t>
+            </a:r>
+          </a:p>
+          <a:p>
+            <a:r>
+              <a:rPr lang="en-US" dirty="0" smtClean="0"/>
+              <a:t>   People clear about the architecture?</a:t>
+            </a:r>
+          </a:p>
+          <a:p>
+            <a:endParaRPr lang="en-US" baseline="0" dirty="0" smtClean="0"/>
+          </a:p>
+          <a:p>
+            <a:endParaRPr lang="en-US" dirty="0" smtClean="0"/>
+          </a:p>
+          <a:p>
+            <a:endParaRPr lang="en-US" dirty="0" smtClean="0"/>
+          </a:p>
+          <a:p>
             <a:endParaRPr lang="en-US" dirty="0"/>
           </a:p>
         </p:txBody>
@@ -3259,7 +3855,7 @@
     </p:spTree>
     <p:extLst>
       <p:ext uri="{BB962C8B-B14F-4D97-AF65-F5344CB8AC3E}">
-        <p14:creationId xmlns:p14="http://schemas.microsoft.com/office/powerpoint/2010/main" val="32098397"/>
+        <p14:creationId xmlns:p14="http://schemas.microsoft.com/office/powerpoint/2010/main" val="1903109925"/>
       </p:ext>
     </p:extLst>
   </p:cSld>
@@ -3315,11 +3911,17 @@
           <a:p>
             <a:r>
               <a:rPr lang="en-US" dirty="0" smtClean="0"/>
-              <a:t>Typically one creates</a:t>
+              <a:t>Lets look</a:t>
             </a:r>
             <a:r>
               <a:rPr lang="en-US" baseline="0" dirty="0" smtClean="0"/>
-              <a:t> an application by importing a module into the sandbox. So we have the union of the sandbox and the application space</a:t>
+              <a:t> in more detail at the knowledge that's exposed to the pengine,</a:t>
+            </a:r>
+          </a:p>
+          <a:p>
+            <a:r>
+              <a:rPr lang="en-US" baseline="0" dirty="0" smtClean="0"/>
+              <a:t>that is, the complete set of facts and rules the pengine can see.</a:t>
             </a:r>
           </a:p>
           <a:p>
@@ -3353,7 +3955,7 @@
     </p:spTree>
     <p:extLst>
       <p:ext uri="{BB962C8B-B14F-4D97-AF65-F5344CB8AC3E}">
-        <p14:creationId xmlns:p14="http://schemas.microsoft.com/office/powerpoint/2010/main" val="4073926035"/>
+        <p14:creationId xmlns:p14="http://schemas.microsoft.com/office/powerpoint/2010/main" val="3819608270"/>
       </p:ext>
     </p:extLst>
   </p:cSld>
@@ -3407,13 +4009,16 @@
           <a:bodyPr/>
           <a:lstStyle/>
           <a:p>
+            <a:endParaRPr lang="en-US" dirty="0" smtClean="0"/>
+          </a:p>
+          <a:p>
             <a:r>
               <a:rPr lang="en-US" dirty="0" smtClean="0"/>
-              <a:t>The</a:t>
+              <a:t>Here's the server's total</a:t>
             </a:r>
             <a:r>
               <a:rPr lang="en-US" baseline="0" dirty="0" smtClean="0"/>
-              <a:t> application, however, also needs to be safe code, so unsafe code is removed.</a:t>
+              <a:t> knowledgebase</a:t>
             </a:r>
             <a:endParaRPr lang="en-US" dirty="0"/>
           </a:p>
@@ -3445,7 +4050,7 @@
     </p:spTree>
     <p:extLst>
       <p:ext uri="{BB962C8B-B14F-4D97-AF65-F5344CB8AC3E}">
-        <p14:creationId xmlns:p14="http://schemas.microsoft.com/office/powerpoint/2010/main" val="731577893"/>
+        <p14:creationId xmlns:p14="http://schemas.microsoft.com/office/powerpoint/2010/main" val="2604775681"/>
       </p:ext>
     </p:extLst>
   </p:cSld>
@@ -3586,7 +4191,7 @@
           <a:p>
             <a:fld id="{B788F5DE-D80C-44A8-9437-1BAE7D4526B9}" type="datetimeFigureOut">
               <a:rPr lang="en-US" smtClean="0"/>
-              <a:t>9/13/2014</a:t>
+              <a:t>9/15/2014</a:t>
             </a:fld>
             <a:endParaRPr lang="en-US"/>
           </a:p>
@@ -3756,7 +4361,7 @@
           <a:p>
             <a:fld id="{B788F5DE-D80C-44A8-9437-1BAE7D4526B9}" type="datetimeFigureOut">
               <a:rPr lang="en-US" smtClean="0"/>
-              <a:t>9/13/2014</a:t>
+              <a:t>9/15/2014</a:t>
             </a:fld>
             <a:endParaRPr lang="en-US"/>
           </a:p>
@@ -3936,7 +4541,7 @@
           <a:p>
             <a:fld id="{B788F5DE-D80C-44A8-9437-1BAE7D4526B9}" type="datetimeFigureOut">
               <a:rPr lang="en-US" smtClean="0"/>
-              <a:t>9/13/2014</a:t>
+              <a:t>9/15/2014</a:t>
             </a:fld>
             <a:endParaRPr lang="en-US"/>
           </a:p>
@@ -3997,1235 +4602,7 @@
 </p:sldLayout>
 </file>
 
-<file path=ppt/slideLayouts/slideLayout2.xml><?xml version="1.0" encoding="utf-8"?>
-<p:sldLayout xmlns:a="http://schemas.openxmlformats.org/drawingml/2006/main" xmlns:r="http://schemas.openxmlformats.org/officeDocument/2006/relationships" xmlns:p="http://schemas.openxmlformats.org/presentationml/2006/main" type="obj" preserve="1">
-  <p:cSld name="Title and Content">
-    <p:spTree>
-      <p:nvGrpSpPr>
-        <p:cNvPr id="1" name=""/>
-        <p:cNvGrpSpPr/>
-        <p:nvPr/>
-      </p:nvGrpSpPr>
-      <p:grpSpPr>
-        <a:xfrm>
-          <a:off x="0" y="0"/>
-          <a:ext cx="0" cy="0"/>
-          <a:chOff x="0" y="0"/>
-          <a:chExt cx="0" cy="0"/>
-        </a:xfrm>
-      </p:grpSpPr>
-      <p:sp>
-        <p:nvSpPr>
-          <p:cNvPr id="2" name="Title 1"/>
-          <p:cNvSpPr>
-            <a:spLocks noGrp="1"/>
-          </p:cNvSpPr>
-          <p:nvPr>
-            <p:ph type="title"/>
-          </p:nvPr>
-        </p:nvSpPr>
-        <p:spPr/>
-        <p:txBody>
-          <a:bodyPr/>
-          <a:lstStyle/>
-          <a:p>
-            <a:r>
-              <a:rPr lang="en-US" smtClean="0"/>
-              <a:t>Click to edit Master title style</a:t>
-            </a:r>
-            <a:endParaRPr lang="en-US"/>
-          </a:p>
-        </p:txBody>
-      </p:sp>
-      <p:sp>
-        <p:nvSpPr>
-          <p:cNvPr id="3" name="Content Placeholder 2"/>
-          <p:cNvSpPr>
-            <a:spLocks noGrp="1"/>
-          </p:cNvSpPr>
-          <p:nvPr>
-            <p:ph idx="1"/>
-          </p:nvPr>
-        </p:nvSpPr>
-        <p:spPr/>
-        <p:txBody>
-          <a:bodyPr/>
-          <a:lstStyle/>
-          <a:p>
-            <a:pPr lvl="0"/>
-            <a:r>
-              <a:rPr lang="en-US" smtClean="0"/>
-              <a:t>Click to edit Master text styles</a:t>
-            </a:r>
-          </a:p>
-          <a:p>
-            <a:pPr lvl="1"/>
-            <a:r>
-              <a:rPr lang="en-US" smtClean="0"/>
-              <a:t>Second level</a:t>
-            </a:r>
-          </a:p>
-          <a:p>
-            <a:pPr lvl="2"/>
-            <a:r>
-              <a:rPr lang="en-US" smtClean="0"/>
-              <a:t>Third level</a:t>
-            </a:r>
-          </a:p>
-          <a:p>
-            <a:pPr lvl="3"/>
-            <a:r>
-              <a:rPr lang="en-US" smtClean="0"/>
-              <a:t>Fourth level</a:t>
-            </a:r>
-          </a:p>
-          <a:p>
-            <a:pPr lvl="4"/>
-            <a:r>
-              <a:rPr lang="en-US" smtClean="0"/>
-              <a:t>Fifth level</a:t>
-            </a:r>
-            <a:endParaRPr lang="en-US"/>
-          </a:p>
-        </p:txBody>
-      </p:sp>
-      <p:sp>
-        <p:nvSpPr>
-          <p:cNvPr id="4" name="Date Placeholder 3"/>
-          <p:cNvSpPr>
-            <a:spLocks noGrp="1"/>
-          </p:cNvSpPr>
-          <p:nvPr>
-            <p:ph type="dt" sz="half" idx="10"/>
-          </p:nvPr>
-        </p:nvSpPr>
-        <p:spPr/>
-        <p:txBody>
-          <a:bodyPr/>
-          <a:lstStyle/>
-          <a:p>
-            <a:fld id="{B788F5DE-D80C-44A8-9437-1BAE7D4526B9}" type="datetimeFigureOut">
-              <a:rPr lang="en-US" smtClean="0"/>
-              <a:t>9/13/2014</a:t>
-            </a:fld>
-            <a:endParaRPr lang="en-US"/>
-          </a:p>
-        </p:txBody>
-      </p:sp>
-      <p:sp>
-        <p:nvSpPr>
-          <p:cNvPr id="5" name="Footer Placeholder 4"/>
-          <p:cNvSpPr>
-            <a:spLocks noGrp="1"/>
-          </p:cNvSpPr>
-          <p:nvPr>
-            <p:ph type="ftr" sz="quarter" idx="11"/>
-          </p:nvPr>
-        </p:nvSpPr>
-        <p:spPr/>
-        <p:txBody>
-          <a:bodyPr/>
-          <a:lstStyle/>
-          <a:p>
-            <a:endParaRPr lang="en-US"/>
-          </a:p>
-        </p:txBody>
-      </p:sp>
-      <p:sp>
-        <p:nvSpPr>
-          <p:cNvPr id="6" name="Slide Number Placeholder 5"/>
-          <p:cNvSpPr>
-            <a:spLocks noGrp="1"/>
-          </p:cNvSpPr>
-          <p:nvPr>
-            <p:ph type="sldNum" sz="quarter" idx="12"/>
-          </p:nvPr>
-        </p:nvSpPr>
-        <p:spPr/>
-        <p:txBody>
-          <a:bodyPr/>
-          <a:lstStyle/>
-          <a:p>
-            <a:fld id="{8D4A926C-BD23-4079-B105-03BA81A0B550}" type="slidenum">
-              <a:rPr lang="en-US" smtClean="0"/>
-              <a:t>‹#›</a:t>
-            </a:fld>
-            <a:endParaRPr lang="en-US"/>
-          </a:p>
-        </p:txBody>
-      </p:sp>
-    </p:spTree>
-    <p:extLst>
-      <p:ext uri="{BB962C8B-B14F-4D97-AF65-F5344CB8AC3E}">
-        <p14:creationId xmlns:p14="http://schemas.microsoft.com/office/powerpoint/2010/main" val="3129537641"/>
-      </p:ext>
-    </p:extLst>
-  </p:cSld>
-  <p:clrMapOvr>
-    <a:masterClrMapping/>
-  </p:clrMapOvr>
-</p:sldLayout>
-</file>
-
-<file path=ppt/slideLayouts/slideLayout3.xml><?xml version="1.0" encoding="utf-8"?>
-<p:sldLayout xmlns:a="http://schemas.openxmlformats.org/drawingml/2006/main" xmlns:r="http://schemas.openxmlformats.org/officeDocument/2006/relationships" xmlns:p="http://schemas.openxmlformats.org/presentationml/2006/main" type="secHead" preserve="1">
-  <p:cSld name="Section Header">
-    <p:spTree>
-      <p:nvGrpSpPr>
-        <p:cNvPr id="1" name=""/>
-        <p:cNvGrpSpPr/>
-        <p:nvPr/>
-      </p:nvGrpSpPr>
-      <p:grpSpPr>
-        <a:xfrm>
-          <a:off x="0" y="0"/>
-          <a:ext cx="0" cy="0"/>
-          <a:chOff x="0" y="0"/>
-          <a:chExt cx="0" cy="0"/>
-        </a:xfrm>
-      </p:grpSpPr>
-      <p:sp>
-        <p:nvSpPr>
-          <p:cNvPr id="2" name="Title 1"/>
-          <p:cNvSpPr>
-            <a:spLocks noGrp="1"/>
-          </p:cNvSpPr>
-          <p:nvPr>
-            <p:ph type="title"/>
-          </p:nvPr>
-        </p:nvSpPr>
-        <p:spPr>
-          <a:xfrm>
-            <a:off x="831850" y="1709738"/>
-            <a:ext cx="10515600" cy="2852737"/>
-          </a:xfrm>
-        </p:spPr>
-        <p:txBody>
-          <a:bodyPr anchor="b"/>
-          <a:lstStyle>
-            <a:lvl1pPr>
-              <a:defRPr sz="6000"/>
-            </a:lvl1pPr>
-          </a:lstStyle>
-          <a:p>
-            <a:r>
-              <a:rPr lang="en-US" smtClean="0"/>
-              <a:t>Click to edit Master title style</a:t>
-            </a:r>
-            <a:endParaRPr lang="en-US"/>
-          </a:p>
-        </p:txBody>
-      </p:sp>
-      <p:sp>
-        <p:nvSpPr>
-          <p:cNvPr id="3" name="Text Placeholder 2"/>
-          <p:cNvSpPr>
-            <a:spLocks noGrp="1"/>
-          </p:cNvSpPr>
-          <p:nvPr>
-            <p:ph type="body" idx="1"/>
-          </p:nvPr>
-        </p:nvSpPr>
-        <p:spPr>
-          <a:xfrm>
-            <a:off x="831850" y="4589463"/>
-            <a:ext cx="10515600" cy="1500187"/>
-          </a:xfrm>
-        </p:spPr>
-        <p:txBody>
-          <a:bodyPr/>
-          <a:lstStyle>
-            <a:lvl1pPr marL="0" indent="0">
-              <a:buNone/>
-              <a:defRPr sz="2400">
-                <a:solidFill>
-                  <a:schemeClr val="tx1">
-                    <a:tint val="75000"/>
-                  </a:schemeClr>
-                </a:solidFill>
-              </a:defRPr>
-            </a:lvl1pPr>
-            <a:lvl2pPr marL="457200" indent="0">
-              <a:buNone/>
-              <a:defRPr sz="2000">
-                <a:solidFill>
-                  <a:schemeClr val="tx1">
-                    <a:tint val="75000"/>
-                  </a:schemeClr>
-                </a:solidFill>
-              </a:defRPr>
-            </a:lvl2pPr>
-            <a:lvl3pPr marL="914400" indent="0">
-              <a:buNone/>
-              <a:defRPr sz="1800">
-                <a:solidFill>
-                  <a:schemeClr val="tx1">
-                    <a:tint val="75000"/>
-                  </a:schemeClr>
-                </a:solidFill>
-              </a:defRPr>
-            </a:lvl3pPr>
-            <a:lvl4pPr marL="1371600" indent="0">
-              <a:buNone/>
-              <a:defRPr sz="1600">
-                <a:solidFill>
-                  <a:schemeClr val="tx1">
-                    <a:tint val="75000"/>
-                  </a:schemeClr>
-                </a:solidFill>
-              </a:defRPr>
-            </a:lvl4pPr>
-            <a:lvl5pPr marL="1828800" indent="0">
-              <a:buNone/>
-              <a:defRPr sz="1600">
-                <a:solidFill>
-                  <a:schemeClr val="tx1">
-                    <a:tint val="75000"/>
-                  </a:schemeClr>
-                </a:solidFill>
-              </a:defRPr>
-            </a:lvl5pPr>
-            <a:lvl6pPr marL="2286000" indent="0">
-              <a:buNone/>
-              <a:defRPr sz="1600">
-                <a:solidFill>
-                  <a:schemeClr val="tx1">
-                    <a:tint val="75000"/>
-                  </a:schemeClr>
-                </a:solidFill>
-              </a:defRPr>
-            </a:lvl6pPr>
-            <a:lvl7pPr marL="2743200" indent="0">
-              <a:buNone/>
-              <a:defRPr sz="1600">
-                <a:solidFill>
-                  <a:schemeClr val="tx1">
-                    <a:tint val="75000"/>
-                  </a:schemeClr>
-                </a:solidFill>
-              </a:defRPr>
-            </a:lvl7pPr>
-            <a:lvl8pPr marL="3200400" indent="0">
-              <a:buNone/>
-              <a:defRPr sz="1600">
-                <a:solidFill>
-                  <a:schemeClr val="tx1">
-                    <a:tint val="75000"/>
-                  </a:schemeClr>
-                </a:solidFill>
-              </a:defRPr>
-            </a:lvl8pPr>
-            <a:lvl9pPr marL="3657600" indent="0">
-              <a:buNone/>
-              <a:defRPr sz="1600">
-                <a:solidFill>
-                  <a:schemeClr val="tx1">
-                    <a:tint val="75000"/>
-                  </a:schemeClr>
-                </a:solidFill>
-              </a:defRPr>
-            </a:lvl9pPr>
-          </a:lstStyle>
-          <a:p>
-            <a:pPr lvl="0"/>
-            <a:r>
-              <a:rPr lang="en-US" smtClean="0"/>
-              <a:t>Click to edit Master text styles</a:t>
-            </a:r>
-          </a:p>
-        </p:txBody>
-      </p:sp>
-      <p:sp>
-        <p:nvSpPr>
-          <p:cNvPr id="4" name="Date Placeholder 3"/>
-          <p:cNvSpPr>
-            <a:spLocks noGrp="1"/>
-          </p:cNvSpPr>
-          <p:nvPr>
-            <p:ph type="dt" sz="half" idx="10"/>
-          </p:nvPr>
-        </p:nvSpPr>
-        <p:spPr/>
-        <p:txBody>
-          <a:bodyPr/>
-          <a:lstStyle/>
-          <a:p>
-            <a:fld id="{B788F5DE-D80C-44A8-9437-1BAE7D4526B9}" type="datetimeFigureOut">
-              <a:rPr lang="en-US" smtClean="0"/>
-              <a:t>9/13/2014</a:t>
-            </a:fld>
-            <a:endParaRPr lang="en-US"/>
-          </a:p>
-        </p:txBody>
-      </p:sp>
-      <p:sp>
-        <p:nvSpPr>
-          <p:cNvPr id="5" name="Footer Placeholder 4"/>
-          <p:cNvSpPr>
-            <a:spLocks noGrp="1"/>
-          </p:cNvSpPr>
-          <p:nvPr>
-            <p:ph type="ftr" sz="quarter" idx="11"/>
-          </p:nvPr>
-        </p:nvSpPr>
-        <p:spPr/>
-        <p:txBody>
-          <a:bodyPr/>
-          <a:lstStyle/>
-          <a:p>
-            <a:endParaRPr lang="en-US"/>
-          </a:p>
-        </p:txBody>
-      </p:sp>
-      <p:sp>
-        <p:nvSpPr>
-          <p:cNvPr id="6" name="Slide Number Placeholder 5"/>
-          <p:cNvSpPr>
-            <a:spLocks noGrp="1"/>
-          </p:cNvSpPr>
-          <p:nvPr>
-            <p:ph type="sldNum" sz="quarter" idx="12"/>
-          </p:nvPr>
-        </p:nvSpPr>
-        <p:spPr/>
-        <p:txBody>
-          <a:bodyPr/>
-          <a:lstStyle/>
-          <a:p>
-            <a:fld id="{8D4A926C-BD23-4079-B105-03BA81A0B550}" type="slidenum">
-              <a:rPr lang="en-US" smtClean="0"/>
-              <a:t>‹#›</a:t>
-            </a:fld>
-            <a:endParaRPr lang="en-US"/>
-          </a:p>
-        </p:txBody>
-      </p:sp>
-    </p:spTree>
-    <p:extLst>
-      <p:ext uri="{BB962C8B-B14F-4D97-AF65-F5344CB8AC3E}">
-        <p14:creationId xmlns:p14="http://schemas.microsoft.com/office/powerpoint/2010/main" val="1282179802"/>
-      </p:ext>
-    </p:extLst>
-  </p:cSld>
-  <p:clrMapOvr>
-    <a:masterClrMapping/>
-  </p:clrMapOvr>
-</p:sldLayout>
-</file>
-
-<file path=ppt/slideLayouts/slideLayout4.xml><?xml version="1.0" encoding="utf-8"?>
-<p:sldLayout xmlns:a="http://schemas.openxmlformats.org/drawingml/2006/main" xmlns:r="http://schemas.openxmlformats.org/officeDocument/2006/relationships" xmlns:p="http://schemas.openxmlformats.org/presentationml/2006/main" type="twoObj" preserve="1">
-  <p:cSld name="Two Content">
-    <p:spTree>
-      <p:nvGrpSpPr>
-        <p:cNvPr id="1" name=""/>
-        <p:cNvGrpSpPr/>
-        <p:nvPr/>
-      </p:nvGrpSpPr>
-      <p:grpSpPr>
-        <a:xfrm>
-          <a:off x="0" y="0"/>
-          <a:ext cx="0" cy="0"/>
-          <a:chOff x="0" y="0"/>
-          <a:chExt cx="0" cy="0"/>
-        </a:xfrm>
-      </p:grpSpPr>
-      <p:sp>
-        <p:nvSpPr>
-          <p:cNvPr id="2" name="Title 1"/>
-          <p:cNvSpPr>
-            <a:spLocks noGrp="1"/>
-          </p:cNvSpPr>
-          <p:nvPr>
-            <p:ph type="title"/>
-          </p:nvPr>
-        </p:nvSpPr>
-        <p:spPr/>
-        <p:txBody>
-          <a:bodyPr/>
-          <a:lstStyle/>
-          <a:p>
-            <a:r>
-              <a:rPr lang="en-US" smtClean="0"/>
-              <a:t>Click to edit Master title style</a:t>
-            </a:r>
-            <a:endParaRPr lang="en-US"/>
-          </a:p>
-        </p:txBody>
-      </p:sp>
-      <p:sp>
-        <p:nvSpPr>
-          <p:cNvPr id="3" name="Content Placeholder 2"/>
-          <p:cNvSpPr>
-            <a:spLocks noGrp="1"/>
-          </p:cNvSpPr>
-          <p:nvPr>
-            <p:ph sz="half" idx="1"/>
-          </p:nvPr>
-        </p:nvSpPr>
-        <p:spPr>
-          <a:xfrm>
-            <a:off x="838200" y="1825625"/>
-            <a:ext cx="5181600" cy="4351338"/>
-          </a:xfrm>
-        </p:spPr>
-        <p:txBody>
-          <a:bodyPr/>
-          <a:lstStyle/>
-          <a:p>
-            <a:pPr lvl="0"/>
-            <a:r>
-              <a:rPr lang="en-US" smtClean="0"/>
-              <a:t>Click to edit Master text styles</a:t>
-            </a:r>
-          </a:p>
-          <a:p>
-            <a:pPr lvl="1"/>
-            <a:r>
-              <a:rPr lang="en-US" smtClean="0"/>
-              <a:t>Second level</a:t>
-            </a:r>
-          </a:p>
-          <a:p>
-            <a:pPr lvl="2"/>
-            <a:r>
-              <a:rPr lang="en-US" smtClean="0"/>
-              <a:t>Third level</a:t>
-            </a:r>
-          </a:p>
-          <a:p>
-            <a:pPr lvl="3"/>
-            <a:r>
-              <a:rPr lang="en-US" smtClean="0"/>
-              <a:t>Fourth level</a:t>
-            </a:r>
-          </a:p>
-          <a:p>
-            <a:pPr lvl="4"/>
-            <a:r>
-              <a:rPr lang="en-US" smtClean="0"/>
-              <a:t>Fifth level</a:t>
-            </a:r>
-            <a:endParaRPr lang="en-US"/>
-          </a:p>
-        </p:txBody>
-      </p:sp>
-      <p:sp>
-        <p:nvSpPr>
-          <p:cNvPr id="4" name="Content Placeholder 3"/>
-          <p:cNvSpPr>
-            <a:spLocks noGrp="1"/>
-          </p:cNvSpPr>
-          <p:nvPr>
-            <p:ph sz="half" idx="2"/>
-          </p:nvPr>
-        </p:nvSpPr>
-        <p:spPr>
-          <a:xfrm>
-            <a:off x="6172200" y="1825625"/>
-            <a:ext cx="5181600" cy="4351338"/>
-          </a:xfrm>
-        </p:spPr>
-        <p:txBody>
-          <a:bodyPr/>
-          <a:lstStyle/>
-          <a:p>
-            <a:pPr lvl="0"/>
-            <a:r>
-              <a:rPr lang="en-US" smtClean="0"/>
-              <a:t>Click to edit Master text styles</a:t>
-            </a:r>
-          </a:p>
-          <a:p>
-            <a:pPr lvl="1"/>
-            <a:r>
-              <a:rPr lang="en-US" smtClean="0"/>
-              <a:t>Second level</a:t>
-            </a:r>
-          </a:p>
-          <a:p>
-            <a:pPr lvl="2"/>
-            <a:r>
-              <a:rPr lang="en-US" smtClean="0"/>
-              <a:t>Third level</a:t>
-            </a:r>
-          </a:p>
-          <a:p>
-            <a:pPr lvl="3"/>
-            <a:r>
-              <a:rPr lang="en-US" smtClean="0"/>
-              <a:t>Fourth level</a:t>
-            </a:r>
-          </a:p>
-          <a:p>
-            <a:pPr lvl="4"/>
-            <a:r>
-              <a:rPr lang="en-US" smtClean="0"/>
-              <a:t>Fifth level</a:t>
-            </a:r>
-            <a:endParaRPr lang="en-US"/>
-          </a:p>
-        </p:txBody>
-      </p:sp>
-      <p:sp>
-        <p:nvSpPr>
-          <p:cNvPr id="5" name="Date Placeholder 4"/>
-          <p:cNvSpPr>
-            <a:spLocks noGrp="1"/>
-          </p:cNvSpPr>
-          <p:nvPr>
-            <p:ph type="dt" sz="half" idx="10"/>
-          </p:nvPr>
-        </p:nvSpPr>
-        <p:spPr/>
-        <p:txBody>
-          <a:bodyPr/>
-          <a:lstStyle/>
-          <a:p>
-            <a:fld id="{B788F5DE-D80C-44A8-9437-1BAE7D4526B9}" type="datetimeFigureOut">
-              <a:rPr lang="en-US" smtClean="0"/>
-              <a:t>9/13/2014</a:t>
-            </a:fld>
-            <a:endParaRPr lang="en-US"/>
-          </a:p>
-        </p:txBody>
-      </p:sp>
-      <p:sp>
-        <p:nvSpPr>
-          <p:cNvPr id="6" name="Footer Placeholder 5"/>
-          <p:cNvSpPr>
-            <a:spLocks noGrp="1"/>
-          </p:cNvSpPr>
-          <p:nvPr>
-            <p:ph type="ftr" sz="quarter" idx="11"/>
-          </p:nvPr>
-        </p:nvSpPr>
-        <p:spPr/>
-        <p:txBody>
-          <a:bodyPr/>
-          <a:lstStyle/>
-          <a:p>
-            <a:endParaRPr lang="en-US"/>
-          </a:p>
-        </p:txBody>
-      </p:sp>
-      <p:sp>
-        <p:nvSpPr>
-          <p:cNvPr id="7" name="Slide Number Placeholder 6"/>
-          <p:cNvSpPr>
-            <a:spLocks noGrp="1"/>
-          </p:cNvSpPr>
-          <p:nvPr>
-            <p:ph type="sldNum" sz="quarter" idx="12"/>
-          </p:nvPr>
-        </p:nvSpPr>
-        <p:spPr/>
-        <p:txBody>
-          <a:bodyPr/>
-          <a:lstStyle/>
-          <a:p>
-            <a:fld id="{8D4A926C-BD23-4079-B105-03BA81A0B550}" type="slidenum">
-              <a:rPr lang="en-US" smtClean="0"/>
-              <a:t>‹#›</a:t>
-            </a:fld>
-            <a:endParaRPr lang="en-US"/>
-          </a:p>
-        </p:txBody>
-      </p:sp>
-    </p:spTree>
-    <p:extLst>
-      <p:ext uri="{BB962C8B-B14F-4D97-AF65-F5344CB8AC3E}">
-        <p14:creationId xmlns:p14="http://schemas.microsoft.com/office/powerpoint/2010/main" val="1328021340"/>
-      </p:ext>
-    </p:extLst>
-  </p:cSld>
-  <p:clrMapOvr>
-    <a:masterClrMapping/>
-  </p:clrMapOvr>
-</p:sldLayout>
-</file>
-
-<file path=ppt/slideLayouts/slideLayout5.xml><?xml version="1.0" encoding="utf-8"?>
-<p:sldLayout xmlns:a="http://schemas.openxmlformats.org/drawingml/2006/main" xmlns:r="http://schemas.openxmlformats.org/officeDocument/2006/relationships" xmlns:p="http://schemas.openxmlformats.org/presentationml/2006/main" type="twoTxTwoObj" preserve="1">
-  <p:cSld name="Comparison">
-    <p:spTree>
-      <p:nvGrpSpPr>
-        <p:cNvPr id="1" name=""/>
-        <p:cNvGrpSpPr/>
-        <p:nvPr/>
-      </p:nvGrpSpPr>
-      <p:grpSpPr>
-        <a:xfrm>
-          <a:off x="0" y="0"/>
-          <a:ext cx="0" cy="0"/>
-          <a:chOff x="0" y="0"/>
-          <a:chExt cx="0" cy="0"/>
-        </a:xfrm>
-      </p:grpSpPr>
-      <p:sp>
-        <p:nvSpPr>
-          <p:cNvPr id="2" name="Title 1"/>
-          <p:cNvSpPr>
-            <a:spLocks noGrp="1"/>
-          </p:cNvSpPr>
-          <p:nvPr>
-            <p:ph type="title"/>
-          </p:nvPr>
-        </p:nvSpPr>
-        <p:spPr>
-          <a:xfrm>
-            <a:off x="839788" y="365125"/>
-            <a:ext cx="10515600" cy="1325563"/>
-          </a:xfrm>
-        </p:spPr>
-        <p:txBody>
-          <a:bodyPr/>
-          <a:lstStyle/>
-          <a:p>
-            <a:r>
-              <a:rPr lang="en-US" smtClean="0"/>
-              <a:t>Click to edit Master title style</a:t>
-            </a:r>
-            <a:endParaRPr lang="en-US"/>
-          </a:p>
-        </p:txBody>
-      </p:sp>
-      <p:sp>
-        <p:nvSpPr>
-          <p:cNvPr id="3" name="Text Placeholder 2"/>
-          <p:cNvSpPr>
-            <a:spLocks noGrp="1"/>
-          </p:cNvSpPr>
-          <p:nvPr>
-            <p:ph type="body" idx="1"/>
-          </p:nvPr>
-        </p:nvSpPr>
-        <p:spPr>
-          <a:xfrm>
-            <a:off x="839788" y="1681163"/>
-            <a:ext cx="5157787" cy="823912"/>
-          </a:xfrm>
-        </p:spPr>
-        <p:txBody>
-          <a:bodyPr anchor="b"/>
-          <a:lstStyle>
-            <a:lvl1pPr marL="0" indent="0">
-              <a:buNone/>
-              <a:defRPr sz="2400" b="1"/>
-            </a:lvl1pPr>
-            <a:lvl2pPr marL="457200" indent="0">
-              <a:buNone/>
-              <a:defRPr sz="2000" b="1"/>
-            </a:lvl2pPr>
-            <a:lvl3pPr marL="914400" indent="0">
-              <a:buNone/>
-              <a:defRPr sz="1800" b="1"/>
-            </a:lvl3pPr>
-            <a:lvl4pPr marL="1371600" indent="0">
-              <a:buNone/>
-              <a:defRPr sz="1600" b="1"/>
-            </a:lvl4pPr>
-            <a:lvl5pPr marL="1828800" indent="0">
-              <a:buNone/>
-              <a:defRPr sz="1600" b="1"/>
-            </a:lvl5pPr>
-            <a:lvl6pPr marL="2286000" indent="0">
-              <a:buNone/>
-              <a:defRPr sz="1600" b="1"/>
-            </a:lvl6pPr>
-            <a:lvl7pPr marL="2743200" indent="0">
-              <a:buNone/>
-              <a:defRPr sz="1600" b="1"/>
-            </a:lvl7pPr>
-            <a:lvl8pPr marL="3200400" indent="0">
-              <a:buNone/>
-              <a:defRPr sz="1600" b="1"/>
-            </a:lvl8pPr>
-            <a:lvl9pPr marL="3657600" indent="0">
-              <a:buNone/>
-              <a:defRPr sz="1600" b="1"/>
-            </a:lvl9pPr>
-          </a:lstStyle>
-          <a:p>
-            <a:pPr lvl="0"/>
-            <a:r>
-              <a:rPr lang="en-US" smtClean="0"/>
-              <a:t>Click to edit Master text styles</a:t>
-            </a:r>
-          </a:p>
-        </p:txBody>
-      </p:sp>
-      <p:sp>
-        <p:nvSpPr>
-          <p:cNvPr id="4" name="Content Placeholder 3"/>
-          <p:cNvSpPr>
-            <a:spLocks noGrp="1"/>
-          </p:cNvSpPr>
-          <p:nvPr>
-            <p:ph sz="half" idx="2"/>
-          </p:nvPr>
-        </p:nvSpPr>
-        <p:spPr>
-          <a:xfrm>
-            <a:off x="839788" y="2505075"/>
-            <a:ext cx="5157787" cy="3684588"/>
-          </a:xfrm>
-        </p:spPr>
-        <p:txBody>
-          <a:bodyPr/>
-          <a:lstStyle/>
-          <a:p>
-            <a:pPr lvl="0"/>
-            <a:r>
-              <a:rPr lang="en-US" smtClean="0"/>
-              <a:t>Click to edit Master text styles</a:t>
-            </a:r>
-          </a:p>
-          <a:p>
-            <a:pPr lvl="1"/>
-            <a:r>
-              <a:rPr lang="en-US" smtClean="0"/>
-              <a:t>Second level</a:t>
-            </a:r>
-          </a:p>
-          <a:p>
-            <a:pPr lvl="2"/>
-            <a:r>
-              <a:rPr lang="en-US" smtClean="0"/>
-              <a:t>Third level</a:t>
-            </a:r>
-          </a:p>
-          <a:p>
-            <a:pPr lvl="3"/>
-            <a:r>
-              <a:rPr lang="en-US" smtClean="0"/>
-              <a:t>Fourth level</a:t>
-            </a:r>
-          </a:p>
-          <a:p>
-            <a:pPr lvl="4"/>
-            <a:r>
-              <a:rPr lang="en-US" smtClean="0"/>
-              <a:t>Fifth level</a:t>
-            </a:r>
-            <a:endParaRPr lang="en-US"/>
-          </a:p>
-        </p:txBody>
-      </p:sp>
-      <p:sp>
-        <p:nvSpPr>
-          <p:cNvPr id="5" name="Text Placeholder 4"/>
-          <p:cNvSpPr>
-            <a:spLocks noGrp="1"/>
-          </p:cNvSpPr>
-          <p:nvPr>
-            <p:ph type="body" sz="quarter" idx="3"/>
-          </p:nvPr>
-        </p:nvSpPr>
-        <p:spPr>
-          <a:xfrm>
-            <a:off x="6172200" y="1681163"/>
-            <a:ext cx="5183188" cy="823912"/>
-          </a:xfrm>
-        </p:spPr>
-        <p:txBody>
-          <a:bodyPr anchor="b"/>
-          <a:lstStyle>
-            <a:lvl1pPr marL="0" indent="0">
-              <a:buNone/>
-              <a:defRPr sz="2400" b="1"/>
-            </a:lvl1pPr>
-            <a:lvl2pPr marL="457200" indent="0">
-              <a:buNone/>
-              <a:defRPr sz="2000" b="1"/>
-            </a:lvl2pPr>
-            <a:lvl3pPr marL="914400" indent="0">
-              <a:buNone/>
-              <a:defRPr sz="1800" b="1"/>
-            </a:lvl3pPr>
-            <a:lvl4pPr marL="1371600" indent="0">
-              <a:buNone/>
-              <a:defRPr sz="1600" b="1"/>
-            </a:lvl4pPr>
-            <a:lvl5pPr marL="1828800" indent="0">
-              <a:buNone/>
-              <a:defRPr sz="1600" b="1"/>
-            </a:lvl5pPr>
-            <a:lvl6pPr marL="2286000" indent="0">
-              <a:buNone/>
-              <a:defRPr sz="1600" b="1"/>
-            </a:lvl6pPr>
-            <a:lvl7pPr marL="2743200" indent="0">
-              <a:buNone/>
-              <a:defRPr sz="1600" b="1"/>
-            </a:lvl7pPr>
-            <a:lvl8pPr marL="3200400" indent="0">
-              <a:buNone/>
-              <a:defRPr sz="1600" b="1"/>
-            </a:lvl8pPr>
-            <a:lvl9pPr marL="3657600" indent="0">
-              <a:buNone/>
-              <a:defRPr sz="1600" b="1"/>
-            </a:lvl9pPr>
-          </a:lstStyle>
-          <a:p>
-            <a:pPr lvl="0"/>
-            <a:r>
-              <a:rPr lang="en-US" smtClean="0"/>
-              <a:t>Click to edit Master text styles</a:t>
-            </a:r>
-          </a:p>
-        </p:txBody>
-      </p:sp>
-      <p:sp>
-        <p:nvSpPr>
-          <p:cNvPr id="6" name="Content Placeholder 5"/>
-          <p:cNvSpPr>
-            <a:spLocks noGrp="1"/>
-          </p:cNvSpPr>
-          <p:nvPr>
-            <p:ph sz="quarter" idx="4"/>
-          </p:nvPr>
-        </p:nvSpPr>
-        <p:spPr>
-          <a:xfrm>
-            <a:off x="6172200" y="2505075"/>
-            <a:ext cx="5183188" cy="3684588"/>
-          </a:xfrm>
-        </p:spPr>
-        <p:txBody>
-          <a:bodyPr/>
-          <a:lstStyle/>
-          <a:p>
-            <a:pPr lvl="0"/>
-            <a:r>
-              <a:rPr lang="en-US" smtClean="0"/>
-              <a:t>Click to edit Master text styles</a:t>
-            </a:r>
-          </a:p>
-          <a:p>
-            <a:pPr lvl="1"/>
-            <a:r>
-              <a:rPr lang="en-US" smtClean="0"/>
-              <a:t>Second level</a:t>
-            </a:r>
-          </a:p>
-          <a:p>
-            <a:pPr lvl="2"/>
-            <a:r>
-              <a:rPr lang="en-US" smtClean="0"/>
-              <a:t>Third level</a:t>
-            </a:r>
-          </a:p>
-          <a:p>
-            <a:pPr lvl="3"/>
-            <a:r>
-              <a:rPr lang="en-US" smtClean="0"/>
-              <a:t>Fourth level</a:t>
-            </a:r>
-          </a:p>
-          <a:p>
-            <a:pPr lvl="4"/>
-            <a:r>
-              <a:rPr lang="en-US" smtClean="0"/>
-              <a:t>Fifth level</a:t>
-            </a:r>
-            <a:endParaRPr lang="en-US"/>
-          </a:p>
-        </p:txBody>
-      </p:sp>
-      <p:sp>
-        <p:nvSpPr>
-          <p:cNvPr id="7" name="Date Placeholder 6"/>
-          <p:cNvSpPr>
-            <a:spLocks noGrp="1"/>
-          </p:cNvSpPr>
-          <p:nvPr>
-            <p:ph type="dt" sz="half" idx="10"/>
-          </p:nvPr>
-        </p:nvSpPr>
-        <p:spPr/>
-        <p:txBody>
-          <a:bodyPr/>
-          <a:lstStyle/>
-          <a:p>
-            <a:fld id="{B788F5DE-D80C-44A8-9437-1BAE7D4526B9}" type="datetimeFigureOut">
-              <a:rPr lang="en-US" smtClean="0"/>
-              <a:t>9/13/2014</a:t>
-            </a:fld>
-            <a:endParaRPr lang="en-US"/>
-          </a:p>
-        </p:txBody>
-      </p:sp>
-      <p:sp>
-        <p:nvSpPr>
-          <p:cNvPr id="8" name="Footer Placeholder 7"/>
-          <p:cNvSpPr>
-            <a:spLocks noGrp="1"/>
-          </p:cNvSpPr>
-          <p:nvPr>
-            <p:ph type="ftr" sz="quarter" idx="11"/>
-          </p:nvPr>
-        </p:nvSpPr>
-        <p:spPr/>
-        <p:txBody>
-          <a:bodyPr/>
-          <a:lstStyle/>
-          <a:p>
-            <a:endParaRPr lang="en-US"/>
-          </a:p>
-        </p:txBody>
-      </p:sp>
-      <p:sp>
-        <p:nvSpPr>
-          <p:cNvPr id="9" name="Slide Number Placeholder 8"/>
-          <p:cNvSpPr>
-            <a:spLocks noGrp="1"/>
-          </p:cNvSpPr>
-          <p:nvPr>
-            <p:ph type="sldNum" sz="quarter" idx="12"/>
-          </p:nvPr>
-        </p:nvSpPr>
-        <p:spPr/>
-        <p:txBody>
-          <a:bodyPr/>
-          <a:lstStyle/>
-          <a:p>
-            <a:fld id="{8D4A926C-BD23-4079-B105-03BA81A0B550}" type="slidenum">
-              <a:rPr lang="en-US" smtClean="0"/>
-              <a:t>‹#›</a:t>
-            </a:fld>
-            <a:endParaRPr lang="en-US"/>
-          </a:p>
-        </p:txBody>
-      </p:sp>
-    </p:spTree>
-    <p:extLst>
-      <p:ext uri="{BB962C8B-B14F-4D97-AF65-F5344CB8AC3E}">
-        <p14:creationId xmlns:p14="http://schemas.microsoft.com/office/powerpoint/2010/main" val="4010590986"/>
-      </p:ext>
-    </p:extLst>
-  </p:cSld>
-  <p:clrMapOvr>
-    <a:masterClrMapping/>
-  </p:clrMapOvr>
-</p:sldLayout>
-</file>
-
-<file path=ppt/slideLayouts/slideLayout6.xml><?xml version="1.0" encoding="utf-8"?>
-<p:sldLayout xmlns:a="http://schemas.openxmlformats.org/drawingml/2006/main" xmlns:r="http://schemas.openxmlformats.org/officeDocument/2006/relationships" xmlns:p="http://schemas.openxmlformats.org/presentationml/2006/main" type="titleOnly" preserve="1">
-  <p:cSld name="Title Only">
-    <p:spTree>
-      <p:nvGrpSpPr>
-        <p:cNvPr id="1" name=""/>
-        <p:cNvGrpSpPr/>
-        <p:nvPr/>
-      </p:nvGrpSpPr>
-      <p:grpSpPr>
-        <a:xfrm>
-          <a:off x="0" y="0"/>
-          <a:ext cx="0" cy="0"/>
-          <a:chOff x="0" y="0"/>
-          <a:chExt cx="0" cy="0"/>
-        </a:xfrm>
-      </p:grpSpPr>
-      <p:sp>
-        <p:nvSpPr>
-          <p:cNvPr id="2" name="Title 1"/>
-          <p:cNvSpPr>
-            <a:spLocks noGrp="1"/>
-          </p:cNvSpPr>
-          <p:nvPr>
-            <p:ph type="title"/>
-          </p:nvPr>
-        </p:nvSpPr>
-        <p:spPr/>
-        <p:txBody>
-          <a:bodyPr/>
-          <a:lstStyle/>
-          <a:p>
-            <a:r>
-              <a:rPr lang="en-US" smtClean="0"/>
-              <a:t>Click to edit Master title style</a:t>
-            </a:r>
-            <a:endParaRPr lang="en-US"/>
-          </a:p>
-        </p:txBody>
-      </p:sp>
-      <p:sp>
-        <p:nvSpPr>
-          <p:cNvPr id="3" name="Date Placeholder 2"/>
-          <p:cNvSpPr>
-            <a:spLocks noGrp="1"/>
-          </p:cNvSpPr>
-          <p:nvPr>
-            <p:ph type="dt" sz="half" idx="10"/>
-          </p:nvPr>
-        </p:nvSpPr>
-        <p:spPr/>
-        <p:txBody>
-          <a:bodyPr/>
-          <a:lstStyle/>
-          <a:p>
-            <a:fld id="{B788F5DE-D80C-44A8-9437-1BAE7D4526B9}" type="datetimeFigureOut">
-              <a:rPr lang="en-US" smtClean="0"/>
-              <a:t>9/13/2014</a:t>
-            </a:fld>
-            <a:endParaRPr lang="en-US"/>
-          </a:p>
-        </p:txBody>
-      </p:sp>
-      <p:sp>
-        <p:nvSpPr>
-          <p:cNvPr id="4" name="Footer Placeholder 3"/>
-          <p:cNvSpPr>
-            <a:spLocks noGrp="1"/>
-          </p:cNvSpPr>
-          <p:nvPr>
-            <p:ph type="ftr" sz="quarter" idx="11"/>
-          </p:nvPr>
-        </p:nvSpPr>
-        <p:spPr/>
-        <p:txBody>
-          <a:bodyPr/>
-          <a:lstStyle/>
-          <a:p>
-            <a:endParaRPr lang="en-US"/>
-          </a:p>
-        </p:txBody>
-      </p:sp>
-      <p:sp>
-        <p:nvSpPr>
-          <p:cNvPr id="5" name="Slide Number Placeholder 4"/>
-          <p:cNvSpPr>
-            <a:spLocks noGrp="1"/>
-          </p:cNvSpPr>
-          <p:nvPr>
-            <p:ph type="sldNum" sz="quarter" idx="12"/>
-          </p:nvPr>
-        </p:nvSpPr>
-        <p:spPr/>
-        <p:txBody>
-          <a:bodyPr/>
-          <a:lstStyle/>
-          <a:p>
-            <a:fld id="{8D4A926C-BD23-4079-B105-03BA81A0B550}" type="slidenum">
-              <a:rPr lang="en-US" smtClean="0"/>
-              <a:t>‹#›</a:t>
-            </a:fld>
-            <a:endParaRPr lang="en-US"/>
-          </a:p>
-        </p:txBody>
-      </p:sp>
-    </p:spTree>
-    <p:extLst>
-      <p:ext uri="{BB962C8B-B14F-4D97-AF65-F5344CB8AC3E}">
-        <p14:creationId xmlns:p14="http://schemas.microsoft.com/office/powerpoint/2010/main" val="896043093"/>
-      </p:ext>
-    </p:extLst>
-  </p:cSld>
-  <p:clrMapOvr>
-    <a:masterClrMapping/>
-  </p:clrMapOvr>
-</p:sldLayout>
-</file>
-
-<file path=ppt/slideLayouts/slideLayout7.xml><?xml version="1.0" encoding="utf-8"?>
-<p:sldLayout xmlns:a="http://schemas.openxmlformats.org/drawingml/2006/main" xmlns:r="http://schemas.openxmlformats.org/officeDocument/2006/relationships" xmlns:p="http://schemas.openxmlformats.org/presentationml/2006/main" type="blank" preserve="1">
-  <p:cSld name="Blank">
-    <p:spTree>
-      <p:nvGrpSpPr>
-        <p:cNvPr id="1" name=""/>
-        <p:cNvGrpSpPr/>
-        <p:nvPr/>
-      </p:nvGrpSpPr>
-      <p:grpSpPr>
-        <a:xfrm>
-          <a:off x="0" y="0"/>
-          <a:ext cx="0" cy="0"/>
-          <a:chOff x="0" y="0"/>
-          <a:chExt cx="0" cy="0"/>
-        </a:xfrm>
-      </p:grpSpPr>
-      <p:sp>
-        <p:nvSpPr>
-          <p:cNvPr id="2" name="Date Placeholder 1"/>
-          <p:cNvSpPr>
-            <a:spLocks noGrp="1"/>
-          </p:cNvSpPr>
-          <p:nvPr>
-            <p:ph type="dt" sz="half" idx="10"/>
-          </p:nvPr>
-        </p:nvSpPr>
-        <p:spPr/>
-        <p:txBody>
-          <a:bodyPr/>
-          <a:lstStyle/>
-          <a:p>
-            <a:fld id="{B788F5DE-D80C-44A8-9437-1BAE7D4526B9}" type="datetimeFigureOut">
-              <a:rPr lang="en-US" smtClean="0"/>
-              <a:t>9/13/2014</a:t>
-            </a:fld>
-            <a:endParaRPr lang="en-US"/>
-          </a:p>
-        </p:txBody>
-      </p:sp>
-      <p:sp>
-        <p:nvSpPr>
-          <p:cNvPr id="3" name="Footer Placeholder 2"/>
-          <p:cNvSpPr>
-            <a:spLocks noGrp="1"/>
-          </p:cNvSpPr>
-          <p:nvPr>
-            <p:ph type="ftr" sz="quarter" idx="11"/>
-          </p:nvPr>
-        </p:nvSpPr>
-        <p:spPr/>
-        <p:txBody>
-          <a:bodyPr/>
-          <a:lstStyle/>
-          <a:p>
-            <a:endParaRPr lang="en-US"/>
-          </a:p>
-        </p:txBody>
-      </p:sp>
-      <p:sp>
-        <p:nvSpPr>
-          <p:cNvPr id="4" name="Slide Number Placeholder 3"/>
-          <p:cNvSpPr>
-            <a:spLocks noGrp="1"/>
-          </p:cNvSpPr>
-          <p:nvPr>
-            <p:ph type="sldNum" sz="quarter" idx="12"/>
-          </p:nvPr>
-        </p:nvSpPr>
-        <p:spPr/>
-        <p:txBody>
-          <a:bodyPr/>
-          <a:lstStyle/>
-          <a:p>
-            <a:fld id="{8D4A926C-BD23-4079-B105-03BA81A0B550}" type="slidenum">
-              <a:rPr lang="en-US" smtClean="0"/>
-              <a:t>‹#›</a:t>
-            </a:fld>
-            <a:endParaRPr lang="en-US"/>
-          </a:p>
-        </p:txBody>
-      </p:sp>
-    </p:spTree>
-    <p:extLst>
-      <p:ext uri="{BB962C8B-B14F-4D97-AF65-F5344CB8AC3E}">
-        <p14:creationId xmlns:p14="http://schemas.microsoft.com/office/powerpoint/2010/main" val="2434272308"/>
-      </p:ext>
-    </p:extLst>
-  </p:cSld>
-  <p:clrMapOvr>
-    <a:masterClrMapping/>
-  </p:clrMapOvr>
-</p:sldLayout>
-</file>
-
-<file path=ppt/slideLayouts/slideLayout8.xml><?xml version="1.0" encoding="utf-8"?>
+<file path=ppt/slideLayouts/slideLayout12.xml><?xml version="1.0" encoding="utf-8"?>
 <p:sldLayout xmlns:a="http://schemas.openxmlformats.org/drawingml/2006/main" xmlns:r="http://schemas.openxmlformats.org/officeDocument/2006/relationships" xmlns:p="http://schemas.openxmlformats.org/presentationml/2006/main" type="objTx" preserve="1">
   <p:cSld name="Content with Caption">
     <p:spTree>
@@ -5441,7 +4818,7 @@
           <a:p>
             <a:fld id="{B788F5DE-D80C-44A8-9437-1BAE7D4526B9}" type="datetimeFigureOut">
               <a:rPr lang="en-US" smtClean="0"/>
-              <a:t>9/13/2014</a:t>
+              <a:t>9/15/2014</a:t>
             </a:fld>
             <a:endParaRPr lang="en-US"/>
           </a:p>
@@ -5493,6 +4870,1412 @@
     <p:extLst>
       <p:ext uri="{BB962C8B-B14F-4D97-AF65-F5344CB8AC3E}">
         <p14:creationId xmlns:p14="http://schemas.microsoft.com/office/powerpoint/2010/main" val="4189485106"/>
+      </p:ext>
+    </p:extLst>
+  </p:cSld>
+  <p:clrMapOvr>
+    <a:masterClrMapping/>
+  </p:clrMapOvr>
+</p:sldLayout>
+</file>
+
+<file path=ppt/slideLayouts/slideLayout2.xml><?xml version="1.0" encoding="utf-8"?>
+<p:sldLayout xmlns:a="http://schemas.openxmlformats.org/drawingml/2006/main" xmlns:r="http://schemas.openxmlformats.org/officeDocument/2006/relationships" xmlns:p="http://schemas.openxmlformats.org/presentationml/2006/main" type="obj" preserve="1">
+  <p:cSld name="Title and Content">
+    <p:spTree>
+      <p:nvGrpSpPr>
+        <p:cNvPr id="1" name=""/>
+        <p:cNvGrpSpPr/>
+        <p:nvPr/>
+      </p:nvGrpSpPr>
+      <p:grpSpPr>
+        <a:xfrm>
+          <a:off x="0" y="0"/>
+          <a:ext cx="0" cy="0"/>
+          <a:chOff x="0" y="0"/>
+          <a:chExt cx="0" cy="0"/>
+        </a:xfrm>
+      </p:grpSpPr>
+      <p:sp>
+        <p:nvSpPr>
+          <p:cNvPr id="2" name="Title 1"/>
+          <p:cNvSpPr>
+            <a:spLocks noGrp="1"/>
+          </p:cNvSpPr>
+          <p:nvPr>
+            <p:ph type="title"/>
+          </p:nvPr>
+        </p:nvSpPr>
+        <p:spPr/>
+        <p:txBody>
+          <a:bodyPr/>
+          <a:lstStyle/>
+          <a:p>
+            <a:r>
+              <a:rPr lang="en-US" smtClean="0"/>
+              <a:t>Click to edit Master title style</a:t>
+            </a:r>
+            <a:endParaRPr lang="en-US"/>
+          </a:p>
+        </p:txBody>
+      </p:sp>
+      <p:sp>
+        <p:nvSpPr>
+          <p:cNvPr id="3" name="Content Placeholder 2"/>
+          <p:cNvSpPr>
+            <a:spLocks noGrp="1"/>
+          </p:cNvSpPr>
+          <p:nvPr>
+            <p:ph idx="1"/>
+          </p:nvPr>
+        </p:nvSpPr>
+        <p:spPr/>
+        <p:txBody>
+          <a:bodyPr/>
+          <a:lstStyle/>
+          <a:p>
+            <a:pPr lvl="0"/>
+            <a:r>
+              <a:rPr lang="en-US" smtClean="0"/>
+              <a:t>Click to edit Master text styles</a:t>
+            </a:r>
+          </a:p>
+          <a:p>
+            <a:pPr lvl="1"/>
+            <a:r>
+              <a:rPr lang="en-US" smtClean="0"/>
+              <a:t>Second level</a:t>
+            </a:r>
+          </a:p>
+          <a:p>
+            <a:pPr lvl="2"/>
+            <a:r>
+              <a:rPr lang="en-US" smtClean="0"/>
+              <a:t>Third level</a:t>
+            </a:r>
+          </a:p>
+          <a:p>
+            <a:pPr lvl="3"/>
+            <a:r>
+              <a:rPr lang="en-US" smtClean="0"/>
+              <a:t>Fourth level</a:t>
+            </a:r>
+          </a:p>
+          <a:p>
+            <a:pPr lvl="4"/>
+            <a:r>
+              <a:rPr lang="en-US" smtClean="0"/>
+              <a:t>Fifth level</a:t>
+            </a:r>
+            <a:endParaRPr lang="en-US"/>
+          </a:p>
+        </p:txBody>
+      </p:sp>
+      <p:sp>
+        <p:nvSpPr>
+          <p:cNvPr id="4" name="Date Placeholder 3"/>
+          <p:cNvSpPr>
+            <a:spLocks noGrp="1"/>
+          </p:cNvSpPr>
+          <p:nvPr>
+            <p:ph type="dt" sz="half" idx="10"/>
+          </p:nvPr>
+        </p:nvSpPr>
+        <p:spPr/>
+        <p:txBody>
+          <a:bodyPr/>
+          <a:lstStyle/>
+          <a:p>
+            <a:fld id="{B788F5DE-D80C-44A8-9437-1BAE7D4526B9}" type="datetimeFigureOut">
+              <a:rPr lang="en-US" smtClean="0"/>
+              <a:t>9/15/2014</a:t>
+            </a:fld>
+            <a:endParaRPr lang="en-US"/>
+          </a:p>
+        </p:txBody>
+      </p:sp>
+      <p:sp>
+        <p:nvSpPr>
+          <p:cNvPr id="5" name="Footer Placeholder 4"/>
+          <p:cNvSpPr>
+            <a:spLocks noGrp="1"/>
+          </p:cNvSpPr>
+          <p:nvPr>
+            <p:ph type="ftr" sz="quarter" idx="11"/>
+          </p:nvPr>
+        </p:nvSpPr>
+        <p:spPr/>
+        <p:txBody>
+          <a:bodyPr/>
+          <a:lstStyle/>
+          <a:p>
+            <a:endParaRPr lang="en-US"/>
+          </a:p>
+        </p:txBody>
+      </p:sp>
+      <p:sp>
+        <p:nvSpPr>
+          <p:cNvPr id="6" name="Slide Number Placeholder 5"/>
+          <p:cNvSpPr>
+            <a:spLocks noGrp="1"/>
+          </p:cNvSpPr>
+          <p:nvPr>
+            <p:ph type="sldNum" sz="quarter" idx="12"/>
+          </p:nvPr>
+        </p:nvSpPr>
+        <p:spPr/>
+        <p:txBody>
+          <a:bodyPr/>
+          <a:lstStyle/>
+          <a:p>
+            <a:fld id="{8D4A926C-BD23-4079-B105-03BA81A0B550}" type="slidenum">
+              <a:rPr lang="en-US" smtClean="0"/>
+              <a:t>‹#›</a:t>
+            </a:fld>
+            <a:endParaRPr lang="en-US"/>
+          </a:p>
+        </p:txBody>
+      </p:sp>
+    </p:spTree>
+    <p:extLst>
+      <p:ext uri="{BB962C8B-B14F-4D97-AF65-F5344CB8AC3E}">
+        <p14:creationId xmlns:p14="http://schemas.microsoft.com/office/powerpoint/2010/main" val="3129537641"/>
+      </p:ext>
+    </p:extLst>
+  </p:cSld>
+  <p:clrMapOvr>
+    <a:masterClrMapping/>
+  </p:clrMapOvr>
+</p:sldLayout>
+</file>
+
+<file path=ppt/slideLayouts/slideLayout3.xml><?xml version="1.0" encoding="utf-8"?>
+<p:sldLayout xmlns:a="http://schemas.openxmlformats.org/drawingml/2006/main" xmlns:r="http://schemas.openxmlformats.org/officeDocument/2006/relationships" xmlns:p="http://schemas.openxmlformats.org/presentationml/2006/main" type="obj" preserve="1">
+  <p:cSld name="Title and Code">
+    <p:spTree>
+      <p:nvGrpSpPr>
+        <p:cNvPr id="1" name=""/>
+        <p:cNvGrpSpPr/>
+        <p:nvPr/>
+      </p:nvGrpSpPr>
+      <p:grpSpPr>
+        <a:xfrm>
+          <a:off x="0" y="0"/>
+          <a:ext cx="0" cy="0"/>
+          <a:chOff x="0" y="0"/>
+          <a:chExt cx="0" cy="0"/>
+        </a:xfrm>
+      </p:grpSpPr>
+      <p:sp>
+        <p:nvSpPr>
+          <p:cNvPr id="2" name="Title 1"/>
+          <p:cNvSpPr>
+            <a:spLocks noGrp="1"/>
+          </p:cNvSpPr>
+          <p:nvPr>
+            <p:ph type="title"/>
+          </p:nvPr>
+        </p:nvSpPr>
+        <p:spPr/>
+        <p:txBody>
+          <a:bodyPr/>
+          <a:lstStyle/>
+          <a:p>
+            <a:r>
+              <a:rPr lang="en-US" smtClean="0"/>
+              <a:t>Click to edit Master title style</a:t>
+            </a:r>
+            <a:endParaRPr lang="en-US"/>
+          </a:p>
+        </p:txBody>
+      </p:sp>
+      <p:sp>
+        <p:nvSpPr>
+          <p:cNvPr id="3" name="Content Placeholder 2"/>
+          <p:cNvSpPr>
+            <a:spLocks noGrp="1"/>
+          </p:cNvSpPr>
+          <p:nvPr>
+            <p:ph idx="1" hasCustomPrompt="1"/>
+          </p:nvPr>
+        </p:nvSpPr>
+        <p:spPr/>
+        <p:txBody>
+          <a:bodyPr>
+            <a:normAutofit/>
+          </a:bodyPr>
+          <a:lstStyle>
+            <a:lvl1pPr marL="0" indent="0">
+              <a:buNone/>
+              <a:tabLst>
+                <a:tab pos="0" algn="l"/>
+              </a:tabLst>
+              <a:defRPr sz="2400">
+                <a:latin typeface="Courier Final Draft" panose="02000409000000000000" pitchFamily="49" charset="0"/>
+              </a:defRPr>
+            </a:lvl1pPr>
+            <a:lvl2pPr marL="457200" indent="0">
+              <a:buNone/>
+              <a:defRPr sz="2400">
+                <a:latin typeface="Courier Final Draft" panose="02000409000000000000" pitchFamily="49" charset="0"/>
+              </a:defRPr>
+            </a:lvl2pPr>
+            <a:lvl3pPr marL="914400" indent="0">
+              <a:buNone/>
+              <a:defRPr sz="2400">
+                <a:latin typeface="Courier Final Draft" panose="02000409000000000000" pitchFamily="49" charset="0"/>
+              </a:defRPr>
+            </a:lvl3pPr>
+            <a:lvl4pPr marL="1371600" indent="0">
+              <a:buNone/>
+              <a:defRPr sz="2400">
+                <a:latin typeface="Courier Final Draft" panose="02000409000000000000" pitchFamily="49" charset="0"/>
+              </a:defRPr>
+            </a:lvl4pPr>
+            <a:lvl5pPr marL="1828800" indent="0">
+              <a:buNone/>
+              <a:defRPr sz="2400">
+                <a:latin typeface="Courier Final Draft" panose="02000409000000000000" pitchFamily="49" charset="0"/>
+              </a:defRPr>
+            </a:lvl5pPr>
+          </a:lstStyle>
+          <a:p>
+            <a:pPr lvl="0"/>
+            <a:r>
+              <a:rPr lang="en-US" dirty="0" smtClean="0"/>
+              <a:t>	</a:t>
+            </a:r>
+            <a:endParaRPr lang="en-US" dirty="0"/>
+          </a:p>
+        </p:txBody>
+      </p:sp>
+      <p:sp>
+        <p:nvSpPr>
+          <p:cNvPr id="4" name="Date Placeholder 3"/>
+          <p:cNvSpPr>
+            <a:spLocks noGrp="1"/>
+          </p:cNvSpPr>
+          <p:nvPr>
+            <p:ph type="dt" sz="half" idx="10"/>
+          </p:nvPr>
+        </p:nvSpPr>
+        <p:spPr/>
+        <p:txBody>
+          <a:bodyPr/>
+          <a:lstStyle/>
+          <a:p>
+            <a:fld id="{B788F5DE-D80C-44A8-9437-1BAE7D4526B9}" type="datetimeFigureOut">
+              <a:rPr lang="en-US" smtClean="0"/>
+              <a:t>9/15/2014</a:t>
+            </a:fld>
+            <a:endParaRPr lang="en-US"/>
+          </a:p>
+        </p:txBody>
+      </p:sp>
+      <p:sp>
+        <p:nvSpPr>
+          <p:cNvPr id="5" name="Footer Placeholder 4"/>
+          <p:cNvSpPr>
+            <a:spLocks noGrp="1"/>
+          </p:cNvSpPr>
+          <p:nvPr>
+            <p:ph type="ftr" sz="quarter" idx="11"/>
+          </p:nvPr>
+        </p:nvSpPr>
+        <p:spPr/>
+        <p:txBody>
+          <a:bodyPr/>
+          <a:lstStyle/>
+          <a:p>
+            <a:endParaRPr lang="en-US"/>
+          </a:p>
+        </p:txBody>
+      </p:sp>
+      <p:sp>
+        <p:nvSpPr>
+          <p:cNvPr id="6" name="Slide Number Placeholder 5"/>
+          <p:cNvSpPr>
+            <a:spLocks noGrp="1"/>
+          </p:cNvSpPr>
+          <p:nvPr>
+            <p:ph type="sldNum" sz="quarter" idx="12"/>
+          </p:nvPr>
+        </p:nvSpPr>
+        <p:spPr/>
+        <p:txBody>
+          <a:bodyPr/>
+          <a:lstStyle/>
+          <a:p>
+            <a:fld id="{8D4A926C-BD23-4079-B105-03BA81A0B550}" type="slidenum">
+              <a:rPr lang="en-US" smtClean="0"/>
+              <a:t>‹#›</a:t>
+            </a:fld>
+            <a:endParaRPr lang="en-US"/>
+          </a:p>
+        </p:txBody>
+      </p:sp>
+    </p:spTree>
+    <p:extLst>
+      <p:ext uri="{BB962C8B-B14F-4D97-AF65-F5344CB8AC3E}">
+        <p14:creationId xmlns:p14="http://schemas.microsoft.com/office/powerpoint/2010/main" val="3830711821"/>
+      </p:ext>
+    </p:extLst>
+  </p:cSld>
+  <p:clrMapOvr>
+    <a:masterClrMapping/>
+  </p:clrMapOvr>
+</p:sldLayout>
+</file>
+
+<file path=ppt/slideLayouts/slideLayout4.xml><?xml version="1.0" encoding="utf-8"?>
+<p:sldLayout xmlns:a="http://schemas.openxmlformats.org/drawingml/2006/main" xmlns:r="http://schemas.openxmlformats.org/officeDocument/2006/relationships" xmlns:p="http://schemas.openxmlformats.org/presentationml/2006/main" type="secHead" preserve="1">
+  <p:cSld name="Section Header">
+    <p:spTree>
+      <p:nvGrpSpPr>
+        <p:cNvPr id="1" name=""/>
+        <p:cNvGrpSpPr/>
+        <p:nvPr/>
+      </p:nvGrpSpPr>
+      <p:grpSpPr>
+        <a:xfrm>
+          <a:off x="0" y="0"/>
+          <a:ext cx="0" cy="0"/>
+          <a:chOff x="0" y="0"/>
+          <a:chExt cx="0" cy="0"/>
+        </a:xfrm>
+      </p:grpSpPr>
+      <p:sp>
+        <p:nvSpPr>
+          <p:cNvPr id="2" name="Title 1"/>
+          <p:cNvSpPr>
+            <a:spLocks noGrp="1"/>
+          </p:cNvSpPr>
+          <p:nvPr>
+            <p:ph type="title"/>
+          </p:nvPr>
+        </p:nvSpPr>
+        <p:spPr>
+          <a:xfrm>
+            <a:off x="831850" y="1709738"/>
+            <a:ext cx="10515600" cy="2852737"/>
+          </a:xfrm>
+        </p:spPr>
+        <p:txBody>
+          <a:bodyPr anchor="b"/>
+          <a:lstStyle>
+            <a:lvl1pPr>
+              <a:defRPr sz="6000"/>
+            </a:lvl1pPr>
+          </a:lstStyle>
+          <a:p>
+            <a:r>
+              <a:rPr lang="en-US" smtClean="0"/>
+              <a:t>Click to edit Master title style</a:t>
+            </a:r>
+            <a:endParaRPr lang="en-US"/>
+          </a:p>
+        </p:txBody>
+      </p:sp>
+      <p:sp>
+        <p:nvSpPr>
+          <p:cNvPr id="3" name="Text Placeholder 2"/>
+          <p:cNvSpPr>
+            <a:spLocks noGrp="1"/>
+          </p:cNvSpPr>
+          <p:nvPr>
+            <p:ph type="body" idx="1"/>
+          </p:nvPr>
+        </p:nvSpPr>
+        <p:spPr>
+          <a:xfrm>
+            <a:off x="831850" y="4589463"/>
+            <a:ext cx="10515600" cy="1500187"/>
+          </a:xfrm>
+        </p:spPr>
+        <p:txBody>
+          <a:bodyPr/>
+          <a:lstStyle>
+            <a:lvl1pPr marL="0" indent="0">
+              <a:buNone/>
+              <a:defRPr sz="2400">
+                <a:solidFill>
+                  <a:schemeClr val="tx1">
+                    <a:tint val="75000"/>
+                  </a:schemeClr>
+                </a:solidFill>
+              </a:defRPr>
+            </a:lvl1pPr>
+            <a:lvl2pPr marL="457200" indent="0">
+              <a:buNone/>
+              <a:defRPr sz="2000">
+                <a:solidFill>
+                  <a:schemeClr val="tx1">
+                    <a:tint val="75000"/>
+                  </a:schemeClr>
+                </a:solidFill>
+              </a:defRPr>
+            </a:lvl2pPr>
+            <a:lvl3pPr marL="914400" indent="0">
+              <a:buNone/>
+              <a:defRPr sz="1800">
+                <a:solidFill>
+                  <a:schemeClr val="tx1">
+                    <a:tint val="75000"/>
+                  </a:schemeClr>
+                </a:solidFill>
+              </a:defRPr>
+            </a:lvl3pPr>
+            <a:lvl4pPr marL="1371600" indent="0">
+              <a:buNone/>
+              <a:defRPr sz="1600">
+                <a:solidFill>
+                  <a:schemeClr val="tx1">
+                    <a:tint val="75000"/>
+                  </a:schemeClr>
+                </a:solidFill>
+              </a:defRPr>
+            </a:lvl4pPr>
+            <a:lvl5pPr marL="1828800" indent="0">
+              <a:buNone/>
+              <a:defRPr sz="1600">
+                <a:solidFill>
+                  <a:schemeClr val="tx1">
+                    <a:tint val="75000"/>
+                  </a:schemeClr>
+                </a:solidFill>
+              </a:defRPr>
+            </a:lvl5pPr>
+            <a:lvl6pPr marL="2286000" indent="0">
+              <a:buNone/>
+              <a:defRPr sz="1600">
+                <a:solidFill>
+                  <a:schemeClr val="tx1">
+                    <a:tint val="75000"/>
+                  </a:schemeClr>
+                </a:solidFill>
+              </a:defRPr>
+            </a:lvl6pPr>
+            <a:lvl7pPr marL="2743200" indent="0">
+              <a:buNone/>
+              <a:defRPr sz="1600">
+                <a:solidFill>
+                  <a:schemeClr val="tx1">
+                    <a:tint val="75000"/>
+                  </a:schemeClr>
+                </a:solidFill>
+              </a:defRPr>
+            </a:lvl7pPr>
+            <a:lvl8pPr marL="3200400" indent="0">
+              <a:buNone/>
+              <a:defRPr sz="1600">
+                <a:solidFill>
+                  <a:schemeClr val="tx1">
+                    <a:tint val="75000"/>
+                  </a:schemeClr>
+                </a:solidFill>
+              </a:defRPr>
+            </a:lvl8pPr>
+            <a:lvl9pPr marL="3657600" indent="0">
+              <a:buNone/>
+              <a:defRPr sz="1600">
+                <a:solidFill>
+                  <a:schemeClr val="tx1">
+                    <a:tint val="75000"/>
+                  </a:schemeClr>
+                </a:solidFill>
+              </a:defRPr>
+            </a:lvl9pPr>
+          </a:lstStyle>
+          <a:p>
+            <a:pPr lvl="0"/>
+            <a:r>
+              <a:rPr lang="en-US" smtClean="0"/>
+              <a:t>Click to edit Master text styles</a:t>
+            </a:r>
+          </a:p>
+        </p:txBody>
+      </p:sp>
+      <p:sp>
+        <p:nvSpPr>
+          <p:cNvPr id="4" name="Date Placeholder 3"/>
+          <p:cNvSpPr>
+            <a:spLocks noGrp="1"/>
+          </p:cNvSpPr>
+          <p:nvPr>
+            <p:ph type="dt" sz="half" idx="10"/>
+          </p:nvPr>
+        </p:nvSpPr>
+        <p:spPr/>
+        <p:txBody>
+          <a:bodyPr/>
+          <a:lstStyle/>
+          <a:p>
+            <a:fld id="{B788F5DE-D80C-44A8-9437-1BAE7D4526B9}" type="datetimeFigureOut">
+              <a:rPr lang="en-US" smtClean="0"/>
+              <a:t>9/15/2014</a:t>
+            </a:fld>
+            <a:endParaRPr lang="en-US"/>
+          </a:p>
+        </p:txBody>
+      </p:sp>
+      <p:sp>
+        <p:nvSpPr>
+          <p:cNvPr id="5" name="Footer Placeholder 4"/>
+          <p:cNvSpPr>
+            <a:spLocks noGrp="1"/>
+          </p:cNvSpPr>
+          <p:nvPr>
+            <p:ph type="ftr" sz="quarter" idx="11"/>
+          </p:nvPr>
+        </p:nvSpPr>
+        <p:spPr/>
+        <p:txBody>
+          <a:bodyPr/>
+          <a:lstStyle/>
+          <a:p>
+            <a:endParaRPr lang="en-US"/>
+          </a:p>
+        </p:txBody>
+      </p:sp>
+      <p:sp>
+        <p:nvSpPr>
+          <p:cNvPr id="6" name="Slide Number Placeholder 5"/>
+          <p:cNvSpPr>
+            <a:spLocks noGrp="1"/>
+          </p:cNvSpPr>
+          <p:nvPr>
+            <p:ph type="sldNum" sz="quarter" idx="12"/>
+          </p:nvPr>
+        </p:nvSpPr>
+        <p:spPr/>
+        <p:txBody>
+          <a:bodyPr/>
+          <a:lstStyle/>
+          <a:p>
+            <a:fld id="{8D4A926C-BD23-4079-B105-03BA81A0B550}" type="slidenum">
+              <a:rPr lang="en-US" smtClean="0"/>
+              <a:t>‹#›</a:t>
+            </a:fld>
+            <a:endParaRPr lang="en-US"/>
+          </a:p>
+        </p:txBody>
+      </p:sp>
+    </p:spTree>
+    <p:extLst>
+      <p:ext uri="{BB962C8B-B14F-4D97-AF65-F5344CB8AC3E}">
+        <p14:creationId xmlns:p14="http://schemas.microsoft.com/office/powerpoint/2010/main" val="1282179802"/>
+      </p:ext>
+    </p:extLst>
+  </p:cSld>
+  <p:clrMapOvr>
+    <a:masterClrMapping/>
+  </p:clrMapOvr>
+</p:sldLayout>
+</file>
+
+<file path=ppt/slideLayouts/slideLayout5.xml><?xml version="1.0" encoding="utf-8"?>
+<p:sldLayout xmlns:a="http://schemas.openxmlformats.org/drawingml/2006/main" xmlns:r="http://schemas.openxmlformats.org/officeDocument/2006/relationships" xmlns:p="http://schemas.openxmlformats.org/presentationml/2006/main" type="twoObj" preserve="1">
+  <p:cSld name="Two Content">
+    <p:spTree>
+      <p:nvGrpSpPr>
+        <p:cNvPr id="1" name=""/>
+        <p:cNvGrpSpPr/>
+        <p:nvPr/>
+      </p:nvGrpSpPr>
+      <p:grpSpPr>
+        <a:xfrm>
+          <a:off x="0" y="0"/>
+          <a:ext cx="0" cy="0"/>
+          <a:chOff x="0" y="0"/>
+          <a:chExt cx="0" cy="0"/>
+        </a:xfrm>
+      </p:grpSpPr>
+      <p:sp>
+        <p:nvSpPr>
+          <p:cNvPr id="2" name="Title 1"/>
+          <p:cNvSpPr>
+            <a:spLocks noGrp="1"/>
+          </p:cNvSpPr>
+          <p:nvPr>
+            <p:ph type="title"/>
+          </p:nvPr>
+        </p:nvSpPr>
+        <p:spPr/>
+        <p:txBody>
+          <a:bodyPr/>
+          <a:lstStyle/>
+          <a:p>
+            <a:r>
+              <a:rPr lang="en-US" smtClean="0"/>
+              <a:t>Click to edit Master title style</a:t>
+            </a:r>
+            <a:endParaRPr lang="en-US"/>
+          </a:p>
+        </p:txBody>
+      </p:sp>
+      <p:sp>
+        <p:nvSpPr>
+          <p:cNvPr id="3" name="Content Placeholder 2"/>
+          <p:cNvSpPr>
+            <a:spLocks noGrp="1"/>
+          </p:cNvSpPr>
+          <p:nvPr>
+            <p:ph sz="half" idx="1"/>
+          </p:nvPr>
+        </p:nvSpPr>
+        <p:spPr>
+          <a:xfrm>
+            <a:off x="838200" y="1825625"/>
+            <a:ext cx="5181600" cy="4351338"/>
+          </a:xfrm>
+        </p:spPr>
+        <p:txBody>
+          <a:bodyPr/>
+          <a:lstStyle/>
+          <a:p>
+            <a:pPr lvl="0"/>
+            <a:r>
+              <a:rPr lang="en-US" smtClean="0"/>
+              <a:t>Click to edit Master text styles</a:t>
+            </a:r>
+          </a:p>
+          <a:p>
+            <a:pPr lvl="1"/>
+            <a:r>
+              <a:rPr lang="en-US" smtClean="0"/>
+              <a:t>Second level</a:t>
+            </a:r>
+          </a:p>
+          <a:p>
+            <a:pPr lvl="2"/>
+            <a:r>
+              <a:rPr lang="en-US" smtClean="0"/>
+              <a:t>Third level</a:t>
+            </a:r>
+          </a:p>
+          <a:p>
+            <a:pPr lvl="3"/>
+            <a:r>
+              <a:rPr lang="en-US" smtClean="0"/>
+              <a:t>Fourth level</a:t>
+            </a:r>
+          </a:p>
+          <a:p>
+            <a:pPr lvl="4"/>
+            <a:r>
+              <a:rPr lang="en-US" smtClean="0"/>
+              <a:t>Fifth level</a:t>
+            </a:r>
+            <a:endParaRPr lang="en-US"/>
+          </a:p>
+        </p:txBody>
+      </p:sp>
+      <p:sp>
+        <p:nvSpPr>
+          <p:cNvPr id="4" name="Content Placeholder 3"/>
+          <p:cNvSpPr>
+            <a:spLocks noGrp="1"/>
+          </p:cNvSpPr>
+          <p:nvPr>
+            <p:ph sz="half" idx="2"/>
+          </p:nvPr>
+        </p:nvSpPr>
+        <p:spPr>
+          <a:xfrm>
+            <a:off x="6172200" y="1825625"/>
+            <a:ext cx="5181600" cy="4351338"/>
+          </a:xfrm>
+        </p:spPr>
+        <p:txBody>
+          <a:bodyPr/>
+          <a:lstStyle/>
+          <a:p>
+            <a:pPr lvl="0"/>
+            <a:r>
+              <a:rPr lang="en-US" smtClean="0"/>
+              <a:t>Click to edit Master text styles</a:t>
+            </a:r>
+          </a:p>
+          <a:p>
+            <a:pPr lvl="1"/>
+            <a:r>
+              <a:rPr lang="en-US" smtClean="0"/>
+              <a:t>Second level</a:t>
+            </a:r>
+          </a:p>
+          <a:p>
+            <a:pPr lvl="2"/>
+            <a:r>
+              <a:rPr lang="en-US" smtClean="0"/>
+              <a:t>Third level</a:t>
+            </a:r>
+          </a:p>
+          <a:p>
+            <a:pPr lvl="3"/>
+            <a:r>
+              <a:rPr lang="en-US" smtClean="0"/>
+              <a:t>Fourth level</a:t>
+            </a:r>
+          </a:p>
+          <a:p>
+            <a:pPr lvl="4"/>
+            <a:r>
+              <a:rPr lang="en-US" smtClean="0"/>
+              <a:t>Fifth level</a:t>
+            </a:r>
+            <a:endParaRPr lang="en-US"/>
+          </a:p>
+        </p:txBody>
+      </p:sp>
+      <p:sp>
+        <p:nvSpPr>
+          <p:cNvPr id="5" name="Date Placeholder 4"/>
+          <p:cNvSpPr>
+            <a:spLocks noGrp="1"/>
+          </p:cNvSpPr>
+          <p:nvPr>
+            <p:ph type="dt" sz="half" idx="10"/>
+          </p:nvPr>
+        </p:nvSpPr>
+        <p:spPr/>
+        <p:txBody>
+          <a:bodyPr/>
+          <a:lstStyle/>
+          <a:p>
+            <a:fld id="{B788F5DE-D80C-44A8-9437-1BAE7D4526B9}" type="datetimeFigureOut">
+              <a:rPr lang="en-US" smtClean="0"/>
+              <a:t>9/15/2014</a:t>
+            </a:fld>
+            <a:endParaRPr lang="en-US"/>
+          </a:p>
+        </p:txBody>
+      </p:sp>
+      <p:sp>
+        <p:nvSpPr>
+          <p:cNvPr id="6" name="Footer Placeholder 5"/>
+          <p:cNvSpPr>
+            <a:spLocks noGrp="1"/>
+          </p:cNvSpPr>
+          <p:nvPr>
+            <p:ph type="ftr" sz="quarter" idx="11"/>
+          </p:nvPr>
+        </p:nvSpPr>
+        <p:spPr/>
+        <p:txBody>
+          <a:bodyPr/>
+          <a:lstStyle/>
+          <a:p>
+            <a:endParaRPr lang="en-US"/>
+          </a:p>
+        </p:txBody>
+      </p:sp>
+      <p:sp>
+        <p:nvSpPr>
+          <p:cNvPr id="7" name="Slide Number Placeholder 6"/>
+          <p:cNvSpPr>
+            <a:spLocks noGrp="1"/>
+          </p:cNvSpPr>
+          <p:nvPr>
+            <p:ph type="sldNum" sz="quarter" idx="12"/>
+          </p:nvPr>
+        </p:nvSpPr>
+        <p:spPr/>
+        <p:txBody>
+          <a:bodyPr/>
+          <a:lstStyle/>
+          <a:p>
+            <a:fld id="{8D4A926C-BD23-4079-B105-03BA81A0B550}" type="slidenum">
+              <a:rPr lang="en-US" smtClean="0"/>
+              <a:t>‹#›</a:t>
+            </a:fld>
+            <a:endParaRPr lang="en-US"/>
+          </a:p>
+        </p:txBody>
+      </p:sp>
+    </p:spTree>
+    <p:extLst>
+      <p:ext uri="{BB962C8B-B14F-4D97-AF65-F5344CB8AC3E}">
+        <p14:creationId xmlns:p14="http://schemas.microsoft.com/office/powerpoint/2010/main" val="1328021340"/>
+      </p:ext>
+    </p:extLst>
+  </p:cSld>
+  <p:clrMapOvr>
+    <a:masterClrMapping/>
+  </p:clrMapOvr>
+</p:sldLayout>
+</file>
+
+<file path=ppt/slideLayouts/slideLayout6.xml><?xml version="1.0" encoding="utf-8"?>
+<p:sldLayout xmlns:a="http://schemas.openxmlformats.org/drawingml/2006/main" xmlns:r="http://schemas.openxmlformats.org/officeDocument/2006/relationships" xmlns:p="http://schemas.openxmlformats.org/presentationml/2006/main" type="twoTxTwoObj" preserve="1">
+  <p:cSld name="Comparison">
+    <p:spTree>
+      <p:nvGrpSpPr>
+        <p:cNvPr id="1" name=""/>
+        <p:cNvGrpSpPr/>
+        <p:nvPr/>
+      </p:nvGrpSpPr>
+      <p:grpSpPr>
+        <a:xfrm>
+          <a:off x="0" y="0"/>
+          <a:ext cx="0" cy="0"/>
+          <a:chOff x="0" y="0"/>
+          <a:chExt cx="0" cy="0"/>
+        </a:xfrm>
+      </p:grpSpPr>
+      <p:sp>
+        <p:nvSpPr>
+          <p:cNvPr id="2" name="Title 1"/>
+          <p:cNvSpPr>
+            <a:spLocks noGrp="1"/>
+          </p:cNvSpPr>
+          <p:nvPr>
+            <p:ph type="title"/>
+          </p:nvPr>
+        </p:nvSpPr>
+        <p:spPr>
+          <a:xfrm>
+            <a:off x="839788" y="365125"/>
+            <a:ext cx="10515600" cy="1325563"/>
+          </a:xfrm>
+        </p:spPr>
+        <p:txBody>
+          <a:bodyPr/>
+          <a:lstStyle/>
+          <a:p>
+            <a:r>
+              <a:rPr lang="en-US" smtClean="0"/>
+              <a:t>Click to edit Master title style</a:t>
+            </a:r>
+            <a:endParaRPr lang="en-US"/>
+          </a:p>
+        </p:txBody>
+      </p:sp>
+      <p:sp>
+        <p:nvSpPr>
+          <p:cNvPr id="3" name="Text Placeholder 2"/>
+          <p:cNvSpPr>
+            <a:spLocks noGrp="1"/>
+          </p:cNvSpPr>
+          <p:nvPr>
+            <p:ph type="body" idx="1"/>
+          </p:nvPr>
+        </p:nvSpPr>
+        <p:spPr>
+          <a:xfrm>
+            <a:off x="839788" y="1681163"/>
+            <a:ext cx="5157787" cy="823912"/>
+          </a:xfrm>
+        </p:spPr>
+        <p:txBody>
+          <a:bodyPr anchor="b"/>
+          <a:lstStyle>
+            <a:lvl1pPr marL="0" indent="0">
+              <a:buNone/>
+              <a:defRPr sz="2400" b="1"/>
+            </a:lvl1pPr>
+            <a:lvl2pPr marL="457200" indent="0">
+              <a:buNone/>
+              <a:defRPr sz="2000" b="1"/>
+            </a:lvl2pPr>
+            <a:lvl3pPr marL="914400" indent="0">
+              <a:buNone/>
+              <a:defRPr sz="1800" b="1"/>
+            </a:lvl3pPr>
+            <a:lvl4pPr marL="1371600" indent="0">
+              <a:buNone/>
+              <a:defRPr sz="1600" b="1"/>
+            </a:lvl4pPr>
+            <a:lvl5pPr marL="1828800" indent="0">
+              <a:buNone/>
+              <a:defRPr sz="1600" b="1"/>
+            </a:lvl5pPr>
+            <a:lvl6pPr marL="2286000" indent="0">
+              <a:buNone/>
+              <a:defRPr sz="1600" b="1"/>
+            </a:lvl6pPr>
+            <a:lvl7pPr marL="2743200" indent="0">
+              <a:buNone/>
+              <a:defRPr sz="1600" b="1"/>
+            </a:lvl7pPr>
+            <a:lvl8pPr marL="3200400" indent="0">
+              <a:buNone/>
+              <a:defRPr sz="1600" b="1"/>
+            </a:lvl8pPr>
+            <a:lvl9pPr marL="3657600" indent="0">
+              <a:buNone/>
+              <a:defRPr sz="1600" b="1"/>
+            </a:lvl9pPr>
+          </a:lstStyle>
+          <a:p>
+            <a:pPr lvl="0"/>
+            <a:r>
+              <a:rPr lang="en-US" smtClean="0"/>
+              <a:t>Click to edit Master text styles</a:t>
+            </a:r>
+          </a:p>
+        </p:txBody>
+      </p:sp>
+      <p:sp>
+        <p:nvSpPr>
+          <p:cNvPr id="4" name="Content Placeholder 3"/>
+          <p:cNvSpPr>
+            <a:spLocks noGrp="1"/>
+          </p:cNvSpPr>
+          <p:nvPr>
+            <p:ph sz="half" idx="2"/>
+          </p:nvPr>
+        </p:nvSpPr>
+        <p:spPr>
+          <a:xfrm>
+            <a:off x="839788" y="2505075"/>
+            <a:ext cx="5157787" cy="3684588"/>
+          </a:xfrm>
+        </p:spPr>
+        <p:txBody>
+          <a:bodyPr/>
+          <a:lstStyle/>
+          <a:p>
+            <a:pPr lvl="0"/>
+            <a:r>
+              <a:rPr lang="en-US" smtClean="0"/>
+              <a:t>Click to edit Master text styles</a:t>
+            </a:r>
+          </a:p>
+          <a:p>
+            <a:pPr lvl="1"/>
+            <a:r>
+              <a:rPr lang="en-US" smtClean="0"/>
+              <a:t>Second level</a:t>
+            </a:r>
+          </a:p>
+          <a:p>
+            <a:pPr lvl="2"/>
+            <a:r>
+              <a:rPr lang="en-US" smtClean="0"/>
+              <a:t>Third level</a:t>
+            </a:r>
+          </a:p>
+          <a:p>
+            <a:pPr lvl="3"/>
+            <a:r>
+              <a:rPr lang="en-US" smtClean="0"/>
+              <a:t>Fourth level</a:t>
+            </a:r>
+          </a:p>
+          <a:p>
+            <a:pPr lvl="4"/>
+            <a:r>
+              <a:rPr lang="en-US" smtClean="0"/>
+              <a:t>Fifth level</a:t>
+            </a:r>
+            <a:endParaRPr lang="en-US"/>
+          </a:p>
+        </p:txBody>
+      </p:sp>
+      <p:sp>
+        <p:nvSpPr>
+          <p:cNvPr id="5" name="Text Placeholder 4"/>
+          <p:cNvSpPr>
+            <a:spLocks noGrp="1"/>
+          </p:cNvSpPr>
+          <p:nvPr>
+            <p:ph type="body" sz="quarter" idx="3"/>
+          </p:nvPr>
+        </p:nvSpPr>
+        <p:spPr>
+          <a:xfrm>
+            <a:off x="6172200" y="1681163"/>
+            <a:ext cx="5183188" cy="823912"/>
+          </a:xfrm>
+        </p:spPr>
+        <p:txBody>
+          <a:bodyPr anchor="b"/>
+          <a:lstStyle>
+            <a:lvl1pPr marL="0" indent="0">
+              <a:buNone/>
+              <a:defRPr sz="2400" b="1"/>
+            </a:lvl1pPr>
+            <a:lvl2pPr marL="457200" indent="0">
+              <a:buNone/>
+              <a:defRPr sz="2000" b="1"/>
+            </a:lvl2pPr>
+            <a:lvl3pPr marL="914400" indent="0">
+              <a:buNone/>
+              <a:defRPr sz="1800" b="1"/>
+            </a:lvl3pPr>
+            <a:lvl4pPr marL="1371600" indent="0">
+              <a:buNone/>
+              <a:defRPr sz="1600" b="1"/>
+            </a:lvl4pPr>
+            <a:lvl5pPr marL="1828800" indent="0">
+              <a:buNone/>
+              <a:defRPr sz="1600" b="1"/>
+            </a:lvl5pPr>
+            <a:lvl6pPr marL="2286000" indent="0">
+              <a:buNone/>
+              <a:defRPr sz="1600" b="1"/>
+            </a:lvl6pPr>
+            <a:lvl7pPr marL="2743200" indent="0">
+              <a:buNone/>
+              <a:defRPr sz="1600" b="1"/>
+            </a:lvl7pPr>
+            <a:lvl8pPr marL="3200400" indent="0">
+              <a:buNone/>
+              <a:defRPr sz="1600" b="1"/>
+            </a:lvl8pPr>
+            <a:lvl9pPr marL="3657600" indent="0">
+              <a:buNone/>
+              <a:defRPr sz="1600" b="1"/>
+            </a:lvl9pPr>
+          </a:lstStyle>
+          <a:p>
+            <a:pPr lvl="0"/>
+            <a:r>
+              <a:rPr lang="en-US" smtClean="0"/>
+              <a:t>Click to edit Master text styles</a:t>
+            </a:r>
+          </a:p>
+        </p:txBody>
+      </p:sp>
+      <p:sp>
+        <p:nvSpPr>
+          <p:cNvPr id="6" name="Content Placeholder 5"/>
+          <p:cNvSpPr>
+            <a:spLocks noGrp="1"/>
+          </p:cNvSpPr>
+          <p:nvPr>
+            <p:ph sz="quarter" idx="4"/>
+          </p:nvPr>
+        </p:nvSpPr>
+        <p:spPr>
+          <a:xfrm>
+            <a:off x="6172200" y="2505075"/>
+            <a:ext cx="5183188" cy="3684588"/>
+          </a:xfrm>
+        </p:spPr>
+        <p:txBody>
+          <a:bodyPr/>
+          <a:lstStyle/>
+          <a:p>
+            <a:pPr lvl="0"/>
+            <a:r>
+              <a:rPr lang="en-US" smtClean="0"/>
+              <a:t>Click to edit Master text styles</a:t>
+            </a:r>
+          </a:p>
+          <a:p>
+            <a:pPr lvl="1"/>
+            <a:r>
+              <a:rPr lang="en-US" smtClean="0"/>
+              <a:t>Second level</a:t>
+            </a:r>
+          </a:p>
+          <a:p>
+            <a:pPr lvl="2"/>
+            <a:r>
+              <a:rPr lang="en-US" smtClean="0"/>
+              <a:t>Third level</a:t>
+            </a:r>
+          </a:p>
+          <a:p>
+            <a:pPr lvl="3"/>
+            <a:r>
+              <a:rPr lang="en-US" smtClean="0"/>
+              <a:t>Fourth level</a:t>
+            </a:r>
+          </a:p>
+          <a:p>
+            <a:pPr lvl="4"/>
+            <a:r>
+              <a:rPr lang="en-US" smtClean="0"/>
+              <a:t>Fifth level</a:t>
+            </a:r>
+            <a:endParaRPr lang="en-US"/>
+          </a:p>
+        </p:txBody>
+      </p:sp>
+      <p:sp>
+        <p:nvSpPr>
+          <p:cNvPr id="7" name="Date Placeholder 6"/>
+          <p:cNvSpPr>
+            <a:spLocks noGrp="1"/>
+          </p:cNvSpPr>
+          <p:nvPr>
+            <p:ph type="dt" sz="half" idx="10"/>
+          </p:nvPr>
+        </p:nvSpPr>
+        <p:spPr/>
+        <p:txBody>
+          <a:bodyPr/>
+          <a:lstStyle/>
+          <a:p>
+            <a:fld id="{B788F5DE-D80C-44A8-9437-1BAE7D4526B9}" type="datetimeFigureOut">
+              <a:rPr lang="en-US" smtClean="0"/>
+              <a:t>9/15/2014</a:t>
+            </a:fld>
+            <a:endParaRPr lang="en-US"/>
+          </a:p>
+        </p:txBody>
+      </p:sp>
+      <p:sp>
+        <p:nvSpPr>
+          <p:cNvPr id="8" name="Footer Placeholder 7"/>
+          <p:cNvSpPr>
+            <a:spLocks noGrp="1"/>
+          </p:cNvSpPr>
+          <p:nvPr>
+            <p:ph type="ftr" sz="quarter" idx="11"/>
+          </p:nvPr>
+        </p:nvSpPr>
+        <p:spPr/>
+        <p:txBody>
+          <a:bodyPr/>
+          <a:lstStyle/>
+          <a:p>
+            <a:endParaRPr lang="en-US"/>
+          </a:p>
+        </p:txBody>
+      </p:sp>
+      <p:sp>
+        <p:nvSpPr>
+          <p:cNvPr id="9" name="Slide Number Placeholder 8"/>
+          <p:cNvSpPr>
+            <a:spLocks noGrp="1"/>
+          </p:cNvSpPr>
+          <p:nvPr>
+            <p:ph type="sldNum" sz="quarter" idx="12"/>
+          </p:nvPr>
+        </p:nvSpPr>
+        <p:spPr/>
+        <p:txBody>
+          <a:bodyPr/>
+          <a:lstStyle/>
+          <a:p>
+            <a:fld id="{8D4A926C-BD23-4079-B105-03BA81A0B550}" type="slidenum">
+              <a:rPr lang="en-US" smtClean="0"/>
+              <a:t>‹#›</a:t>
+            </a:fld>
+            <a:endParaRPr lang="en-US"/>
+          </a:p>
+        </p:txBody>
+      </p:sp>
+    </p:spTree>
+    <p:extLst>
+      <p:ext uri="{BB962C8B-B14F-4D97-AF65-F5344CB8AC3E}">
+        <p14:creationId xmlns:p14="http://schemas.microsoft.com/office/powerpoint/2010/main" val="4010590986"/>
+      </p:ext>
+    </p:extLst>
+  </p:cSld>
+  <p:clrMapOvr>
+    <a:masterClrMapping/>
+  </p:clrMapOvr>
+</p:sldLayout>
+</file>
+
+<file path=ppt/slideLayouts/slideLayout7.xml><?xml version="1.0" encoding="utf-8"?>
+<p:sldLayout xmlns:a="http://schemas.openxmlformats.org/drawingml/2006/main" xmlns:r="http://schemas.openxmlformats.org/officeDocument/2006/relationships" xmlns:p="http://schemas.openxmlformats.org/presentationml/2006/main" type="titleOnly" preserve="1">
+  <p:cSld name="Title Only">
+    <p:spTree>
+      <p:nvGrpSpPr>
+        <p:cNvPr id="1" name=""/>
+        <p:cNvGrpSpPr/>
+        <p:nvPr/>
+      </p:nvGrpSpPr>
+      <p:grpSpPr>
+        <a:xfrm>
+          <a:off x="0" y="0"/>
+          <a:ext cx="0" cy="0"/>
+          <a:chOff x="0" y="0"/>
+          <a:chExt cx="0" cy="0"/>
+        </a:xfrm>
+      </p:grpSpPr>
+      <p:sp>
+        <p:nvSpPr>
+          <p:cNvPr id="2" name="Title 1"/>
+          <p:cNvSpPr>
+            <a:spLocks noGrp="1"/>
+          </p:cNvSpPr>
+          <p:nvPr>
+            <p:ph type="title"/>
+          </p:nvPr>
+        </p:nvSpPr>
+        <p:spPr/>
+        <p:txBody>
+          <a:bodyPr/>
+          <a:lstStyle/>
+          <a:p>
+            <a:r>
+              <a:rPr lang="en-US" smtClean="0"/>
+              <a:t>Click to edit Master title style</a:t>
+            </a:r>
+            <a:endParaRPr lang="en-US"/>
+          </a:p>
+        </p:txBody>
+      </p:sp>
+      <p:sp>
+        <p:nvSpPr>
+          <p:cNvPr id="3" name="Date Placeholder 2"/>
+          <p:cNvSpPr>
+            <a:spLocks noGrp="1"/>
+          </p:cNvSpPr>
+          <p:nvPr>
+            <p:ph type="dt" sz="half" idx="10"/>
+          </p:nvPr>
+        </p:nvSpPr>
+        <p:spPr/>
+        <p:txBody>
+          <a:bodyPr/>
+          <a:lstStyle/>
+          <a:p>
+            <a:fld id="{B788F5DE-D80C-44A8-9437-1BAE7D4526B9}" type="datetimeFigureOut">
+              <a:rPr lang="en-US" smtClean="0"/>
+              <a:t>9/15/2014</a:t>
+            </a:fld>
+            <a:endParaRPr lang="en-US"/>
+          </a:p>
+        </p:txBody>
+      </p:sp>
+      <p:sp>
+        <p:nvSpPr>
+          <p:cNvPr id="4" name="Footer Placeholder 3"/>
+          <p:cNvSpPr>
+            <a:spLocks noGrp="1"/>
+          </p:cNvSpPr>
+          <p:nvPr>
+            <p:ph type="ftr" sz="quarter" idx="11"/>
+          </p:nvPr>
+        </p:nvSpPr>
+        <p:spPr/>
+        <p:txBody>
+          <a:bodyPr/>
+          <a:lstStyle/>
+          <a:p>
+            <a:endParaRPr lang="en-US"/>
+          </a:p>
+        </p:txBody>
+      </p:sp>
+      <p:sp>
+        <p:nvSpPr>
+          <p:cNvPr id="5" name="Slide Number Placeholder 4"/>
+          <p:cNvSpPr>
+            <a:spLocks noGrp="1"/>
+          </p:cNvSpPr>
+          <p:nvPr>
+            <p:ph type="sldNum" sz="quarter" idx="12"/>
+          </p:nvPr>
+        </p:nvSpPr>
+        <p:spPr/>
+        <p:txBody>
+          <a:bodyPr/>
+          <a:lstStyle/>
+          <a:p>
+            <a:fld id="{8D4A926C-BD23-4079-B105-03BA81A0B550}" type="slidenum">
+              <a:rPr lang="en-US" smtClean="0"/>
+              <a:t>‹#›</a:t>
+            </a:fld>
+            <a:endParaRPr lang="en-US"/>
+          </a:p>
+        </p:txBody>
+      </p:sp>
+    </p:spTree>
+    <p:extLst>
+      <p:ext uri="{BB962C8B-B14F-4D97-AF65-F5344CB8AC3E}">
+        <p14:creationId xmlns:p14="http://schemas.microsoft.com/office/powerpoint/2010/main" val="896043093"/>
+      </p:ext>
+    </p:extLst>
+  </p:cSld>
+  <p:clrMapOvr>
+    <a:masterClrMapping/>
+  </p:clrMapOvr>
+</p:sldLayout>
+</file>
+
+<file path=ppt/slideLayouts/slideLayout8.xml><?xml version="1.0" encoding="utf-8"?>
+<p:sldLayout xmlns:a="http://schemas.openxmlformats.org/drawingml/2006/main" xmlns:r="http://schemas.openxmlformats.org/officeDocument/2006/relationships" xmlns:p="http://schemas.openxmlformats.org/presentationml/2006/main" type="blank" preserve="1">
+  <p:cSld name="Blank">
+    <p:spTree>
+      <p:nvGrpSpPr>
+        <p:cNvPr id="1" name=""/>
+        <p:cNvGrpSpPr/>
+        <p:nvPr/>
+      </p:nvGrpSpPr>
+      <p:grpSpPr>
+        <a:xfrm>
+          <a:off x="0" y="0"/>
+          <a:ext cx="0" cy="0"/>
+          <a:chOff x="0" y="0"/>
+          <a:chExt cx="0" cy="0"/>
+        </a:xfrm>
+      </p:grpSpPr>
+      <p:sp>
+        <p:nvSpPr>
+          <p:cNvPr id="2" name="Date Placeholder 1"/>
+          <p:cNvSpPr>
+            <a:spLocks noGrp="1"/>
+          </p:cNvSpPr>
+          <p:nvPr>
+            <p:ph type="dt" sz="half" idx="10"/>
+          </p:nvPr>
+        </p:nvSpPr>
+        <p:spPr/>
+        <p:txBody>
+          <a:bodyPr/>
+          <a:lstStyle/>
+          <a:p>
+            <a:fld id="{B788F5DE-D80C-44A8-9437-1BAE7D4526B9}" type="datetimeFigureOut">
+              <a:rPr lang="en-US" smtClean="0"/>
+              <a:t>9/15/2014</a:t>
+            </a:fld>
+            <a:endParaRPr lang="en-US"/>
+          </a:p>
+        </p:txBody>
+      </p:sp>
+      <p:sp>
+        <p:nvSpPr>
+          <p:cNvPr id="3" name="Footer Placeholder 2"/>
+          <p:cNvSpPr>
+            <a:spLocks noGrp="1"/>
+          </p:cNvSpPr>
+          <p:nvPr>
+            <p:ph type="ftr" sz="quarter" idx="11"/>
+          </p:nvPr>
+        </p:nvSpPr>
+        <p:spPr/>
+        <p:txBody>
+          <a:bodyPr/>
+          <a:lstStyle/>
+          <a:p>
+            <a:endParaRPr lang="en-US"/>
+          </a:p>
+        </p:txBody>
+      </p:sp>
+      <p:sp>
+        <p:nvSpPr>
+          <p:cNvPr id="4" name="Slide Number Placeholder 3"/>
+          <p:cNvSpPr>
+            <a:spLocks noGrp="1"/>
+          </p:cNvSpPr>
+          <p:nvPr>
+            <p:ph type="sldNum" sz="quarter" idx="12"/>
+          </p:nvPr>
+        </p:nvSpPr>
+        <p:spPr/>
+        <p:txBody>
+          <a:bodyPr/>
+          <a:lstStyle/>
+          <a:p>
+            <a:fld id="{8D4A926C-BD23-4079-B105-03BA81A0B550}" type="slidenum">
+              <a:rPr lang="en-US" smtClean="0"/>
+              <a:t>‹#›</a:t>
+            </a:fld>
+            <a:endParaRPr lang="en-US"/>
+          </a:p>
+        </p:txBody>
+      </p:sp>
+    </p:spTree>
+    <p:extLst>
+      <p:ext uri="{BB962C8B-B14F-4D97-AF65-F5344CB8AC3E}">
+        <p14:creationId xmlns:p14="http://schemas.microsoft.com/office/powerpoint/2010/main" val="2434272308"/>
       </p:ext>
     </p:extLst>
   </p:cSld>
@@ -5694,7 +6477,7 @@
           <a:p>
             <a:fld id="{B788F5DE-D80C-44A8-9437-1BAE7D4526B9}" type="datetimeFigureOut">
               <a:rPr lang="en-US" smtClean="0"/>
-              <a:t>9/13/2014</a:t>
+              <a:t>9/15/2014</a:t>
             </a:fld>
             <a:endParaRPr lang="en-US"/>
           </a:p>
@@ -5907,7 +6690,7 @@
           <a:p>
             <a:fld id="{B788F5DE-D80C-44A8-9437-1BAE7D4526B9}" type="datetimeFigureOut">
               <a:rPr lang="en-US" smtClean="0"/>
-              <a:t>9/13/2014</a:t>
+              <a:t>9/15/2014</a:t>
             </a:fld>
             <a:endParaRPr lang="en-US"/>
           </a:p>
@@ -6002,15 +6785,16 @@
   <p:sldLayoutIdLst>
     <p:sldLayoutId id="2147483661" r:id="rId1"/>
     <p:sldLayoutId id="2147483662" r:id="rId2"/>
-    <p:sldLayoutId id="2147483663" r:id="rId3"/>
-    <p:sldLayoutId id="2147483664" r:id="rId4"/>
-    <p:sldLayoutId id="2147483665" r:id="rId5"/>
-    <p:sldLayoutId id="2147483666" r:id="rId6"/>
-    <p:sldLayoutId id="2147483667" r:id="rId7"/>
-    <p:sldLayoutId id="2147483668" r:id="rId8"/>
+    <p:sldLayoutId id="2147483672" r:id="rId3"/>
+    <p:sldLayoutId id="2147483663" r:id="rId4"/>
+    <p:sldLayoutId id="2147483664" r:id="rId5"/>
+    <p:sldLayoutId id="2147483665" r:id="rId6"/>
+    <p:sldLayoutId id="2147483666" r:id="rId7"/>
+    <p:sldLayoutId id="2147483667" r:id="rId8"/>
     <p:sldLayoutId id="2147483669" r:id="rId9"/>
     <p:sldLayoutId id="2147483670" r:id="rId10"/>
     <p:sldLayoutId id="2147483671" r:id="rId11"/>
+    <p:sldLayoutId id="2147483668" r:id="rId12"/>
   </p:sldLayoutIdLst>
   <p:txStyles>
     <p:titleStyle>
@@ -6372,6 +7156,21 @@
               <a:rPr lang="en-US" dirty="0" err="1" smtClean="0"/>
               <a:t>autostart</a:t>
             </a:r>
+            <a:endParaRPr lang="en-US" dirty="0" smtClean="0"/>
+          </a:p>
+          <a:p>
+            <a:r>
+              <a:rPr lang="en-US" dirty="0" smtClean="0"/>
+              <a:t>disable skype, </a:t>
+            </a:r>
+            <a:r>
+              <a:rPr lang="en-US" dirty="0" err="1" smtClean="0"/>
+              <a:t>workrave</a:t>
+            </a:r>
+            <a:r>
+              <a:rPr lang="en-US" dirty="0" smtClean="0"/>
+              <a:t>, etc.</a:t>
+            </a:r>
             <a:endParaRPr lang="en-US" dirty="0"/>
           </a:p>
         </p:txBody>
@@ -6446,6 +7245,207 @@
     </p:spTree>
     <p:extLst>
       <p:ext uri="{BB962C8B-B14F-4D97-AF65-F5344CB8AC3E}">
+        <p14:creationId xmlns:p14="http://schemas.microsoft.com/office/powerpoint/2010/main" val="2888325281"/>
+      </p:ext>
+    </p:extLst>
+  </p:cSld>
+  <p:clrMapOvr>
+    <a:masterClrMapping/>
+  </p:clrMapOvr>
+  <p:timing>
+    <p:tnLst>
+      <p:par>
+        <p:cTn id="1" dur="indefinite" restart="never" nodeType="tmRoot"/>
+      </p:par>
+    </p:tnLst>
+  </p:timing>
+</p:sld>
+</file>
+
+<file path=ppt/slides/slide11.xml><?xml version="1.0" encoding="utf-8"?>
+<p:sld xmlns:a="http://schemas.openxmlformats.org/drawingml/2006/main" xmlns:r="http://schemas.openxmlformats.org/officeDocument/2006/relationships" xmlns:p="http://schemas.openxmlformats.org/presentationml/2006/main">
+  <p:cSld>
+    <p:spTree>
+      <p:nvGrpSpPr>
+        <p:cNvPr id="1" name=""/>
+        <p:cNvGrpSpPr/>
+        <p:nvPr/>
+      </p:nvGrpSpPr>
+      <p:grpSpPr>
+        <a:xfrm>
+          <a:off x="0" y="0"/>
+          <a:ext cx="0" cy="0"/>
+          <a:chOff x="0" y="0"/>
+          <a:chExt cx="0" cy="0"/>
+        </a:xfrm>
+      </p:grpSpPr>
+      <p:pic>
+        <p:nvPicPr>
+          <p:cNvPr id="4" name="Picture 3"/>
+          <p:cNvPicPr>
+            <a:picLocks noChangeAspect="1"/>
+          </p:cNvPicPr>
+          <p:nvPr/>
+        </p:nvPicPr>
+        <p:blipFill>
+          <a:blip r:embed="rId3" cstate="print">
+            <a:extLst>
+              <a:ext uri="{28A0092B-C50C-407E-A947-70E740481C1C}">
+                <a14:useLocalDpi xmlns:a14="http://schemas.microsoft.com/office/drawing/2010/main" val="0"/>
+              </a:ext>
+            </a:extLst>
+          </a:blip>
+          <a:stretch>
+            <a:fillRect/>
+          </a:stretch>
+        </p:blipFill>
+        <p:spPr>
+          <a:xfrm>
+            <a:off x="1194" y="0"/>
+            <a:ext cx="12189611" cy="6858000"/>
+          </a:xfrm>
+          <a:prstGeom prst="rect">
+            <a:avLst/>
+          </a:prstGeom>
+        </p:spPr>
+      </p:pic>
+    </p:spTree>
+    <p:extLst>
+      <p:ext uri="{BB962C8B-B14F-4D97-AF65-F5344CB8AC3E}">
+        <p14:creationId xmlns:p14="http://schemas.microsoft.com/office/powerpoint/2010/main" val="96699877"/>
+      </p:ext>
+    </p:extLst>
+  </p:cSld>
+  <p:clrMapOvr>
+    <a:masterClrMapping/>
+  </p:clrMapOvr>
+  <p:timing>
+    <p:tnLst>
+      <p:par>
+        <p:cTn id="1" dur="indefinite" restart="never" nodeType="tmRoot"/>
+      </p:par>
+    </p:tnLst>
+  </p:timing>
+</p:sld>
+</file>
+
+<file path=ppt/slides/slide12.xml><?xml version="1.0" encoding="utf-8"?>
+<p:sld xmlns:a="http://schemas.openxmlformats.org/drawingml/2006/main" xmlns:r="http://schemas.openxmlformats.org/officeDocument/2006/relationships" xmlns:p="http://schemas.openxmlformats.org/presentationml/2006/main">
+  <p:cSld>
+    <p:spTree>
+      <p:nvGrpSpPr>
+        <p:cNvPr id="1" name=""/>
+        <p:cNvGrpSpPr/>
+        <p:nvPr/>
+      </p:nvGrpSpPr>
+      <p:grpSpPr>
+        <a:xfrm>
+          <a:off x="0" y="0"/>
+          <a:ext cx="0" cy="0"/>
+          <a:chOff x="0" y="0"/>
+          <a:chExt cx="0" cy="0"/>
+        </a:xfrm>
+      </p:grpSpPr>
+      <p:pic>
+        <p:nvPicPr>
+          <p:cNvPr id="4" name="Picture 3"/>
+          <p:cNvPicPr>
+            <a:picLocks noChangeAspect="1"/>
+          </p:cNvPicPr>
+          <p:nvPr/>
+        </p:nvPicPr>
+        <p:blipFill>
+          <a:blip r:embed="rId3" cstate="print">
+            <a:extLst>
+              <a:ext uri="{28A0092B-C50C-407E-A947-70E740481C1C}">
+                <a14:useLocalDpi xmlns:a14="http://schemas.microsoft.com/office/drawing/2010/main" val="0"/>
+              </a:ext>
+            </a:extLst>
+          </a:blip>
+          <a:stretch>
+            <a:fillRect/>
+          </a:stretch>
+        </p:blipFill>
+        <p:spPr>
+          <a:xfrm>
+            <a:off x="1194" y="0"/>
+            <a:ext cx="12189611" cy="6858000"/>
+          </a:xfrm>
+          <a:prstGeom prst="rect">
+            <a:avLst/>
+          </a:prstGeom>
+        </p:spPr>
+      </p:pic>
+    </p:spTree>
+    <p:extLst>
+      <p:ext uri="{BB962C8B-B14F-4D97-AF65-F5344CB8AC3E}">
+        <p14:creationId xmlns:p14="http://schemas.microsoft.com/office/powerpoint/2010/main" val="945699482"/>
+      </p:ext>
+    </p:extLst>
+  </p:cSld>
+  <p:clrMapOvr>
+    <a:masterClrMapping/>
+  </p:clrMapOvr>
+  <p:timing>
+    <p:tnLst>
+      <p:par>
+        <p:cTn id="1" dur="indefinite" restart="never" nodeType="tmRoot"/>
+      </p:par>
+    </p:tnLst>
+  </p:timing>
+</p:sld>
+</file>
+
+<file path=ppt/slides/slide13.xml><?xml version="1.0" encoding="utf-8"?>
+<p:sld xmlns:a="http://schemas.openxmlformats.org/drawingml/2006/main" xmlns:r="http://schemas.openxmlformats.org/officeDocument/2006/relationships" xmlns:p="http://schemas.openxmlformats.org/presentationml/2006/main">
+  <p:cSld>
+    <p:spTree>
+      <p:nvGrpSpPr>
+        <p:cNvPr id="1" name=""/>
+        <p:cNvGrpSpPr/>
+        <p:nvPr/>
+      </p:nvGrpSpPr>
+      <p:grpSpPr>
+        <a:xfrm>
+          <a:off x="0" y="0"/>
+          <a:ext cx="0" cy="0"/>
+          <a:chOff x="0" y="0"/>
+          <a:chExt cx="0" cy="0"/>
+        </a:xfrm>
+      </p:grpSpPr>
+      <p:pic>
+        <p:nvPicPr>
+          <p:cNvPr id="4" name="Picture 3"/>
+          <p:cNvPicPr>
+            <a:picLocks noChangeAspect="1"/>
+          </p:cNvPicPr>
+          <p:nvPr/>
+        </p:nvPicPr>
+        <p:blipFill>
+          <a:blip r:embed="rId3" cstate="print">
+            <a:extLst>
+              <a:ext uri="{28A0092B-C50C-407E-A947-70E740481C1C}">
+                <a14:useLocalDpi xmlns:a14="http://schemas.microsoft.com/office/drawing/2010/main" val="0"/>
+              </a:ext>
+            </a:extLst>
+          </a:blip>
+          <a:stretch>
+            <a:fillRect/>
+          </a:stretch>
+        </p:blipFill>
+        <p:spPr>
+          <a:xfrm>
+            <a:off x="1194" y="0"/>
+            <a:ext cx="12189611" cy="6858000"/>
+          </a:xfrm>
+          <a:prstGeom prst="rect">
+            <a:avLst/>
+          </a:prstGeom>
+        </p:spPr>
+      </p:pic>
+    </p:spTree>
+    <p:extLst>
+      <p:ext uri="{BB962C8B-B14F-4D97-AF65-F5344CB8AC3E}">
         <p14:creationId xmlns:p14="http://schemas.microsoft.com/office/powerpoint/2010/main" val="1124784707"/>
       </p:ext>
     </p:extLst>
@@ -6463,7 +7463,7 @@
 </p:sld>
 </file>
 
-<file path=ppt/slides/slide11.xml><?xml version="1.0" encoding="utf-8"?>
+<file path=ppt/slides/slide14.xml><?xml version="1.0" encoding="utf-8"?>
 <p:sld xmlns:a="http://schemas.openxmlformats.org/drawingml/2006/main" xmlns:r="http://schemas.openxmlformats.org/officeDocument/2006/relationships" xmlns:p="http://schemas.openxmlformats.org/presentationml/2006/main">
   <p:cSld>
     <p:spTree>
@@ -6530,7 +7530,7 @@
 </p:sld>
 </file>
 
-<file path=ppt/slides/slide12.xml><?xml version="1.0" encoding="utf-8"?>
+<file path=ppt/slides/slide15.xml><?xml version="1.0" encoding="utf-8"?>
 <p:sld xmlns:a="http://schemas.openxmlformats.org/drawingml/2006/main" xmlns:r="http://schemas.openxmlformats.org/officeDocument/2006/relationships" xmlns:p="http://schemas.openxmlformats.org/presentationml/2006/main">
   <p:cSld>
     <p:spTree>
@@ -6597,7 +7597,7 @@
 </p:sld>
 </file>
 
-<file path=ppt/slides/slide13.xml><?xml version="1.0" encoding="utf-8"?>
+<file path=ppt/slides/slide16.xml><?xml version="1.0" encoding="utf-8"?>
 <p:sld xmlns:a="http://schemas.openxmlformats.org/drawingml/2006/main" xmlns:r="http://schemas.openxmlformats.org/officeDocument/2006/relationships" xmlns:p="http://schemas.openxmlformats.org/presentationml/2006/main">
   <p:cSld>
     <p:spTree>
@@ -6664,7 +7664,7 @@
 </p:sld>
 </file>
 
-<file path=ppt/slides/slide14.xml><?xml version="1.0" encoding="utf-8"?>
+<file path=ppt/slides/slide17.xml><?xml version="1.0" encoding="utf-8"?>
 <p:sld xmlns:a="http://schemas.openxmlformats.org/drawingml/2006/main" xmlns:r="http://schemas.openxmlformats.org/officeDocument/2006/relationships" xmlns:p="http://schemas.openxmlformats.org/presentationml/2006/main">
   <p:cSld>
     <p:spTree>
@@ -6731,7 +7731,92 @@
 </p:sld>
 </file>
 
-<file path=ppt/slides/slide15.xml><?xml version="1.0" encoding="utf-8"?>
+<file path=ppt/slides/slide18.xml><?xml version="1.0" encoding="utf-8"?>
+<p:sld xmlns:a="http://schemas.openxmlformats.org/drawingml/2006/main" xmlns:r="http://schemas.openxmlformats.org/officeDocument/2006/relationships" xmlns:p="http://schemas.openxmlformats.org/presentationml/2006/main">
+  <p:cSld>
+    <p:spTree>
+      <p:nvGrpSpPr>
+        <p:cNvPr id="1" name=""/>
+        <p:cNvGrpSpPr/>
+        <p:nvPr/>
+      </p:nvGrpSpPr>
+      <p:grpSpPr>
+        <a:xfrm>
+          <a:off x="0" y="0"/>
+          <a:ext cx="0" cy="0"/>
+          <a:chOff x="0" y="0"/>
+          <a:chExt cx="0" cy="0"/>
+        </a:xfrm>
+      </p:grpSpPr>
+      <p:sp>
+        <p:nvSpPr>
+          <p:cNvPr id="2" name="Title 1"/>
+          <p:cNvSpPr>
+            <a:spLocks noGrp="1"/>
+          </p:cNvSpPr>
+          <p:nvPr>
+            <p:ph type="title"/>
+          </p:nvPr>
+        </p:nvSpPr>
+        <p:spPr>
+          <a:xfrm>
+            <a:off x="831850" y="467092"/>
+            <a:ext cx="10515600" cy="2852737"/>
+          </a:xfrm>
+        </p:spPr>
+        <p:txBody>
+          <a:bodyPr/>
+          <a:lstStyle/>
+          <a:p>
+            <a:pPr algn="ctr"/>
+            <a:r>
+              <a:rPr lang="en-US" dirty="0" smtClean="0"/>
+              <a:t>Querying The Pengine</a:t>
+            </a:r>
+            <a:endParaRPr lang="en-US" dirty="0"/>
+          </a:p>
+        </p:txBody>
+      </p:sp>
+      <p:sp>
+        <p:nvSpPr>
+          <p:cNvPr id="3" name="Text Placeholder 2"/>
+          <p:cNvSpPr>
+            <a:spLocks noGrp="1"/>
+          </p:cNvSpPr>
+          <p:nvPr>
+            <p:ph type="body" idx="1"/>
+          </p:nvPr>
+        </p:nvSpPr>
+        <p:spPr/>
+        <p:txBody>
+          <a:bodyPr/>
+          <a:lstStyle/>
+          <a:p>
+            <a:endParaRPr lang="en-US"/>
+          </a:p>
+        </p:txBody>
+      </p:sp>
+    </p:spTree>
+    <p:extLst>
+      <p:ext uri="{BB962C8B-B14F-4D97-AF65-F5344CB8AC3E}">
+        <p14:creationId xmlns:p14="http://schemas.microsoft.com/office/powerpoint/2010/main" val="2551789944"/>
+      </p:ext>
+    </p:extLst>
+  </p:cSld>
+  <p:clrMapOvr>
+    <a:masterClrMapping/>
+  </p:clrMapOvr>
+  <p:timing>
+    <p:tnLst>
+      <p:par>
+        <p:cTn id="1" dur="indefinite" restart="never" nodeType="tmRoot"/>
+      </p:par>
+    </p:tnLst>
+  </p:timing>
+</p:sld>
+</file>
+
+<file path=ppt/slides/slide19.xml><?xml version="1.0" encoding="utf-8"?>
 <p:sld xmlns:a="http://schemas.openxmlformats.org/drawingml/2006/main" xmlns:r="http://schemas.openxmlformats.org/officeDocument/2006/relationships" xmlns:p="http://schemas.openxmlformats.org/presentationml/2006/main">
   <p:cSld>
     <p:spTree>
@@ -7284,7 +8369,7 @@
 </p:sld>
 </file>
 
-<file path=ppt/slides/slide16.xml><?xml version="1.0" encoding="utf-8"?>
+<file path=ppt/slides/slide2.xml><?xml version="1.0" encoding="utf-8"?>
 <p:sld xmlns:a="http://schemas.openxmlformats.org/drawingml/2006/main" xmlns:r="http://schemas.openxmlformats.org/officeDocument/2006/relationships" xmlns:p="http://schemas.openxmlformats.org/presentationml/2006/main">
   <p:cSld>
     <p:spTree>
@@ -7308,36 +8393,22 @@
             <a:spLocks noGrp="1"/>
           </p:cNvSpPr>
           <p:nvPr>
-            <p:ph type="title"/>
-          </p:nvPr>
-        </p:nvSpPr>
-        <p:spPr/>
-        <p:txBody>
-          <a:bodyPr/>
-          <a:lstStyle/>
-          <a:p>
-            <a:endParaRPr lang="en-US"/>
-          </a:p>
-        </p:txBody>
-      </p:sp>
-      <p:sp>
-        <p:nvSpPr>
-          <p:cNvPr id="3" name="Text Placeholder 2"/>
-          <p:cNvSpPr>
-            <a:spLocks noGrp="1"/>
-          </p:cNvSpPr>
-          <p:nvPr>
-            <p:ph type="body" idx="1"/>
-          </p:nvPr>
-        </p:nvSpPr>
-        <p:spPr/>
+            <p:ph type="ctrTitle"/>
+          </p:nvPr>
+        </p:nvSpPr>
+        <p:spPr>
+          <a:xfrm>
+            <a:off x="1524000" y="215899"/>
+            <a:ext cx="9144000" cy="1744663"/>
+          </a:xfrm>
+        </p:spPr>
         <p:txBody>
           <a:bodyPr/>
           <a:lstStyle/>
           <a:p>
             <a:r>
               <a:rPr lang="en-US" dirty="0" smtClean="0"/>
-              <a:t>Other ways to query</a:t>
+              <a:t>Distributed SWI-Prolog Development</a:t>
             </a:r>
             <a:endParaRPr lang="en-US" dirty="0"/>
           </a:p>
@@ -7345,90 +8416,118 @@
       </p:sp>
       <p:sp>
         <p:nvSpPr>
-          <p:cNvPr id="4" name="Content Placeholder 3"/>
-          <p:cNvSpPr>
-            <a:spLocks noGrp="1"/>
-          </p:cNvSpPr>
-          <p:nvPr>
-            <p:ph sz="half" idx="2"/>
-          </p:nvPr>
-        </p:nvSpPr>
-        <p:spPr/>
-        <p:txBody>
-          <a:bodyPr/>
-          <a:lstStyle/>
-          <a:p>
-            <a:r>
-              <a:rPr lang="en-US" dirty="0" err="1" smtClean="0"/>
-              <a:t>pengine_rpc</a:t>
+          <p:cNvPr id="3" name="Subtitle 2"/>
+          <p:cNvSpPr>
+            <a:spLocks noGrp="1"/>
+          </p:cNvSpPr>
+          <p:nvPr>
+            <p:ph type="subTitle" idx="1"/>
+          </p:nvPr>
+        </p:nvSpPr>
+        <p:spPr/>
+        <p:txBody>
+          <a:bodyPr/>
+          <a:lstStyle/>
+          <a:p>
+            <a:r>
+              <a:rPr lang="en-US" dirty="0" smtClean="0"/>
+              <a:t>Anne Ogborn</a:t>
             </a:r>
             <a:endParaRPr lang="en-US" dirty="0"/>
           </a:p>
         </p:txBody>
       </p:sp>
-      <p:sp>
-        <p:nvSpPr>
-          <p:cNvPr id="5" name="Text Placeholder 4"/>
-          <p:cNvSpPr>
-            <a:spLocks noGrp="1"/>
-          </p:cNvSpPr>
-          <p:nvPr>
-            <p:ph type="body" sz="quarter" idx="3"/>
-          </p:nvPr>
-        </p:nvSpPr>
-        <p:spPr/>
-        <p:txBody>
-          <a:bodyPr/>
-          <a:lstStyle/>
-          <a:p>
-            <a:r>
-              <a:rPr lang="en-US" dirty="0" smtClean="0"/>
-              <a:t>IO</a:t>
-            </a:r>
-            <a:endParaRPr lang="en-US" dirty="0"/>
-          </a:p>
-        </p:txBody>
-      </p:sp>
-      <p:sp>
-        <p:nvSpPr>
-          <p:cNvPr id="6" name="Content Placeholder 5"/>
-          <p:cNvSpPr>
-            <a:spLocks noGrp="1"/>
-          </p:cNvSpPr>
-          <p:nvPr>
-            <p:ph sz="quarter" idx="4"/>
-          </p:nvPr>
-        </p:nvSpPr>
-        <p:spPr/>
-        <p:txBody>
-          <a:bodyPr/>
-          <a:lstStyle/>
-          <a:p>
-            <a:r>
-              <a:rPr lang="en-US" dirty="0" err="1" smtClean="0"/>
-              <a:t>pengine_input</a:t>
-            </a:r>
-            <a:r>
-              <a:rPr lang="en-US" dirty="0" smtClean="0"/>
-              <a:t>(+prompt, -term)</a:t>
-            </a:r>
-          </a:p>
-          <a:p>
-            <a:r>
-              <a:rPr lang="en-US" dirty="0" err="1" smtClean="0"/>
-              <a:t>pengine_output</a:t>
-            </a:r>
-            <a:r>
-              <a:rPr lang="en-US" dirty="0" smtClean="0"/>
-              <a:t>(+term)</a:t>
-            </a:r>
+      <p:graphicFrame>
+        <p:nvGraphicFramePr>
+          <p:cNvPr id="4" name="Object 3"/>
+          <p:cNvGraphicFramePr>
+            <a:graphicFrameLocks noChangeAspect="1"/>
+          </p:cNvGraphicFramePr>
+          <p:nvPr>
+            <p:extLst>
+              <p:ext uri="{D42A27DB-BD31-4B8C-83A1-F6EECF244321}">
+                <p14:modId xmlns:p14="http://schemas.microsoft.com/office/powerpoint/2010/main" val="3989141680"/>
+              </p:ext>
+            </p:extLst>
+          </p:nvPr>
+        </p:nvGraphicFramePr>
+        <p:xfrm>
+          <a:off x="3940175" y="3063875"/>
+          <a:ext cx="4311650" cy="3548063"/>
+        </p:xfrm>
+        <a:graphic>
+          <a:graphicData uri="http://schemas.openxmlformats.org/presentationml/2006/ole">
+            <mc:AlternateContent xmlns:mc="http://schemas.openxmlformats.org/markup-compatibility/2006">
+              <mc:Choice xmlns:v="urn:schemas-microsoft-com:vml" Requires="v">
+                <p:oleObj spid="_x0000_s4105" name="Image" r:id="rId4" imgW="4312440" imgH="3547440" progId="Photoshop.Image.12">
+                  <p:embed/>
+                </p:oleObj>
+              </mc:Choice>
+              <mc:Fallback>
+                <p:oleObj name="Image" r:id="rId4" imgW="4312440" imgH="3547440" progId="Photoshop.Image.12">
+                  <p:embed/>
+                  <p:pic>
+                    <p:nvPicPr>
+                      <p:cNvPr id="0" name=""/>
+                      <p:cNvPicPr/>
+                      <p:nvPr/>
+                    </p:nvPicPr>
+                    <p:blipFill>
+                      <a:blip r:embed="rId5"/>
+                      <a:stretch>
+                        <a:fillRect/>
+                      </a:stretch>
+                    </p:blipFill>
+                    <p:spPr>
+                      <a:xfrm>
+                        <a:off x="3940175" y="3063875"/>
+                        <a:ext cx="4311650" cy="3548063"/>
+                      </a:xfrm>
+                      <a:prstGeom prst="rect">
+                        <a:avLst/>
+                      </a:prstGeom>
+                    </p:spPr>
+                  </p:pic>
+                </p:oleObj>
+              </mc:Fallback>
+            </mc:AlternateContent>
+          </a:graphicData>
+        </a:graphic>
+      </p:graphicFrame>
+      <p:sp>
+        <p:nvSpPr>
+          <p:cNvPr id="5" name="TextBox 4"/>
+          <p:cNvSpPr txBox="1"/>
+          <p:nvPr/>
+        </p:nvSpPr>
+        <p:spPr>
+          <a:xfrm>
+            <a:off x="5031445" y="2258080"/>
+            <a:ext cx="2129109" cy="523220"/>
+          </a:xfrm>
+          <a:prstGeom prst="rect">
+            <a:avLst/>
+          </a:prstGeom>
+          <a:noFill/>
+        </p:spPr>
+        <p:txBody>
+          <a:bodyPr wrap="none" rtlCol="0">
+            <a:spAutoFit/>
+          </a:bodyPr>
+          <a:lstStyle/>
+          <a:p>
+            <a:r>
+              <a:rPr lang="en-US" sz="2800" dirty="0" smtClean="0"/>
+              <a:t>Anne Ogborn</a:t>
+            </a:r>
+            <a:endParaRPr lang="en-US" sz="2800" dirty="0"/>
           </a:p>
         </p:txBody>
       </p:sp>
     </p:spTree>
     <p:extLst>
       <p:ext uri="{BB962C8B-B14F-4D97-AF65-F5344CB8AC3E}">
-        <p14:creationId xmlns:p14="http://schemas.microsoft.com/office/powerpoint/2010/main" val="3733798437"/>
+        <p14:creationId xmlns:p14="http://schemas.microsoft.com/office/powerpoint/2010/main" val="1606981031"/>
       </p:ext>
     </p:extLst>
   </p:cSld>
@@ -7445,7 +8544,7 @@
 </p:sld>
 </file>
 
-<file path=ppt/slides/slide17.xml><?xml version="1.0" encoding="utf-8"?>
+<file path=ppt/slides/slide20.xml><?xml version="1.0" encoding="utf-8"?>
 <p:sld xmlns:a="http://schemas.openxmlformats.org/drawingml/2006/main" xmlns:r="http://schemas.openxmlformats.org/officeDocument/2006/relationships" xmlns:p="http://schemas.openxmlformats.org/presentationml/2006/main">
   <p:cSld>
     <p:spTree>
@@ -7526,19 +8625,19 @@
               <a:buNone/>
             </a:pPr>
             <a:r>
-              <a:rPr lang="en-US" sz="1800" dirty="0" smtClean="0">
+              <a:rPr lang="en-US" sz="2000" dirty="0" smtClean="0">
                 <a:latin typeface="Courier Final Draft" panose="02000409000000000000" pitchFamily="49" charset="0"/>
               </a:rPr>
               <a:t>&lt;</a:t>
             </a:r>
             <a:r>
-              <a:rPr lang="en-US" sz="1800" dirty="0">
+              <a:rPr lang="en-US" sz="2000" dirty="0">
                 <a:latin typeface="Courier Final Draft" panose="02000409000000000000" pitchFamily="49" charset="0"/>
               </a:rPr>
               <a:t>script type="text/x-prolog"&gt;	   q(X) :- </a:t>
             </a:r>
             <a:r>
-              <a:rPr lang="en-US" sz="1800" dirty="0" smtClean="0">
+              <a:rPr lang="en-US" sz="2000" dirty="0" smtClean="0">
                 <a:latin typeface="Courier Final Draft" panose="02000409000000000000" pitchFamily="49" charset="0"/>
               </a:rPr>
               <a:t>p(X).</a:t>
@@ -7555,7 +8654,7 @@
               <a:buNone/>
             </a:pPr>
             <a:r>
-              <a:rPr lang="en-US" sz="1800" dirty="0" smtClean="0">
+              <a:rPr lang="en-US" sz="2000" dirty="0" smtClean="0">
                 <a:latin typeface="Courier Final Draft" panose="02000409000000000000" pitchFamily="49" charset="0"/>
               </a:rPr>
               <a:t>   p(a).</a:t>
@@ -7572,13 +8671,13 @@
               <a:buNone/>
             </a:pPr>
             <a:r>
-              <a:rPr lang="en-US" sz="1800" dirty="0">
+              <a:rPr lang="en-US" sz="2000" dirty="0">
                 <a:latin typeface="Courier Final Draft" panose="02000409000000000000" pitchFamily="49" charset="0"/>
               </a:rPr>
               <a:t> </a:t>
             </a:r>
             <a:r>
-              <a:rPr lang="en-US" sz="1800" dirty="0" smtClean="0">
+              <a:rPr lang="en-US" sz="2000" dirty="0" smtClean="0">
                 <a:latin typeface="Courier Final Draft" panose="02000409000000000000" pitchFamily="49" charset="0"/>
               </a:rPr>
               <a:t>  p(b).</a:t>
@@ -7595,18 +8694,18 @@
               <a:buNone/>
             </a:pPr>
             <a:r>
-              <a:rPr lang="en-US" sz="1800" dirty="0">
+              <a:rPr lang="en-US" sz="2000" dirty="0">
                 <a:latin typeface="Courier Final Draft" panose="02000409000000000000" pitchFamily="49" charset="0"/>
               </a:rPr>
               <a:t> </a:t>
             </a:r>
             <a:r>
-              <a:rPr lang="en-US" sz="1800" dirty="0" smtClean="0">
+              <a:rPr lang="en-US" sz="2000" dirty="0" smtClean="0">
                 <a:latin typeface="Courier Final Draft" panose="02000409000000000000" pitchFamily="49" charset="0"/>
               </a:rPr>
               <a:t>  p(c).</a:t>
             </a:r>
-            <a:endParaRPr lang="en-US" sz="1800" dirty="0">
+            <a:endParaRPr lang="en-US" sz="2000" dirty="0">
               <a:latin typeface="Courier Final Draft" panose="02000409000000000000" pitchFamily="49" charset="0"/>
             </a:endParaRPr>
           </a:p>
@@ -7621,18 +8720,18 @@
               <a:buNone/>
             </a:pPr>
             <a:r>
-              <a:rPr lang="en-US" sz="1800" dirty="0" smtClean="0">
+              <a:rPr lang="en-US" sz="2000" dirty="0" smtClean="0">
                 <a:latin typeface="Courier Final Draft" panose="02000409000000000000" pitchFamily="49" charset="0"/>
               </a:rPr>
               <a:t>&lt;/</a:t>
             </a:r>
             <a:r>
-              <a:rPr lang="en-US" sz="1800" dirty="0">
+              <a:rPr lang="en-US" sz="2000" dirty="0">
                 <a:latin typeface="Courier Final Draft" panose="02000409000000000000" pitchFamily="49" charset="0"/>
               </a:rPr>
               <a:t>script&gt;</a:t>
             </a:r>
-            <a:endParaRPr lang="en-US" sz="1800" dirty="0" smtClean="0">
+            <a:endParaRPr lang="en-US" sz="2000" dirty="0" smtClean="0">
               <a:latin typeface="Courier Final Draft" panose="02000409000000000000" pitchFamily="49" charset="0"/>
             </a:endParaRPr>
           </a:p>
@@ -7728,28 +8827,10 @@
               <a:t> </a:t>
             </a:r>
             <a:r>
-              <a:rPr lang="en-US" sz="1800" dirty="0" err="1">
-                <a:latin typeface="Courier Final Draft" panose="02000409000000000000" pitchFamily="49" charset="0"/>
-              </a:rPr>
-              <a:t>pengine</a:t>
-            </a:r>
-            <a:r>
               <a:rPr lang="en-US" sz="1800" dirty="0">
                 <a:latin typeface="Courier Final Draft" panose="02000409000000000000" pitchFamily="49" charset="0"/>
               </a:rPr>
-              <a:t> = new </a:t>
-            </a:r>
-            <a:r>
-              <a:rPr lang="en-US" sz="1800" dirty="0" err="1">
-                <a:latin typeface="Courier Final Draft" panose="02000409000000000000" pitchFamily="49" charset="0"/>
-              </a:rPr>
-              <a:t>Pengine</a:t>
-            </a:r>
-            <a:r>
-              <a:rPr lang="en-US" sz="1800" dirty="0">
-                <a:latin typeface="Courier Final Draft" panose="02000409000000000000" pitchFamily="49" charset="0"/>
-              </a:rPr>
-              <a:t>({               </a:t>
+              <a:t>pengine = new Pengine({               </a:t>
             </a:r>
             <a:endParaRPr lang="en-US" sz="1800" dirty="0" smtClean="0">
               <a:latin typeface="Courier Final Draft" panose="02000409000000000000" pitchFamily="49" charset="0"/>
@@ -8110,11 +9191,60 @@
               <a:rPr lang="en-US" sz="1800" dirty="0">
                 <a:latin typeface="Courier Final Draft" panose="02000409000000000000" pitchFamily="49" charset="0"/>
               </a:rPr>
-              <a:t>);            }        </a:t>
+              <a:t>); </a:t>
             </a:r>
             <a:endParaRPr lang="en-US" sz="1800" dirty="0" smtClean="0">
               <a:latin typeface="Courier Final Draft" panose="02000409000000000000" pitchFamily="49" charset="0"/>
             </a:endParaRPr>
+          </a:p>
+          <a:p>
+            <a:pPr marL="0" indent="0">
+              <a:lnSpc>
+                <a:spcPct val="120000"/>
+              </a:lnSpc>
+              <a:spcBef>
+                <a:spcPts val="0"/>
+              </a:spcBef>
+              <a:buNone/>
+            </a:pPr>
+            <a:r>
+              <a:rPr lang="en-US" sz="1800" dirty="0" smtClean="0">
+                <a:latin typeface="Courier Final Draft" panose="02000409000000000000" pitchFamily="49" charset="0"/>
+              </a:rPr>
+              <a:t>    </a:t>
+            </a:r>
+            <a:r>
+              <a:rPr lang="en-US" sz="1800" dirty="0" err="1" smtClean="0">
+                <a:latin typeface="Courier Final Draft" panose="02000409000000000000" pitchFamily="49" charset="0"/>
+              </a:rPr>
+              <a:t>pengine.next</a:t>
+            </a:r>
+            <a:r>
+              <a:rPr lang="en-US" sz="1800" dirty="0" smtClean="0">
+                <a:latin typeface="Courier Final Draft" panose="02000409000000000000" pitchFamily="49" charset="0"/>
+              </a:rPr>
+              <a:t>();</a:t>
+            </a:r>
+            <a:endParaRPr lang="en-US" sz="1800" dirty="0">
+              <a:latin typeface="Courier Final Draft" panose="02000409000000000000" pitchFamily="49" charset="0"/>
+            </a:endParaRPr>
+          </a:p>
+          <a:p>
+            <a:pPr marL="0" indent="0">
+              <a:lnSpc>
+                <a:spcPct val="120000"/>
+              </a:lnSpc>
+              <a:spcBef>
+                <a:spcPts val="0"/>
+              </a:spcBef>
+              <a:buNone/>
+            </a:pPr>
+            <a:r>
+              <a:rPr lang="en-US" sz="1800" dirty="0" smtClean="0">
+                <a:latin typeface="Courier Final Draft" panose="02000409000000000000" pitchFamily="49" charset="0"/>
+              </a:rPr>
+              <a:t>}        </a:t>
+            </a:r>
           </a:p>
           <a:p>
             <a:pPr marL="0" indent="0">
@@ -8162,7 +9292,7 @@
 </p:sld>
 </file>
 
-<file path=ppt/slides/slide18.xml><?xml version="1.0" encoding="utf-8"?>
+<file path=ppt/slides/slide21.xml><?xml version="1.0" encoding="utf-8"?>
 <p:sld xmlns:a="http://schemas.openxmlformats.org/drawingml/2006/main" xmlns:r="http://schemas.openxmlformats.org/officeDocument/2006/relationships" xmlns:p="http://schemas.openxmlformats.org/presentationml/2006/main">
   <p:cSld>
     <p:spTree>
@@ -8199,7 +9329,348 @@
 </p:sld>
 </file>
 
-<file path=ppt/slides/slide19.xml><?xml version="1.0" encoding="utf-8"?>
+<file path=ppt/slides/slide22.xml><?xml version="1.0" encoding="utf-8"?>
+<p:sld xmlns:a="http://schemas.openxmlformats.org/drawingml/2006/main" xmlns:r="http://schemas.openxmlformats.org/officeDocument/2006/relationships" xmlns:p="http://schemas.openxmlformats.org/presentationml/2006/main">
+  <p:cSld>
+    <p:spTree>
+      <p:nvGrpSpPr>
+        <p:cNvPr id="1" name=""/>
+        <p:cNvGrpSpPr/>
+        <p:nvPr/>
+      </p:nvGrpSpPr>
+      <p:grpSpPr>
+        <a:xfrm>
+          <a:off x="0" y="0"/>
+          <a:ext cx="0" cy="0"/>
+          <a:chOff x="0" y="0"/>
+          <a:chExt cx="0" cy="0"/>
+        </a:xfrm>
+      </p:grpSpPr>
+      <p:sp>
+        <p:nvSpPr>
+          <p:cNvPr id="3" name="Text Placeholder 2"/>
+          <p:cNvSpPr>
+            <a:spLocks noGrp="1"/>
+          </p:cNvSpPr>
+          <p:nvPr>
+            <p:ph type="body" idx="1"/>
+          </p:nvPr>
+        </p:nvSpPr>
+        <p:spPr>
+          <a:xfrm>
+            <a:off x="839788" y="472294"/>
+            <a:ext cx="5157787" cy="823912"/>
+          </a:xfrm>
+        </p:spPr>
+        <p:txBody>
+          <a:bodyPr/>
+          <a:lstStyle/>
+          <a:p>
+            <a:r>
+              <a:rPr lang="en-US" dirty="0" smtClean="0"/>
+              <a:t>Client using </a:t>
+            </a:r>
+            <a:r>
+              <a:rPr lang="en-US" dirty="0" err="1" smtClean="0"/>
+              <a:t>pengine_rpc</a:t>
+            </a:r>
+            <a:endParaRPr lang="en-US" dirty="0"/>
+          </a:p>
+        </p:txBody>
+      </p:sp>
+      <p:sp>
+        <p:nvSpPr>
+          <p:cNvPr id="4" name="Content Placeholder 3"/>
+          <p:cNvSpPr>
+            <a:spLocks noGrp="1"/>
+          </p:cNvSpPr>
+          <p:nvPr>
+            <p:ph sz="half" idx="2"/>
+          </p:nvPr>
+        </p:nvSpPr>
+        <p:spPr>
+          <a:xfrm>
+            <a:off x="839788" y="1681163"/>
+            <a:ext cx="10349988" cy="4508500"/>
+          </a:xfrm>
+        </p:spPr>
+        <p:txBody>
+          <a:bodyPr>
+            <a:normAutofit/>
+          </a:bodyPr>
+          <a:lstStyle/>
+          <a:p>
+            <a:pPr marL="0" indent="0">
+              <a:buNone/>
+            </a:pPr>
+            <a:r>
+              <a:rPr lang="en-US" dirty="0" err="1">
+                <a:latin typeface="Courier Final Draft" panose="02000409000000000000" pitchFamily="49" charset="0"/>
+              </a:rPr>
+              <a:t>rpc_demo</a:t>
+            </a:r>
+            <a:r>
+              <a:rPr lang="en-US" dirty="0">
+                <a:latin typeface="Courier Final Draft" panose="02000409000000000000" pitchFamily="49" charset="0"/>
+              </a:rPr>
+              <a:t>(Port, X) </a:t>
+            </a:r>
+            <a:r>
+              <a:rPr lang="en-US" dirty="0" smtClean="0">
+                <a:latin typeface="Courier Final Draft" panose="02000409000000000000" pitchFamily="49" charset="0"/>
+              </a:rPr>
+              <a:t>:-</a:t>
+            </a:r>
+          </a:p>
+          <a:p>
+            <a:pPr marL="0" indent="0">
+              <a:buNone/>
+            </a:pPr>
+            <a:r>
+              <a:rPr lang="en-US" dirty="0">
+                <a:latin typeface="Courier Final Draft" panose="02000409000000000000" pitchFamily="49" charset="0"/>
+              </a:rPr>
+              <a:t> </a:t>
+            </a:r>
+            <a:r>
+              <a:rPr lang="en-US" dirty="0" smtClean="0">
+                <a:latin typeface="Courier Final Draft" panose="02000409000000000000" pitchFamily="49" charset="0"/>
+              </a:rPr>
+              <a:t>   </a:t>
+            </a:r>
+            <a:r>
+              <a:rPr lang="en-US" dirty="0" err="1" smtClean="0">
+                <a:latin typeface="Courier Final Draft" panose="02000409000000000000" pitchFamily="49" charset="0"/>
+              </a:rPr>
+              <a:t>pengine_rpc</a:t>
+            </a:r>
+            <a:r>
+              <a:rPr lang="en-US" dirty="0" smtClean="0">
+                <a:latin typeface="Courier Final Draft" panose="02000409000000000000" pitchFamily="49" charset="0"/>
+              </a:rPr>
+              <a:t>(</a:t>
+            </a:r>
+          </a:p>
+          <a:p>
+            <a:pPr marL="0" indent="0">
+              <a:buNone/>
+            </a:pPr>
+            <a:r>
+              <a:rPr lang="en-US" dirty="0">
+                <a:latin typeface="Courier Final Draft" panose="02000409000000000000" pitchFamily="49" charset="0"/>
+              </a:rPr>
+              <a:t> </a:t>
+            </a:r>
+            <a:r>
+              <a:rPr lang="en-US" dirty="0" smtClean="0">
+                <a:latin typeface="Courier Final Draft" panose="02000409000000000000" pitchFamily="49" charset="0"/>
+              </a:rPr>
+              <a:t>     'http://someserver.nl/',</a:t>
+            </a:r>
+          </a:p>
+          <a:p>
+            <a:pPr marL="0" indent="0">
+              <a:buNone/>
+            </a:pPr>
+            <a:r>
+              <a:rPr lang="en-US" dirty="0">
+                <a:latin typeface="Courier Final Draft" panose="02000409000000000000" pitchFamily="49" charset="0"/>
+              </a:rPr>
+              <a:t> </a:t>
+            </a:r>
+            <a:r>
+              <a:rPr lang="en-US" dirty="0" smtClean="0">
+                <a:latin typeface="Courier Final Draft" panose="02000409000000000000" pitchFamily="49" charset="0"/>
+              </a:rPr>
+              <a:t>      member(X</a:t>
+            </a:r>
+            <a:r>
+              <a:rPr lang="en-US" dirty="0">
+                <a:latin typeface="Courier Final Draft" panose="02000409000000000000" pitchFamily="49" charset="0"/>
+              </a:rPr>
+              <a:t>, </a:t>
+            </a:r>
+            <a:r>
+              <a:rPr lang="en-US" dirty="0" smtClean="0">
+                <a:latin typeface="Courier Final Draft" panose="02000409000000000000" pitchFamily="49" charset="0"/>
+              </a:rPr>
+              <a:t> </a:t>
+            </a:r>
+          </a:p>
+          <a:p>
+            <a:pPr marL="0" indent="0">
+              <a:buNone/>
+            </a:pPr>
+            <a:r>
+              <a:rPr lang="en-US" dirty="0">
+                <a:latin typeface="Courier Final Draft" panose="02000409000000000000" pitchFamily="49" charset="0"/>
+              </a:rPr>
+              <a:t> </a:t>
+            </a:r>
+            <a:r>
+              <a:rPr lang="en-US" dirty="0" smtClean="0">
+                <a:latin typeface="Courier Final Draft" panose="02000409000000000000" pitchFamily="49" charset="0"/>
+              </a:rPr>
+              <a:t>          [</a:t>
+            </a:r>
+            <a:r>
+              <a:rPr lang="en-US" dirty="0" err="1">
+                <a:latin typeface="Courier Final Draft" panose="02000409000000000000" pitchFamily="49" charset="0"/>
+              </a:rPr>
+              <a:t>aap</a:t>
+            </a:r>
+            <a:r>
+              <a:rPr lang="en-US" dirty="0">
+                <a:latin typeface="Courier Final Draft" panose="02000409000000000000" pitchFamily="49" charset="0"/>
+              </a:rPr>
+              <a:t>, </a:t>
+            </a:r>
+            <a:r>
+              <a:rPr lang="en-US" dirty="0" err="1">
+                <a:latin typeface="Courier Final Draft" panose="02000409000000000000" pitchFamily="49" charset="0"/>
+              </a:rPr>
+              <a:t>noot</a:t>
+            </a:r>
+            <a:r>
+              <a:rPr lang="en-US" dirty="0">
+                <a:latin typeface="Courier Final Draft" panose="02000409000000000000" pitchFamily="49" charset="0"/>
+              </a:rPr>
+              <a:t>, </a:t>
+            </a:r>
+            <a:r>
+              <a:rPr lang="en-US" dirty="0" err="1">
+                <a:latin typeface="Courier Final Draft" panose="02000409000000000000" pitchFamily="49" charset="0"/>
+              </a:rPr>
+              <a:t>mies</a:t>
+            </a:r>
+            <a:r>
+              <a:rPr lang="en-US" dirty="0">
+                <a:latin typeface="Courier Final Draft" panose="02000409000000000000" pitchFamily="49" charset="0"/>
+              </a:rPr>
+              <a:t>])).</a:t>
+            </a:r>
+          </a:p>
+        </p:txBody>
+      </p:sp>
+    </p:spTree>
+    <p:extLst>
+      <p:ext uri="{BB962C8B-B14F-4D97-AF65-F5344CB8AC3E}">
+        <p14:creationId xmlns:p14="http://schemas.microsoft.com/office/powerpoint/2010/main" val="3733798437"/>
+      </p:ext>
+    </p:extLst>
+  </p:cSld>
+  <p:clrMapOvr>
+    <a:masterClrMapping/>
+  </p:clrMapOvr>
+  <p:timing>
+    <p:tnLst>
+      <p:par>
+        <p:cTn id="1" dur="indefinite" restart="never" nodeType="tmRoot"/>
+      </p:par>
+    </p:tnLst>
+  </p:timing>
+</p:sld>
+</file>
+
+<file path=ppt/slides/slide23.xml><?xml version="1.0" encoding="utf-8"?>
+<p:sld xmlns:a="http://schemas.openxmlformats.org/drawingml/2006/main" xmlns:r="http://schemas.openxmlformats.org/officeDocument/2006/relationships" xmlns:p="http://schemas.openxmlformats.org/presentationml/2006/main">
+  <p:cSld>
+    <p:spTree>
+      <p:nvGrpSpPr>
+        <p:cNvPr id="1" name=""/>
+        <p:cNvGrpSpPr/>
+        <p:nvPr/>
+      </p:nvGrpSpPr>
+      <p:grpSpPr>
+        <a:xfrm>
+          <a:off x="0" y="0"/>
+          <a:ext cx="0" cy="0"/>
+          <a:chOff x="0" y="0"/>
+          <a:chExt cx="0" cy="0"/>
+        </a:xfrm>
+      </p:grpSpPr>
+      <p:sp>
+        <p:nvSpPr>
+          <p:cNvPr id="7" name="Title 6"/>
+          <p:cNvSpPr>
+            <a:spLocks noGrp="1"/>
+          </p:cNvSpPr>
+          <p:nvPr>
+            <p:ph type="title"/>
+          </p:nvPr>
+        </p:nvSpPr>
+        <p:spPr/>
+        <p:txBody>
+          <a:bodyPr/>
+          <a:lstStyle/>
+          <a:p>
+            <a:pPr algn="ctr"/>
+            <a:r>
+              <a:rPr lang="en-US" dirty="0" smtClean="0"/>
+              <a:t>IO</a:t>
+            </a:r>
+            <a:endParaRPr lang="en-US" dirty="0"/>
+          </a:p>
+        </p:txBody>
+      </p:sp>
+      <p:sp>
+        <p:nvSpPr>
+          <p:cNvPr id="8" name="Content Placeholder 7"/>
+          <p:cNvSpPr>
+            <a:spLocks noGrp="1"/>
+          </p:cNvSpPr>
+          <p:nvPr>
+            <p:ph idx="1"/>
+          </p:nvPr>
+        </p:nvSpPr>
+        <p:spPr/>
+        <p:txBody>
+          <a:bodyPr/>
+          <a:lstStyle/>
+          <a:p>
+            <a:r>
+              <a:rPr lang="en-US" dirty="0" err="1" smtClean="0"/>
+              <a:t>pengine_input</a:t>
+            </a:r>
+            <a:r>
+              <a:rPr lang="en-US" dirty="0" smtClean="0"/>
+              <a:t>(-Prompt, -Term)</a:t>
+            </a:r>
+          </a:p>
+          <a:p>
+            <a:r>
+              <a:rPr lang="en-US" dirty="0" err="1" smtClean="0"/>
+              <a:t>pengine_output</a:t>
+            </a:r>
+            <a:r>
+              <a:rPr lang="en-US" dirty="0" smtClean="0"/>
+              <a:t>(+Term)</a:t>
+            </a:r>
+            <a:endParaRPr lang="en-US" dirty="0"/>
+          </a:p>
+        </p:txBody>
+      </p:sp>
+    </p:spTree>
+    <p:extLst>
+      <p:ext uri="{BB962C8B-B14F-4D97-AF65-F5344CB8AC3E}">
+        <p14:creationId xmlns:p14="http://schemas.microsoft.com/office/powerpoint/2010/main" val="3979261256"/>
+      </p:ext>
+    </p:extLst>
+  </p:cSld>
+  <p:clrMapOvr>
+    <a:masterClrMapping/>
+  </p:clrMapOvr>
+  <p:timing>
+    <p:tnLst>
+      <p:par>
+        <p:cTn id="1" dur="indefinite" restart="never" nodeType="tmRoot"/>
+      </p:par>
+    </p:tnLst>
+  </p:timing>
+</p:sld>
+</file>
+
+<file path=ppt/slides/slide24.xml><?xml version="1.0" encoding="utf-8"?>
 <p:sld xmlns:a="http://schemas.openxmlformats.org/drawingml/2006/main" xmlns:r="http://schemas.openxmlformats.org/officeDocument/2006/relationships" xmlns:p="http://schemas.openxmlformats.org/presentationml/2006/main">
   <p:cSld>
     <p:spTree>
@@ -8266,7 +9737,7 @@
 </p:sld>
 </file>
 
-<file path=ppt/slides/slide2.xml><?xml version="1.0" encoding="utf-8"?>
+<file path=ppt/slides/slide25.xml><?xml version="1.0" encoding="utf-8"?>
 <p:sld xmlns:a="http://schemas.openxmlformats.org/drawingml/2006/main" xmlns:r="http://schemas.openxmlformats.org/officeDocument/2006/relationships" xmlns:p="http://schemas.openxmlformats.org/presentationml/2006/main">
   <p:cSld>
     <p:spTree>
@@ -8285,89 +9756,6 @@
       </p:grpSpPr>
       <p:sp>
         <p:nvSpPr>
-          <p:cNvPr id="2" name="Title 1"/>
-          <p:cNvSpPr>
-            <a:spLocks noGrp="1"/>
-          </p:cNvSpPr>
-          <p:nvPr>
-            <p:ph type="ctrTitle"/>
-          </p:nvPr>
-        </p:nvSpPr>
-        <p:spPr/>
-        <p:txBody>
-          <a:bodyPr/>
-          <a:lstStyle/>
-          <a:p>
-            <a:r>
-              <a:rPr lang="en-US" dirty="0" smtClean="0"/>
-              <a:t>Distributed SWI-Prolog Development</a:t>
-            </a:r>
-            <a:endParaRPr lang="en-US" dirty="0"/>
-          </a:p>
-        </p:txBody>
-      </p:sp>
-      <p:sp>
-        <p:nvSpPr>
-          <p:cNvPr id="3" name="Subtitle 2"/>
-          <p:cNvSpPr>
-            <a:spLocks noGrp="1"/>
-          </p:cNvSpPr>
-          <p:nvPr>
-            <p:ph type="subTitle" idx="1"/>
-          </p:nvPr>
-        </p:nvSpPr>
-        <p:spPr/>
-        <p:txBody>
-          <a:bodyPr/>
-          <a:lstStyle/>
-          <a:p>
-            <a:r>
-              <a:rPr lang="en-US" dirty="0" smtClean="0"/>
-              <a:t>Anne Ogborn</a:t>
-            </a:r>
-            <a:endParaRPr lang="en-US" dirty="0"/>
-          </a:p>
-        </p:txBody>
-      </p:sp>
-    </p:spTree>
-    <p:extLst>
-      <p:ext uri="{BB962C8B-B14F-4D97-AF65-F5344CB8AC3E}">
-        <p14:creationId xmlns:p14="http://schemas.microsoft.com/office/powerpoint/2010/main" val="1606981031"/>
-      </p:ext>
-    </p:extLst>
-  </p:cSld>
-  <p:clrMapOvr>
-    <a:masterClrMapping/>
-  </p:clrMapOvr>
-  <p:timing>
-    <p:tnLst>
-      <p:par>
-        <p:cTn id="1" dur="indefinite" restart="never" nodeType="tmRoot"/>
-      </p:par>
-    </p:tnLst>
-  </p:timing>
-</p:sld>
-</file>
-
-<file path=ppt/slides/slide20.xml><?xml version="1.0" encoding="utf-8"?>
-<p:sld xmlns:a="http://schemas.openxmlformats.org/drawingml/2006/main" xmlns:r="http://schemas.openxmlformats.org/officeDocument/2006/relationships" xmlns:p="http://schemas.openxmlformats.org/presentationml/2006/main">
-  <p:cSld>
-    <p:spTree>
-      <p:nvGrpSpPr>
-        <p:cNvPr id="1" name=""/>
-        <p:cNvGrpSpPr/>
-        <p:nvPr/>
-      </p:nvGrpSpPr>
-      <p:grpSpPr>
-        <a:xfrm>
-          <a:off x="0" y="0"/>
-          <a:ext cx="0" cy="0"/>
-          <a:chOff x="0" y="0"/>
-          <a:chExt cx="0" cy="0"/>
-        </a:xfrm>
-      </p:grpSpPr>
-      <p:sp>
-        <p:nvSpPr>
           <p:cNvPr id="6" name="Text Placeholder 5"/>
           <p:cNvSpPr>
             <a:spLocks noGrp="1"/>
@@ -8908,9 +10296,6 @@
               </a:rPr>
               <a:t>(_).</a:t>
             </a:r>
-            <a:endParaRPr lang="en-US" sz="1400" dirty="0" smtClean="0">
-              <a:latin typeface="Courier Final Draft" panose="02000409000000000000" pitchFamily="49" charset="0"/>
-            </a:endParaRPr>
           </a:p>
           <a:p>
             <a:pPr marL="0" indent="0">
@@ -8954,7 +10339,7 @@
 </p:sld>
 </file>
 
-<file path=ppt/slides/slide21.xml><?xml version="1.0" encoding="utf-8"?>
+<file path=ppt/slides/slide26.xml><?xml version="1.0" encoding="utf-8"?>
 <p:sld xmlns:a="http://schemas.openxmlformats.org/drawingml/2006/main" xmlns:r="http://schemas.openxmlformats.org/officeDocument/2006/relationships" xmlns:p="http://schemas.openxmlformats.org/presentationml/2006/main">
   <p:cSld>
     <p:spTree>
@@ -9692,7 +11077,7 @@
 </p:sld>
 </file>
 
-<file path=ppt/slides/slide22.xml><?xml version="1.0" encoding="utf-8"?>
+<file path=ppt/slides/slide27.xml><?xml version="1.0" encoding="utf-8"?>
 <p:sld xmlns:a="http://schemas.openxmlformats.org/drawingml/2006/main" xmlns:r="http://schemas.openxmlformats.org/officeDocument/2006/relationships" xmlns:p="http://schemas.openxmlformats.org/presentationml/2006/main">
   <p:cSld>
     <p:spTree>
@@ -9711,6 +11096,395 @@
       </p:grpSpPr>
       <p:sp>
         <p:nvSpPr>
+          <p:cNvPr id="5" name="Title 4"/>
+          <p:cNvSpPr>
+            <a:spLocks noGrp="1"/>
+          </p:cNvSpPr>
+          <p:nvPr>
+            <p:ph type="title"/>
+          </p:nvPr>
+        </p:nvSpPr>
+        <p:spPr/>
+        <p:txBody>
+          <a:bodyPr/>
+          <a:lstStyle/>
+          <a:p>
+            <a:pPr algn="ctr"/>
+            <a:r>
+              <a:rPr lang="en-US" dirty="0" smtClean="0"/>
+              <a:t>Federating Queries</a:t>
+            </a:r>
+            <a:endParaRPr lang="en-US" dirty="0"/>
+          </a:p>
+        </p:txBody>
+      </p:sp>
+      <p:sp>
+        <p:nvSpPr>
+          <p:cNvPr id="7" name="Content Placeholder 6"/>
+          <p:cNvSpPr>
+            <a:spLocks noGrp="1"/>
+          </p:cNvSpPr>
+          <p:nvPr>
+            <p:ph idx="1"/>
+          </p:nvPr>
+        </p:nvSpPr>
+        <p:spPr/>
+        <p:txBody>
+          <a:bodyPr/>
+          <a:lstStyle/>
+          <a:p>
+            <a:r>
+              <a:rPr lang="en-US" dirty="0" err="1" smtClean="0"/>
+              <a:t>from_everywhere</a:t>
+            </a:r>
+            <a:r>
+              <a:rPr lang="en-US" dirty="0" smtClean="0"/>
+              <a:t>(Name, Address) :-</a:t>
+            </a:r>
+          </a:p>
+          <a:p>
+            <a:r>
+              <a:rPr lang="en-US" dirty="0"/>
+              <a:t>	</a:t>
+            </a:r>
+            <a:r>
+              <a:rPr lang="en-US" dirty="0" smtClean="0"/>
+              <a:t>	</a:t>
+            </a:r>
+            <a:r>
+              <a:rPr lang="en-US" dirty="0" err="1" smtClean="0"/>
+              <a:t>pengine_rpc</a:t>
+            </a:r>
+            <a:r>
+              <a:rPr lang="en-US" dirty="0" smtClean="0"/>
+              <a:t>('http://someserver.com/',</a:t>
+            </a:r>
+          </a:p>
+          <a:p>
+            <a:r>
+              <a:rPr lang="en-US" dirty="0" smtClean="0"/>
+              <a:t>			</a:t>
+            </a:r>
+            <a:r>
+              <a:rPr lang="en-US" dirty="0" err="1" smtClean="0"/>
+              <a:t>rdf</a:t>
+            </a:r>
+            <a:r>
+              <a:rPr lang="en-US" dirty="0" smtClean="0"/>
+              <a:t>(S, </a:t>
+            </a:r>
+            <a:r>
+              <a:rPr lang="en-US" dirty="0" err="1" smtClean="0"/>
+              <a:t>rdf:type</a:t>
+            </a:r>
+            <a:r>
+              <a:rPr lang="en-US" dirty="0" smtClean="0"/>
+              <a:t>, </a:t>
+            </a:r>
+            <a:r>
+              <a:rPr lang="en-US" dirty="0" err="1" smtClean="0"/>
+              <a:t>foaf:Agent</a:t>
+            </a:r>
+            <a:r>
+              <a:rPr lang="en-US" dirty="0" smtClean="0"/>
+              <a:t>)),</a:t>
+            </a:r>
+          </a:p>
+          <a:p>
+            <a:r>
+              <a:rPr lang="en-US" dirty="0"/>
+              <a:t>	</a:t>
+            </a:r>
+            <a:r>
+              <a:rPr lang="en-US" dirty="0" smtClean="0"/>
+              <a:t>	</a:t>
+            </a:r>
+            <a:r>
+              <a:rPr lang="en-US" dirty="0" err="1" smtClean="0"/>
+              <a:t>pengine_rpc</a:t>
+            </a:r>
+            <a:r>
+              <a:rPr lang="en-US" dirty="0" smtClean="0"/>
+              <a:t>('http://someserver.com/',</a:t>
+            </a:r>
+          </a:p>
+          <a:p>
+            <a:r>
+              <a:rPr lang="en-US" dirty="0"/>
+              <a:t>	</a:t>
+            </a:r>
+            <a:r>
+              <a:rPr lang="en-US" dirty="0" smtClean="0"/>
+              <a:t>		</a:t>
+            </a:r>
+            <a:r>
+              <a:rPr lang="en-US" dirty="0" err="1" smtClean="0"/>
+              <a:t>rdf</a:t>
+            </a:r>
+            <a:r>
+              <a:rPr lang="en-US" dirty="0" smtClean="0"/>
+              <a:t>(S, </a:t>
+            </a:r>
+            <a:r>
+              <a:rPr lang="en-US" dirty="0" err="1" smtClean="0"/>
+              <a:t>foaf:name</a:t>
+            </a:r>
+            <a:r>
+              <a:rPr lang="en-US" dirty="0" smtClean="0"/>
+              <a:t>, Name)),</a:t>
+            </a:r>
+          </a:p>
+          <a:p>
+            <a:r>
+              <a:rPr lang="en-US" dirty="0"/>
+              <a:t>	</a:t>
+            </a:r>
+            <a:r>
+              <a:rPr lang="en-US" dirty="0" smtClean="0"/>
+              <a:t>	</a:t>
+            </a:r>
+            <a:r>
+              <a:rPr lang="en-US" dirty="0" err="1" smtClean="0"/>
+              <a:t>pengine_rpc</a:t>
+            </a:r>
+            <a:r>
+              <a:rPr lang="en-US" dirty="0" smtClean="0"/>
+              <a:t>('http://whitepages.com/pengines/',</a:t>
+            </a:r>
+          </a:p>
+          <a:p>
+            <a:r>
+              <a:rPr lang="en-US" dirty="0"/>
+              <a:t>	</a:t>
+            </a:r>
+            <a:r>
+              <a:rPr lang="en-US" dirty="0" smtClean="0"/>
+              <a:t>		</a:t>
+            </a:r>
+            <a:r>
+              <a:rPr lang="en-US" dirty="0" err="1" smtClean="0"/>
+              <a:t>rdf</a:t>
+            </a:r>
+            <a:r>
+              <a:rPr lang="en-US" dirty="0" smtClean="0"/>
+              <a:t>(S2, </a:t>
+            </a:r>
+            <a:r>
+              <a:rPr lang="en-US" dirty="0" err="1" smtClean="0"/>
+              <a:t>foaf:name</a:t>
+            </a:r>
+            <a:r>
+              <a:rPr lang="en-US" dirty="0" smtClean="0"/>
+              <a:t>, Name)),</a:t>
+            </a:r>
+          </a:p>
+          <a:p>
+            <a:r>
+              <a:rPr lang="en-US" dirty="0"/>
+              <a:t>	</a:t>
+            </a:r>
+            <a:r>
+              <a:rPr lang="en-US" dirty="0" smtClean="0"/>
+              <a:t>	</a:t>
+            </a:r>
+            <a:r>
+              <a:rPr lang="en-US" dirty="0" err="1" smtClean="0"/>
+              <a:t>pengine_rpc</a:t>
+            </a:r>
+            <a:r>
+              <a:rPr lang="en-US" dirty="0" smtClean="0"/>
+              <a:t>('http://whitepages.com/pengines/',</a:t>
+            </a:r>
+          </a:p>
+          <a:p>
+            <a:r>
+              <a:rPr lang="en-US" dirty="0"/>
+              <a:t>	</a:t>
+            </a:r>
+            <a:r>
+              <a:rPr lang="en-US" dirty="0" smtClean="0"/>
+              <a:t>		</a:t>
+            </a:r>
+            <a:r>
+              <a:rPr lang="en-US" dirty="0" err="1" smtClean="0"/>
+              <a:t>rdf</a:t>
+            </a:r>
+            <a:r>
+              <a:rPr lang="en-US" dirty="0" smtClean="0"/>
+              <a:t>(S2, </a:t>
+            </a:r>
+            <a:r>
+              <a:rPr lang="en-US" dirty="0" err="1" smtClean="0"/>
+              <a:t>wp:address</a:t>
+            </a:r>
+            <a:r>
+              <a:rPr lang="en-US" dirty="0" smtClean="0"/>
+              <a:t>, Address)).</a:t>
+            </a:r>
+          </a:p>
+        </p:txBody>
+      </p:sp>
+    </p:spTree>
+    <p:extLst>
+      <p:ext uri="{BB962C8B-B14F-4D97-AF65-F5344CB8AC3E}">
+        <p14:creationId xmlns:p14="http://schemas.microsoft.com/office/powerpoint/2010/main" val="3661812524"/>
+      </p:ext>
+    </p:extLst>
+  </p:cSld>
+  <p:clrMapOvr>
+    <a:masterClrMapping/>
+  </p:clrMapOvr>
+  <p:timing>
+    <p:tnLst>
+      <p:par>
+        <p:cTn id="1" dur="indefinite" restart="never" nodeType="tmRoot"/>
+      </p:par>
+    </p:tnLst>
+  </p:timing>
+</p:sld>
+</file>
+
+<file path=ppt/slides/slide28.xml><?xml version="1.0" encoding="utf-8"?>
+<p:sld xmlns:a="http://schemas.openxmlformats.org/drawingml/2006/main" xmlns:r="http://schemas.openxmlformats.org/officeDocument/2006/relationships" xmlns:p="http://schemas.openxmlformats.org/presentationml/2006/main">
+  <p:cSld>
+    <p:spTree>
+      <p:nvGrpSpPr>
+        <p:cNvPr id="1" name=""/>
+        <p:cNvGrpSpPr/>
+        <p:nvPr/>
+      </p:nvGrpSpPr>
+      <p:grpSpPr>
+        <a:xfrm>
+          <a:off x="0" y="0"/>
+          <a:ext cx="0" cy="0"/>
+          <a:chOff x="0" y="0"/>
+          <a:chExt cx="0" cy="0"/>
+        </a:xfrm>
+      </p:grpSpPr>
+      <p:sp>
+        <p:nvSpPr>
+          <p:cNvPr id="4" name="Title 3"/>
+          <p:cNvSpPr>
+            <a:spLocks noGrp="1"/>
+          </p:cNvSpPr>
+          <p:nvPr>
+            <p:ph type="title"/>
+          </p:nvPr>
+        </p:nvSpPr>
+        <p:spPr/>
+        <p:txBody>
+          <a:bodyPr/>
+          <a:lstStyle/>
+          <a:p>
+            <a:pPr algn="ctr"/>
+            <a:r>
+              <a:rPr lang="en-US" dirty="0" err="1" smtClean="0"/>
+              <a:t>Cliopatria</a:t>
+            </a:r>
+            <a:r>
+              <a:rPr lang="en-US" dirty="0" smtClean="0"/>
+              <a:t> Whitepaper</a:t>
+            </a:r>
+            <a:endParaRPr lang="en-US" dirty="0"/>
+          </a:p>
+        </p:txBody>
+      </p:sp>
+      <p:sp>
+        <p:nvSpPr>
+          <p:cNvPr id="3" name="Content Placeholder 2"/>
+          <p:cNvSpPr>
+            <a:spLocks noGrp="1"/>
+          </p:cNvSpPr>
+          <p:nvPr>
+            <p:ph idx="1"/>
+          </p:nvPr>
+        </p:nvSpPr>
+        <p:spPr/>
+        <p:txBody>
+          <a:bodyPr/>
+          <a:lstStyle/>
+          <a:p>
+            <a:pPr marL="0" indent="0">
+              <a:buNone/>
+            </a:pPr>
+            <a:r>
+              <a:rPr lang="en-US" dirty="0"/>
+              <a:t>Useful paper for understanding the relationship between </a:t>
+            </a:r>
+            <a:r>
+              <a:rPr lang="en-US" dirty="0" smtClean="0"/>
+              <a:t>SWI-P</a:t>
+            </a:r>
+            <a:r>
+              <a:rPr lang="en-US" dirty="0" smtClean="0"/>
+              <a:t>rolog </a:t>
+            </a:r>
+            <a:r>
+              <a:rPr lang="en-US" dirty="0"/>
+              <a:t>and </a:t>
+            </a:r>
+            <a:r>
+              <a:rPr lang="en-US" dirty="0" smtClean="0"/>
+              <a:t>RDF</a:t>
+            </a:r>
+          </a:p>
+          <a:p>
+            <a:pPr marL="0" indent="0">
+              <a:buNone/>
+            </a:pPr>
+            <a:r>
+              <a:rPr lang="en-US" dirty="0" smtClean="0"/>
+              <a:t>http</a:t>
+            </a:r>
+            <a:r>
+              <a:rPr lang="en-US" dirty="0"/>
+              <a:t>://cliopatria.swi-prolog.org/help/whitepaper.html</a:t>
+            </a:r>
+          </a:p>
+          <a:p>
+            <a:endParaRPr lang="en-US" dirty="0"/>
+          </a:p>
+        </p:txBody>
+      </p:sp>
+    </p:spTree>
+    <p:extLst>
+      <p:ext uri="{BB962C8B-B14F-4D97-AF65-F5344CB8AC3E}">
+        <p14:creationId xmlns:p14="http://schemas.microsoft.com/office/powerpoint/2010/main" val="21410172"/>
+      </p:ext>
+    </p:extLst>
+  </p:cSld>
+  <p:clrMapOvr>
+    <a:masterClrMapping/>
+  </p:clrMapOvr>
+  <p:timing>
+    <p:tnLst>
+      <p:par>
+        <p:cTn id="1" dur="indefinite" restart="never" nodeType="tmRoot"/>
+      </p:par>
+    </p:tnLst>
+  </p:timing>
+</p:sld>
+</file>
+
+<file path=ppt/slides/slide29.xml><?xml version="1.0" encoding="utf-8"?>
+<p:sld xmlns:a="http://schemas.openxmlformats.org/drawingml/2006/main" xmlns:r="http://schemas.openxmlformats.org/officeDocument/2006/relationships" xmlns:p="http://schemas.openxmlformats.org/presentationml/2006/main">
+  <p:cSld>
+    <p:spTree>
+      <p:nvGrpSpPr>
+        <p:cNvPr id="1" name=""/>
+        <p:cNvGrpSpPr/>
+        <p:nvPr/>
+      </p:nvGrpSpPr>
+      <p:grpSpPr>
+        <a:xfrm>
+          <a:off x="0" y="0"/>
+          <a:ext cx="0" cy="0"/>
+          <a:chOff x="0" y="0"/>
+          <a:chExt cx="0" cy="0"/>
+        </a:xfrm>
+      </p:grpSpPr>
+      <p:sp>
+        <p:nvSpPr>
           <p:cNvPr id="2" name="Title 1"/>
           <p:cNvSpPr>
             <a:spLocks noGrp="1"/>
@@ -9724,9 +11498,10 @@
           <a:bodyPr/>
           <a:lstStyle/>
           <a:p>
+            <a:pPr algn="ctr"/>
             <a:r>
               <a:rPr lang="en-US" dirty="0" smtClean="0"/>
-              <a:t>Where are we going?</a:t>
+              <a:t>Where Are We Going?</a:t>
             </a:r>
             <a:endParaRPr lang="en-US" dirty="0"/>
           </a:p>
@@ -9781,314 +11556,6 @@
 </p:sld>
 </file>
 
-<file path=ppt/slides/slide23.xml><?xml version="1.0" encoding="utf-8"?>
-<p:sld xmlns:a="http://schemas.openxmlformats.org/drawingml/2006/main" xmlns:r="http://schemas.openxmlformats.org/officeDocument/2006/relationships" xmlns:p="http://schemas.openxmlformats.org/presentationml/2006/main">
-  <p:cSld>
-    <p:spTree>
-      <p:nvGrpSpPr>
-        <p:cNvPr id="1" name=""/>
-        <p:cNvGrpSpPr/>
-        <p:nvPr/>
-      </p:nvGrpSpPr>
-      <p:grpSpPr>
-        <a:xfrm>
-          <a:off x="0" y="0"/>
-          <a:ext cx="0" cy="0"/>
-          <a:chOff x="0" y="0"/>
-          <a:chExt cx="0" cy="0"/>
-        </a:xfrm>
-      </p:grpSpPr>
-      <p:graphicFrame>
-        <p:nvGraphicFramePr>
-          <p:cNvPr id="4" name="Object 3"/>
-          <p:cNvGraphicFramePr>
-            <a:graphicFrameLocks noChangeAspect="1"/>
-          </p:cNvGraphicFramePr>
-          <p:nvPr>
-            <p:extLst>
-              <p:ext uri="{D42A27DB-BD31-4B8C-83A1-F6EECF244321}">
-                <p14:modId xmlns:p14="http://schemas.microsoft.com/office/powerpoint/2010/main" val="661139034"/>
-              </p:ext>
-            </p:extLst>
-          </p:nvPr>
-        </p:nvGraphicFramePr>
-        <p:xfrm>
-          <a:off x="335547" y="334796"/>
-          <a:ext cx="10264273" cy="6232739"/>
-        </p:xfrm>
-        <a:graphic>
-          <a:graphicData uri="http://schemas.openxmlformats.org/presentationml/2006/ole">
-            <mc:AlternateContent xmlns:mc="http://schemas.openxmlformats.org/markup-compatibility/2006">
-              <mc:Choice xmlns:v="urn:schemas-microsoft-com:vml" Requires="v">
-                <p:oleObj spid="_x0000_s2101" name="Image" r:id="rId4" imgW="16812360" imgH="10209240" progId="Photoshop.Image.12">
-                  <p:embed/>
-                </p:oleObj>
-              </mc:Choice>
-              <mc:Fallback>
-                <p:oleObj name="Image" r:id="rId4" imgW="16812360" imgH="10209240" progId="Photoshop.Image.12">
-                  <p:embed/>
-                  <p:pic>
-                    <p:nvPicPr>
-                      <p:cNvPr id="0" name=""/>
-                      <p:cNvPicPr/>
-                      <p:nvPr/>
-                    </p:nvPicPr>
-                    <p:blipFill>
-                      <a:blip r:embed="rId5"/>
-                      <a:stretch>
-                        <a:fillRect/>
-                      </a:stretch>
-                    </p:blipFill>
-                    <p:spPr>
-                      <a:xfrm>
-                        <a:off x="335547" y="334796"/>
-                        <a:ext cx="10264273" cy="6232739"/>
-                      </a:xfrm>
-                      <a:prstGeom prst="rect">
-                        <a:avLst/>
-                      </a:prstGeom>
-                    </p:spPr>
-                  </p:pic>
-                </p:oleObj>
-              </mc:Fallback>
-            </mc:AlternateContent>
-          </a:graphicData>
-        </a:graphic>
-      </p:graphicFrame>
-    </p:spTree>
-    <p:extLst>
-      <p:ext uri="{BB962C8B-B14F-4D97-AF65-F5344CB8AC3E}">
-        <p14:creationId xmlns:p14="http://schemas.microsoft.com/office/powerpoint/2010/main" val="3185315162"/>
-      </p:ext>
-    </p:extLst>
-  </p:cSld>
-  <p:clrMapOvr>
-    <a:masterClrMapping/>
-  </p:clrMapOvr>
-  <p:timing>
-    <p:tnLst>
-      <p:par>
-        <p:cTn id="1" dur="indefinite" restart="never" nodeType="tmRoot"/>
-      </p:par>
-    </p:tnLst>
-  </p:timing>
-</p:sld>
-</file>
-
-<file path=ppt/slides/slide24.xml><?xml version="1.0" encoding="utf-8"?>
-<p:sld xmlns:a="http://schemas.openxmlformats.org/drawingml/2006/main" xmlns:r="http://schemas.openxmlformats.org/officeDocument/2006/relationships" xmlns:p="http://schemas.openxmlformats.org/presentationml/2006/main">
-  <p:cSld>
-    <p:spTree>
-      <p:nvGrpSpPr>
-        <p:cNvPr id="1" name=""/>
-        <p:cNvGrpSpPr/>
-        <p:nvPr/>
-      </p:nvGrpSpPr>
-      <p:grpSpPr>
-        <a:xfrm>
-          <a:off x="0" y="0"/>
-          <a:ext cx="0" cy="0"/>
-          <a:chOff x="0" y="0"/>
-          <a:chExt cx="0" cy="0"/>
-        </a:xfrm>
-      </p:grpSpPr>
-      <p:sp>
-        <p:nvSpPr>
-          <p:cNvPr id="2" name="Title 1"/>
-          <p:cNvSpPr>
-            <a:spLocks noGrp="1"/>
-          </p:cNvSpPr>
-          <p:nvPr>
-            <p:ph type="title"/>
-          </p:nvPr>
-        </p:nvSpPr>
-        <p:spPr/>
-        <p:txBody>
-          <a:bodyPr/>
-          <a:lstStyle/>
-          <a:p>
-            <a:r>
-              <a:rPr lang="en-US" dirty="0" smtClean="0"/>
-              <a:t>Resources</a:t>
-            </a:r>
-            <a:r>
-              <a:rPr lang="en-US" dirty="0" smtClean="0"/>
-              <a:t>	</a:t>
-            </a:r>
-            <a:endParaRPr lang="en-US" dirty="0"/>
-          </a:p>
-        </p:txBody>
-      </p:sp>
-      <p:sp>
-        <p:nvSpPr>
-          <p:cNvPr id="3" name="Content Placeholder 2"/>
-          <p:cNvSpPr>
-            <a:spLocks noGrp="1"/>
-          </p:cNvSpPr>
-          <p:nvPr>
-            <p:ph sz="half" idx="1"/>
-          </p:nvPr>
-        </p:nvSpPr>
-        <p:spPr/>
-        <p:txBody>
-          <a:bodyPr>
-            <a:normAutofit fontScale="85000" lnSpcReduction="20000"/>
-          </a:bodyPr>
-          <a:lstStyle/>
-          <a:p>
-            <a:r>
-              <a:rPr lang="en-US" dirty="0" smtClean="0"/>
-              <a:t>Get the most recent </a:t>
-            </a:r>
-            <a:r>
-              <a:rPr lang="en-US" dirty="0" err="1" smtClean="0"/>
-              <a:t>devel</a:t>
-            </a:r>
-            <a:r>
-              <a:rPr lang="en-US" dirty="0" smtClean="0"/>
-              <a:t> version of SWI-Prolog. Some of this material is literally weeks old.</a:t>
-            </a:r>
-          </a:p>
-          <a:p>
-            <a:r>
-              <a:rPr lang="en-US" dirty="0" smtClean="0"/>
-              <a:t>slides https://github.com/Anniepoo/strangeloop2014</a:t>
-            </a:r>
-            <a:endParaRPr lang="en-US" dirty="0" smtClean="0"/>
-          </a:p>
-          <a:p>
-            <a:r>
-              <a:rPr lang="en-US" dirty="0" smtClean="0"/>
-              <a:t>http</a:t>
-            </a:r>
-            <a:r>
-              <a:rPr lang="en-US" dirty="0" smtClean="0"/>
-              <a:t>://swi-prolog.org</a:t>
-            </a:r>
-          </a:p>
-          <a:p>
-            <a:r>
-              <a:rPr lang="en-US" dirty="0" smtClean="0"/>
-              <a:t>http://</a:t>
-            </a:r>
-            <a:r>
-              <a:rPr lang="en-US" dirty="0" smtClean="0"/>
-              <a:t>swish.swi-prolog.org (rev2.0)</a:t>
-            </a:r>
-          </a:p>
-          <a:p>
-            <a:r>
-              <a:rPr lang="en-US" dirty="0" smtClean="0"/>
-              <a:t>http://pengines.swi-prolog.org</a:t>
-            </a:r>
-            <a:endParaRPr lang="en-US" dirty="0" smtClean="0"/>
-          </a:p>
-          <a:p>
-            <a:r>
-              <a:rPr lang="en-US" dirty="0" smtClean="0"/>
-              <a:t>Useful </a:t>
-            </a:r>
-            <a:r>
-              <a:rPr lang="en-US" dirty="0" smtClean="0"/>
-              <a:t>paper for understanding the relationship between prolog and RDF http://cliopatria.swi-prolog.org/help/whitepaper.html</a:t>
-            </a:r>
-            <a:endParaRPr lang="en-US" dirty="0"/>
-          </a:p>
-        </p:txBody>
-      </p:sp>
-      <p:sp>
-        <p:nvSpPr>
-          <p:cNvPr id="4" name="Content Placeholder 3"/>
-          <p:cNvSpPr>
-            <a:spLocks noGrp="1"/>
-          </p:cNvSpPr>
-          <p:nvPr>
-            <p:ph sz="half" idx="2"/>
-          </p:nvPr>
-        </p:nvSpPr>
-        <p:spPr/>
-        <p:txBody>
-          <a:bodyPr>
-            <a:normAutofit fontScale="85000" lnSpcReduction="20000"/>
-          </a:bodyPr>
-          <a:lstStyle/>
-          <a:p>
-            <a:r>
-              <a:rPr lang="en-US" dirty="0" smtClean="0"/>
-              <a:t>whiteboard </a:t>
-            </a:r>
-            <a:r>
-              <a:rPr lang="en-US" dirty="0"/>
-              <a:t>https://</a:t>
-            </a:r>
-            <a:r>
-              <a:rPr lang="en-US" dirty="0" smtClean="0"/>
-              <a:t>github.com/Anniepoo/whiteboard.git</a:t>
-            </a:r>
-          </a:p>
-          <a:p>
-            <a:r>
-              <a:rPr lang="en-US" dirty="0" smtClean="0"/>
-              <a:t>chat </a:t>
-            </a:r>
-            <a:r>
-              <a:rPr lang="en-US" dirty="0" smtClean="0"/>
-              <a:t>https</a:t>
-            </a:r>
-            <a:r>
-              <a:rPr lang="en-US" dirty="0"/>
-              <a:t>://</a:t>
-            </a:r>
-            <a:r>
-              <a:rPr lang="en-US" dirty="0" smtClean="0"/>
-              <a:t>github.com/JanWielemaker/swi-chat</a:t>
-            </a:r>
-          </a:p>
-          <a:p>
-            <a:r>
-              <a:rPr lang="en-US" dirty="0" smtClean="0"/>
-              <a:t>Docs</a:t>
-            </a:r>
-            <a:r>
-              <a:rPr lang="en-US" dirty="0"/>
-              <a:t> </a:t>
-            </a:r>
-            <a:r>
-              <a:rPr lang="en-US" dirty="0"/>
-              <a:t>http://pengines.swi-prolog.org/docs/documentation.html</a:t>
-            </a:r>
-            <a:endParaRPr lang="en-US" dirty="0" smtClean="0"/>
-          </a:p>
-        </p:txBody>
-      </p:sp>
-    </p:spTree>
-    <p:extLst>
-      <p:ext uri="{BB962C8B-B14F-4D97-AF65-F5344CB8AC3E}">
-        <p14:creationId xmlns:p14="http://schemas.microsoft.com/office/powerpoint/2010/main" val="4205726433"/>
-      </p:ext>
-    </p:extLst>
-  </p:cSld>
-  <p:clrMapOvr>
-    <a:masterClrMapping/>
-  </p:clrMapOvr>
-  <mc:AlternateContent xmlns:mc="http://schemas.openxmlformats.org/markup-compatibility/2006" xmlns:p14="http://schemas.microsoft.com/office/powerpoint/2010/main">
-    <mc:Choice Requires="p14">
-      <p:transition spd="slow" p14:dur="2000" advTm="63714"/>
-    </mc:Choice>
-    <mc:Fallback xmlns="">
-      <p:transition spd="slow" advTm="63714"/>
-    </mc:Fallback>
-  </mc:AlternateContent>
-  <p:timing>
-    <p:tnLst>
-      <p:par>
-        <p:cTn id="1" dur="indefinite" restart="never" nodeType="tmRoot"/>
-      </p:par>
-    </p:tnLst>
-  </p:timing>
-</p:sld>
-</file>
-
 <file path=ppt/slides/slide3.xml><?xml version="1.0" encoding="utf-8"?>
 <p:sld xmlns:a="http://schemas.openxmlformats.org/drawingml/2006/main" xmlns:r="http://schemas.openxmlformats.org/officeDocument/2006/relationships" xmlns:p="http://schemas.openxmlformats.org/presentationml/2006/main">
   <p:cSld>
@@ -10123,7 +11590,7 @@
           <a:p>
             <a:pPr algn="ctr"/>
             <a:r>
-              <a:rPr lang="en-US" dirty="0" err="1" smtClean="0"/>
+              <a:rPr lang="en-US" dirty="0" smtClean="0"/>
               <a:t>Pengines</a:t>
             </a:r>
             <a:endParaRPr lang="en-US" dirty="0"/>
@@ -10193,13 +11660,10 @@
           <a:lstStyle/>
           <a:p>
             <a:r>
-              <a:rPr lang="en-US" dirty="0" err="1" smtClean="0"/>
-              <a:t>Torbjorn</a:t>
-            </a:r>
-            <a:r>
               <a:rPr lang="en-US" dirty="0" smtClean="0"/>
-              <a:t> Lager</a:t>
-            </a:r>
+              <a:t>Torbjörn Lager</a:t>
+            </a:r>
+            <a:endParaRPr lang="en-US" dirty="0" smtClean="0"/>
           </a:p>
           <a:p>
             <a:r>
@@ -10221,13 +11685,8 @@
           <a:p>
             <a:r>
               <a:rPr lang="en-US" dirty="0" smtClean="0"/>
-              <a:t>Jan </a:t>
-            </a:r>
-            <a:r>
-              <a:rPr lang="en-US" dirty="0" err="1" smtClean="0"/>
-              <a:t>Wielemaker</a:t>
-            </a:r>
-            <a:endParaRPr lang="en-US" dirty="0" smtClean="0"/>
+              <a:t>Jan Wielemaker</a:t>
+            </a:r>
           </a:p>
           <a:p>
             <a:r>
@@ -10299,7 +11758,278 @@
 </p:sld>
 </file>
 
+<file path=ppt/slides/slide30.xml><?xml version="1.0" encoding="utf-8"?>
+<p:sld xmlns:a="http://schemas.openxmlformats.org/drawingml/2006/main" xmlns:r="http://schemas.openxmlformats.org/officeDocument/2006/relationships" xmlns:p="http://schemas.openxmlformats.org/presentationml/2006/main">
+  <p:cSld>
+    <p:spTree>
+      <p:nvGrpSpPr>
+        <p:cNvPr id="1" name=""/>
+        <p:cNvGrpSpPr/>
+        <p:nvPr/>
+      </p:nvGrpSpPr>
+      <p:grpSpPr>
+        <a:xfrm>
+          <a:off x="0" y="0"/>
+          <a:ext cx="0" cy="0"/>
+          <a:chOff x="0" y="0"/>
+          <a:chExt cx="0" cy="0"/>
+        </a:xfrm>
+      </p:grpSpPr>
+      <p:sp>
+        <p:nvSpPr>
+          <p:cNvPr id="2" name="Title 1"/>
+          <p:cNvSpPr>
+            <a:spLocks noGrp="1"/>
+          </p:cNvSpPr>
+          <p:nvPr>
+            <p:ph type="title"/>
+          </p:nvPr>
+        </p:nvSpPr>
+        <p:spPr>
+          <a:xfrm>
+            <a:off x="838200" y="365125"/>
+            <a:ext cx="10515600" cy="534761"/>
+          </a:xfrm>
+        </p:spPr>
+        <p:txBody>
+          <a:bodyPr>
+            <a:normAutofit fontScale="90000"/>
+          </a:bodyPr>
+          <a:lstStyle/>
+          <a:p>
+            <a:pPr algn="ctr"/>
+            <a:r>
+              <a:rPr lang="en-US" dirty="0" smtClean="0"/>
+              <a:t>Resources	</a:t>
+            </a:r>
+            <a:endParaRPr lang="en-US" dirty="0"/>
+          </a:p>
+        </p:txBody>
+      </p:sp>
+      <p:sp>
+        <p:nvSpPr>
+          <p:cNvPr id="3" name="Content Placeholder 2"/>
+          <p:cNvSpPr>
+            <a:spLocks noGrp="1"/>
+          </p:cNvSpPr>
+          <p:nvPr>
+            <p:ph sz="half" idx="1"/>
+          </p:nvPr>
+        </p:nvSpPr>
+        <p:spPr>
+          <a:xfrm>
+            <a:off x="838200" y="899886"/>
+            <a:ext cx="10515600" cy="5277077"/>
+          </a:xfrm>
+        </p:spPr>
+        <p:txBody>
+          <a:bodyPr>
+            <a:normAutofit/>
+          </a:bodyPr>
+          <a:lstStyle/>
+          <a:p>
+            <a:pPr marL="0" indent="0">
+              <a:buNone/>
+            </a:pPr>
+            <a:r>
+              <a:rPr lang="en-US" dirty="0" smtClean="0"/>
+              <a:t>slides		https://github.com/Anniepoo/strangeloop2014</a:t>
+            </a:r>
+          </a:p>
+          <a:p>
+            <a:pPr marL="0" indent="0">
+              <a:buNone/>
+            </a:pPr>
+            <a:r>
+              <a:rPr lang="en-US" dirty="0" smtClean="0"/>
+              <a:t>Sources/</a:t>
+            </a:r>
+            <a:r>
+              <a:rPr lang="en-US" dirty="0" err="1" smtClean="0"/>
+              <a:t>Nightlies</a:t>
+            </a:r>
+            <a:endParaRPr lang="en-US" dirty="0" smtClean="0"/>
+          </a:p>
+          <a:p>
+            <a:pPr marL="0" indent="0">
+              <a:buNone/>
+            </a:pPr>
+            <a:r>
+              <a:rPr lang="en-US" dirty="0" smtClean="0"/>
+              <a:t>SWISH 2.0	http://swish.swi-prolog.org</a:t>
+            </a:r>
+          </a:p>
+          <a:p>
+            <a:pPr marL="0" indent="0">
+              <a:buNone/>
+            </a:pPr>
+            <a:r>
+              <a:rPr lang="en-US" dirty="0" smtClean="0"/>
+              <a:t>SWISH 1.0	http://pengines.swi-prolog.org </a:t>
+            </a:r>
+          </a:p>
+          <a:p>
+            <a:pPr marL="0" indent="0">
+              <a:buNone/>
+            </a:pPr>
+            <a:r>
+              <a:rPr lang="en-US" dirty="0" smtClean="0"/>
+              <a:t>whiteboard	https</a:t>
+            </a:r>
+            <a:r>
+              <a:rPr lang="en-US" dirty="0"/>
+              <a:t>://github.com/Anniepoo/whiteboard.git</a:t>
+            </a:r>
+          </a:p>
+          <a:p>
+            <a:pPr marL="0" indent="0">
+              <a:buNone/>
+            </a:pPr>
+            <a:r>
+              <a:rPr lang="en-US" dirty="0" smtClean="0"/>
+              <a:t>chat		https</a:t>
+            </a:r>
+            <a:r>
+              <a:rPr lang="en-US" dirty="0"/>
+              <a:t>://github.com/JanWielemaker/swi-chat</a:t>
+            </a:r>
+          </a:p>
+          <a:p>
+            <a:pPr marL="0" indent="0">
+              <a:buNone/>
+            </a:pPr>
+            <a:r>
+              <a:rPr lang="en-US" dirty="0"/>
+              <a:t>Docs </a:t>
+            </a:r>
+            <a:r>
+              <a:rPr lang="en-US" dirty="0" smtClean="0"/>
+              <a:t>		http</a:t>
+            </a:r>
+            <a:r>
+              <a:rPr lang="en-US" dirty="0"/>
+              <a:t>://pengines.swi-prolog.org/docs/documentation.html</a:t>
+            </a:r>
+          </a:p>
+          <a:p>
+            <a:endParaRPr lang="en-US" dirty="0"/>
+          </a:p>
+        </p:txBody>
+      </p:sp>
+    </p:spTree>
+    <p:extLst>
+      <p:ext uri="{BB962C8B-B14F-4D97-AF65-F5344CB8AC3E}">
+        <p14:creationId xmlns:p14="http://schemas.microsoft.com/office/powerpoint/2010/main" val="4205726433"/>
+      </p:ext>
+    </p:extLst>
+  </p:cSld>
+  <p:clrMapOvr>
+    <a:masterClrMapping/>
+  </p:clrMapOvr>
+  <mc:AlternateContent xmlns:mc="http://schemas.openxmlformats.org/markup-compatibility/2006" xmlns:p14="http://schemas.microsoft.com/office/powerpoint/2010/main">
+    <mc:Choice Requires="p14">
+      <p:transition spd="slow" p14:dur="2000" advTm="63714"/>
+    </mc:Choice>
+    <mc:Fallback xmlns="">
+      <p:transition spd="slow" advTm="63714"/>
+    </mc:Fallback>
+  </mc:AlternateContent>
+  <p:timing>
+    <p:tnLst>
+      <p:par>
+        <p:cTn id="1" dur="indefinite" restart="never" nodeType="tmRoot"/>
+      </p:par>
+    </p:tnLst>
+  </p:timing>
+</p:sld>
+</file>
+
 <file path=ppt/slides/slide4.xml><?xml version="1.0" encoding="utf-8"?>
+<p:sld xmlns:a="http://schemas.openxmlformats.org/drawingml/2006/main" xmlns:r="http://schemas.openxmlformats.org/officeDocument/2006/relationships" xmlns:p="http://schemas.openxmlformats.org/presentationml/2006/main">
+  <p:cSld>
+    <p:spTree>
+      <p:nvGrpSpPr>
+        <p:cNvPr id="1" name=""/>
+        <p:cNvGrpSpPr/>
+        <p:nvPr/>
+      </p:nvGrpSpPr>
+      <p:grpSpPr>
+        <a:xfrm>
+          <a:off x="0" y="0"/>
+          <a:ext cx="0" cy="0"/>
+          <a:chOff x="0" y="0"/>
+          <a:chExt cx="0" cy="0"/>
+        </a:xfrm>
+      </p:grpSpPr>
+      <p:sp>
+        <p:nvSpPr>
+          <p:cNvPr id="5" name="Title 4"/>
+          <p:cNvSpPr>
+            <a:spLocks noGrp="1"/>
+          </p:cNvSpPr>
+          <p:nvPr>
+            <p:ph type="title"/>
+          </p:nvPr>
+        </p:nvSpPr>
+        <p:spPr>
+          <a:xfrm>
+            <a:off x="831850" y="326415"/>
+            <a:ext cx="10515600" cy="2852737"/>
+          </a:xfrm>
+        </p:spPr>
+        <p:txBody>
+          <a:bodyPr/>
+          <a:lstStyle/>
+          <a:p>
+            <a:pPr algn="ctr"/>
+            <a:r>
+              <a:rPr lang="en-US" dirty="0" smtClean="0"/>
+              <a:t>Pengine Roles</a:t>
+            </a:r>
+            <a:endParaRPr lang="en-US" dirty="0"/>
+          </a:p>
+        </p:txBody>
+      </p:sp>
+      <p:sp>
+        <p:nvSpPr>
+          <p:cNvPr id="6" name="Text Placeholder 5"/>
+          <p:cNvSpPr>
+            <a:spLocks noGrp="1"/>
+          </p:cNvSpPr>
+          <p:nvPr>
+            <p:ph type="body" idx="1"/>
+          </p:nvPr>
+        </p:nvSpPr>
+        <p:spPr/>
+        <p:txBody>
+          <a:bodyPr/>
+          <a:lstStyle/>
+          <a:p>
+            <a:endParaRPr lang="en-US"/>
+          </a:p>
+        </p:txBody>
+      </p:sp>
+    </p:spTree>
+    <p:extLst>
+      <p:ext uri="{BB962C8B-B14F-4D97-AF65-F5344CB8AC3E}">
+        <p14:creationId xmlns:p14="http://schemas.microsoft.com/office/powerpoint/2010/main" val="974871537"/>
+      </p:ext>
+    </p:extLst>
+  </p:cSld>
+  <p:clrMapOvr>
+    <a:masterClrMapping/>
+  </p:clrMapOvr>
+  <p:timing>
+    <p:tnLst>
+      <p:par>
+        <p:cTn id="1" dur="indefinite" restart="never" nodeType="tmRoot"/>
+      </p:par>
+    </p:tnLst>
+  </p:timing>
+</p:sld>
+</file>
+
+<file path=ppt/slides/slide5.xml><?xml version="1.0" encoding="utf-8"?>
 <p:sld xmlns:a="http://schemas.openxmlformats.org/drawingml/2006/main" xmlns:r="http://schemas.openxmlformats.org/officeDocument/2006/relationships" xmlns:p="http://schemas.openxmlformats.org/presentationml/2006/main">
   <p:cSld>
     <p:spTree>
@@ -10365,7 +12095,101 @@
 </p:sld>
 </file>
 
-<file path=ppt/slides/slide5.xml><?xml version="1.0" encoding="utf-8"?>
+<file path=ppt/slides/slide6.xml><?xml version="1.0" encoding="utf-8"?>
+<p:sld xmlns:a="http://schemas.openxmlformats.org/drawingml/2006/main" xmlns:r="http://schemas.openxmlformats.org/officeDocument/2006/relationships" xmlns:p="http://schemas.openxmlformats.org/presentationml/2006/main">
+  <p:cSld>
+    <p:spTree>
+      <p:nvGrpSpPr>
+        <p:cNvPr id="1" name=""/>
+        <p:cNvGrpSpPr/>
+        <p:nvPr/>
+      </p:nvGrpSpPr>
+      <p:grpSpPr>
+        <a:xfrm>
+          <a:off x="0" y="0"/>
+          <a:ext cx="0" cy="0"/>
+          <a:chOff x="0" y="0"/>
+          <a:chExt cx="0" cy="0"/>
+        </a:xfrm>
+      </p:grpSpPr>
+      <p:graphicFrame>
+        <p:nvGraphicFramePr>
+          <p:cNvPr id="4" name="Object 3"/>
+          <p:cNvGraphicFramePr>
+            <a:graphicFrameLocks noChangeAspect="1"/>
+          </p:cNvGraphicFramePr>
+          <p:nvPr>
+            <p:extLst>
+              <p:ext uri="{D42A27DB-BD31-4B8C-83A1-F6EECF244321}">
+                <p14:modId xmlns:p14="http://schemas.microsoft.com/office/powerpoint/2010/main" val="4268443724"/>
+              </p:ext>
+            </p:extLst>
+          </p:nvPr>
+        </p:nvGraphicFramePr>
+        <p:xfrm>
+          <a:off x="1515941" y="336185"/>
+          <a:ext cx="9582150" cy="4400550"/>
+        </p:xfrm>
+        <a:graphic>
+          <a:graphicData uri="http://schemas.openxmlformats.org/presentationml/2006/ole">
+            <mc:AlternateContent xmlns:mc="http://schemas.openxmlformats.org/markup-compatibility/2006">
+              <mc:Choice xmlns:v="urn:schemas-microsoft-com:vml" Requires="v">
+                <p:oleObj spid="_x0000_s3127" name="Image" r:id="rId4" imgW="12774600" imgH="5866560" progId="Photoshop.Image.12">
+                  <p:embed/>
+                </p:oleObj>
+              </mc:Choice>
+              <mc:Fallback>
+                <p:oleObj name="Image" r:id="rId4" imgW="12774600" imgH="5866560" progId="Photoshop.Image.12">
+                  <p:embed/>
+                  <p:pic>
+                    <p:nvPicPr>
+                      <p:cNvPr id="0" name=""/>
+                      <p:cNvPicPr/>
+                      <p:nvPr/>
+                    </p:nvPicPr>
+                    <p:blipFill>
+                      <a:blip r:embed="rId5"/>
+                      <a:stretch>
+                        <a:fillRect/>
+                      </a:stretch>
+                    </p:blipFill>
+                    <p:spPr>
+                      <a:xfrm>
+                        <a:off x="1515941" y="336185"/>
+                        <a:ext cx="9582150" cy="4400550"/>
+                      </a:xfrm>
+                      <a:prstGeom prst="rect">
+                        <a:avLst/>
+                      </a:prstGeom>
+                    </p:spPr>
+                  </p:pic>
+                </p:oleObj>
+              </mc:Fallback>
+            </mc:AlternateContent>
+          </a:graphicData>
+        </a:graphic>
+      </p:graphicFrame>
+    </p:spTree>
+    <p:extLst>
+      <p:ext uri="{BB962C8B-B14F-4D97-AF65-F5344CB8AC3E}">
+        <p14:creationId xmlns:p14="http://schemas.microsoft.com/office/powerpoint/2010/main" val="272968665"/>
+      </p:ext>
+    </p:extLst>
+  </p:cSld>
+  <p:clrMapOvr>
+    <a:masterClrMapping/>
+  </p:clrMapOvr>
+  <p:timing>
+    <p:tnLst>
+      <p:par>
+        <p:cTn id="1" dur="indefinite" restart="never" nodeType="tmRoot"/>
+      </p:par>
+    </p:tnLst>
+  </p:timing>
+</p:sld>
+</file>
+
+<file path=ppt/slides/slide7.xml><?xml version="1.0" encoding="utf-8"?>
 <p:sld xmlns:a="http://schemas.openxmlformats.org/drawingml/2006/main" xmlns:r="http://schemas.openxmlformats.org/officeDocument/2006/relationships" xmlns:p="http://schemas.openxmlformats.org/presentationml/2006/main">
   <p:cSld>
     <p:spTree>
@@ -10405,7 +12229,7 @@
         <p:spPr>
           <a:xfrm>
             <a:off x="1194" y="0"/>
-            <a:ext cx="12189611" cy="6858000"/>
+            <a:ext cx="12189611" cy="6857999"/>
           </a:xfrm>
           <a:prstGeom prst="rect">
             <a:avLst/>
@@ -10432,7 +12256,7 @@
 </p:sld>
 </file>
 
-<file path=ppt/slides/slide6.xml><?xml version="1.0" encoding="utf-8"?>
+<file path=ppt/slides/slide8.xml><?xml version="1.0" encoding="utf-8"?>
 <p:sld xmlns:a="http://schemas.openxmlformats.org/drawingml/2006/main" xmlns:r="http://schemas.openxmlformats.org/officeDocument/2006/relationships" xmlns:p="http://schemas.openxmlformats.org/presentationml/2006/main">
   <p:cSld>
     <p:spTree>
@@ -10499,140 +12323,6 @@
 </p:sld>
 </file>
 
-<file path=ppt/slides/slide7.xml><?xml version="1.0" encoding="utf-8"?>
-<p:sld xmlns:a="http://schemas.openxmlformats.org/drawingml/2006/main" xmlns:r="http://schemas.openxmlformats.org/officeDocument/2006/relationships" xmlns:p="http://schemas.openxmlformats.org/presentationml/2006/main">
-  <p:cSld>
-    <p:spTree>
-      <p:nvGrpSpPr>
-        <p:cNvPr id="1" name=""/>
-        <p:cNvGrpSpPr/>
-        <p:nvPr/>
-      </p:nvGrpSpPr>
-      <p:grpSpPr>
-        <a:xfrm>
-          <a:off x="0" y="0"/>
-          <a:ext cx="0" cy="0"/>
-          <a:chOff x="0" y="0"/>
-          <a:chExt cx="0" cy="0"/>
-        </a:xfrm>
-      </p:grpSpPr>
-      <p:pic>
-        <p:nvPicPr>
-          <p:cNvPr id="4" name="Picture 3"/>
-          <p:cNvPicPr>
-            <a:picLocks noChangeAspect="1"/>
-          </p:cNvPicPr>
-          <p:nvPr/>
-        </p:nvPicPr>
-        <p:blipFill>
-          <a:blip r:embed="rId3" cstate="print">
-            <a:extLst>
-              <a:ext uri="{28A0092B-C50C-407E-A947-70E740481C1C}">
-                <a14:useLocalDpi xmlns:a14="http://schemas.microsoft.com/office/drawing/2010/main" val="0"/>
-              </a:ext>
-            </a:extLst>
-          </a:blip>
-          <a:stretch>
-            <a:fillRect/>
-          </a:stretch>
-        </p:blipFill>
-        <p:spPr>
-          <a:xfrm>
-            <a:off x="1194" y="0"/>
-            <a:ext cx="12189611" cy="6858000"/>
-          </a:xfrm>
-          <a:prstGeom prst="rect">
-            <a:avLst/>
-          </a:prstGeom>
-        </p:spPr>
-      </p:pic>
-    </p:spTree>
-    <p:extLst>
-      <p:ext uri="{BB962C8B-B14F-4D97-AF65-F5344CB8AC3E}">
-        <p14:creationId xmlns:p14="http://schemas.microsoft.com/office/powerpoint/2010/main" val="2888325281"/>
-      </p:ext>
-    </p:extLst>
-  </p:cSld>
-  <p:clrMapOvr>
-    <a:masterClrMapping/>
-  </p:clrMapOvr>
-  <p:timing>
-    <p:tnLst>
-      <p:par>
-        <p:cTn id="1" dur="indefinite" restart="never" nodeType="tmRoot"/>
-      </p:par>
-    </p:tnLst>
-  </p:timing>
-</p:sld>
-</file>
-
-<file path=ppt/slides/slide8.xml><?xml version="1.0" encoding="utf-8"?>
-<p:sld xmlns:a="http://schemas.openxmlformats.org/drawingml/2006/main" xmlns:r="http://schemas.openxmlformats.org/officeDocument/2006/relationships" xmlns:p="http://schemas.openxmlformats.org/presentationml/2006/main">
-  <p:cSld>
-    <p:spTree>
-      <p:nvGrpSpPr>
-        <p:cNvPr id="1" name=""/>
-        <p:cNvGrpSpPr/>
-        <p:nvPr/>
-      </p:nvGrpSpPr>
-      <p:grpSpPr>
-        <a:xfrm>
-          <a:off x="0" y="0"/>
-          <a:ext cx="0" cy="0"/>
-          <a:chOff x="0" y="0"/>
-          <a:chExt cx="0" cy="0"/>
-        </a:xfrm>
-      </p:grpSpPr>
-      <p:pic>
-        <p:nvPicPr>
-          <p:cNvPr id="4" name="Picture 3"/>
-          <p:cNvPicPr>
-            <a:picLocks noChangeAspect="1"/>
-          </p:cNvPicPr>
-          <p:nvPr/>
-        </p:nvPicPr>
-        <p:blipFill>
-          <a:blip r:embed="rId3" cstate="print">
-            <a:extLst>
-              <a:ext uri="{28A0092B-C50C-407E-A947-70E740481C1C}">
-                <a14:useLocalDpi xmlns:a14="http://schemas.microsoft.com/office/drawing/2010/main" val="0"/>
-              </a:ext>
-            </a:extLst>
-          </a:blip>
-          <a:stretch>
-            <a:fillRect/>
-          </a:stretch>
-        </p:blipFill>
-        <p:spPr>
-          <a:xfrm>
-            <a:off x="1194" y="0"/>
-            <a:ext cx="12189611" cy="6858000"/>
-          </a:xfrm>
-          <a:prstGeom prst="rect">
-            <a:avLst/>
-          </a:prstGeom>
-        </p:spPr>
-      </p:pic>
-    </p:spTree>
-    <p:extLst>
-      <p:ext uri="{BB962C8B-B14F-4D97-AF65-F5344CB8AC3E}">
-        <p14:creationId xmlns:p14="http://schemas.microsoft.com/office/powerpoint/2010/main" val="96699877"/>
-      </p:ext>
-    </p:extLst>
-  </p:cSld>
-  <p:clrMapOvr>
-    <a:masterClrMapping/>
-  </p:clrMapOvr>
-  <p:timing>
-    <p:tnLst>
-      <p:par>
-        <p:cTn id="1" dur="indefinite" restart="never" nodeType="tmRoot"/>
-      </p:par>
-    </p:tnLst>
-  </p:timing>
-</p:sld>
-</file>
-
 <file path=ppt/slides/slide9.xml><?xml version="1.0" encoding="utf-8"?>
 <p:sld xmlns:a="http://schemas.openxmlformats.org/drawingml/2006/main" xmlns:r="http://schemas.openxmlformats.org/officeDocument/2006/relationships" xmlns:p="http://schemas.openxmlformats.org/presentationml/2006/main">
   <p:cSld>
@@ -10650,40 +12340,58 @@
           <a:chExt cx="0" cy="0"/>
         </a:xfrm>
       </p:grpSpPr>
-      <p:pic>
-        <p:nvPicPr>
-          <p:cNvPr id="4" name="Picture 3"/>
-          <p:cNvPicPr>
-            <a:picLocks noChangeAspect="1"/>
-          </p:cNvPicPr>
-          <p:nvPr/>
-        </p:nvPicPr>
-        <p:blipFill>
-          <a:blip r:embed="rId3" cstate="print">
-            <a:extLst>
-              <a:ext uri="{28A0092B-C50C-407E-A947-70E740481C1C}">
-                <a14:useLocalDpi xmlns:a14="http://schemas.microsoft.com/office/drawing/2010/main" val="0"/>
-              </a:ext>
-            </a:extLst>
-          </a:blip>
-          <a:stretch>
-            <a:fillRect/>
-          </a:stretch>
-        </p:blipFill>
+      <p:sp>
+        <p:nvSpPr>
+          <p:cNvPr id="4" name="Title 3"/>
+          <p:cNvSpPr>
+            <a:spLocks noGrp="1"/>
+          </p:cNvSpPr>
+          <p:nvPr>
+            <p:ph type="title"/>
+          </p:nvPr>
+        </p:nvSpPr>
         <p:spPr>
           <a:xfrm>
-            <a:off x="1194" y="0"/>
-            <a:ext cx="12189611" cy="6858000"/>
+            <a:off x="831850" y="467092"/>
+            <a:ext cx="10515600" cy="2852737"/>
           </a:xfrm>
-          <a:prstGeom prst="rect">
-            <a:avLst/>
-          </a:prstGeom>
         </p:spPr>
-      </p:pic>
+        <p:txBody>
+          <a:bodyPr/>
+          <a:lstStyle/>
+          <a:p>
+            <a:pPr algn="ctr"/>
+            <a:r>
+              <a:rPr lang="en-US" dirty="0" smtClean="0"/>
+              <a:t>The Pengine Knowledgebase</a:t>
+            </a:r>
+            <a:endParaRPr lang="en-US" dirty="0"/>
+          </a:p>
+        </p:txBody>
+      </p:sp>
+      <p:sp>
+        <p:nvSpPr>
+          <p:cNvPr id="5" name="Text Placeholder 4"/>
+          <p:cNvSpPr>
+            <a:spLocks noGrp="1"/>
+          </p:cNvSpPr>
+          <p:nvPr>
+            <p:ph type="body" idx="1"/>
+          </p:nvPr>
+        </p:nvSpPr>
+        <p:spPr/>
+        <p:txBody>
+          <a:bodyPr/>
+          <a:lstStyle/>
+          <a:p>
+            <a:endParaRPr lang="en-US"/>
+          </a:p>
+        </p:txBody>
+      </p:sp>
     </p:spTree>
     <p:extLst>
       <p:ext uri="{BB962C8B-B14F-4D97-AF65-F5344CB8AC3E}">
-        <p14:creationId xmlns:p14="http://schemas.microsoft.com/office/powerpoint/2010/main" val="945699482"/>
+        <p14:creationId xmlns:p14="http://schemas.microsoft.com/office/powerpoint/2010/main" val="529844022"/>
       </p:ext>
     </p:extLst>
   </p:cSld>

--- a/Strangeloop2014.pptx
+++ b/Strangeloop2014.pptx
@@ -5,42 +5,43 @@
     <p:sldMasterId id="2147483660" r:id="rId1"/>
   </p:sldMasterIdLst>
   <p:notesMasterIdLst>
-    <p:notesMasterId r:id="rId32"/>
+    <p:notesMasterId r:id="rId33"/>
   </p:notesMasterIdLst>
   <p:handoutMasterIdLst>
-    <p:handoutMasterId r:id="rId33"/>
+    <p:handoutMasterId r:id="rId34"/>
   </p:handoutMasterIdLst>
   <p:sldIdLst>
     <p:sldId id="321" r:id="rId2"/>
     <p:sldId id="256" r:id="rId3"/>
     <p:sldId id="291" r:id="rId4"/>
-    <p:sldId id="325" r:id="rId5"/>
-    <p:sldId id="302" r:id="rId6"/>
-    <p:sldId id="323" r:id="rId7"/>
-    <p:sldId id="320" r:id="rId8"/>
-    <p:sldId id="293" r:id="rId9"/>
-    <p:sldId id="324" r:id="rId10"/>
-    <p:sldId id="303" r:id="rId11"/>
-    <p:sldId id="304" r:id="rId12"/>
-    <p:sldId id="305" r:id="rId13"/>
-    <p:sldId id="306" r:id="rId14"/>
-    <p:sldId id="307" r:id="rId15"/>
-    <p:sldId id="308" r:id="rId16"/>
-    <p:sldId id="309" r:id="rId17"/>
-    <p:sldId id="310" r:id="rId18"/>
-    <p:sldId id="326" r:id="rId19"/>
-    <p:sldId id="298" r:id="rId20"/>
-    <p:sldId id="322" r:id="rId21"/>
-    <p:sldId id="314" r:id="rId22"/>
-    <p:sldId id="313" r:id="rId23"/>
-    <p:sldId id="327" r:id="rId24"/>
-    <p:sldId id="315" r:id="rId25"/>
-    <p:sldId id="312" r:id="rId26"/>
-    <p:sldId id="316" r:id="rId27"/>
-    <p:sldId id="328" r:id="rId28"/>
-    <p:sldId id="329" r:id="rId29"/>
-    <p:sldId id="299" r:id="rId30"/>
-    <p:sldId id="318" r:id="rId31"/>
+    <p:sldId id="330" r:id="rId5"/>
+    <p:sldId id="325" r:id="rId6"/>
+    <p:sldId id="302" r:id="rId7"/>
+    <p:sldId id="323" r:id="rId8"/>
+    <p:sldId id="320" r:id="rId9"/>
+    <p:sldId id="293" r:id="rId10"/>
+    <p:sldId id="324" r:id="rId11"/>
+    <p:sldId id="303" r:id="rId12"/>
+    <p:sldId id="304" r:id="rId13"/>
+    <p:sldId id="305" r:id="rId14"/>
+    <p:sldId id="306" r:id="rId15"/>
+    <p:sldId id="307" r:id="rId16"/>
+    <p:sldId id="308" r:id="rId17"/>
+    <p:sldId id="309" r:id="rId18"/>
+    <p:sldId id="310" r:id="rId19"/>
+    <p:sldId id="326" r:id="rId20"/>
+    <p:sldId id="298" r:id="rId21"/>
+    <p:sldId id="322" r:id="rId22"/>
+    <p:sldId id="314" r:id="rId23"/>
+    <p:sldId id="313" r:id="rId24"/>
+    <p:sldId id="327" r:id="rId25"/>
+    <p:sldId id="315" r:id="rId26"/>
+    <p:sldId id="312" r:id="rId27"/>
+    <p:sldId id="316" r:id="rId28"/>
+    <p:sldId id="328" r:id="rId29"/>
+    <p:sldId id="329" r:id="rId30"/>
+    <p:sldId id="299" r:id="rId31"/>
+    <p:sldId id="318" r:id="rId32"/>
   </p:sldIdLst>
   <p:sldSz cx="12192000" cy="6858000"/>
   <p:notesSz cx="7315200" cy="9601200"/>
@@ -800,19 +801,16 @@
           <a:bodyPr/>
           <a:lstStyle/>
           <a:p>
-            <a:r>
-              <a:rPr lang="en-US" dirty="0" smtClean="0"/>
-              <a:t>Of course we</a:t>
+            <a:endParaRPr lang="en-US" dirty="0" smtClean="0"/>
+          </a:p>
+          <a:p>
+            <a:r>
+              <a:rPr lang="en-US" dirty="0" smtClean="0"/>
+              <a:t>Here's the server's total</a:t>
             </a:r>
             <a:r>
               <a:rPr lang="en-US" baseline="0" dirty="0" smtClean="0"/>
-              <a:t> shouldn't expose all of it. We don't want the pengine to be able to call shell, for example. </a:t>
-            </a:r>
-          </a:p>
-          <a:p>
-            <a:r>
-              <a:rPr lang="en-US" baseline="0" dirty="0" smtClean="0"/>
-              <a:t>The default application is sandbox. Sandbox only exposes those items that it considers safe, and analyzes code before running it to make sure it too is safe.</a:t>
+              <a:t> knowledgebase</a:t>
             </a:r>
             <a:endParaRPr lang="en-US" dirty="0"/>
           </a:p>
@@ -844,7 +842,7 @@
     </p:spTree>
     <p:extLst>
       <p:ext uri="{BB962C8B-B14F-4D97-AF65-F5344CB8AC3E}">
-        <p14:creationId xmlns:p14="http://schemas.microsoft.com/office/powerpoint/2010/main" val="32098397"/>
+        <p14:creationId xmlns:p14="http://schemas.microsoft.com/office/powerpoint/2010/main" val="2604775681"/>
       </p:ext>
     </p:extLst>
   </p:cSld>
@@ -900,14 +898,18 @@
           <a:p>
             <a:r>
               <a:rPr lang="en-US" dirty="0" smtClean="0"/>
-              <a:t>Typically one creates</a:t>
+              <a:t>Of course we</a:t>
             </a:r>
             <a:r>
               <a:rPr lang="en-US" baseline="0" dirty="0" smtClean="0"/>
-              <a:t> an application by importing a module into the sandbox. So we have the union of the sandbox and the application space</a:t>
-            </a:r>
-          </a:p>
-          <a:p>
+              <a:t> shouldn't expose all of it. We don't want the pengine to be able to call shell, for example. </a:t>
+            </a:r>
+          </a:p>
+          <a:p>
+            <a:r>
+              <a:rPr lang="en-US" baseline="0" dirty="0" smtClean="0"/>
+              <a:t>The default application is sandbox. Sandbox only exposes those items that it considers safe, and analyzes code before running it to make sure it too is safe.</a:t>
+            </a:r>
             <a:endParaRPr lang="en-US" dirty="0"/>
           </a:p>
         </p:txBody>
@@ -938,7 +940,7 @@
     </p:spTree>
     <p:extLst>
       <p:ext uri="{BB962C8B-B14F-4D97-AF65-F5344CB8AC3E}">
-        <p14:creationId xmlns:p14="http://schemas.microsoft.com/office/powerpoint/2010/main" val="4073926035"/>
+        <p14:creationId xmlns:p14="http://schemas.microsoft.com/office/powerpoint/2010/main" val="32098397"/>
       </p:ext>
     </p:extLst>
   </p:cSld>
@@ -994,12 +996,14 @@
           <a:p>
             <a:r>
               <a:rPr lang="en-US" dirty="0" smtClean="0"/>
-              <a:t>The</a:t>
+              <a:t>Typically one creates</a:t>
             </a:r>
             <a:r>
               <a:rPr lang="en-US" baseline="0" dirty="0" smtClean="0"/>
-              <a:t> application, however, also needs to be safe code, so unsafe code is removed.</a:t>
-            </a:r>
+              <a:t> an application by importing a module into the sandbox. So we have the union of the sandbox and the application space</a:t>
+            </a:r>
+          </a:p>
+          <a:p>
             <a:endParaRPr lang="en-US" dirty="0"/>
           </a:p>
         </p:txBody>
@@ -1030,7 +1034,7 @@
     </p:spTree>
     <p:extLst>
       <p:ext uri="{BB962C8B-B14F-4D97-AF65-F5344CB8AC3E}">
-        <p14:creationId xmlns:p14="http://schemas.microsoft.com/office/powerpoint/2010/main" val="731577893"/>
+        <p14:creationId xmlns:p14="http://schemas.microsoft.com/office/powerpoint/2010/main" val="4073926035"/>
       </p:ext>
     </p:extLst>
   </p:cSld>
@@ -1086,11 +1090,11 @@
           <a:p>
             <a:r>
               <a:rPr lang="en-US" dirty="0" smtClean="0"/>
-              <a:t>However the container can explicitly</a:t>
+              <a:t>The</a:t>
             </a:r>
             <a:r>
               <a:rPr lang="en-US" baseline="0" dirty="0" smtClean="0"/>
-              <a:t> mark individual predicates as safe. Obviously if you are going to allow users to alter a database, somewhere there has to be a hole to get to it.</a:t>
+              <a:t> application, however, also needs to be safe code, so unsafe code is removed.</a:t>
             </a:r>
             <a:endParaRPr lang="en-US" dirty="0"/>
           </a:p>
@@ -1122,7 +1126,7 @@
     </p:spTree>
     <p:extLst>
       <p:ext uri="{BB962C8B-B14F-4D97-AF65-F5344CB8AC3E}">
-        <p14:creationId xmlns:p14="http://schemas.microsoft.com/office/powerpoint/2010/main" val="1834499201"/>
+        <p14:creationId xmlns:p14="http://schemas.microsoft.com/office/powerpoint/2010/main" val="731577893"/>
       </p:ext>
     </p:extLst>
   </p:cSld>
@@ -1178,19 +1182,11 @@
           <a:p>
             <a:r>
               <a:rPr lang="en-US" dirty="0" smtClean="0"/>
-              <a:t>When you</a:t>
+              <a:t>However the container can explicitly</a:t>
             </a:r>
             <a:r>
               <a:rPr lang="en-US" baseline="0" dirty="0" smtClean="0"/>
-              <a:t> make a pengine you can supply code to be added. This is great for holding state on the server, customizing queries by ID's and such, and making precompiled </a:t>
-            </a:r>
-            <a:r>
-              <a:rPr lang="en-US" baseline="0" dirty="0" err="1" smtClean="0"/>
-              <a:t>subqueries</a:t>
-            </a:r>
-            <a:r>
-              <a:rPr lang="en-US" baseline="0" dirty="0" smtClean="0"/>
-              <a:t>. This code is unique to this slave.</a:t>
+              <a:t> mark individual predicates as safe. Obviously if you are going to allow users to alter a database, somewhere there has to be a hole to get to it.</a:t>
             </a:r>
             <a:endParaRPr lang="en-US" dirty="0"/>
           </a:p>
@@ -1222,7 +1218,7 @@
     </p:spTree>
     <p:extLst>
       <p:ext uri="{BB962C8B-B14F-4D97-AF65-F5344CB8AC3E}">
-        <p14:creationId xmlns:p14="http://schemas.microsoft.com/office/powerpoint/2010/main" val="3146364584"/>
+        <p14:creationId xmlns:p14="http://schemas.microsoft.com/office/powerpoint/2010/main" val="1834499201"/>
       </p:ext>
     </p:extLst>
   </p:cSld>
@@ -1278,11 +1274,19 @@
           <a:p>
             <a:r>
               <a:rPr lang="en-US" dirty="0" smtClean="0"/>
-              <a:t>Of course</a:t>
+              <a:t>When you</a:t>
             </a:r>
             <a:r>
               <a:rPr lang="en-US" baseline="0" dirty="0" smtClean="0"/>
-              <a:t> letting someone hand us a shell call would be unsafe, so we do the same code analysis on the code passed by the master.</a:t>
+              <a:t> make a pengine you can supply code to be added. This is great for holding state on the server, customizing queries by ID's and such, and making precompiled </a:t>
+            </a:r>
+            <a:r>
+              <a:rPr lang="en-US" baseline="0" dirty="0" err="1" smtClean="0"/>
+              <a:t>subqueries</a:t>
+            </a:r>
+            <a:r>
+              <a:rPr lang="en-US" baseline="0" dirty="0" smtClean="0"/>
+              <a:t>. This code is unique to this slave.</a:t>
             </a:r>
             <a:endParaRPr lang="en-US" dirty="0"/>
           </a:p>
@@ -1314,7 +1318,7 @@
     </p:spTree>
     <p:extLst>
       <p:ext uri="{BB962C8B-B14F-4D97-AF65-F5344CB8AC3E}">
-        <p14:creationId xmlns:p14="http://schemas.microsoft.com/office/powerpoint/2010/main" val="535389258"/>
+        <p14:creationId xmlns:p14="http://schemas.microsoft.com/office/powerpoint/2010/main" val="3146364584"/>
       </p:ext>
     </p:extLst>
   </p:cSld>
@@ -1370,7 +1374,11 @@
           <a:p>
             <a:r>
               <a:rPr lang="en-US" dirty="0" smtClean="0"/>
-              <a:t>So this is the net knowledge base we query against.</a:t>
+              <a:t>Of course</a:t>
+            </a:r>
+            <a:r>
+              <a:rPr lang="en-US" baseline="0" dirty="0" smtClean="0"/>
+              <a:t> letting someone hand us a shell call would be unsafe, so we do the same code analysis on the code passed by the master.</a:t>
             </a:r>
             <a:endParaRPr lang="en-US" dirty="0"/>
           </a:p>
@@ -1402,7 +1410,7 @@
     </p:spTree>
     <p:extLst>
       <p:ext uri="{BB962C8B-B14F-4D97-AF65-F5344CB8AC3E}">
-        <p14:creationId xmlns:p14="http://schemas.microsoft.com/office/powerpoint/2010/main" val="3756303305"/>
+        <p14:creationId xmlns:p14="http://schemas.microsoft.com/office/powerpoint/2010/main" val="535389258"/>
       </p:ext>
     </p:extLst>
   </p:cSld>
@@ -1458,11 +1466,7 @@
           <a:p>
             <a:r>
               <a:rPr lang="en-US" dirty="0" smtClean="0"/>
-              <a:t>Now lets look at actually</a:t>
-            </a:r>
-            <a:r>
-              <a:rPr lang="en-US" baseline="0" dirty="0" smtClean="0"/>
-              <a:t> making some queries against the pengine</a:t>
+              <a:t>So this is the net knowledge base we query against.</a:t>
             </a:r>
             <a:endParaRPr lang="en-US" dirty="0"/>
           </a:p>
@@ -1494,7 +1498,7 @@
     </p:spTree>
     <p:extLst>
       <p:ext uri="{BB962C8B-B14F-4D97-AF65-F5344CB8AC3E}">
-        <p14:creationId xmlns:p14="http://schemas.microsoft.com/office/powerpoint/2010/main" val="1591996742"/>
+        <p14:creationId xmlns:p14="http://schemas.microsoft.com/office/powerpoint/2010/main" val="3756303305"/>
       </p:ext>
     </p:extLst>
   </p:cSld>
@@ -1550,32 +1554,12 @@
           <a:p>
             <a:r>
               <a:rPr lang="en-US" dirty="0" smtClean="0"/>
-              <a:t> Once the pengine is created, the master can then make normal, nondeterministic Prolog queries.</a:t>
-            </a:r>
-          </a:p>
-          <a:p>
-            <a:r>
-              <a:rPr lang="en-US" dirty="0" smtClean="0"/>
-              <a:t>Here we have some client</a:t>
+              <a:t>Now lets look at actually</a:t>
             </a:r>
             <a:r>
               <a:rPr lang="en-US" baseline="0" dirty="0" smtClean="0"/>
-              <a:t> code. Notice the </a:t>
-            </a:r>
-            <a:r>
-              <a:rPr lang="en-US" baseline="0" dirty="0" err="1" smtClean="0"/>
-              <a:t>pengine_event_loop</a:t>
-            </a:r>
-            <a:r>
-              <a:rPr lang="en-US" baseline="0" dirty="0" smtClean="0"/>
-              <a:t> and closure. </a:t>
-            </a:r>
-            <a:endParaRPr lang="en-US" dirty="0" smtClean="0"/>
-          </a:p>
-          <a:p>
-            <a:endParaRPr lang="en-US" dirty="0" smtClean="0"/>
-          </a:p>
-          <a:p>
+              <a:t> making some queries against the pengine</a:t>
+            </a:r>
             <a:endParaRPr lang="en-US" dirty="0"/>
           </a:p>
         </p:txBody>
@@ -1606,7 +1590,7 @@
     </p:spTree>
     <p:extLst>
       <p:ext uri="{BB962C8B-B14F-4D97-AF65-F5344CB8AC3E}">
-        <p14:creationId xmlns:p14="http://schemas.microsoft.com/office/powerpoint/2010/main" val="2902388178"/>
+        <p14:creationId xmlns:p14="http://schemas.microsoft.com/office/powerpoint/2010/main" val="1591996742"/>
       </p:ext>
     </p:extLst>
   </p:cSld>
@@ -1662,19 +1646,25 @@
           <a:p>
             <a:r>
               <a:rPr lang="en-US" dirty="0" smtClean="0"/>
-              <a:t>This is what the </a:t>
-            </a:r>
-            <a:r>
-              <a:rPr lang="en-US" dirty="0" err="1" smtClean="0"/>
-              <a:t>javascript</a:t>
-            </a:r>
-            <a:r>
-              <a:rPr lang="en-US" dirty="0" smtClean="0"/>
-              <a:t> looks like.</a:t>
+              <a:t> Once the pengine is created, the master can then make normal, nondeterministic Prolog queries.</a:t>
+            </a:r>
+          </a:p>
+          <a:p>
+            <a:r>
+              <a:rPr lang="en-US" dirty="0" smtClean="0"/>
+              <a:t>Here we have some client</a:t>
             </a:r>
             <a:r>
               <a:rPr lang="en-US" baseline="0" dirty="0" smtClean="0"/>
-              <a:t> It's substantially like the Prolog version. Note that code to be injected goes in a script tag with type text/x-prolog</a:t>
+              <a:t> code. Notice the </a:t>
+            </a:r>
+            <a:r>
+              <a:rPr lang="en-US" baseline="0" dirty="0" err="1" smtClean="0"/>
+              <a:t>pengine_event_loop</a:t>
+            </a:r>
+            <a:r>
+              <a:rPr lang="en-US" baseline="0" dirty="0" smtClean="0"/>
+              <a:t> and closure. </a:t>
             </a:r>
             <a:endParaRPr lang="en-US" dirty="0" smtClean="0"/>
           </a:p>
@@ -1712,7 +1702,7 @@
     </p:spTree>
     <p:extLst>
       <p:ext uri="{BB962C8B-B14F-4D97-AF65-F5344CB8AC3E}">
-        <p14:creationId xmlns:p14="http://schemas.microsoft.com/office/powerpoint/2010/main" val="3028308726"/>
+        <p14:creationId xmlns:p14="http://schemas.microsoft.com/office/powerpoint/2010/main" val="2902388178"/>
       </p:ext>
     </p:extLst>
   </p:cSld>
@@ -1958,74 +1948,26 @@
           <a:bodyPr/>
           <a:lstStyle/>
           <a:p>
+            <a:r>
+              <a:rPr lang="en-US" dirty="0" smtClean="0"/>
+              <a:t>This is what the </a:t>
+            </a:r>
+            <a:r>
+              <a:rPr lang="en-US" dirty="0" err="1" smtClean="0"/>
+              <a:t>javascript</a:t>
+            </a:r>
+            <a:r>
+              <a:rPr lang="en-US" dirty="0" smtClean="0"/>
+              <a:t> looks like.</a:t>
+            </a:r>
+            <a:r>
+              <a:rPr lang="en-US" baseline="0" dirty="0" smtClean="0"/>
+              <a:t> It's substantially like the Prolog version. Note that code to be injected goes in a script tag with type text/x-prolog</a:t>
+            </a:r>
             <a:endParaRPr lang="en-US" dirty="0" smtClean="0"/>
           </a:p>
           <a:p>
-            <a:r>
-              <a:rPr lang="en-US" dirty="0" smtClean="0"/>
-              <a:t>This application is called SWISH, it's one of the central pieces of the pengines toolkit.</a:t>
-            </a:r>
-          </a:p>
-          <a:p>
-            <a:r>
-              <a:rPr lang="en-US" dirty="0" smtClean="0"/>
-              <a:t>We'll use it to demo</a:t>
-            </a:r>
-            <a:r>
-              <a:rPr lang="en-US" baseline="0" dirty="0" smtClean="0"/>
-              <a:t> making queries</a:t>
-            </a:r>
             <a:endParaRPr lang="en-US" dirty="0" smtClean="0"/>
-          </a:p>
-          <a:p>
-            <a:r>
-              <a:rPr lang="en-US" dirty="0" smtClean="0"/>
-              <a:t>   Explain</a:t>
-            </a:r>
-            <a:r>
-              <a:rPr lang="en-US" baseline="0" dirty="0" smtClean="0"/>
-              <a:t> Parts of Screen</a:t>
-            </a:r>
-            <a:endParaRPr lang="en-US" dirty="0" smtClean="0"/>
-          </a:p>
-          <a:p>
-            <a:r>
-              <a:rPr lang="en-US" dirty="0" smtClean="0"/>
-              <a:t> DEMO SIMPLE PENGINE QUERY IN SWISH.</a:t>
-            </a:r>
-          </a:p>
-          <a:p>
-            <a:r>
-              <a:rPr lang="en-US" dirty="0" smtClean="0"/>
-              <a:t>   Notice that we're submitting Prolog from </a:t>
-            </a:r>
-            <a:r>
-              <a:rPr lang="en-US" dirty="0" err="1" smtClean="0"/>
-              <a:t>Javascript</a:t>
-            </a:r>
-            <a:r>
-              <a:rPr lang="en-US" dirty="0" smtClean="0"/>
-              <a:t> here. </a:t>
-            </a:r>
-            <a:endParaRPr lang="en-US" dirty="0" smtClean="0"/>
-          </a:p>
-          <a:p>
-            <a:r>
-              <a:rPr lang="en-US" dirty="0" smtClean="0"/>
-              <a:t>We've </a:t>
-            </a:r>
-            <a:r>
-              <a:rPr lang="en-US" dirty="0" smtClean="0"/>
-              <a:t>learned that using pengines can make doing </a:t>
-            </a:r>
-            <a:r>
-              <a:rPr lang="en-US" dirty="0" err="1" smtClean="0"/>
-              <a:t>ajax</a:t>
-            </a:r>
-            <a:r>
-              <a:rPr lang="en-US" dirty="0" smtClean="0"/>
-              <a:t> type web development a lot simpler.</a:t>
-            </a:r>
           </a:p>
           <a:p>
             <a:endParaRPr lang="en-US" dirty="0"/>
@@ -2058,7 +2000,7 @@
     </p:spTree>
     <p:extLst>
       <p:ext uri="{BB962C8B-B14F-4D97-AF65-F5344CB8AC3E}">
-        <p14:creationId xmlns:p14="http://schemas.microsoft.com/office/powerpoint/2010/main" val="3962878406"/>
+        <p14:creationId xmlns:p14="http://schemas.microsoft.com/office/powerpoint/2010/main" val="3028308726"/>
       </p:ext>
     </p:extLst>
   </p:cSld>
@@ -2112,15 +2054,77 @@
           <a:bodyPr/>
           <a:lstStyle/>
           <a:p>
+            <a:endParaRPr lang="en-US" dirty="0" smtClean="0"/>
+          </a:p>
+          <a:p>
+            <a:r>
+              <a:rPr lang="en-US" dirty="0" smtClean="0"/>
+              <a:t>This application is called SWISH, it's one of the central pieces of the pengines toolkit.</a:t>
+            </a:r>
+          </a:p>
+          <a:p>
+            <a:r>
+              <a:rPr lang="en-US" dirty="0" smtClean="0"/>
+              <a:t>We'll use it to demo</a:t>
+            </a:r>
             <a:r>
               <a:rPr lang="en-US" baseline="0" dirty="0" smtClean="0"/>
-              <a:t>If you want to retain the same nondeterministic behavior as the local call, you can use </a:t>
-            </a:r>
-            <a:r>
-              <a:rPr lang="en-US" baseline="0" dirty="0" err="1" smtClean="0"/>
-              <a:t>pengine_rpc</a:t>
-            </a:r>
-            <a:endParaRPr lang="en-US" baseline="0" dirty="0" smtClean="0"/>
+              <a:t> making queries</a:t>
+            </a:r>
+            <a:endParaRPr lang="en-US" dirty="0" smtClean="0"/>
+          </a:p>
+          <a:p>
+            <a:r>
+              <a:rPr lang="en-US" dirty="0" smtClean="0"/>
+              <a:t>   Explain</a:t>
+            </a:r>
+            <a:r>
+              <a:rPr lang="en-US" baseline="0" dirty="0" smtClean="0"/>
+              <a:t> Parts of Screen</a:t>
+            </a:r>
+            <a:endParaRPr lang="en-US" dirty="0" smtClean="0"/>
+          </a:p>
+          <a:p>
+            <a:r>
+              <a:rPr lang="en-US" dirty="0" smtClean="0"/>
+              <a:t> DEMO SIMPLE PENGINE QUERY IN SWISH.</a:t>
+            </a:r>
+          </a:p>
+          <a:p>
+            <a:r>
+              <a:rPr lang="en-US" dirty="0" smtClean="0"/>
+              <a:t>   Notice that we're submitting Prolog from </a:t>
+            </a:r>
+            <a:r>
+              <a:rPr lang="en-US" dirty="0" err="1" smtClean="0"/>
+              <a:t>Javascript</a:t>
+            </a:r>
+            <a:r>
+              <a:rPr lang="en-US" dirty="0" smtClean="0"/>
+              <a:t> here. </a:t>
+            </a:r>
+            <a:endParaRPr lang="en-US" dirty="0" smtClean="0"/>
+          </a:p>
+          <a:p>
+            <a:r>
+              <a:rPr lang="en-US" dirty="0" smtClean="0"/>
+              <a:t>We've </a:t>
+            </a:r>
+            <a:r>
+              <a:rPr lang="en-US" dirty="0" smtClean="0"/>
+              <a:t>learned that using pengines can make doing </a:t>
+            </a:r>
+            <a:r>
+              <a:rPr lang="en-US" dirty="0" err="1" smtClean="0"/>
+              <a:t>ajax</a:t>
+            </a:r>
+            <a:r>
+              <a:rPr lang="en-US" dirty="0" smtClean="0"/>
+              <a:t> type web development a lot simpler.</a:t>
+            </a:r>
+          </a:p>
+          <a:p>
+            <a:endParaRPr lang="en-US" dirty="0"/>
           </a:p>
         </p:txBody>
       </p:sp>
@@ -2150,7 +2154,7 @@
     </p:spTree>
     <p:extLst>
       <p:ext uri="{BB962C8B-B14F-4D97-AF65-F5344CB8AC3E}">
-        <p14:creationId xmlns:p14="http://schemas.microsoft.com/office/powerpoint/2010/main" val="1345559102"/>
+        <p14:creationId xmlns:p14="http://schemas.microsoft.com/office/powerpoint/2010/main" val="3962878406"/>
       </p:ext>
     </p:extLst>
   </p:cSld>
@@ -2205,54 +2209,14 @@
           <a:lstStyle/>
           <a:p>
             <a:r>
-              <a:rPr lang="en-US" dirty="0" err="1" smtClean="0"/>
-              <a:t>pengine_input</a:t>
-            </a:r>
-            <a:r>
               <a:rPr lang="en-US" baseline="0" dirty="0" smtClean="0"/>
-              <a:t> prompts the master and waits for input. </a:t>
-            </a:r>
-          </a:p>
-          <a:p>
-            <a:r>
-              <a:rPr lang="en-US" baseline="0" dirty="0" smtClean="0"/>
-              <a:t>Prompt is a term, it need not be atomic</a:t>
-            </a:r>
-          </a:p>
-          <a:p>
-            <a:endParaRPr lang="en-US" dirty="0" smtClean="0"/>
-          </a:p>
-          <a:p>
-            <a:r>
-              <a:rPr lang="en-US" dirty="0" smtClean="0"/>
-              <a:t>Because</a:t>
-            </a:r>
-            <a:r>
-              <a:rPr lang="en-US" baseline="0" dirty="0" smtClean="0"/>
-              <a:t> HTTP requires that the client initiate the transaction, you may need to call </a:t>
+              <a:t>If you want to retain the same nondeterministic behavior as the local call, you can use </a:t>
             </a:r>
             <a:r>
               <a:rPr lang="en-US" baseline="0" dirty="0" err="1" smtClean="0"/>
-              <a:t>pengine_pull_response</a:t>
-            </a:r>
-            <a:r>
-              <a:rPr lang="en-US" baseline="0" dirty="0" smtClean="0"/>
-              <a:t> to get subsequent output or success events after output</a:t>
-            </a:r>
-            <a:r>
-              <a:rPr lang="en-US" baseline="0" dirty="0" smtClean="0"/>
-              <a:t>.</a:t>
-            </a:r>
-          </a:p>
-          <a:p>
+              <a:t>pengine_rpc</a:t>
+            </a:r>
             <a:endParaRPr lang="en-US" baseline="0" dirty="0" smtClean="0"/>
-          </a:p>
-          <a:p>
-            <a:r>
-              <a:rPr lang="en-US" dirty="0" smtClean="0"/>
-              <a:t> Questions?</a:t>
-            </a:r>
-            <a:endParaRPr lang="en-US" dirty="0" smtClean="0"/>
           </a:p>
         </p:txBody>
       </p:sp>
@@ -2282,7 +2246,7 @@
     </p:spTree>
     <p:extLst>
       <p:ext uri="{BB962C8B-B14F-4D97-AF65-F5344CB8AC3E}">
-        <p14:creationId xmlns:p14="http://schemas.microsoft.com/office/powerpoint/2010/main" val="4091775906"/>
+        <p14:creationId xmlns:p14="http://schemas.microsoft.com/office/powerpoint/2010/main" val="1345559102"/>
       </p:ext>
     </p:extLst>
   </p:cSld>
@@ -2337,20 +2301,54 @@
           <a:lstStyle/>
           <a:p>
             <a:r>
-              <a:rPr lang="en-US" dirty="0" smtClean="0"/>
-              <a:t>You'll</a:t>
+              <a:rPr lang="en-US" dirty="0" err="1" smtClean="0"/>
+              <a:t>pengine_input</a:t>
             </a:r>
             <a:r>
               <a:rPr lang="en-US" baseline="0" dirty="0" smtClean="0"/>
-              <a:t> remember that we imported our application code into the sandbox.</a:t>
+              <a:t> prompts the master and waits for input. </a:t>
             </a:r>
           </a:p>
           <a:p>
             <a:r>
               <a:rPr lang="en-US" baseline="0" dirty="0" smtClean="0"/>
-              <a:t>Lets see how to do that.</a:t>
-            </a:r>
-            <a:endParaRPr lang="en-US" dirty="0"/>
+              <a:t>Prompt is a term, it need not be atomic</a:t>
+            </a:r>
+          </a:p>
+          <a:p>
+            <a:endParaRPr lang="en-US" dirty="0" smtClean="0"/>
+          </a:p>
+          <a:p>
+            <a:r>
+              <a:rPr lang="en-US" dirty="0" smtClean="0"/>
+              <a:t>Because</a:t>
+            </a:r>
+            <a:r>
+              <a:rPr lang="en-US" baseline="0" dirty="0" smtClean="0"/>
+              <a:t> HTTP requires that the client initiate the transaction, you may need to call </a:t>
+            </a:r>
+            <a:r>
+              <a:rPr lang="en-US" baseline="0" dirty="0" err="1" smtClean="0"/>
+              <a:t>pengine_pull_response</a:t>
+            </a:r>
+            <a:r>
+              <a:rPr lang="en-US" baseline="0" dirty="0" smtClean="0"/>
+              <a:t> to get subsequent output or success events after output</a:t>
+            </a:r>
+            <a:r>
+              <a:rPr lang="en-US" baseline="0" dirty="0" smtClean="0"/>
+              <a:t>.</a:t>
+            </a:r>
+          </a:p>
+          <a:p>
+            <a:endParaRPr lang="en-US" baseline="0" dirty="0" smtClean="0"/>
+          </a:p>
+          <a:p>
+            <a:r>
+              <a:rPr lang="en-US" dirty="0" smtClean="0"/>
+              <a:t> Questions?</a:t>
+            </a:r>
+            <a:endParaRPr lang="en-US" dirty="0" smtClean="0"/>
           </a:p>
         </p:txBody>
       </p:sp>
@@ -2380,7 +2378,7 @@
     </p:spTree>
     <p:extLst>
       <p:ext uri="{BB962C8B-B14F-4D97-AF65-F5344CB8AC3E}">
-        <p14:creationId xmlns:p14="http://schemas.microsoft.com/office/powerpoint/2010/main" val="3988756705"/>
+        <p14:creationId xmlns:p14="http://schemas.microsoft.com/office/powerpoint/2010/main" val="4091775906"/>
       </p:ext>
     </p:extLst>
   </p:cSld>
@@ -2436,26 +2434,18 @@
           <a:p>
             <a:r>
               <a:rPr lang="en-US" dirty="0" smtClean="0"/>
-              <a:t>To add material to sandbox, just import your module into pengine</a:t>
+              <a:t>You'll</a:t>
             </a:r>
             <a:r>
               <a:rPr lang="en-US" baseline="0" dirty="0" smtClean="0"/>
-              <a:t> </a:t>
-            </a:r>
-            <a:r>
-              <a:rPr lang="en-US" dirty="0" smtClean="0"/>
-              <a:t>sandbox,</a:t>
-            </a:r>
+              <a:t> remember that we imported our application code into the sandbox.</a:t>
+            </a:r>
+          </a:p>
+          <a:p>
             <a:r>
               <a:rPr lang="en-US" baseline="0" dirty="0" smtClean="0"/>
-              <a:t> and make your API predicates public.</a:t>
-            </a:r>
-            <a:endParaRPr lang="en-US" dirty="0" smtClean="0"/>
-          </a:p>
-          <a:p>
-            <a:endParaRPr lang="en-US" dirty="0" smtClean="0"/>
-          </a:p>
-          <a:p>
+              <a:t>Lets see how to do that.</a:t>
+            </a:r>
             <a:endParaRPr lang="en-US" dirty="0"/>
           </a:p>
         </p:txBody>
@@ -2486,7 +2476,7 @@
     </p:spTree>
     <p:extLst>
       <p:ext uri="{BB962C8B-B14F-4D97-AF65-F5344CB8AC3E}">
-        <p14:creationId xmlns:p14="http://schemas.microsoft.com/office/powerpoint/2010/main" val="869247695"/>
+        <p14:creationId xmlns:p14="http://schemas.microsoft.com/office/powerpoint/2010/main" val="3988756705"/>
       </p:ext>
     </p:extLst>
   </p:cSld>
@@ -2540,63 +2530,29 @@
           <a:bodyPr/>
           <a:lstStyle/>
           <a:p>
+            <a:r>
+              <a:rPr lang="en-US" dirty="0" smtClean="0"/>
+              <a:t>To add material to sandbox, just import your module into pengine</a:t>
+            </a:r>
+            <a:r>
+              <a:rPr lang="en-US" baseline="0" dirty="0" smtClean="0"/>
+              <a:t> </a:t>
+            </a:r>
+            <a:r>
+              <a:rPr lang="en-US" dirty="0" smtClean="0"/>
+              <a:t>sandbox,</a:t>
+            </a:r>
+            <a:r>
+              <a:rPr lang="en-US" baseline="0" dirty="0" smtClean="0"/>
+              <a:t> and make your API predicates public.</a:t>
+            </a:r>
             <a:endParaRPr lang="en-US" dirty="0" smtClean="0"/>
           </a:p>
           <a:p>
-            <a:r>
-              <a:rPr lang="en-US" dirty="0" smtClean="0"/>
-              <a:t>Now,</a:t>
-            </a:r>
-            <a:r>
-              <a:rPr lang="en-US" baseline="0" dirty="0" smtClean="0"/>
-              <a:t> if we want to use unsafe predicates, adding them is fairly straightforward.</a:t>
-            </a:r>
-          </a:p>
-          <a:p>
-            <a:r>
-              <a:rPr lang="en-US" baseline="0" dirty="0" smtClean="0"/>
-              <a:t>We just export the unsafe predicate, and then define a new clause for </a:t>
-            </a:r>
-            <a:r>
-              <a:rPr lang="en-US" baseline="0" dirty="0" err="1" smtClean="0"/>
-              <a:t>sandbox:safe_primitive</a:t>
-            </a:r>
-            <a:r>
-              <a:rPr lang="en-US" baseline="0" dirty="0" smtClean="0"/>
-              <a:t> that unifies with our call.</a:t>
-            </a:r>
-          </a:p>
-          <a:p>
-            <a:r>
-              <a:rPr lang="en-US" baseline="0" dirty="0" smtClean="0"/>
-              <a:t>Notice that this </a:t>
-            </a:r>
-            <a:r>
-              <a:rPr lang="en-US" baseline="0" dirty="0" smtClean="0"/>
-              <a:t>means </a:t>
-            </a:r>
-            <a:r>
-              <a:rPr lang="en-US" baseline="0" dirty="0" smtClean="0"/>
-              <a:t>we can make an arbitrary test for what's safe, </a:t>
-            </a:r>
-            <a:endParaRPr lang="en-US" baseline="0" dirty="0" smtClean="0"/>
-          </a:p>
-          <a:p>
-            <a:endParaRPr lang="en-US" baseline="0" dirty="0" smtClean="0"/>
-          </a:p>
-          <a:p>
-            <a:endParaRPr lang="en-US" baseline="0" dirty="0" smtClean="0"/>
-          </a:p>
-          <a:p>
-            <a:r>
-              <a:rPr lang="en-US" dirty="0" smtClean="0"/>
-              <a:t> Questions?</a:t>
-            </a:r>
-            <a:r>
-              <a:rPr lang="en-US" baseline="0" dirty="0" smtClean="0"/>
-              <a:t>.</a:t>
-            </a:r>
             <a:endParaRPr lang="en-US" dirty="0" smtClean="0"/>
+          </a:p>
+          <a:p>
+            <a:endParaRPr lang="en-US" dirty="0"/>
           </a:p>
         </p:txBody>
       </p:sp>
@@ -2626,7 +2582,7 @@
     </p:spTree>
     <p:extLst>
       <p:ext uri="{BB962C8B-B14F-4D97-AF65-F5344CB8AC3E}">
-        <p14:creationId xmlns:p14="http://schemas.microsoft.com/office/powerpoint/2010/main" val="997467916"/>
+        <p14:creationId xmlns:p14="http://schemas.microsoft.com/office/powerpoint/2010/main" val="869247695"/>
       </p:ext>
     </p:extLst>
   </p:cSld>
@@ -2680,31 +2636,63 @@
           <a:bodyPr/>
           <a:lstStyle/>
           <a:p>
-            <a:r>
-              <a:rPr lang="en-US" dirty="0" smtClean="0"/>
-              <a:t>One of the big reasons for doing this work is a larger scheme of heading towards a more prolog oriented semantic web. Here's a query</a:t>
+            <a:endParaRPr lang="en-US" dirty="0" smtClean="0"/>
+          </a:p>
+          <a:p>
+            <a:r>
+              <a:rPr lang="en-US" dirty="0" smtClean="0"/>
+              <a:t>Now,</a:t>
             </a:r>
             <a:r>
               <a:rPr lang="en-US" baseline="0" dirty="0" smtClean="0"/>
-              <a:t> federated across two </a:t>
+              <a:t> if we want to use unsafe predicates, adding them is fairly straightforward.</a:t>
+            </a:r>
+          </a:p>
+          <a:p>
+            <a:r>
+              <a:rPr lang="en-US" baseline="0" dirty="0" smtClean="0"/>
+              <a:t>We just export the unsafe predicate, and then define a new clause for </a:t>
             </a:r>
             <a:r>
               <a:rPr lang="en-US" baseline="0" dirty="0" err="1" smtClean="0"/>
-              <a:t>ser</a:t>
+              <a:t>sandbox:safe_primitive</a:t>
             </a:r>
             <a:r>
               <a:rPr lang="en-US" baseline="0" dirty="0" smtClean="0"/>
-              <a:t> </a:t>
-            </a:r>
-            <a:r>
-              <a:rPr lang="en-US" baseline="0" dirty="0" err="1" smtClean="0"/>
-              <a:t>vers</a:t>
-            </a:r>
+              <a:t> that unifies with our call.</a:t>
+            </a:r>
+          </a:p>
+          <a:p>
             <a:r>
               <a:rPr lang="en-US" baseline="0" dirty="0" smtClean="0"/>
-              <a:t>. You can see that doing these sorts of federated queries is as easy as doing a local query. No more SPARQL to deal with.</a:t>
-            </a:r>
-            <a:endParaRPr lang="en-US" dirty="0"/>
+              <a:t>Notice that this </a:t>
+            </a:r>
+            <a:r>
+              <a:rPr lang="en-US" baseline="0" dirty="0" smtClean="0"/>
+              <a:t>means </a:t>
+            </a:r>
+            <a:r>
+              <a:rPr lang="en-US" baseline="0" dirty="0" smtClean="0"/>
+              <a:t>we can make an arbitrary test for what's safe, </a:t>
+            </a:r>
+            <a:endParaRPr lang="en-US" baseline="0" dirty="0" smtClean="0"/>
+          </a:p>
+          <a:p>
+            <a:endParaRPr lang="en-US" baseline="0" dirty="0" smtClean="0"/>
+          </a:p>
+          <a:p>
+            <a:endParaRPr lang="en-US" baseline="0" dirty="0" smtClean="0"/>
+          </a:p>
+          <a:p>
+            <a:r>
+              <a:rPr lang="en-US" dirty="0" smtClean="0"/>
+              <a:t> Questions?</a:t>
+            </a:r>
+            <a:r>
+              <a:rPr lang="en-US" baseline="0" dirty="0" smtClean="0"/>
+              <a:t>.</a:t>
+            </a:r>
+            <a:endParaRPr lang="en-US" dirty="0" smtClean="0"/>
           </a:p>
         </p:txBody>
       </p:sp>
@@ -2734,7 +2722,7 @@
     </p:spTree>
     <p:extLst>
       <p:ext uri="{BB962C8B-B14F-4D97-AF65-F5344CB8AC3E}">
-        <p14:creationId xmlns:p14="http://schemas.microsoft.com/office/powerpoint/2010/main" val="3236293595"/>
+        <p14:creationId xmlns:p14="http://schemas.microsoft.com/office/powerpoint/2010/main" val="997467916"/>
       </p:ext>
     </p:extLst>
   </p:cSld>
@@ -2790,7 +2778,27 @@
           <a:p>
             <a:r>
               <a:rPr lang="en-US" dirty="0" smtClean="0"/>
-              <a:t>This paper's useful for the relationship between Prolog and RDF</a:t>
+              <a:t>One of the big reasons for doing this work is a larger scheme of heading towards a more prolog oriented semantic web. Here's a query</a:t>
+            </a:r>
+            <a:r>
+              <a:rPr lang="en-US" baseline="0" dirty="0" smtClean="0"/>
+              <a:t> federated across two </a:t>
+            </a:r>
+            <a:r>
+              <a:rPr lang="en-US" baseline="0" dirty="0" err="1" smtClean="0"/>
+              <a:t>ser</a:t>
+            </a:r>
+            <a:r>
+              <a:rPr lang="en-US" baseline="0" dirty="0" smtClean="0"/>
+              <a:t> </a:t>
+            </a:r>
+            <a:r>
+              <a:rPr lang="en-US" baseline="0" dirty="0" err="1" smtClean="0"/>
+              <a:t>vers</a:t>
+            </a:r>
+            <a:r>
+              <a:rPr lang="en-US" baseline="0" dirty="0" smtClean="0"/>
+              <a:t>. You can see that doing these sorts of federated queries is as easy as doing a local query. No more SPARQL to deal with.</a:t>
             </a:r>
             <a:endParaRPr lang="en-US" dirty="0"/>
           </a:p>
@@ -2822,7 +2830,7 @@
     </p:spTree>
     <p:extLst>
       <p:ext uri="{BB962C8B-B14F-4D97-AF65-F5344CB8AC3E}">
-        <p14:creationId xmlns:p14="http://schemas.microsoft.com/office/powerpoint/2010/main" val="1416130782"/>
+        <p14:creationId xmlns:p14="http://schemas.microsoft.com/office/powerpoint/2010/main" val="3236293595"/>
       </p:ext>
     </p:extLst>
   </p:cSld>
@@ -2878,137 +2886,9 @@
           <a:p>
             <a:r>
               <a:rPr lang="en-US" dirty="0" smtClean="0"/>
-              <a:t>Building an ecosystem around pengines</a:t>
-            </a:r>
-          </a:p>
-          <a:p>
-            <a:pPr marL="171450" indent="-171450">
-              <a:buFont typeface="Arial" panose="020B0604020202020204" pitchFamily="34" charset="0"/>
-              <a:buChar char="•"/>
-            </a:pPr>
-            <a:r>
-              <a:rPr lang="en-US" dirty="0" err="1" smtClean="0"/>
-              <a:t>websocket</a:t>
-            </a:r>
-            <a:endParaRPr lang="en-US" dirty="0" smtClean="0"/>
-          </a:p>
-          <a:p>
-            <a:pPr marL="171450" indent="-171450">
-              <a:buFont typeface="Arial" panose="020B0604020202020204" pitchFamily="34" charset="0"/>
-              <a:buChar char="•"/>
-            </a:pPr>
-            <a:r>
-              <a:rPr lang="en-US" dirty="0" smtClean="0"/>
-              <a:t>hub.pl  tool for</a:t>
-            </a:r>
-            <a:r>
-              <a:rPr lang="en-US" baseline="0" dirty="0" smtClean="0"/>
-              <a:t> collaborative applications</a:t>
-            </a:r>
-            <a:endParaRPr lang="en-US" dirty="0" smtClean="0"/>
-          </a:p>
-          <a:p>
-            <a:r>
-              <a:rPr lang="en-US" dirty="0" smtClean="0"/>
-              <a:t>Projects</a:t>
-            </a:r>
-          </a:p>
-          <a:p>
-            <a:pPr marL="171450" indent="-171450">
-              <a:buFont typeface="Arial" panose="020B0604020202020204" pitchFamily="34" charset="0"/>
-              <a:buChar char="•"/>
-            </a:pPr>
-            <a:r>
-              <a:rPr lang="en-US" dirty="0" smtClean="0"/>
-              <a:t>Chat</a:t>
-            </a:r>
-            <a:r>
-              <a:rPr lang="en-US" baseline="0" dirty="0" smtClean="0"/>
-              <a:t> Room</a:t>
-            </a:r>
-          </a:p>
-          <a:p>
-            <a:pPr marL="171450" indent="-171450">
-              <a:buFont typeface="Arial" panose="020B0604020202020204" pitchFamily="34" charset="0"/>
-              <a:buChar char="•"/>
-            </a:pPr>
-            <a:r>
-              <a:rPr lang="en-US" baseline="0" dirty="0" smtClean="0"/>
-              <a:t>White Board</a:t>
-            </a:r>
-          </a:p>
-          <a:p>
-            <a:pPr marL="171450" indent="-171450">
-              <a:buFont typeface="Arial" panose="020B0604020202020204" pitchFamily="34" charset="0"/>
-              <a:buChar char="•"/>
-            </a:pPr>
-            <a:r>
-              <a:rPr lang="en-US" baseline="0" dirty="0" smtClean="0"/>
-              <a:t>Hospital scheduling</a:t>
-            </a:r>
-          </a:p>
-          <a:p>
-            <a:pPr marL="171450" indent="-171450">
-              <a:buFont typeface="Arial" panose="020B0604020202020204" pitchFamily="34" charset="0"/>
-              <a:buChar char="•"/>
-            </a:pPr>
-            <a:r>
-              <a:rPr lang="en-US" baseline="0" dirty="0" smtClean="0"/>
-              <a:t>SWISH</a:t>
-            </a:r>
-          </a:p>
-          <a:p>
-            <a:pPr marL="171450" indent="-171450">
-              <a:buFont typeface="Arial" panose="020B0604020202020204" pitchFamily="34" charset="0"/>
-              <a:buChar char="•"/>
-            </a:pPr>
-            <a:r>
-              <a:rPr lang="en-US" baseline="0" dirty="0" smtClean="0"/>
-              <a:t>Online </a:t>
-            </a:r>
-            <a:r>
-              <a:rPr lang="en-US" baseline="0" dirty="0" err="1" smtClean="0"/>
-              <a:t>LearningTool</a:t>
-            </a:r>
-            <a:endParaRPr lang="en-US" baseline="0" dirty="0" smtClean="0"/>
-          </a:p>
-          <a:p>
-            <a:pPr marL="171450" indent="-171450">
-              <a:buFont typeface="Arial" panose="020B0604020202020204" pitchFamily="34" charset="0"/>
-              <a:buChar char="•"/>
-            </a:pPr>
-            <a:r>
-              <a:rPr lang="en-US" baseline="0" dirty="0" smtClean="0"/>
-              <a:t>Data Browser</a:t>
-            </a:r>
-          </a:p>
-          <a:p>
-            <a:pPr marL="171450" indent="-171450">
-              <a:buFont typeface="Arial" panose="020B0604020202020204" pitchFamily="34" charset="0"/>
-              <a:buChar char="•"/>
-            </a:pPr>
-            <a:r>
-              <a:rPr lang="en-US" baseline="0" dirty="0" smtClean="0"/>
-              <a:t>Eventually replace XPCE</a:t>
-            </a:r>
-          </a:p>
-          <a:p>
-            <a:pPr marL="171450" indent="-171450">
-              <a:buFont typeface="Arial" panose="020B0604020202020204" pitchFamily="34" charset="0"/>
-              <a:buChar char="•"/>
-            </a:pPr>
-            <a:endParaRPr lang="en-US" baseline="0" dirty="0" smtClean="0"/>
-          </a:p>
-          <a:p>
-            <a:pPr marL="0" indent="0">
-              <a:buFont typeface="Arial" panose="020B0604020202020204" pitchFamily="34" charset="0"/>
-              <a:buNone/>
-            </a:pPr>
-            <a:r>
-              <a:rPr lang="en-US" baseline="0" dirty="0" smtClean="0"/>
-              <a:t>Try the collaborative system, It makes building a shared environment fun and easy.</a:t>
-            </a:r>
-            <a:endParaRPr lang="en-US" dirty="0" smtClean="0"/>
+              <a:t>This paper's useful for the relationship between Prolog and RDF</a:t>
+            </a:r>
+            <a:endParaRPr lang="en-US" dirty="0"/>
           </a:p>
         </p:txBody>
       </p:sp>
@@ -3038,7 +2918,7 @@
     </p:spTree>
     <p:extLst>
       <p:ext uri="{BB962C8B-B14F-4D97-AF65-F5344CB8AC3E}">
-        <p14:creationId xmlns:p14="http://schemas.microsoft.com/office/powerpoint/2010/main" val="778895308"/>
+        <p14:creationId xmlns:p14="http://schemas.microsoft.com/office/powerpoint/2010/main" val="1416130782"/>
       </p:ext>
     </p:extLst>
   </p:cSld>
@@ -3094,56 +2974,138 @@
           <a:p>
             <a:r>
               <a:rPr lang="en-US" dirty="0" smtClean="0"/>
-              <a:t>Here's some resources.</a:t>
+              <a:t>Building an ecosystem around pengines</a:t>
+            </a:r>
+          </a:p>
+          <a:p>
+            <a:pPr marL="171450" indent="-171450">
+              <a:buFont typeface="Arial" panose="020B0604020202020204" pitchFamily="34" charset="0"/>
+              <a:buChar char="•"/>
+            </a:pPr>
+            <a:r>
+              <a:rPr lang="en-US" dirty="0" err="1" smtClean="0"/>
+              <a:t>websocket</a:t>
+            </a:r>
+            <a:endParaRPr lang="en-US" dirty="0" smtClean="0"/>
+          </a:p>
+          <a:p>
+            <a:pPr marL="171450" indent="-171450">
+              <a:buFont typeface="Arial" panose="020B0604020202020204" pitchFamily="34" charset="0"/>
+              <a:buChar char="•"/>
+            </a:pPr>
+            <a:r>
+              <a:rPr lang="en-US" dirty="0" smtClean="0"/>
+              <a:t>hub.pl  tool for</a:t>
             </a:r>
             <a:r>
               <a:rPr lang="en-US" baseline="0" dirty="0" smtClean="0"/>
-              <a:t> I don't expect anybody to read this mess, get Slides</a:t>
+              <a:t> collaborative applications</a:t>
             </a:r>
             <a:endParaRPr lang="en-US" dirty="0" smtClean="0"/>
           </a:p>
           <a:p>
             <a:r>
               <a:rPr lang="en-US" dirty="0" smtClean="0"/>
-              <a:t> Enjoyed hearing, enjoyed telling</a:t>
-            </a:r>
-          </a:p>
-          <a:p>
-            <a:pPr marL="0" marR="0" indent="0" algn="l" defTabSz="914400" rtl="0" eaLnBrk="1" fontAlgn="auto" latinLnBrk="0" hangingPunct="1">
-              <a:lnSpc>
-                <a:spcPct val="100000"/>
-              </a:lnSpc>
-              <a:spcBef>
-                <a:spcPts val="0"/>
-              </a:spcBef>
-              <a:spcAft>
-                <a:spcPts val="0"/>
-              </a:spcAft>
-              <a:buClrTx/>
-              <a:buSzTx/>
-              <a:buFontTx/>
-              <a:buNone/>
-              <a:tabLst/>
-              <a:defRPr/>
+              <a:t>Projects</a:t>
+            </a:r>
+          </a:p>
+          <a:p>
+            <a:pPr marL="171450" indent="-171450">
+              <a:buFont typeface="Arial" panose="020B0604020202020204" pitchFamily="34" charset="0"/>
+              <a:buChar char="•"/>
             </a:pPr>
             <a:r>
               <a:rPr lang="en-US" dirty="0" smtClean="0"/>
-              <a:t>Thanks to Torbjörn Lager and Jan Wielemaker, who tolerated many naive questions while I was working on this.</a:t>
-            </a:r>
-          </a:p>
-          <a:p>
+              <a:t>Chat</a:t>
+            </a:r>
+            <a:r>
+              <a:rPr lang="en-US" baseline="0" dirty="0" smtClean="0"/>
+              <a:t> Room</a:t>
+            </a:r>
+          </a:p>
+          <a:p>
+            <a:pPr marL="171450" indent="-171450">
+              <a:buFont typeface="Arial" panose="020B0604020202020204" pitchFamily="34" charset="0"/>
+              <a:buChar char="•"/>
+            </a:pPr>
+            <a:r>
+              <a:rPr lang="en-US" baseline="0" dirty="0" smtClean="0"/>
+              <a:t>White Board</a:t>
+            </a:r>
+          </a:p>
+          <a:p>
+            <a:pPr marL="171450" indent="-171450">
+              <a:buFont typeface="Arial" panose="020B0604020202020204" pitchFamily="34" charset="0"/>
+              <a:buChar char="•"/>
+            </a:pPr>
+            <a:r>
+              <a:rPr lang="en-US" baseline="0" dirty="0" smtClean="0"/>
+              <a:t>Hospital scheduling</a:t>
+            </a:r>
+          </a:p>
+          <a:p>
+            <a:pPr marL="171450" indent="-171450">
+              <a:buFont typeface="Arial" panose="020B0604020202020204" pitchFamily="34" charset="0"/>
+              <a:buChar char="•"/>
+            </a:pPr>
+            <a:r>
+              <a:rPr lang="en-US" baseline="0" dirty="0" smtClean="0"/>
+              <a:t>SWISH</a:t>
+            </a:r>
+          </a:p>
+          <a:p>
+            <a:pPr marL="171450" indent="-171450">
+              <a:buFont typeface="Arial" panose="020B0604020202020204" pitchFamily="34" charset="0"/>
+              <a:buChar char="•"/>
+            </a:pPr>
+            <a:r>
+              <a:rPr lang="en-US" baseline="0" dirty="0" smtClean="0"/>
+              <a:t>Online </a:t>
+            </a:r>
+            <a:r>
+              <a:rPr lang="en-US" baseline="0" dirty="0" err="1" smtClean="0"/>
+              <a:t>LearningTool</a:t>
+            </a:r>
+            <a:endParaRPr lang="en-US" baseline="0" dirty="0" smtClean="0"/>
+          </a:p>
+          <a:p>
+            <a:pPr marL="171450" indent="-171450">
+              <a:buFont typeface="Arial" panose="020B0604020202020204" pitchFamily="34" charset="0"/>
+              <a:buChar char="•"/>
+            </a:pPr>
+            <a:r>
+              <a:rPr lang="en-US" baseline="0" dirty="0" smtClean="0"/>
+              <a:t>Data Browser</a:t>
+            </a:r>
+          </a:p>
+          <a:p>
+            <a:pPr marL="171450" indent="-171450">
+              <a:buFont typeface="Arial" panose="020B0604020202020204" pitchFamily="34" charset="0"/>
+              <a:buChar char="•"/>
+            </a:pPr>
+            <a:r>
+              <a:rPr lang="en-US" baseline="0" dirty="0" smtClean="0"/>
+              <a:t>Eventually replace XPCE</a:t>
+            </a:r>
+          </a:p>
+          <a:p>
+            <a:pPr marL="171450" indent="-171450">
+              <a:buFont typeface="Arial" panose="020B0604020202020204" pitchFamily="34" charset="0"/>
+              <a:buChar char="•"/>
+            </a:pPr>
+            <a:endParaRPr lang="en-US" baseline="0" dirty="0" smtClean="0"/>
+          </a:p>
+          <a:p>
+            <a:pPr marL="0" indent="0">
+              <a:buFont typeface="Arial" panose="020B0604020202020204" pitchFamily="34" charset="0"/>
+              <a:buNone/>
+            </a:pPr>
+            <a:r>
+              <a:rPr lang="en-US" baseline="0" dirty="0" smtClean="0"/>
+              <a:t>Try the collaborative system, It makes building a shared environment fun and easy.</a:t>
+            </a:r>
             <a:endParaRPr lang="en-US" dirty="0" smtClean="0"/>
           </a:p>
-          <a:p>
-            <a:r>
-              <a:rPr lang="en-US" dirty="0" smtClean="0"/>
-              <a:t>Questions?</a:t>
-            </a:r>
-            <a:endParaRPr lang="en-US" dirty="0" smtClean="0"/>
-          </a:p>
-          <a:p>
-            <a:endParaRPr lang="en-US" dirty="0"/>
-          </a:p>
         </p:txBody>
       </p:sp>
       <p:sp>
@@ -3161,7 +3123,7 @@
           <a:bodyPr/>
           <a:lstStyle/>
           <a:p>
-            <a:fld id="{FE80C184-613D-42A8-A044-4FB84949CE70}" type="slidenum">
+            <a:fld id="{42EAAFEF-7C69-4829-A810-B8C7AEBE8F0E}" type="slidenum">
               <a:rPr lang="en-US" smtClean="0"/>
               <a:t>30</a:t>
             </a:fld>
@@ -3172,7 +3134,7 @@
     </p:spTree>
     <p:extLst>
       <p:ext uri="{BB962C8B-B14F-4D97-AF65-F5344CB8AC3E}">
-        <p14:creationId xmlns:p14="http://schemas.microsoft.com/office/powerpoint/2010/main" val="2226449153"/>
+        <p14:creationId xmlns:p14="http://schemas.microsoft.com/office/powerpoint/2010/main" val="778895308"/>
       </p:ext>
     </p:extLst>
   </p:cSld>
@@ -3227,12 +3189,30 @@
           <a:lstStyle/>
           <a:p>
             <a:r>
-              <a:rPr lang="en-US" dirty="0" smtClean="0"/>
-              <a:t>I'll</a:t>
+              <a:rPr lang="en-US" dirty="0" err="1" smtClean="0"/>
+              <a:t>Whats</a:t>
+            </a:r>
+            <a:r>
+              <a:rPr lang="en-US" dirty="0" smtClean="0"/>
+              <a:t> people's</a:t>
             </a:r>
             <a:r>
               <a:rPr lang="en-US" baseline="0" dirty="0" smtClean="0"/>
-              <a:t> start by motivating pengines and explaining the larger pieces and their roles</a:t>
+              <a:t> level of knowledge about Prolog?</a:t>
+            </a:r>
+          </a:p>
+          <a:p>
+            <a:r>
+              <a:rPr lang="en-US" baseline="0" dirty="0" smtClean="0"/>
+              <a:t>And about the semantic web, </a:t>
+            </a:r>
+            <a:r>
+              <a:rPr lang="en-US" baseline="0" dirty="0" err="1" smtClean="0"/>
+              <a:t>rdf</a:t>
+            </a:r>
+            <a:r>
+              <a:rPr lang="en-US" baseline="0" dirty="0" smtClean="0"/>
+              <a:t>, that stuff?</a:t>
             </a:r>
             <a:endParaRPr lang="en-US" dirty="0"/>
           </a:p>
@@ -3264,7 +3244,157 @@
     </p:spTree>
     <p:extLst>
       <p:ext uri="{BB962C8B-B14F-4D97-AF65-F5344CB8AC3E}">
-        <p14:creationId xmlns:p14="http://schemas.microsoft.com/office/powerpoint/2010/main" val="1159676221"/>
+        <p14:creationId xmlns:p14="http://schemas.microsoft.com/office/powerpoint/2010/main" val="1759427439"/>
+      </p:ext>
+    </p:extLst>
+  </p:cSld>
+  <p:clrMapOvr>
+    <a:masterClrMapping/>
+  </p:clrMapOvr>
+</p:notes>
+</file>
+
+<file path=ppt/notesSlides/notesSlide30.xml><?xml version="1.0" encoding="utf-8"?>
+<p:notes xmlns:a="http://schemas.openxmlformats.org/drawingml/2006/main" xmlns:r="http://schemas.openxmlformats.org/officeDocument/2006/relationships" xmlns:p="http://schemas.openxmlformats.org/presentationml/2006/main">
+  <p:cSld>
+    <p:spTree>
+      <p:nvGrpSpPr>
+        <p:cNvPr id="1" name=""/>
+        <p:cNvGrpSpPr/>
+        <p:nvPr/>
+      </p:nvGrpSpPr>
+      <p:grpSpPr>
+        <a:xfrm>
+          <a:off x="0" y="0"/>
+          <a:ext cx="0" cy="0"/>
+          <a:chOff x="0" y="0"/>
+          <a:chExt cx="0" cy="0"/>
+        </a:xfrm>
+      </p:grpSpPr>
+      <p:sp>
+        <p:nvSpPr>
+          <p:cNvPr id="2" name="Slide Image Placeholder 1"/>
+          <p:cNvSpPr>
+            <a:spLocks noGrp="1" noRot="1" noChangeAspect="1"/>
+          </p:cNvSpPr>
+          <p:nvPr>
+            <p:ph type="sldImg"/>
+          </p:nvPr>
+        </p:nvSpPr>
+        <p:spPr/>
+      </p:sp>
+      <p:sp>
+        <p:nvSpPr>
+          <p:cNvPr id="3" name="Notes Placeholder 2"/>
+          <p:cNvSpPr>
+            <a:spLocks noGrp="1"/>
+          </p:cNvSpPr>
+          <p:nvPr>
+            <p:ph type="body" idx="1"/>
+          </p:nvPr>
+        </p:nvSpPr>
+        <p:spPr/>
+        <p:txBody>
+          <a:bodyPr/>
+          <a:lstStyle/>
+          <a:p>
+            <a:r>
+              <a:rPr lang="en-US" dirty="0" smtClean="0"/>
+              <a:t>Here's some resources.</a:t>
+            </a:r>
+            <a:r>
+              <a:rPr lang="en-US" baseline="0" dirty="0" smtClean="0"/>
+              <a:t> I don't expect anybody to read this mess, get Slides</a:t>
+            </a:r>
+            <a:endParaRPr lang="en-US" dirty="0" smtClean="0"/>
+          </a:p>
+          <a:p>
+            <a:r>
+              <a:rPr lang="en-US" dirty="0" smtClean="0"/>
+              <a:t> Enjoyed hearing, enjoyed telling</a:t>
+            </a:r>
+          </a:p>
+          <a:p>
+            <a:pPr marL="0" marR="0" indent="0" algn="l" defTabSz="914400" rtl="0" eaLnBrk="1" fontAlgn="auto" latinLnBrk="0" hangingPunct="1">
+              <a:lnSpc>
+                <a:spcPct val="100000"/>
+              </a:lnSpc>
+              <a:spcBef>
+                <a:spcPts val="0"/>
+              </a:spcBef>
+              <a:spcAft>
+                <a:spcPts val="0"/>
+              </a:spcAft>
+              <a:buClrTx/>
+              <a:buSzTx/>
+              <a:buFontTx/>
+              <a:buNone/>
+              <a:tabLst/>
+              <a:defRPr/>
+            </a:pPr>
+            <a:r>
+              <a:rPr lang="en-US" dirty="0" smtClean="0"/>
+              <a:t>Thanks to Torbjörn </a:t>
+            </a:r>
+            <a:r>
+              <a:rPr lang="en-US" dirty="0" smtClean="0"/>
+              <a:t>and</a:t>
+            </a:r>
+            <a:r>
+              <a:rPr lang="en-US" baseline="0" dirty="0" smtClean="0"/>
+              <a:t> Jan</a:t>
+            </a:r>
+            <a:r>
+              <a:rPr lang="en-US" dirty="0" smtClean="0"/>
+              <a:t>, </a:t>
+            </a:r>
+            <a:r>
+              <a:rPr lang="en-US" dirty="0" smtClean="0"/>
+              <a:t>who tolerated many naive questions while I was working on this.</a:t>
+            </a:r>
+          </a:p>
+          <a:p>
+            <a:endParaRPr lang="en-US" dirty="0" smtClean="0"/>
+          </a:p>
+          <a:p>
+            <a:r>
+              <a:rPr lang="en-US" dirty="0" smtClean="0"/>
+              <a:t>Questions?</a:t>
+            </a:r>
+            <a:endParaRPr lang="en-US" dirty="0" smtClean="0"/>
+          </a:p>
+          <a:p>
+            <a:endParaRPr lang="en-US" dirty="0"/>
+          </a:p>
+        </p:txBody>
+      </p:sp>
+      <p:sp>
+        <p:nvSpPr>
+          <p:cNvPr id="4" name="Slide Number Placeholder 3"/>
+          <p:cNvSpPr>
+            <a:spLocks noGrp="1"/>
+          </p:cNvSpPr>
+          <p:nvPr>
+            <p:ph type="sldNum" sz="quarter" idx="10"/>
+          </p:nvPr>
+        </p:nvSpPr>
+        <p:spPr/>
+        <p:txBody>
+          <a:bodyPr/>
+          <a:lstStyle/>
+          <a:p>
+            <a:fld id="{FE80C184-613D-42A8-A044-4FB84949CE70}" type="slidenum">
+              <a:rPr lang="en-US" smtClean="0"/>
+              <a:t>31</a:t>
+            </a:fld>
+            <a:endParaRPr lang="en-US"/>
+          </a:p>
+        </p:txBody>
+      </p:sp>
+    </p:spTree>
+    <p:extLst>
+      <p:ext uri="{BB962C8B-B14F-4D97-AF65-F5344CB8AC3E}">
+        <p14:creationId xmlns:p14="http://schemas.microsoft.com/office/powerpoint/2010/main" val="2226449153"/>
       </p:ext>
     </p:extLst>
   </p:cSld>
@@ -3320,82 +3450,13 @@
           <a:p>
             <a:r>
               <a:rPr lang="en-US" dirty="0" smtClean="0"/>
-              <a:t>This is how people</a:t>
+              <a:t>I'll</a:t>
             </a:r>
             <a:r>
               <a:rPr lang="en-US" baseline="0" dirty="0" smtClean="0"/>
-              <a:t> interact with servers today.  </a:t>
-            </a:r>
-            <a:r>
-              <a:rPr lang="en-US" dirty="0" smtClean="0"/>
-              <a:t> Every data feed has its</a:t>
-            </a:r>
-            <a:r>
-              <a:rPr lang="en-US" baseline="0" dirty="0" smtClean="0"/>
-              <a:t> own API. We need to manually write an interface to each one.</a:t>
-            </a:r>
-            <a:endParaRPr lang="en-US" dirty="0" smtClean="0"/>
-          </a:p>
-          <a:p>
-            <a:r>
-              <a:rPr lang="en-US" baseline="0" dirty="0" smtClean="0"/>
-              <a:t>This even applies to our own server-  we have to write code for </a:t>
-            </a:r>
-            <a:r>
-              <a:rPr lang="en-US" baseline="0" dirty="0" err="1" smtClean="0"/>
-              <a:t>ajax</a:t>
-            </a:r>
-            <a:r>
-              <a:rPr lang="en-US" baseline="0" dirty="0" smtClean="0"/>
-              <a:t> on each end of the pipe.</a:t>
-            </a:r>
-          </a:p>
-          <a:p>
-            <a:endParaRPr lang="en-US" baseline="0" dirty="0" smtClean="0"/>
-          </a:p>
-          <a:p>
-            <a:r>
-              <a:rPr lang="en-US" baseline="0" dirty="0" smtClean="0"/>
-              <a:t>One cause of this is the lack of combinatorial power in HTTP. HTTP is </a:t>
-            </a:r>
-            <a:r>
-              <a:rPr lang="en-US" i="1" baseline="0" dirty="0" smtClean="0"/>
-              <a:t>hand me a query with some parameters,</a:t>
-            </a:r>
-          </a:p>
-          <a:p>
-            <a:r>
-              <a:rPr lang="en-US" i="1" baseline="0" dirty="0" smtClean="0"/>
-              <a:t>I hand you back some information</a:t>
-            </a:r>
-            <a:r>
-              <a:rPr lang="en-US" baseline="0" dirty="0" smtClean="0"/>
-              <a:t>. It's not combinatorial.</a:t>
-            </a:r>
-          </a:p>
-          <a:p>
-            <a:endParaRPr lang="en-US" baseline="0" dirty="0" smtClean="0"/>
-          </a:p>
-          <a:p>
-            <a:r>
-              <a:rPr lang="en-US" baseline="0" dirty="0" smtClean="0"/>
-              <a:t>So instead we have a combinatorial explosion of URI endpoints.</a:t>
-            </a:r>
-          </a:p>
-          <a:p>
-            <a:endParaRPr lang="en-US" baseline="0" dirty="0" smtClean="0"/>
-          </a:p>
-          <a:p>
-            <a:r>
-              <a:rPr lang="en-US" baseline="0" dirty="0" smtClean="0"/>
-              <a:t>Is there a better way?</a:t>
-            </a:r>
-          </a:p>
-          <a:p>
-            <a:endParaRPr lang="en-US" baseline="0" dirty="0" smtClean="0"/>
-          </a:p>
-          <a:p>
-            <a:endParaRPr lang="en-US" baseline="0" dirty="0" smtClean="0"/>
+              <a:t> start by motivating pengines and explaining the larger pieces and their roles</a:t>
+            </a:r>
+            <a:endParaRPr lang="en-US" dirty="0"/>
           </a:p>
         </p:txBody>
       </p:sp>
@@ -3425,7 +3486,7 @@
     </p:spTree>
     <p:extLst>
       <p:ext uri="{BB962C8B-B14F-4D97-AF65-F5344CB8AC3E}">
-        <p14:creationId xmlns:p14="http://schemas.microsoft.com/office/powerpoint/2010/main" val="2512807061"/>
+        <p14:creationId xmlns:p14="http://schemas.microsoft.com/office/powerpoint/2010/main" val="1159676221"/>
       </p:ext>
     </p:extLst>
   </p:cSld>
@@ -3480,24 +3541,83 @@
           <a:lstStyle/>
           <a:p>
             <a:r>
+              <a:rPr lang="en-US" dirty="0" smtClean="0"/>
+              <a:t>This is how people</a:t>
+            </a:r>
+            <a:r>
               <a:rPr lang="en-US" baseline="0" dirty="0" smtClean="0"/>
-              <a:t>We could give our friend shell access.  </a:t>
-            </a:r>
-          </a:p>
-          <a:p>
+              <a:t> interact with servers today.  </a:t>
+            </a:r>
+            <a:r>
+              <a:rPr lang="en-US" dirty="0" smtClean="0"/>
+              <a:t> Every data feed has its</a:t>
+            </a:r>
             <a:r>
               <a:rPr lang="en-US" baseline="0" dirty="0" smtClean="0"/>
-              <a:t>That would vastly simplify his problems, but it wouldn't do much for our security.</a:t>
-            </a:r>
+              <a:t> own API. We need to manually write an interface to each one.</a:t>
+            </a:r>
+            <a:endParaRPr lang="en-US" dirty="0" smtClean="0"/>
           </a:p>
           <a:p>
             <a:r>
               <a:rPr lang="en-US" baseline="0" dirty="0" smtClean="0"/>
-              <a:t>And it's a completely infeasible solution if we have millions of users.</a:t>
-            </a:r>
-          </a:p>
-          <a:p>
-            <a:endParaRPr lang="en-US" dirty="0"/>
+              <a:t>This even applies to our own server-  we have to write code for </a:t>
+            </a:r>
+            <a:r>
+              <a:rPr lang="en-US" baseline="0" dirty="0" err="1" smtClean="0"/>
+              <a:t>ajax</a:t>
+            </a:r>
+            <a:r>
+              <a:rPr lang="en-US" baseline="0" dirty="0" smtClean="0"/>
+              <a:t> on each end of the pipe.</a:t>
+            </a:r>
+          </a:p>
+          <a:p>
+            <a:endParaRPr lang="en-US" baseline="0" dirty="0" smtClean="0"/>
+          </a:p>
+          <a:p>
+            <a:r>
+              <a:rPr lang="en-US" baseline="0" dirty="0" smtClean="0"/>
+              <a:t>One cause of this is the lack of combinatorial power in HTTP. HTTP is </a:t>
+            </a:r>
+            <a:r>
+              <a:rPr lang="en-US" i="1" baseline="0" dirty="0" smtClean="0"/>
+              <a:t>hand me a query with some parameters,</a:t>
+            </a:r>
+          </a:p>
+          <a:p>
+            <a:r>
+              <a:rPr lang="en-US" i="1" baseline="0" dirty="0" smtClean="0"/>
+              <a:t>I hand you back some information</a:t>
+            </a:r>
+            <a:r>
+              <a:rPr lang="en-US" baseline="0" dirty="0" smtClean="0"/>
+              <a:t>. It's not combinatorial.</a:t>
+            </a:r>
+          </a:p>
+          <a:p>
+            <a:endParaRPr lang="en-US" baseline="0" dirty="0" smtClean="0"/>
+          </a:p>
+          <a:p>
+            <a:r>
+              <a:rPr lang="en-US" baseline="0" dirty="0" smtClean="0"/>
+              <a:t>So instead we have a combinatorial explosion of URI endpoints.</a:t>
+            </a:r>
+          </a:p>
+          <a:p>
+            <a:endParaRPr lang="en-US" baseline="0" dirty="0" smtClean="0"/>
+          </a:p>
+          <a:p>
+            <a:r>
+              <a:rPr lang="en-US" baseline="0" dirty="0" smtClean="0"/>
+              <a:t>Is there a better way?</a:t>
+            </a:r>
+          </a:p>
+          <a:p>
+            <a:endParaRPr lang="en-US" baseline="0" dirty="0" smtClean="0"/>
+          </a:p>
+          <a:p>
+            <a:endParaRPr lang="en-US" baseline="0" dirty="0" smtClean="0"/>
           </a:p>
         </p:txBody>
       </p:sp>
@@ -3527,7 +3647,7 @@
     </p:spTree>
     <p:extLst>
       <p:ext uri="{BB962C8B-B14F-4D97-AF65-F5344CB8AC3E}">
-        <p14:creationId xmlns:p14="http://schemas.microsoft.com/office/powerpoint/2010/main" val="3070174606"/>
+        <p14:creationId xmlns:p14="http://schemas.microsoft.com/office/powerpoint/2010/main" val="2512807061"/>
       </p:ext>
     </p:extLst>
   </p:cSld>
@@ -3582,116 +3702,23 @@
           <a:lstStyle/>
           <a:p>
             <a:r>
-              <a:rPr lang="en-US" dirty="0" smtClean="0"/>
-              <a:t> </a:t>
-            </a:r>
-            <a:endParaRPr lang="en-US" baseline="0" dirty="0" smtClean="0"/>
-          </a:p>
-          <a:p>
-            <a:r>
               <a:rPr lang="en-US" baseline="0" dirty="0" smtClean="0"/>
-              <a:t>A pengine is similar to an SSH shell in some ways. </a:t>
-            </a:r>
-          </a:p>
-          <a:p>
-            <a:endParaRPr lang="en-US" baseline="0" dirty="0" smtClean="0"/>
+              <a:t>We could give our friend shell access.  </a:t>
+            </a:r>
           </a:p>
           <a:p>
             <a:r>
               <a:rPr lang="en-US" baseline="0" dirty="0" smtClean="0"/>
-              <a:t>An application is an URI endpoint that will create a certain type of pengine</a:t>
-            </a:r>
-          </a:p>
-          <a:p>
-            <a:endParaRPr lang="en-US" baseline="0" dirty="0" smtClean="0"/>
+              <a:t>That would vastly simplify his problems, but it wouldn't do much for our security.</a:t>
+            </a:r>
           </a:p>
           <a:p>
             <a:r>
               <a:rPr lang="en-US" baseline="0" dirty="0" smtClean="0"/>
-              <a:t>A "master" sends a request to the application, and the application creates the slave pengine and returns the ID.</a:t>
-            </a:r>
-          </a:p>
-          <a:p>
-            <a:pPr marL="0" marR="0" indent="0" algn="l" defTabSz="914400" rtl="0" eaLnBrk="1" fontAlgn="auto" latinLnBrk="0" hangingPunct="1">
-              <a:lnSpc>
-                <a:spcPct val="100000"/>
-              </a:lnSpc>
-              <a:spcBef>
-                <a:spcPts val="0"/>
-              </a:spcBef>
-              <a:spcAft>
-                <a:spcPts val="0"/>
-              </a:spcAft>
-              <a:buClrTx/>
-              <a:buSzTx/>
-              <a:buFontTx/>
-              <a:buNone/>
-              <a:tabLst/>
-              <a:defRPr/>
-            </a:pPr>
-            <a:r>
-              <a:rPr lang="en-US" dirty="0" smtClean="0"/>
-              <a:t>Since the master alone knows the ID, only it can control the pengine.</a:t>
-            </a:r>
-          </a:p>
-          <a:p>
-            <a:pPr marL="0" marR="0" indent="0" algn="l" defTabSz="914400" rtl="0" eaLnBrk="1" fontAlgn="auto" latinLnBrk="0" hangingPunct="1">
-              <a:lnSpc>
-                <a:spcPct val="100000"/>
-              </a:lnSpc>
-              <a:spcBef>
-                <a:spcPts val="0"/>
-              </a:spcBef>
-              <a:spcAft>
-                <a:spcPts val="0"/>
-              </a:spcAft>
-              <a:buClrTx/>
-              <a:buSzTx/>
-              <a:buFontTx/>
-              <a:buNone/>
-              <a:tabLst/>
-              <a:defRPr/>
-            </a:pPr>
-            <a:endParaRPr lang="en-US" baseline="0" dirty="0" smtClean="0"/>
-          </a:p>
-          <a:p>
-            <a:pPr marL="0" marR="0" indent="0" algn="l" defTabSz="914400" rtl="0" eaLnBrk="1" fontAlgn="auto" latinLnBrk="0" hangingPunct="1">
-              <a:lnSpc>
-                <a:spcPct val="100000"/>
-              </a:lnSpc>
-              <a:spcBef>
-                <a:spcPts val="0"/>
-              </a:spcBef>
-              <a:spcAft>
-                <a:spcPts val="0"/>
-              </a:spcAft>
-              <a:buClrTx/>
-              <a:buSzTx/>
-              <a:buFontTx/>
-              <a:buNone/>
-              <a:tabLst/>
-              <a:defRPr/>
-            </a:pPr>
-            <a:r>
-              <a:rPr lang="en-US" baseline="0" dirty="0" smtClean="0"/>
-              <a:t>Now the master can send nondeterministic queries to the pengine slave.</a:t>
-            </a:r>
-          </a:p>
-          <a:p>
-            <a:endParaRPr lang="en-US" baseline="0" dirty="0" smtClean="0"/>
-          </a:p>
-          <a:p>
-            <a:r>
-              <a:rPr lang="en-US" baseline="0" dirty="0" smtClean="0"/>
-              <a:t>Effectively, the master has a sandboxed shell on the host server.</a:t>
-            </a:r>
-            <a:endParaRPr lang="en-US" dirty="0" smtClean="0"/>
-          </a:p>
-          <a:p>
-            <a:r>
-              <a:rPr lang="en-US" dirty="0" smtClean="0"/>
-              <a:t>   </a:t>
-            </a:r>
+              <a:t>And it's a completely infeasible solution if we have millions of users.</a:t>
+            </a:r>
+          </a:p>
+          <a:p>
             <a:endParaRPr lang="en-US" dirty="0"/>
           </a:p>
         </p:txBody>
@@ -3722,7 +3749,7 @@
     </p:spTree>
     <p:extLst>
       <p:ext uri="{BB962C8B-B14F-4D97-AF65-F5344CB8AC3E}">
-        <p14:creationId xmlns:p14="http://schemas.microsoft.com/office/powerpoint/2010/main" val="3087435415"/>
+        <p14:creationId xmlns:p14="http://schemas.microsoft.com/office/powerpoint/2010/main" val="3070174606"/>
       </p:ext>
     </p:extLst>
   </p:cSld>
@@ -3778,17 +3805,14 @@
           <a:p>
             <a:r>
               <a:rPr lang="en-US" dirty="0" smtClean="0"/>
-              <a:t> So, here's a sample universe with some pengines.</a:t>
-            </a:r>
-          </a:p>
-          <a:p>
-            <a:r>
-              <a:rPr lang="en-US" dirty="0" smtClean="0"/>
-              <a:t>The master could be random code</a:t>
-            </a:r>
+              <a:t> </a:t>
+            </a:r>
+            <a:endParaRPr lang="en-US" baseline="0" dirty="0" smtClean="0"/>
+          </a:p>
+          <a:p>
             <a:r>
               <a:rPr lang="en-US" baseline="0" dirty="0" smtClean="0"/>
-              <a:t> in the same VM, or a foreign server, or a web page.</a:t>
+              <a:t>A pengine is similar to an SSH shell in some ways. </a:t>
             </a:r>
           </a:p>
           <a:p>
@@ -3797,7 +3821,7 @@
           <a:p>
             <a:r>
               <a:rPr lang="en-US" baseline="0" dirty="0" smtClean="0"/>
-              <a:t>A master can have more than one slave, but each slave has one master.</a:t>
+              <a:t>An application is an URI endpoint that will create a certain type of pengine</a:t>
             </a:r>
           </a:p>
           <a:p>
@@ -3805,26 +3829,91 @@
           </a:p>
           <a:p>
             <a:r>
-              <a:rPr lang="en-US" dirty="0" smtClean="0"/>
-              <a:t>The master can be a remote server, another process on the same server, the same VM that is running the application, or a web page.</a:t>
-            </a:r>
-          </a:p>
-          <a:p>
-            <a:r>
-              <a:rPr lang="en-US" dirty="0" smtClean="0"/>
-              <a:t>   People clear about the architecture?</a:t>
-            </a:r>
-          </a:p>
-          <a:p>
+              <a:rPr lang="en-US" baseline="0" dirty="0" smtClean="0"/>
+              <a:t>A "master" sends a request to the application, and the application creates the slave pengine and returns the ID.</a:t>
+            </a:r>
+          </a:p>
+          <a:p>
+            <a:pPr marL="0" marR="0" indent="0" algn="l" defTabSz="914400" rtl="0" eaLnBrk="1" fontAlgn="auto" latinLnBrk="0" hangingPunct="1">
+              <a:lnSpc>
+                <a:spcPct val="100000"/>
+              </a:lnSpc>
+              <a:spcBef>
+                <a:spcPts val="0"/>
+              </a:spcBef>
+              <a:spcAft>
+                <a:spcPts val="0"/>
+              </a:spcAft>
+              <a:buClrTx/>
+              <a:buSzTx/>
+              <a:buFontTx/>
+              <a:buNone/>
+              <a:tabLst/>
+              <a:defRPr/>
+            </a:pPr>
+            <a:r>
+              <a:rPr lang="en-US" dirty="0" smtClean="0"/>
+              <a:t>Since the master alone knows the ID, only it can control the pengine.</a:t>
+            </a:r>
+          </a:p>
+          <a:p>
+            <a:pPr marL="0" marR="0" indent="0" algn="l" defTabSz="914400" rtl="0" eaLnBrk="1" fontAlgn="auto" latinLnBrk="0" hangingPunct="1">
+              <a:lnSpc>
+                <a:spcPct val="100000"/>
+              </a:lnSpc>
+              <a:spcBef>
+                <a:spcPts val="0"/>
+              </a:spcBef>
+              <a:spcAft>
+                <a:spcPts val="0"/>
+              </a:spcAft>
+              <a:buClrTx/>
+              <a:buSzTx/>
+              <a:buFontTx/>
+              <a:buNone/>
+              <a:tabLst/>
+              <a:defRPr/>
+            </a:pPr>
             <a:endParaRPr lang="en-US" baseline="0" dirty="0" smtClean="0"/>
           </a:p>
           <a:p>
+            <a:pPr marL="0" marR="0" indent="0" algn="l" defTabSz="914400" rtl="0" eaLnBrk="1" fontAlgn="auto" latinLnBrk="0" hangingPunct="1">
+              <a:lnSpc>
+                <a:spcPct val="100000"/>
+              </a:lnSpc>
+              <a:spcBef>
+                <a:spcPts val="0"/>
+              </a:spcBef>
+              <a:spcAft>
+                <a:spcPts val="0"/>
+              </a:spcAft>
+              <a:buClrTx/>
+              <a:buSzTx/>
+              <a:buFontTx/>
+              <a:buNone/>
+              <a:tabLst/>
+              <a:defRPr/>
+            </a:pPr>
+            <a:r>
+              <a:rPr lang="en-US" baseline="0" dirty="0" smtClean="0"/>
+              <a:t>Now the master can send nondeterministic queries to the pengine slave.</a:t>
+            </a:r>
+          </a:p>
+          <a:p>
+            <a:endParaRPr lang="en-US" baseline="0" dirty="0" smtClean="0"/>
+          </a:p>
+          <a:p>
+            <a:r>
+              <a:rPr lang="en-US" baseline="0" dirty="0" smtClean="0"/>
+              <a:t>Effectively, the master has a sandboxed shell on the host server.</a:t>
+            </a:r>
             <a:endParaRPr lang="en-US" dirty="0" smtClean="0"/>
           </a:p>
           <a:p>
-            <a:endParaRPr lang="en-US" dirty="0" smtClean="0"/>
-          </a:p>
-          <a:p>
+            <a:r>
+              <a:rPr lang="en-US" dirty="0" smtClean="0"/>
+              <a:t>   </a:t>
+            </a:r>
             <a:endParaRPr lang="en-US" dirty="0"/>
           </a:p>
         </p:txBody>
@@ -3855,7 +3944,7 @@
     </p:spTree>
     <p:extLst>
       <p:ext uri="{BB962C8B-B14F-4D97-AF65-F5344CB8AC3E}">
-        <p14:creationId xmlns:p14="http://schemas.microsoft.com/office/powerpoint/2010/main" val="1903109925"/>
+        <p14:creationId xmlns:p14="http://schemas.microsoft.com/office/powerpoint/2010/main" val="3087435415"/>
       </p:ext>
     </p:extLst>
   </p:cSld>
@@ -3911,18 +4000,51 @@
           <a:p>
             <a:r>
               <a:rPr lang="en-US" dirty="0" smtClean="0"/>
-              <a:t>Lets look</a:t>
+              <a:t> So, here's a sample universe with some pengines.</a:t>
+            </a:r>
+          </a:p>
+          <a:p>
+            <a:r>
+              <a:rPr lang="en-US" dirty="0" smtClean="0"/>
+              <a:t>The master could be random code</a:t>
             </a:r>
             <a:r>
               <a:rPr lang="en-US" baseline="0" dirty="0" smtClean="0"/>
-              <a:t> in more detail at the knowledge that's exposed to the pengine,</a:t>
-            </a:r>
+              <a:t> in the same VM, or a foreign server, or a web page.</a:t>
+            </a:r>
+          </a:p>
+          <a:p>
+            <a:endParaRPr lang="en-US" baseline="0" dirty="0" smtClean="0"/>
           </a:p>
           <a:p>
             <a:r>
               <a:rPr lang="en-US" baseline="0" dirty="0" smtClean="0"/>
-              <a:t>that is, the complete set of facts and rules the pengine can see.</a:t>
-            </a:r>
+              <a:t>A master can have more than one slave, but each slave has one master.</a:t>
+            </a:r>
+          </a:p>
+          <a:p>
+            <a:endParaRPr lang="en-US" baseline="0" dirty="0" smtClean="0"/>
+          </a:p>
+          <a:p>
+            <a:r>
+              <a:rPr lang="en-US" dirty="0" smtClean="0"/>
+              <a:t>The master can be a remote server, another process on the same server, the same VM that is running the application, or a web page.</a:t>
+            </a:r>
+          </a:p>
+          <a:p>
+            <a:r>
+              <a:rPr lang="en-US" dirty="0" smtClean="0"/>
+              <a:t>   People clear about the architecture?</a:t>
+            </a:r>
+          </a:p>
+          <a:p>
+            <a:endParaRPr lang="en-US" baseline="0" dirty="0" smtClean="0"/>
+          </a:p>
+          <a:p>
+            <a:endParaRPr lang="en-US" dirty="0" smtClean="0"/>
+          </a:p>
+          <a:p>
+            <a:endParaRPr lang="en-US" dirty="0" smtClean="0"/>
           </a:p>
           <a:p>
             <a:endParaRPr lang="en-US" dirty="0"/>
@@ -3955,7 +4077,7 @@
     </p:spTree>
     <p:extLst>
       <p:ext uri="{BB962C8B-B14F-4D97-AF65-F5344CB8AC3E}">
-        <p14:creationId xmlns:p14="http://schemas.microsoft.com/office/powerpoint/2010/main" val="3819608270"/>
+        <p14:creationId xmlns:p14="http://schemas.microsoft.com/office/powerpoint/2010/main" val="1903109925"/>
       </p:ext>
     </p:extLst>
   </p:cSld>
@@ -4009,17 +4131,22 @@
           <a:bodyPr/>
           <a:lstStyle/>
           <a:p>
-            <a:endParaRPr lang="en-US" dirty="0" smtClean="0"/>
-          </a:p>
-          <a:p>
-            <a:r>
-              <a:rPr lang="en-US" dirty="0" smtClean="0"/>
-              <a:t>Here's the server's total</a:t>
+            <a:r>
+              <a:rPr lang="en-US" dirty="0" smtClean="0"/>
+              <a:t>Lets look</a:t>
             </a:r>
             <a:r>
               <a:rPr lang="en-US" baseline="0" dirty="0" smtClean="0"/>
-              <a:t> knowledgebase</a:t>
-            </a:r>
+              <a:t> in more detail at the knowledge that's exposed to the pengine,</a:t>
+            </a:r>
+          </a:p>
+          <a:p>
+            <a:r>
+              <a:rPr lang="en-US" baseline="0" dirty="0" smtClean="0"/>
+              <a:t>that is, the complete set of facts and rules the pengine can see.</a:t>
+            </a:r>
+          </a:p>
+          <a:p>
             <a:endParaRPr lang="en-US" dirty="0"/>
           </a:p>
         </p:txBody>
@@ -4050,7 +4177,7 @@
     </p:spTree>
     <p:extLst>
       <p:ext uri="{BB962C8B-B14F-4D97-AF65-F5344CB8AC3E}">
-        <p14:creationId xmlns:p14="http://schemas.microsoft.com/office/powerpoint/2010/main" val="2604775681"/>
+        <p14:creationId xmlns:p14="http://schemas.microsoft.com/office/powerpoint/2010/main" val="3819608270"/>
       </p:ext>
     </p:extLst>
   </p:cSld>
@@ -7212,40 +7339,58 @@
           <a:chExt cx="0" cy="0"/>
         </a:xfrm>
       </p:grpSpPr>
-      <p:pic>
-        <p:nvPicPr>
-          <p:cNvPr id="4" name="Picture 3"/>
-          <p:cNvPicPr>
-            <a:picLocks noChangeAspect="1"/>
-          </p:cNvPicPr>
-          <p:nvPr/>
-        </p:nvPicPr>
-        <p:blipFill>
-          <a:blip r:embed="rId3" cstate="print">
-            <a:extLst>
-              <a:ext uri="{28A0092B-C50C-407E-A947-70E740481C1C}">
-                <a14:useLocalDpi xmlns:a14="http://schemas.microsoft.com/office/drawing/2010/main" val="0"/>
-              </a:ext>
-            </a:extLst>
-          </a:blip>
-          <a:stretch>
-            <a:fillRect/>
-          </a:stretch>
-        </p:blipFill>
+      <p:sp>
+        <p:nvSpPr>
+          <p:cNvPr id="4" name="Title 3"/>
+          <p:cNvSpPr>
+            <a:spLocks noGrp="1"/>
+          </p:cNvSpPr>
+          <p:nvPr>
+            <p:ph type="title"/>
+          </p:nvPr>
+        </p:nvSpPr>
         <p:spPr>
           <a:xfrm>
-            <a:off x="1194" y="0"/>
-            <a:ext cx="12189611" cy="6858000"/>
+            <a:off x="831850" y="467092"/>
+            <a:ext cx="10515600" cy="2852737"/>
           </a:xfrm>
-          <a:prstGeom prst="rect">
-            <a:avLst/>
-          </a:prstGeom>
         </p:spPr>
-      </p:pic>
+        <p:txBody>
+          <a:bodyPr/>
+          <a:lstStyle/>
+          <a:p>
+            <a:pPr algn="ctr"/>
+            <a:r>
+              <a:rPr lang="en-US" dirty="0" smtClean="0"/>
+              <a:t>The Pengine Knowledgebase</a:t>
+            </a:r>
+            <a:endParaRPr lang="en-US" dirty="0"/>
+          </a:p>
+        </p:txBody>
+      </p:sp>
+      <p:sp>
+        <p:nvSpPr>
+          <p:cNvPr id="5" name="Text Placeholder 4"/>
+          <p:cNvSpPr>
+            <a:spLocks noGrp="1"/>
+          </p:cNvSpPr>
+          <p:nvPr>
+            <p:ph type="body" idx="1"/>
+          </p:nvPr>
+        </p:nvSpPr>
+        <p:spPr/>
+        <p:txBody>
+          <a:bodyPr/>
+          <a:lstStyle/>
+          <a:p>
+            <a:endParaRPr lang="en-US"/>
+          </a:p>
+        </p:txBody>
+      </p:sp>
     </p:spTree>
     <p:extLst>
       <p:ext uri="{BB962C8B-B14F-4D97-AF65-F5344CB8AC3E}">
-        <p14:creationId xmlns:p14="http://schemas.microsoft.com/office/powerpoint/2010/main" val="2888325281"/>
+        <p14:creationId xmlns:p14="http://schemas.microsoft.com/office/powerpoint/2010/main" val="529844022"/>
       </p:ext>
     </p:extLst>
   </p:cSld>
@@ -7312,7 +7457,7 @@
     </p:spTree>
     <p:extLst>
       <p:ext uri="{BB962C8B-B14F-4D97-AF65-F5344CB8AC3E}">
-        <p14:creationId xmlns:p14="http://schemas.microsoft.com/office/powerpoint/2010/main" val="96699877"/>
+        <p14:creationId xmlns:p14="http://schemas.microsoft.com/office/powerpoint/2010/main" val="2888325281"/>
       </p:ext>
     </p:extLst>
   </p:cSld>
@@ -7379,7 +7524,7 @@
     </p:spTree>
     <p:extLst>
       <p:ext uri="{BB962C8B-B14F-4D97-AF65-F5344CB8AC3E}">
-        <p14:creationId xmlns:p14="http://schemas.microsoft.com/office/powerpoint/2010/main" val="945699482"/>
+        <p14:creationId xmlns:p14="http://schemas.microsoft.com/office/powerpoint/2010/main" val="96699877"/>
       </p:ext>
     </p:extLst>
   </p:cSld>
@@ -7446,6 +7591,73 @@
     </p:spTree>
     <p:extLst>
       <p:ext uri="{BB962C8B-B14F-4D97-AF65-F5344CB8AC3E}">
+        <p14:creationId xmlns:p14="http://schemas.microsoft.com/office/powerpoint/2010/main" val="945699482"/>
+      </p:ext>
+    </p:extLst>
+  </p:cSld>
+  <p:clrMapOvr>
+    <a:masterClrMapping/>
+  </p:clrMapOvr>
+  <p:timing>
+    <p:tnLst>
+      <p:par>
+        <p:cTn id="1" dur="indefinite" restart="never" nodeType="tmRoot"/>
+      </p:par>
+    </p:tnLst>
+  </p:timing>
+</p:sld>
+</file>
+
+<file path=ppt/slides/slide14.xml><?xml version="1.0" encoding="utf-8"?>
+<p:sld xmlns:a="http://schemas.openxmlformats.org/drawingml/2006/main" xmlns:r="http://schemas.openxmlformats.org/officeDocument/2006/relationships" xmlns:p="http://schemas.openxmlformats.org/presentationml/2006/main">
+  <p:cSld>
+    <p:spTree>
+      <p:nvGrpSpPr>
+        <p:cNvPr id="1" name=""/>
+        <p:cNvGrpSpPr/>
+        <p:nvPr/>
+      </p:nvGrpSpPr>
+      <p:grpSpPr>
+        <a:xfrm>
+          <a:off x="0" y="0"/>
+          <a:ext cx="0" cy="0"/>
+          <a:chOff x="0" y="0"/>
+          <a:chExt cx="0" cy="0"/>
+        </a:xfrm>
+      </p:grpSpPr>
+      <p:pic>
+        <p:nvPicPr>
+          <p:cNvPr id="4" name="Picture 3"/>
+          <p:cNvPicPr>
+            <a:picLocks noChangeAspect="1"/>
+          </p:cNvPicPr>
+          <p:nvPr/>
+        </p:nvPicPr>
+        <p:blipFill>
+          <a:blip r:embed="rId3" cstate="print">
+            <a:extLst>
+              <a:ext uri="{28A0092B-C50C-407E-A947-70E740481C1C}">
+                <a14:useLocalDpi xmlns:a14="http://schemas.microsoft.com/office/drawing/2010/main" val="0"/>
+              </a:ext>
+            </a:extLst>
+          </a:blip>
+          <a:stretch>
+            <a:fillRect/>
+          </a:stretch>
+        </p:blipFill>
+        <p:spPr>
+          <a:xfrm>
+            <a:off x="1194" y="0"/>
+            <a:ext cx="12189611" cy="6858000"/>
+          </a:xfrm>
+          <a:prstGeom prst="rect">
+            <a:avLst/>
+          </a:prstGeom>
+        </p:spPr>
+      </p:pic>
+    </p:spTree>
+    <p:extLst>
+      <p:ext uri="{BB962C8B-B14F-4D97-AF65-F5344CB8AC3E}">
         <p14:creationId xmlns:p14="http://schemas.microsoft.com/office/powerpoint/2010/main" val="1124784707"/>
       </p:ext>
     </p:extLst>
@@ -7463,7 +7675,7 @@
 </p:sld>
 </file>
 
-<file path=ppt/slides/slide14.xml><?xml version="1.0" encoding="utf-8"?>
+<file path=ppt/slides/slide15.xml><?xml version="1.0" encoding="utf-8"?>
 <p:sld xmlns:a="http://schemas.openxmlformats.org/drawingml/2006/main" xmlns:r="http://schemas.openxmlformats.org/officeDocument/2006/relationships" xmlns:p="http://schemas.openxmlformats.org/presentationml/2006/main">
   <p:cSld>
     <p:spTree>
@@ -7530,7 +7742,7 @@
 </p:sld>
 </file>
 
-<file path=ppt/slides/slide15.xml><?xml version="1.0" encoding="utf-8"?>
+<file path=ppt/slides/slide16.xml><?xml version="1.0" encoding="utf-8"?>
 <p:sld xmlns:a="http://schemas.openxmlformats.org/drawingml/2006/main" xmlns:r="http://schemas.openxmlformats.org/officeDocument/2006/relationships" xmlns:p="http://schemas.openxmlformats.org/presentationml/2006/main">
   <p:cSld>
     <p:spTree>
@@ -7597,7 +7809,7 @@
 </p:sld>
 </file>
 
-<file path=ppt/slides/slide16.xml><?xml version="1.0" encoding="utf-8"?>
+<file path=ppt/slides/slide17.xml><?xml version="1.0" encoding="utf-8"?>
 <p:sld xmlns:a="http://schemas.openxmlformats.org/drawingml/2006/main" xmlns:r="http://schemas.openxmlformats.org/officeDocument/2006/relationships" xmlns:p="http://schemas.openxmlformats.org/presentationml/2006/main">
   <p:cSld>
     <p:spTree>
@@ -7664,7 +7876,7 @@
 </p:sld>
 </file>
 
-<file path=ppt/slides/slide17.xml><?xml version="1.0" encoding="utf-8"?>
+<file path=ppt/slides/slide18.xml><?xml version="1.0" encoding="utf-8"?>
 <p:sld xmlns:a="http://schemas.openxmlformats.org/drawingml/2006/main" xmlns:r="http://schemas.openxmlformats.org/officeDocument/2006/relationships" xmlns:p="http://schemas.openxmlformats.org/presentationml/2006/main">
   <p:cSld>
     <p:spTree>
@@ -7731,91 +7943,6 @@
 </p:sld>
 </file>
 
-<file path=ppt/slides/slide18.xml><?xml version="1.0" encoding="utf-8"?>
-<p:sld xmlns:a="http://schemas.openxmlformats.org/drawingml/2006/main" xmlns:r="http://schemas.openxmlformats.org/officeDocument/2006/relationships" xmlns:p="http://schemas.openxmlformats.org/presentationml/2006/main">
-  <p:cSld>
-    <p:spTree>
-      <p:nvGrpSpPr>
-        <p:cNvPr id="1" name=""/>
-        <p:cNvGrpSpPr/>
-        <p:nvPr/>
-      </p:nvGrpSpPr>
-      <p:grpSpPr>
-        <a:xfrm>
-          <a:off x="0" y="0"/>
-          <a:ext cx="0" cy="0"/>
-          <a:chOff x="0" y="0"/>
-          <a:chExt cx="0" cy="0"/>
-        </a:xfrm>
-      </p:grpSpPr>
-      <p:sp>
-        <p:nvSpPr>
-          <p:cNvPr id="2" name="Title 1"/>
-          <p:cNvSpPr>
-            <a:spLocks noGrp="1"/>
-          </p:cNvSpPr>
-          <p:nvPr>
-            <p:ph type="title"/>
-          </p:nvPr>
-        </p:nvSpPr>
-        <p:spPr>
-          <a:xfrm>
-            <a:off x="831850" y="467092"/>
-            <a:ext cx="10515600" cy="2852737"/>
-          </a:xfrm>
-        </p:spPr>
-        <p:txBody>
-          <a:bodyPr/>
-          <a:lstStyle/>
-          <a:p>
-            <a:pPr algn="ctr"/>
-            <a:r>
-              <a:rPr lang="en-US" dirty="0" smtClean="0"/>
-              <a:t>Querying The Pengine</a:t>
-            </a:r>
-            <a:endParaRPr lang="en-US" dirty="0"/>
-          </a:p>
-        </p:txBody>
-      </p:sp>
-      <p:sp>
-        <p:nvSpPr>
-          <p:cNvPr id="3" name="Text Placeholder 2"/>
-          <p:cNvSpPr>
-            <a:spLocks noGrp="1"/>
-          </p:cNvSpPr>
-          <p:nvPr>
-            <p:ph type="body" idx="1"/>
-          </p:nvPr>
-        </p:nvSpPr>
-        <p:spPr/>
-        <p:txBody>
-          <a:bodyPr/>
-          <a:lstStyle/>
-          <a:p>
-            <a:endParaRPr lang="en-US"/>
-          </a:p>
-        </p:txBody>
-      </p:sp>
-    </p:spTree>
-    <p:extLst>
-      <p:ext uri="{BB962C8B-B14F-4D97-AF65-F5344CB8AC3E}">
-        <p14:creationId xmlns:p14="http://schemas.microsoft.com/office/powerpoint/2010/main" val="2551789944"/>
-      </p:ext>
-    </p:extLst>
-  </p:cSld>
-  <p:clrMapOvr>
-    <a:masterClrMapping/>
-  </p:clrMapOvr>
-  <p:timing>
-    <p:tnLst>
-      <p:par>
-        <p:cTn id="1" dur="indefinite" restart="never" nodeType="tmRoot"/>
-      </p:par>
-    </p:tnLst>
-  </p:timing>
-</p:sld>
-</file>
-
 <file path=ppt/slides/slide19.xml><?xml version="1.0" encoding="utf-8"?>
 <p:sld xmlns:a="http://schemas.openxmlformats.org/drawingml/2006/main" xmlns:r="http://schemas.openxmlformats.org/officeDocument/2006/relationships" xmlns:p="http://schemas.openxmlformats.org/presentationml/2006/main">
   <p:cSld>
@@ -7835,27 +7962,28 @@
       </p:grpSpPr>
       <p:sp>
         <p:nvSpPr>
-          <p:cNvPr id="6" name="Text Placeholder 5"/>
-          <p:cNvSpPr>
-            <a:spLocks noGrp="1"/>
-          </p:cNvSpPr>
-          <p:nvPr>
-            <p:ph type="body" idx="1"/>
+          <p:cNvPr id="2" name="Title 1"/>
+          <p:cNvSpPr>
+            <a:spLocks noGrp="1"/>
+          </p:cNvSpPr>
+          <p:nvPr>
+            <p:ph type="title"/>
           </p:nvPr>
         </p:nvSpPr>
         <p:spPr>
           <a:xfrm>
-            <a:off x="839788" y="435682"/>
-            <a:ext cx="5157787" cy="823912"/>
+            <a:off x="831850" y="467092"/>
+            <a:ext cx="10515600" cy="2852737"/>
           </a:xfrm>
         </p:spPr>
         <p:txBody>
           <a:bodyPr/>
           <a:lstStyle/>
           <a:p>
-            <a:r>
-              <a:rPr lang="en-US" dirty="0" smtClean="0"/>
-              <a:t>client.pl</a:t>
+            <a:pPr algn="ctr"/>
+            <a:r>
+              <a:rPr lang="en-US" dirty="0" smtClean="0"/>
+              <a:t>Querying The Pengine</a:t>
             </a:r>
             <a:endParaRPr lang="en-US" dirty="0"/>
           </a:p>
@@ -7863,496 +7991,27 @@
       </p:sp>
       <p:sp>
         <p:nvSpPr>
-          <p:cNvPr id="7" name="Content Placeholder 6"/>
-          <p:cNvSpPr>
-            <a:spLocks noGrp="1"/>
-          </p:cNvSpPr>
-          <p:nvPr>
-            <p:ph sz="half" idx="2"/>
-          </p:nvPr>
-        </p:nvSpPr>
-        <p:spPr>
-          <a:xfrm>
-            <a:off x="839788" y="1259594"/>
-            <a:ext cx="5157787" cy="4930069"/>
-          </a:xfrm>
-        </p:spPr>
-        <p:txBody>
-          <a:bodyPr>
-            <a:normAutofit/>
-          </a:bodyPr>
-          <a:lstStyle/>
-          <a:p>
-            <a:pPr marL="0" indent="0">
-              <a:lnSpc>
-                <a:spcPct val="120000"/>
-              </a:lnSpc>
-              <a:spcBef>
-                <a:spcPts val="0"/>
-              </a:spcBef>
-              <a:buNone/>
-            </a:pPr>
-            <a:r>
-              <a:rPr lang="en-US" sz="1800" dirty="0" err="1" smtClean="0">
-                <a:latin typeface="Courier Final Draft" panose="02000409000000000000" pitchFamily="49" charset="0"/>
-              </a:rPr>
-              <a:t>pengine_demo</a:t>
-            </a:r>
-            <a:r>
-              <a:rPr lang="en-US" sz="1800" dirty="0" smtClean="0">
-                <a:latin typeface="Courier Final Draft" panose="02000409000000000000" pitchFamily="49" charset="0"/>
-              </a:rPr>
-              <a:t>(Port) :-</a:t>
-            </a:r>
-          </a:p>
-          <a:p>
-            <a:pPr marL="0" indent="0">
-              <a:lnSpc>
-                <a:spcPct val="120000"/>
-              </a:lnSpc>
-              <a:spcBef>
-                <a:spcPts val="0"/>
-              </a:spcBef>
-              <a:buNone/>
-            </a:pPr>
-            <a:r>
-              <a:rPr lang="en-US" sz="1800" dirty="0" smtClean="0">
-                <a:latin typeface="Courier Final Draft" panose="02000409000000000000" pitchFamily="49" charset="0"/>
-              </a:rPr>
-              <a:t>	format(atom(URL), 'http://localhost:~d', [Port]),</a:t>
-            </a:r>
-          </a:p>
-          <a:p>
-            <a:pPr marL="0" indent="0">
-              <a:lnSpc>
-                <a:spcPct val="120000"/>
-              </a:lnSpc>
-              <a:spcBef>
-                <a:spcPts val="0"/>
-              </a:spcBef>
-              <a:buNone/>
-            </a:pPr>
-            <a:r>
-              <a:rPr lang="en-US" sz="1800" dirty="0" smtClean="0">
-                <a:latin typeface="Courier Final Draft" panose="02000409000000000000" pitchFamily="49" charset="0"/>
-              </a:rPr>
-              <a:t>	</a:t>
-            </a:r>
-            <a:r>
-              <a:rPr lang="en-US" sz="1800" dirty="0" err="1" smtClean="0">
-                <a:latin typeface="Courier Final Draft" panose="02000409000000000000" pitchFamily="49" charset="0"/>
-              </a:rPr>
-              <a:t>pengine_create</a:t>
-            </a:r>
-            <a:r>
-              <a:rPr lang="en-US" sz="1800" dirty="0" smtClean="0">
-                <a:latin typeface="Courier Final Draft" panose="02000409000000000000" pitchFamily="49" charset="0"/>
-              </a:rPr>
-              <a:t>(</a:t>
-            </a:r>
-          </a:p>
-          <a:p>
-            <a:pPr marL="0" indent="0">
-              <a:lnSpc>
-                <a:spcPct val="120000"/>
-              </a:lnSpc>
-              <a:spcBef>
-                <a:spcPts val="0"/>
-              </a:spcBef>
-              <a:buNone/>
-            </a:pPr>
-            <a:r>
-              <a:rPr lang="en-US" sz="1800" dirty="0" smtClean="0">
-                <a:latin typeface="Courier Final Draft" panose="02000409000000000000" pitchFamily="49" charset="0"/>
-              </a:rPr>
-              <a:t>	    [ server(URL),</a:t>
-            </a:r>
-          </a:p>
-          <a:p>
-            <a:pPr marL="0" indent="0">
-              <a:lnSpc>
-                <a:spcPct val="120000"/>
-              </a:lnSpc>
-              <a:spcBef>
-                <a:spcPts val="0"/>
-              </a:spcBef>
-              <a:buNone/>
-            </a:pPr>
-            <a:r>
-              <a:rPr lang="en-US" sz="1800" dirty="0" smtClean="0">
-                <a:latin typeface="Courier Final Draft" panose="02000409000000000000" pitchFamily="49" charset="0"/>
-              </a:rPr>
-              <a:t>	      </a:t>
-            </a:r>
-            <a:r>
-              <a:rPr lang="en-US" sz="1800" dirty="0" err="1" smtClean="0">
-                <a:latin typeface="Courier Final Draft" panose="02000409000000000000" pitchFamily="49" charset="0"/>
-              </a:rPr>
-              <a:t>src_text</a:t>
-            </a:r>
-            <a:r>
-              <a:rPr lang="en-US" sz="1800" dirty="0" smtClean="0">
-                <a:latin typeface="Courier Final Draft" panose="02000409000000000000" pitchFamily="49" charset="0"/>
-              </a:rPr>
-              <a:t>("</a:t>
-            </a:r>
-          </a:p>
-          <a:p>
-            <a:pPr marL="0" indent="0">
-              <a:lnSpc>
-                <a:spcPct val="120000"/>
-              </a:lnSpc>
-              <a:spcBef>
-                <a:spcPts val="0"/>
-              </a:spcBef>
-              <a:buNone/>
-            </a:pPr>
-            <a:r>
-              <a:rPr lang="en-US" sz="1800" dirty="0" smtClean="0">
-                <a:latin typeface="Courier Final Draft" panose="02000409000000000000" pitchFamily="49" charset="0"/>
-              </a:rPr>
-              <a:t>	        q(X) :- p(X).</a:t>
-            </a:r>
-          </a:p>
-          <a:p>
-            <a:pPr marL="0" indent="0">
-              <a:lnSpc>
-                <a:spcPct val="120000"/>
-              </a:lnSpc>
-              <a:spcBef>
-                <a:spcPts val="0"/>
-              </a:spcBef>
-              <a:buNone/>
-            </a:pPr>
-            <a:r>
-              <a:rPr lang="en-US" sz="1800" dirty="0" smtClean="0">
-                <a:latin typeface="Courier Final Draft" panose="02000409000000000000" pitchFamily="49" charset="0"/>
-              </a:rPr>
-              <a:t>                p(a). p(b). p(c).</a:t>
-            </a:r>
-          </a:p>
-          <a:p>
-            <a:pPr marL="0" indent="0">
-              <a:lnSpc>
-                <a:spcPct val="120000"/>
-              </a:lnSpc>
-              <a:spcBef>
-                <a:spcPts val="0"/>
-              </a:spcBef>
-              <a:buNone/>
-            </a:pPr>
-            <a:r>
-              <a:rPr lang="en-US" sz="1800" dirty="0" smtClean="0">
-                <a:latin typeface="Courier Final Draft" panose="02000409000000000000" pitchFamily="49" charset="0"/>
-              </a:rPr>
-              <a:t>	      ")</a:t>
-            </a:r>
-          </a:p>
-          <a:p>
-            <a:pPr marL="0" indent="0">
-              <a:lnSpc>
-                <a:spcPct val="120000"/>
-              </a:lnSpc>
-              <a:spcBef>
-                <a:spcPts val="0"/>
-              </a:spcBef>
-              <a:buNone/>
-            </a:pPr>
-            <a:r>
-              <a:rPr lang="en-US" sz="1800" dirty="0" smtClean="0">
-                <a:latin typeface="Courier Final Draft" panose="02000409000000000000" pitchFamily="49" charset="0"/>
-              </a:rPr>
-              <a:t>	    ]),</a:t>
-            </a:r>
-          </a:p>
-          <a:p>
-            <a:pPr marL="0" indent="0">
-              <a:lnSpc>
-                <a:spcPct val="120000"/>
-              </a:lnSpc>
-              <a:spcBef>
-                <a:spcPts val="0"/>
-              </a:spcBef>
-              <a:buNone/>
-            </a:pPr>
-            <a:r>
-              <a:rPr lang="en-US" sz="1800" dirty="0" smtClean="0">
-                <a:latin typeface="Courier Final Draft" panose="02000409000000000000" pitchFamily="49" charset="0"/>
-              </a:rPr>
-              <a:t>	</a:t>
-            </a:r>
-            <a:r>
-              <a:rPr lang="en-US" sz="1800" dirty="0" err="1" smtClean="0">
-                <a:latin typeface="Courier Final Draft" panose="02000409000000000000" pitchFamily="49" charset="0"/>
-              </a:rPr>
-              <a:t>pengine_event_loop</a:t>
-            </a:r>
-            <a:r>
-              <a:rPr lang="en-US" sz="1800" dirty="0" smtClean="0">
-                <a:latin typeface="Courier Final Draft" panose="02000409000000000000" pitchFamily="49" charset="0"/>
-              </a:rPr>
-              <a:t>(handle, []).</a:t>
-            </a:r>
-          </a:p>
-          <a:p>
-            <a:pPr marL="0" indent="0">
-              <a:lnSpc>
-                <a:spcPct val="120000"/>
-              </a:lnSpc>
-              <a:spcBef>
-                <a:spcPts val="0"/>
-              </a:spcBef>
-              <a:buNone/>
-            </a:pPr>
-            <a:endParaRPr lang="en-US" sz="1400" dirty="0" smtClean="0">
-              <a:latin typeface="Courier Final Draft" panose="02000409000000000000" pitchFamily="49" charset="0"/>
-            </a:endParaRPr>
-          </a:p>
-          <a:p>
-            <a:pPr marL="0" indent="0">
-              <a:lnSpc>
-                <a:spcPct val="120000"/>
-              </a:lnSpc>
-              <a:spcBef>
-                <a:spcPts val="0"/>
-              </a:spcBef>
-              <a:buNone/>
-            </a:pPr>
-            <a:endParaRPr lang="en-US" sz="1400" dirty="0" smtClean="0">
-              <a:latin typeface="Courier Final Draft" panose="02000409000000000000" pitchFamily="49" charset="0"/>
-            </a:endParaRPr>
-          </a:p>
-          <a:p>
-            <a:endParaRPr lang="en-US" sz="4800" dirty="0"/>
-          </a:p>
-        </p:txBody>
-      </p:sp>
-      <p:sp>
-        <p:nvSpPr>
-          <p:cNvPr id="9" name="Content Placeholder 8"/>
-          <p:cNvSpPr>
-            <a:spLocks noGrp="1"/>
-          </p:cNvSpPr>
-          <p:nvPr>
-            <p:ph sz="quarter" idx="4"/>
-          </p:nvPr>
-        </p:nvSpPr>
-        <p:spPr>
-          <a:xfrm>
-            <a:off x="6172200" y="1259594"/>
-            <a:ext cx="5183188" cy="4930069"/>
-          </a:xfrm>
-        </p:spPr>
-        <p:txBody>
-          <a:bodyPr>
-            <a:normAutofit/>
-          </a:bodyPr>
-          <a:lstStyle/>
-          <a:p>
-            <a:pPr marL="0" indent="0">
-              <a:lnSpc>
-                <a:spcPct val="120000"/>
-              </a:lnSpc>
-              <a:spcBef>
-                <a:spcPts val="0"/>
-              </a:spcBef>
-              <a:buNone/>
-            </a:pPr>
-            <a:r>
-              <a:rPr lang="en-US" sz="1800" dirty="0" smtClean="0">
-                <a:latin typeface="Courier Final Draft" panose="02000409000000000000" pitchFamily="49" charset="0"/>
-              </a:rPr>
-              <a:t>handle(create(ID, _)) :-</a:t>
-            </a:r>
-          </a:p>
-          <a:p>
-            <a:pPr marL="0" indent="0">
-              <a:lnSpc>
-                <a:spcPct val="120000"/>
-              </a:lnSpc>
-              <a:spcBef>
-                <a:spcPts val="0"/>
-              </a:spcBef>
-              <a:buNone/>
-            </a:pPr>
-            <a:r>
-              <a:rPr lang="en-US" sz="1800" dirty="0" smtClean="0">
-                <a:latin typeface="Courier Final Draft" panose="02000409000000000000" pitchFamily="49" charset="0"/>
-              </a:rPr>
-              <a:t>	</a:t>
-            </a:r>
-            <a:r>
-              <a:rPr lang="en-US" sz="1800" dirty="0" err="1" smtClean="0">
-                <a:latin typeface="Courier Final Draft" panose="02000409000000000000" pitchFamily="49" charset="0"/>
-              </a:rPr>
-              <a:t>pengine_ask</a:t>
-            </a:r>
-            <a:r>
-              <a:rPr lang="en-US" sz="1800" dirty="0" smtClean="0">
-                <a:latin typeface="Courier Final Draft" panose="02000409000000000000" pitchFamily="49" charset="0"/>
-              </a:rPr>
-              <a:t>(ID, q(_X), []).</a:t>
-            </a:r>
-          </a:p>
-          <a:p>
-            <a:pPr marL="0" indent="0">
-              <a:lnSpc>
-                <a:spcPct val="120000"/>
-              </a:lnSpc>
-              <a:spcBef>
-                <a:spcPts val="0"/>
-              </a:spcBef>
-              <a:buNone/>
-            </a:pPr>
-            <a:r>
-              <a:rPr lang="en-US" sz="1800" dirty="0" smtClean="0">
-                <a:latin typeface="Courier Final Draft" panose="02000409000000000000" pitchFamily="49" charset="0"/>
-              </a:rPr>
-              <a:t>handle(success(ID, X, false)) :- !,</a:t>
-            </a:r>
-          </a:p>
-          <a:p>
-            <a:pPr marL="0" indent="0">
-              <a:lnSpc>
-                <a:spcPct val="120000"/>
-              </a:lnSpc>
-              <a:spcBef>
-                <a:spcPts val="0"/>
-              </a:spcBef>
-              <a:buNone/>
-            </a:pPr>
-            <a:r>
-              <a:rPr lang="en-US" sz="1800" dirty="0" smtClean="0">
-                <a:latin typeface="Courier Final Draft" panose="02000409000000000000" pitchFamily="49" charset="0"/>
-              </a:rPr>
-              <a:t>	</a:t>
-            </a:r>
-            <a:r>
-              <a:rPr lang="en-US" sz="1800" dirty="0" err="1" smtClean="0">
-                <a:latin typeface="Courier Final Draft" panose="02000409000000000000" pitchFamily="49" charset="0"/>
-              </a:rPr>
-              <a:t>writeln</a:t>
-            </a:r>
-            <a:r>
-              <a:rPr lang="en-US" sz="1800" dirty="0" smtClean="0">
-                <a:latin typeface="Courier Final Draft" panose="02000409000000000000" pitchFamily="49" charset="0"/>
-              </a:rPr>
-              <a:t>(X),</a:t>
-            </a:r>
-          </a:p>
-          <a:p>
-            <a:pPr marL="0" indent="0">
-              <a:lnSpc>
-                <a:spcPct val="120000"/>
-              </a:lnSpc>
-              <a:spcBef>
-                <a:spcPts val="0"/>
-              </a:spcBef>
-              <a:buNone/>
-            </a:pPr>
-            <a:r>
-              <a:rPr lang="en-US" sz="1800" dirty="0" smtClean="0">
-                <a:latin typeface="Courier Final Draft" panose="02000409000000000000" pitchFamily="49" charset="0"/>
-              </a:rPr>
-              <a:t>	</a:t>
-            </a:r>
-            <a:r>
-              <a:rPr lang="en-US" sz="1800" dirty="0" err="1" smtClean="0">
-                <a:latin typeface="Courier Final Draft" panose="02000409000000000000" pitchFamily="49" charset="0"/>
-              </a:rPr>
-              <a:t>pengine_destroy</a:t>
-            </a:r>
-            <a:r>
-              <a:rPr lang="en-US" sz="1800" dirty="0" smtClean="0">
-                <a:latin typeface="Courier Final Draft" panose="02000409000000000000" pitchFamily="49" charset="0"/>
-              </a:rPr>
-              <a:t>(ID).</a:t>
-            </a:r>
-          </a:p>
-          <a:p>
-            <a:pPr marL="0" indent="0">
-              <a:lnSpc>
-                <a:spcPct val="120000"/>
-              </a:lnSpc>
-              <a:spcBef>
-                <a:spcPts val="0"/>
-              </a:spcBef>
-              <a:buNone/>
-            </a:pPr>
-            <a:r>
-              <a:rPr lang="en-US" sz="1800" dirty="0" smtClean="0">
-                <a:latin typeface="Courier Final Draft" panose="02000409000000000000" pitchFamily="49" charset="0"/>
-              </a:rPr>
-              <a:t>handle(success(ID, X, true)) :-</a:t>
-            </a:r>
-          </a:p>
-          <a:p>
-            <a:pPr marL="0" indent="0">
-              <a:lnSpc>
-                <a:spcPct val="120000"/>
-              </a:lnSpc>
-              <a:spcBef>
-                <a:spcPts val="0"/>
-              </a:spcBef>
-              <a:buNone/>
-            </a:pPr>
-            <a:r>
-              <a:rPr lang="en-US" sz="1800" dirty="0" smtClean="0">
-                <a:latin typeface="Courier Final Draft" panose="02000409000000000000" pitchFamily="49" charset="0"/>
-              </a:rPr>
-              <a:t>	</a:t>
-            </a:r>
-            <a:r>
-              <a:rPr lang="en-US" sz="1800" dirty="0" err="1" smtClean="0">
-                <a:latin typeface="Courier Final Draft" panose="02000409000000000000" pitchFamily="49" charset="0"/>
-              </a:rPr>
-              <a:t>writeln</a:t>
-            </a:r>
-            <a:r>
-              <a:rPr lang="en-US" sz="1800" dirty="0" smtClean="0">
-                <a:latin typeface="Courier Final Draft" panose="02000409000000000000" pitchFamily="49" charset="0"/>
-              </a:rPr>
-              <a:t>(X),</a:t>
-            </a:r>
-          </a:p>
-          <a:p>
-            <a:pPr marL="0" indent="0">
-              <a:lnSpc>
-                <a:spcPct val="120000"/>
-              </a:lnSpc>
-              <a:spcBef>
-                <a:spcPts val="0"/>
-              </a:spcBef>
-              <a:buNone/>
-            </a:pPr>
-            <a:r>
-              <a:rPr lang="en-US" sz="1800" dirty="0" smtClean="0">
-                <a:latin typeface="Courier Final Draft" panose="02000409000000000000" pitchFamily="49" charset="0"/>
-              </a:rPr>
-              <a:t>	</a:t>
-            </a:r>
-            <a:r>
-              <a:rPr lang="en-US" sz="1800" dirty="0" err="1" smtClean="0">
-                <a:latin typeface="Courier Final Draft" panose="02000409000000000000" pitchFamily="49" charset="0"/>
-              </a:rPr>
-              <a:t>pengine_next</a:t>
-            </a:r>
-            <a:r>
-              <a:rPr lang="en-US" sz="1800" dirty="0" smtClean="0">
-                <a:latin typeface="Courier Final Draft" panose="02000409000000000000" pitchFamily="49" charset="0"/>
-              </a:rPr>
-              <a:t>(ID, []).</a:t>
-            </a:r>
-          </a:p>
-          <a:p>
-            <a:endParaRPr lang="en-US" sz="1800" dirty="0"/>
+          <p:cNvPr id="3" name="Text Placeholder 2"/>
+          <p:cNvSpPr>
+            <a:spLocks noGrp="1"/>
+          </p:cNvSpPr>
+          <p:nvPr>
+            <p:ph type="body" idx="1"/>
+          </p:nvPr>
+        </p:nvSpPr>
+        <p:spPr/>
+        <p:txBody>
+          <a:bodyPr/>
+          <a:lstStyle/>
+          <a:p>
+            <a:endParaRPr lang="en-US"/>
           </a:p>
         </p:txBody>
       </p:sp>
     </p:spTree>
     <p:extLst>
       <p:ext uri="{BB962C8B-B14F-4D97-AF65-F5344CB8AC3E}">
-        <p14:creationId xmlns:p14="http://schemas.microsoft.com/office/powerpoint/2010/main" val="1431496656"/>
+        <p14:creationId xmlns:p14="http://schemas.microsoft.com/office/powerpoint/2010/main" val="2551789944"/>
       </p:ext>
     </p:extLst>
   </p:cSld>
@@ -8459,7 +8118,7 @@
           <a:graphicData uri="http://schemas.openxmlformats.org/presentationml/2006/ole">
             <mc:AlternateContent xmlns:mc="http://schemas.openxmlformats.org/markup-compatibility/2006">
               <mc:Choice xmlns:v="urn:schemas-microsoft-com:vml" Requires="v">
-                <p:oleObj spid="_x0000_s4105" name="Image" r:id="rId4" imgW="4312440" imgH="3547440" progId="Photoshop.Image.12">
+                <p:oleObj spid="_x0000_s4112" name="Image" r:id="rId4" imgW="4312440" imgH="3547440" progId="Photoshop.Image.12">
                   <p:embed/>
                 </p:oleObj>
               </mc:Choice>
@@ -8582,6 +8241,559 @@
           <a:lstStyle/>
           <a:p>
             <a:r>
+              <a:rPr lang="en-US" dirty="0" smtClean="0"/>
+              <a:t>client.pl</a:t>
+            </a:r>
+            <a:endParaRPr lang="en-US" dirty="0"/>
+          </a:p>
+        </p:txBody>
+      </p:sp>
+      <p:sp>
+        <p:nvSpPr>
+          <p:cNvPr id="7" name="Content Placeholder 6"/>
+          <p:cNvSpPr>
+            <a:spLocks noGrp="1"/>
+          </p:cNvSpPr>
+          <p:nvPr>
+            <p:ph sz="half" idx="2"/>
+          </p:nvPr>
+        </p:nvSpPr>
+        <p:spPr>
+          <a:xfrm>
+            <a:off x="839788" y="1259594"/>
+            <a:ext cx="5157787" cy="4930069"/>
+          </a:xfrm>
+        </p:spPr>
+        <p:txBody>
+          <a:bodyPr>
+            <a:normAutofit/>
+          </a:bodyPr>
+          <a:lstStyle/>
+          <a:p>
+            <a:pPr marL="0" indent="0">
+              <a:lnSpc>
+                <a:spcPct val="120000"/>
+              </a:lnSpc>
+              <a:spcBef>
+                <a:spcPts val="0"/>
+              </a:spcBef>
+              <a:buNone/>
+            </a:pPr>
+            <a:r>
+              <a:rPr lang="en-US" sz="1800" dirty="0" err="1" smtClean="0">
+                <a:latin typeface="Courier Final Draft" panose="02000409000000000000" pitchFamily="49" charset="0"/>
+              </a:rPr>
+              <a:t>pengine_demo</a:t>
+            </a:r>
+            <a:r>
+              <a:rPr lang="en-US" sz="1800" dirty="0" smtClean="0">
+                <a:latin typeface="Courier Final Draft" panose="02000409000000000000" pitchFamily="49" charset="0"/>
+              </a:rPr>
+              <a:t>(Port) :-</a:t>
+            </a:r>
+          </a:p>
+          <a:p>
+            <a:pPr marL="0" indent="0">
+              <a:lnSpc>
+                <a:spcPct val="120000"/>
+              </a:lnSpc>
+              <a:spcBef>
+                <a:spcPts val="0"/>
+              </a:spcBef>
+              <a:buNone/>
+            </a:pPr>
+            <a:r>
+              <a:rPr lang="en-US" sz="1800" dirty="0" smtClean="0">
+                <a:latin typeface="Courier Final Draft" panose="02000409000000000000" pitchFamily="49" charset="0"/>
+              </a:rPr>
+              <a:t>	format(atom(URL), 'http://localhost:~d', [Port]),</a:t>
+            </a:r>
+          </a:p>
+          <a:p>
+            <a:pPr marL="0" indent="0">
+              <a:lnSpc>
+                <a:spcPct val="120000"/>
+              </a:lnSpc>
+              <a:spcBef>
+                <a:spcPts val="0"/>
+              </a:spcBef>
+              <a:buNone/>
+            </a:pPr>
+            <a:r>
+              <a:rPr lang="en-US" sz="1800" dirty="0" smtClean="0">
+                <a:latin typeface="Courier Final Draft" panose="02000409000000000000" pitchFamily="49" charset="0"/>
+              </a:rPr>
+              <a:t>	</a:t>
+            </a:r>
+            <a:r>
+              <a:rPr lang="en-US" sz="1800" dirty="0" err="1" smtClean="0">
+                <a:latin typeface="Courier Final Draft" panose="02000409000000000000" pitchFamily="49" charset="0"/>
+              </a:rPr>
+              <a:t>pengine_create</a:t>
+            </a:r>
+            <a:r>
+              <a:rPr lang="en-US" sz="1800" dirty="0" smtClean="0">
+                <a:latin typeface="Courier Final Draft" panose="02000409000000000000" pitchFamily="49" charset="0"/>
+              </a:rPr>
+              <a:t>(</a:t>
+            </a:r>
+          </a:p>
+          <a:p>
+            <a:pPr marL="0" indent="0">
+              <a:lnSpc>
+                <a:spcPct val="120000"/>
+              </a:lnSpc>
+              <a:spcBef>
+                <a:spcPts val="0"/>
+              </a:spcBef>
+              <a:buNone/>
+            </a:pPr>
+            <a:r>
+              <a:rPr lang="en-US" sz="1800" dirty="0" smtClean="0">
+                <a:latin typeface="Courier Final Draft" panose="02000409000000000000" pitchFamily="49" charset="0"/>
+              </a:rPr>
+              <a:t>	    [ server(URL),</a:t>
+            </a:r>
+          </a:p>
+          <a:p>
+            <a:pPr marL="0" indent="0">
+              <a:lnSpc>
+                <a:spcPct val="120000"/>
+              </a:lnSpc>
+              <a:spcBef>
+                <a:spcPts val="0"/>
+              </a:spcBef>
+              <a:buNone/>
+            </a:pPr>
+            <a:r>
+              <a:rPr lang="en-US" sz="1800" dirty="0" smtClean="0">
+                <a:latin typeface="Courier Final Draft" panose="02000409000000000000" pitchFamily="49" charset="0"/>
+              </a:rPr>
+              <a:t>	      </a:t>
+            </a:r>
+            <a:r>
+              <a:rPr lang="en-US" sz="1800" dirty="0" err="1" smtClean="0">
+                <a:latin typeface="Courier Final Draft" panose="02000409000000000000" pitchFamily="49" charset="0"/>
+              </a:rPr>
+              <a:t>src_text</a:t>
+            </a:r>
+            <a:r>
+              <a:rPr lang="en-US" sz="1800" dirty="0" smtClean="0">
+                <a:latin typeface="Courier Final Draft" panose="02000409000000000000" pitchFamily="49" charset="0"/>
+              </a:rPr>
+              <a:t>("</a:t>
+            </a:r>
+          </a:p>
+          <a:p>
+            <a:pPr marL="0" indent="0">
+              <a:lnSpc>
+                <a:spcPct val="120000"/>
+              </a:lnSpc>
+              <a:spcBef>
+                <a:spcPts val="0"/>
+              </a:spcBef>
+              <a:buNone/>
+            </a:pPr>
+            <a:r>
+              <a:rPr lang="en-US" sz="1800" dirty="0" smtClean="0">
+                <a:latin typeface="Courier Final Draft" panose="02000409000000000000" pitchFamily="49" charset="0"/>
+              </a:rPr>
+              <a:t>	        q(X) :- p(X).</a:t>
+            </a:r>
+          </a:p>
+          <a:p>
+            <a:pPr marL="0" indent="0">
+              <a:lnSpc>
+                <a:spcPct val="120000"/>
+              </a:lnSpc>
+              <a:spcBef>
+                <a:spcPts val="0"/>
+              </a:spcBef>
+              <a:buNone/>
+            </a:pPr>
+            <a:r>
+              <a:rPr lang="en-US" sz="1800" dirty="0" smtClean="0">
+                <a:latin typeface="Courier Final Draft" panose="02000409000000000000" pitchFamily="49" charset="0"/>
+              </a:rPr>
+              <a:t>                p(a). p(b). p(c).</a:t>
+            </a:r>
+          </a:p>
+          <a:p>
+            <a:pPr marL="0" indent="0">
+              <a:lnSpc>
+                <a:spcPct val="120000"/>
+              </a:lnSpc>
+              <a:spcBef>
+                <a:spcPts val="0"/>
+              </a:spcBef>
+              <a:buNone/>
+            </a:pPr>
+            <a:r>
+              <a:rPr lang="en-US" sz="1800" dirty="0" smtClean="0">
+                <a:latin typeface="Courier Final Draft" panose="02000409000000000000" pitchFamily="49" charset="0"/>
+              </a:rPr>
+              <a:t>	      ")</a:t>
+            </a:r>
+          </a:p>
+          <a:p>
+            <a:pPr marL="0" indent="0">
+              <a:lnSpc>
+                <a:spcPct val="120000"/>
+              </a:lnSpc>
+              <a:spcBef>
+                <a:spcPts val="0"/>
+              </a:spcBef>
+              <a:buNone/>
+            </a:pPr>
+            <a:r>
+              <a:rPr lang="en-US" sz="1800" dirty="0" smtClean="0">
+                <a:latin typeface="Courier Final Draft" panose="02000409000000000000" pitchFamily="49" charset="0"/>
+              </a:rPr>
+              <a:t>	    ]),</a:t>
+            </a:r>
+          </a:p>
+          <a:p>
+            <a:pPr marL="0" indent="0">
+              <a:lnSpc>
+                <a:spcPct val="120000"/>
+              </a:lnSpc>
+              <a:spcBef>
+                <a:spcPts val="0"/>
+              </a:spcBef>
+              <a:buNone/>
+            </a:pPr>
+            <a:r>
+              <a:rPr lang="en-US" sz="1800" dirty="0" smtClean="0">
+                <a:latin typeface="Courier Final Draft" panose="02000409000000000000" pitchFamily="49" charset="0"/>
+              </a:rPr>
+              <a:t>	</a:t>
+            </a:r>
+            <a:r>
+              <a:rPr lang="en-US" sz="1800" dirty="0" err="1" smtClean="0">
+                <a:latin typeface="Courier Final Draft" panose="02000409000000000000" pitchFamily="49" charset="0"/>
+              </a:rPr>
+              <a:t>pengine_event_loop</a:t>
+            </a:r>
+            <a:r>
+              <a:rPr lang="en-US" sz="1800" dirty="0" smtClean="0">
+                <a:latin typeface="Courier Final Draft" panose="02000409000000000000" pitchFamily="49" charset="0"/>
+              </a:rPr>
+              <a:t>(handle, []).</a:t>
+            </a:r>
+          </a:p>
+          <a:p>
+            <a:pPr marL="0" indent="0">
+              <a:lnSpc>
+                <a:spcPct val="120000"/>
+              </a:lnSpc>
+              <a:spcBef>
+                <a:spcPts val="0"/>
+              </a:spcBef>
+              <a:buNone/>
+            </a:pPr>
+            <a:endParaRPr lang="en-US" sz="1400" dirty="0" smtClean="0">
+              <a:latin typeface="Courier Final Draft" panose="02000409000000000000" pitchFamily="49" charset="0"/>
+            </a:endParaRPr>
+          </a:p>
+          <a:p>
+            <a:pPr marL="0" indent="0">
+              <a:lnSpc>
+                <a:spcPct val="120000"/>
+              </a:lnSpc>
+              <a:spcBef>
+                <a:spcPts val="0"/>
+              </a:spcBef>
+              <a:buNone/>
+            </a:pPr>
+            <a:endParaRPr lang="en-US" sz="1400" dirty="0" smtClean="0">
+              <a:latin typeface="Courier Final Draft" panose="02000409000000000000" pitchFamily="49" charset="0"/>
+            </a:endParaRPr>
+          </a:p>
+          <a:p>
+            <a:endParaRPr lang="en-US" sz="4800" dirty="0"/>
+          </a:p>
+        </p:txBody>
+      </p:sp>
+      <p:sp>
+        <p:nvSpPr>
+          <p:cNvPr id="9" name="Content Placeholder 8"/>
+          <p:cNvSpPr>
+            <a:spLocks noGrp="1"/>
+          </p:cNvSpPr>
+          <p:nvPr>
+            <p:ph sz="quarter" idx="4"/>
+          </p:nvPr>
+        </p:nvSpPr>
+        <p:spPr>
+          <a:xfrm>
+            <a:off x="6172200" y="1259594"/>
+            <a:ext cx="5183188" cy="4930069"/>
+          </a:xfrm>
+        </p:spPr>
+        <p:txBody>
+          <a:bodyPr>
+            <a:normAutofit/>
+          </a:bodyPr>
+          <a:lstStyle/>
+          <a:p>
+            <a:pPr marL="0" indent="0">
+              <a:lnSpc>
+                <a:spcPct val="120000"/>
+              </a:lnSpc>
+              <a:spcBef>
+                <a:spcPts val="0"/>
+              </a:spcBef>
+              <a:buNone/>
+            </a:pPr>
+            <a:r>
+              <a:rPr lang="en-US" sz="1800" dirty="0" smtClean="0">
+                <a:latin typeface="Courier Final Draft" panose="02000409000000000000" pitchFamily="49" charset="0"/>
+              </a:rPr>
+              <a:t>handle(create(ID, _)) :-</a:t>
+            </a:r>
+          </a:p>
+          <a:p>
+            <a:pPr marL="0" indent="0">
+              <a:lnSpc>
+                <a:spcPct val="120000"/>
+              </a:lnSpc>
+              <a:spcBef>
+                <a:spcPts val="0"/>
+              </a:spcBef>
+              <a:buNone/>
+            </a:pPr>
+            <a:r>
+              <a:rPr lang="en-US" sz="1800" dirty="0" smtClean="0">
+                <a:latin typeface="Courier Final Draft" panose="02000409000000000000" pitchFamily="49" charset="0"/>
+              </a:rPr>
+              <a:t>	</a:t>
+            </a:r>
+            <a:r>
+              <a:rPr lang="en-US" sz="1800" dirty="0" err="1" smtClean="0">
+                <a:latin typeface="Courier Final Draft" panose="02000409000000000000" pitchFamily="49" charset="0"/>
+              </a:rPr>
+              <a:t>pengine_ask</a:t>
+            </a:r>
+            <a:r>
+              <a:rPr lang="en-US" sz="1800" dirty="0" smtClean="0">
+                <a:latin typeface="Courier Final Draft" panose="02000409000000000000" pitchFamily="49" charset="0"/>
+              </a:rPr>
+              <a:t>(ID, q(_X), []).</a:t>
+            </a:r>
+          </a:p>
+          <a:p>
+            <a:pPr marL="0" indent="0">
+              <a:lnSpc>
+                <a:spcPct val="120000"/>
+              </a:lnSpc>
+              <a:spcBef>
+                <a:spcPts val="0"/>
+              </a:spcBef>
+              <a:buNone/>
+            </a:pPr>
+            <a:r>
+              <a:rPr lang="en-US" sz="1800" dirty="0" smtClean="0">
+                <a:latin typeface="Courier Final Draft" panose="02000409000000000000" pitchFamily="49" charset="0"/>
+              </a:rPr>
+              <a:t>handle(success(ID, X, false)) :- !,</a:t>
+            </a:r>
+          </a:p>
+          <a:p>
+            <a:pPr marL="0" indent="0">
+              <a:lnSpc>
+                <a:spcPct val="120000"/>
+              </a:lnSpc>
+              <a:spcBef>
+                <a:spcPts val="0"/>
+              </a:spcBef>
+              <a:buNone/>
+            </a:pPr>
+            <a:r>
+              <a:rPr lang="en-US" sz="1800" dirty="0" smtClean="0">
+                <a:latin typeface="Courier Final Draft" panose="02000409000000000000" pitchFamily="49" charset="0"/>
+              </a:rPr>
+              <a:t>	</a:t>
+            </a:r>
+            <a:r>
+              <a:rPr lang="en-US" sz="1800" dirty="0" err="1" smtClean="0">
+                <a:latin typeface="Courier Final Draft" panose="02000409000000000000" pitchFamily="49" charset="0"/>
+              </a:rPr>
+              <a:t>writeln</a:t>
+            </a:r>
+            <a:r>
+              <a:rPr lang="en-US" sz="1800" dirty="0" smtClean="0">
+                <a:latin typeface="Courier Final Draft" panose="02000409000000000000" pitchFamily="49" charset="0"/>
+              </a:rPr>
+              <a:t>(X),</a:t>
+            </a:r>
+          </a:p>
+          <a:p>
+            <a:pPr marL="0" indent="0">
+              <a:lnSpc>
+                <a:spcPct val="120000"/>
+              </a:lnSpc>
+              <a:spcBef>
+                <a:spcPts val="0"/>
+              </a:spcBef>
+              <a:buNone/>
+            </a:pPr>
+            <a:r>
+              <a:rPr lang="en-US" sz="1800" dirty="0" smtClean="0">
+                <a:latin typeface="Courier Final Draft" panose="02000409000000000000" pitchFamily="49" charset="0"/>
+              </a:rPr>
+              <a:t>	</a:t>
+            </a:r>
+            <a:r>
+              <a:rPr lang="en-US" sz="1800" dirty="0" err="1" smtClean="0">
+                <a:latin typeface="Courier Final Draft" panose="02000409000000000000" pitchFamily="49" charset="0"/>
+              </a:rPr>
+              <a:t>pengine_destroy</a:t>
+            </a:r>
+            <a:r>
+              <a:rPr lang="en-US" sz="1800" dirty="0" smtClean="0">
+                <a:latin typeface="Courier Final Draft" panose="02000409000000000000" pitchFamily="49" charset="0"/>
+              </a:rPr>
+              <a:t>(ID).</a:t>
+            </a:r>
+          </a:p>
+          <a:p>
+            <a:pPr marL="0" indent="0">
+              <a:lnSpc>
+                <a:spcPct val="120000"/>
+              </a:lnSpc>
+              <a:spcBef>
+                <a:spcPts val="0"/>
+              </a:spcBef>
+              <a:buNone/>
+            </a:pPr>
+            <a:r>
+              <a:rPr lang="en-US" sz="1800" dirty="0" smtClean="0">
+                <a:latin typeface="Courier Final Draft" panose="02000409000000000000" pitchFamily="49" charset="0"/>
+              </a:rPr>
+              <a:t>handle(success(ID, X, true)) :-</a:t>
+            </a:r>
+          </a:p>
+          <a:p>
+            <a:pPr marL="0" indent="0">
+              <a:lnSpc>
+                <a:spcPct val="120000"/>
+              </a:lnSpc>
+              <a:spcBef>
+                <a:spcPts val="0"/>
+              </a:spcBef>
+              <a:buNone/>
+            </a:pPr>
+            <a:r>
+              <a:rPr lang="en-US" sz="1800" dirty="0" smtClean="0">
+                <a:latin typeface="Courier Final Draft" panose="02000409000000000000" pitchFamily="49" charset="0"/>
+              </a:rPr>
+              <a:t>	</a:t>
+            </a:r>
+            <a:r>
+              <a:rPr lang="en-US" sz="1800" dirty="0" err="1" smtClean="0">
+                <a:latin typeface="Courier Final Draft" panose="02000409000000000000" pitchFamily="49" charset="0"/>
+              </a:rPr>
+              <a:t>writeln</a:t>
+            </a:r>
+            <a:r>
+              <a:rPr lang="en-US" sz="1800" dirty="0" smtClean="0">
+                <a:latin typeface="Courier Final Draft" panose="02000409000000000000" pitchFamily="49" charset="0"/>
+              </a:rPr>
+              <a:t>(X),</a:t>
+            </a:r>
+          </a:p>
+          <a:p>
+            <a:pPr marL="0" indent="0">
+              <a:lnSpc>
+                <a:spcPct val="120000"/>
+              </a:lnSpc>
+              <a:spcBef>
+                <a:spcPts val="0"/>
+              </a:spcBef>
+              <a:buNone/>
+            </a:pPr>
+            <a:r>
+              <a:rPr lang="en-US" sz="1800" dirty="0" smtClean="0">
+                <a:latin typeface="Courier Final Draft" panose="02000409000000000000" pitchFamily="49" charset="0"/>
+              </a:rPr>
+              <a:t>	</a:t>
+            </a:r>
+            <a:r>
+              <a:rPr lang="en-US" sz="1800" dirty="0" err="1" smtClean="0">
+                <a:latin typeface="Courier Final Draft" panose="02000409000000000000" pitchFamily="49" charset="0"/>
+              </a:rPr>
+              <a:t>pengine_next</a:t>
+            </a:r>
+            <a:r>
+              <a:rPr lang="en-US" sz="1800" dirty="0" smtClean="0">
+                <a:latin typeface="Courier Final Draft" panose="02000409000000000000" pitchFamily="49" charset="0"/>
+              </a:rPr>
+              <a:t>(ID, []).</a:t>
+            </a:r>
+          </a:p>
+          <a:p>
+            <a:endParaRPr lang="en-US" sz="1800" dirty="0"/>
+          </a:p>
+        </p:txBody>
+      </p:sp>
+    </p:spTree>
+    <p:extLst>
+      <p:ext uri="{BB962C8B-B14F-4D97-AF65-F5344CB8AC3E}">
+        <p14:creationId xmlns:p14="http://schemas.microsoft.com/office/powerpoint/2010/main" val="1431496656"/>
+      </p:ext>
+    </p:extLst>
+  </p:cSld>
+  <p:clrMapOvr>
+    <a:masterClrMapping/>
+  </p:clrMapOvr>
+  <p:timing>
+    <p:tnLst>
+      <p:par>
+        <p:cTn id="1" dur="indefinite" restart="never" nodeType="tmRoot"/>
+      </p:par>
+    </p:tnLst>
+  </p:timing>
+</p:sld>
+</file>
+
+<file path=ppt/slides/slide21.xml><?xml version="1.0" encoding="utf-8"?>
+<p:sld xmlns:a="http://schemas.openxmlformats.org/drawingml/2006/main" xmlns:r="http://schemas.openxmlformats.org/officeDocument/2006/relationships" xmlns:p="http://schemas.openxmlformats.org/presentationml/2006/main">
+  <p:cSld>
+    <p:spTree>
+      <p:nvGrpSpPr>
+        <p:cNvPr id="1" name=""/>
+        <p:cNvGrpSpPr/>
+        <p:nvPr/>
+      </p:nvGrpSpPr>
+      <p:grpSpPr>
+        <a:xfrm>
+          <a:off x="0" y="0"/>
+          <a:ext cx="0" cy="0"/>
+          <a:chOff x="0" y="0"/>
+          <a:chExt cx="0" cy="0"/>
+        </a:xfrm>
+      </p:grpSpPr>
+      <p:sp>
+        <p:nvSpPr>
+          <p:cNvPr id="6" name="Text Placeholder 5"/>
+          <p:cNvSpPr>
+            <a:spLocks noGrp="1"/>
+          </p:cNvSpPr>
+          <p:nvPr>
+            <p:ph type="body" idx="1"/>
+          </p:nvPr>
+        </p:nvSpPr>
+        <p:spPr>
+          <a:xfrm>
+            <a:off x="839788" y="435682"/>
+            <a:ext cx="5157787" cy="823912"/>
+          </a:xfrm>
+        </p:spPr>
+        <p:txBody>
+          <a:bodyPr/>
+          <a:lstStyle/>
+          <a:p>
+            <a:r>
               <a:rPr lang="en-US" dirty="0" err="1" smtClean="0"/>
               <a:t>javascript</a:t>
             </a:r>
@@ -9292,7 +9504,7 @@
 </p:sld>
 </file>
 
-<file path=ppt/slides/slide21.xml><?xml version="1.0" encoding="utf-8"?>
+<file path=ppt/slides/slide22.xml><?xml version="1.0" encoding="utf-8"?>
 <p:sld xmlns:a="http://schemas.openxmlformats.org/drawingml/2006/main" xmlns:r="http://schemas.openxmlformats.org/officeDocument/2006/relationships" xmlns:p="http://schemas.openxmlformats.org/presentationml/2006/main">
   <p:cSld>
     <p:spTree>
@@ -9329,7 +9541,7 @@
 </p:sld>
 </file>
 
-<file path=ppt/slides/slide22.xml><?xml version="1.0" encoding="utf-8"?>
+<file path=ppt/slides/slide23.xml><?xml version="1.0" encoding="utf-8"?>
 <p:sld xmlns:a="http://schemas.openxmlformats.org/drawingml/2006/main" xmlns:r="http://schemas.openxmlformats.org/officeDocument/2006/relationships" xmlns:p="http://schemas.openxmlformats.org/presentationml/2006/main">
   <p:cSld>
     <p:spTree>
@@ -9572,7 +9784,7 @@
 </p:sld>
 </file>
 
-<file path=ppt/slides/slide23.xml><?xml version="1.0" encoding="utf-8"?>
+<file path=ppt/slides/slide24.xml><?xml version="1.0" encoding="utf-8"?>
 <p:sld xmlns:a="http://schemas.openxmlformats.org/drawingml/2006/main" xmlns:r="http://schemas.openxmlformats.org/officeDocument/2006/relationships" xmlns:p="http://schemas.openxmlformats.org/presentationml/2006/main">
   <p:cSld>
     <p:spTree>
@@ -9634,7 +9846,11 @@
             </a:r>
             <a:r>
               <a:rPr lang="en-US" dirty="0" smtClean="0"/>
-              <a:t>(-Prompt, -Term)</a:t>
+              <a:t>(+Prompt</a:t>
+            </a:r>
+            <a:r>
+              <a:rPr lang="en-US" dirty="0" smtClean="0"/>
+              <a:t>, -Term)</a:t>
             </a:r>
           </a:p>
           <a:p>
@@ -9670,7 +9886,7 @@
 </p:sld>
 </file>
 
-<file path=ppt/slides/slide24.xml><?xml version="1.0" encoding="utf-8"?>
+<file path=ppt/slides/slide25.xml><?xml version="1.0" encoding="utf-8"?>
 <p:sld xmlns:a="http://schemas.openxmlformats.org/drawingml/2006/main" xmlns:r="http://schemas.openxmlformats.org/officeDocument/2006/relationships" xmlns:p="http://schemas.openxmlformats.org/presentationml/2006/main">
   <p:cSld>
     <p:spTree>
@@ -9737,608 +9953,6 @@
 </p:sld>
 </file>
 
-<file path=ppt/slides/slide25.xml><?xml version="1.0" encoding="utf-8"?>
-<p:sld xmlns:a="http://schemas.openxmlformats.org/drawingml/2006/main" xmlns:r="http://schemas.openxmlformats.org/officeDocument/2006/relationships" xmlns:p="http://schemas.openxmlformats.org/presentationml/2006/main">
-  <p:cSld>
-    <p:spTree>
-      <p:nvGrpSpPr>
-        <p:cNvPr id="1" name=""/>
-        <p:cNvGrpSpPr/>
-        <p:nvPr/>
-      </p:nvGrpSpPr>
-      <p:grpSpPr>
-        <a:xfrm>
-          <a:off x="0" y="0"/>
-          <a:ext cx="0" cy="0"/>
-          <a:chOff x="0" y="0"/>
-          <a:chExt cx="0" cy="0"/>
-        </a:xfrm>
-      </p:grpSpPr>
-      <p:sp>
-        <p:nvSpPr>
-          <p:cNvPr id="6" name="Text Placeholder 5"/>
-          <p:cNvSpPr>
-            <a:spLocks noGrp="1"/>
-          </p:cNvSpPr>
-          <p:nvPr>
-            <p:ph type="body" idx="1"/>
-          </p:nvPr>
-        </p:nvSpPr>
-        <p:spPr>
-          <a:xfrm>
-            <a:off x="839788" y="435682"/>
-            <a:ext cx="5157787" cy="823912"/>
-          </a:xfrm>
-        </p:spPr>
-        <p:txBody>
-          <a:bodyPr/>
-          <a:lstStyle/>
-          <a:p>
-            <a:r>
-              <a:rPr lang="en-US" dirty="0" smtClean="0"/>
-              <a:t>main.pl</a:t>
-            </a:r>
-            <a:endParaRPr lang="en-US" dirty="0"/>
-          </a:p>
-        </p:txBody>
-      </p:sp>
-      <p:sp>
-        <p:nvSpPr>
-          <p:cNvPr id="7" name="Content Placeholder 6"/>
-          <p:cNvSpPr>
-            <a:spLocks noGrp="1"/>
-          </p:cNvSpPr>
-          <p:nvPr>
-            <p:ph sz="half" idx="2"/>
-          </p:nvPr>
-        </p:nvSpPr>
-        <p:spPr>
-          <a:xfrm>
-            <a:off x="839788" y="1259594"/>
-            <a:ext cx="5157787" cy="4930069"/>
-          </a:xfrm>
-        </p:spPr>
-        <p:txBody>
-          <a:bodyPr>
-            <a:normAutofit/>
-          </a:bodyPr>
-          <a:lstStyle/>
-          <a:p>
-            <a:pPr marL="0" indent="0">
-              <a:lnSpc>
-                <a:spcPct val="120000"/>
-              </a:lnSpc>
-              <a:spcBef>
-                <a:spcPts val="0"/>
-              </a:spcBef>
-              <a:buNone/>
-            </a:pPr>
-            <a:r>
-              <a:rPr lang="en-US" sz="1800" dirty="0" smtClean="0">
-                <a:latin typeface="Courier Final Draft" panose="02000409000000000000" pitchFamily="49" charset="0"/>
-              </a:rPr>
-              <a:t>:- </a:t>
-            </a:r>
-            <a:r>
-              <a:rPr lang="en-US" sz="1800" dirty="0" err="1" smtClean="0">
-                <a:latin typeface="Courier Final Draft" panose="02000409000000000000" pitchFamily="49" charset="0"/>
-              </a:rPr>
-              <a:t>use_module</a:t>
-            </a:r>
-            <a:r>
-              <a:rPr lang="en-US" sz="1800" dirty="0" smtClean="0">
-                <a:latin typeface="Courier Final Draft" panose="02000409000000000000" pitchFamily="49" charset="0"/>
-              </a:rPr>
-              <a:t>(library(</a:t>
-            </a:r>
-            <a:r>
-              <a:rPr lang="en-US" sz="1800" dirty="0" err="1" smtClean="0">
-                <a:latin typeface="Courier Final Draft" panose="02000409000000000000" pitchFamily="49" charset="0"/>
-              </a:rPr>
-              <a:t>pengines</a:t>
-            </a:r>
-            <a:r>
-              <a:rPr lang="en-US" sz="1800" dirty="0" smtClean="0">
-                <a:latin typeface="Courier Final Draft" panose="02000409000000000000" pitchFamily="49" charset="0"/>
-              </a:rPr>
-              <a:t>)).</a:t>
-            </a:r>
-          </a:p>
-          <a:p>
-            <a:pPr marL="0" indent="0">
-              <a:lnSpc>
-                <a:spcPct val="120000"/>
-              </a:lnSpc>
-              <a:spcBef>
-                <a:spcPts val="0"/>
-              </a:spcBef>
-              <a:buNone/>
-            </a:pPr>
-            <a:r>
-              <a:rPr lang="en-US" sz="1800" dirty="0" smtClean="0">
-                <a:latin typeface="Courier Final Draft" panose="02000409000000000000" pitchFamily="49" charset="0"/>
-              </a:rPr>
-              <a:t>:- </a:t>
-            </a:r>
-            <a:r>
-              <a:rPr lang="en-US" sz="1800" dirty="0" err="1" smtClean="0">
-                <a:latin typeface="Courier Final Draft" panose="02000409000000000000" pitchFamily="49" charset="0"/>
-              </a:rPr>
-              <a:t>use_module</a:t>
-            </a:r>
-            <a:r>
-              <a:rPr lang="en-US" sz="1800" dirty="0" smtClean="0">
-                <a:latin typeface="Courier Final Draft" panose="02000409000000000000" pitchFamily="49" charset="0"/>
-              </a:rPr>
-              <a:t>(library(sandbox)).</a:t>
-            </a:r>
-          </a:p>
-          <a:p>
-            <a:pPr marL="0" indent="0">
-              <a:lnSpc>
-                <a:spcPct val="120000"/>
-              </a:lnSpc>
-              <a:spcBef>
-                <a:spcPts val="0"/>
-              </a:spcBef>
-              <a:buNone/>
-            </a:pPr>
-            <a:r>
-              <a:rPr lang="en-US" sz="1800" b="1" dirty="0" smtClean="0">
-                <a:latin typeface="Courier Final Draft" panose="02000409000000000000" pitchFamily="49" charset="0"/>
-              </a:rPr>
-              <a:t>:- </a:t>
-            </a:r>
-            <a:r>
-              <a:rPr lang="en-US" sz="1800" b="1" dirty="0" err="1" smtClean="0">
-                <a:latin typeface="Courier Final Draft" panose="02000409000000000000" pitchFamily="49" charset="0"/>
-              </a:rPr>
-              <a:t>use_module</a:t>
-            </a:r>
-            <a:r>
-              <a:rPr lang="en-US" sz="1800" b="1" dirty="0" smtClean="0">
-                <a:latin typeface="Courier Final Draft" panose="02000409000000000000" pitchFamily="49" charset="0"/>
-              </a:rPr>
-              <a:t>(</a:t>
-            </a:r>
-            <a:r>
-              <a:rPr lang="en-US" sz="1800" b="1" dirty="0" err="1" smtClean="0">
-                <a:latin typeface="Courier Final Draft" panose="02000409000000000000" pitchFamily="49" charset="0"/>
-              </a:rPr>
-              <a:t>pengine_sandbox:my_apis</a:t>
-            </a:r>
-            <a:r>
-              <a:rPr lang="en-US" sz="1800" b="1" dirty="0" smtClean="0">
-                <a:latin typeface="Courier Final Draft" panose="02000409000000000000" pitchFamily="49" charset="0"/>
-              </a:rPr>
-              <a:t>).</a:t>
-            </a:r>
-          </a:p>
-        </p:txBody>
-      </p:sp>
-      <p:sp>
-        <p:nvSpPr>
-          <p:cNvPr id="8" name="Text Placeholder 7"/>
-          <p:cNvSpPr>
-            <a:spLocks noGrp="1"/>
-          </p:cNvSpPr>
-          <p:nvPr>
-            <p:ph type="body" sz="quarter" idx="3"/>
-          </p:nvPr>
-        </p:nvSpPr>
-        <p:spPr>
-          <a:xfrm>
-            <a:off x="6172200" y="435682"/>
-            <a:ext cx="5183188" cy="823912"/>
-          </a:xfrm>
-        </p:spPr>
-        <p:txBody>
-          <a:bodyPr/>
-          <a:lstStyle/>
-          <a:p>
-            <a:r>
-              <a:rPr lang="en-US" dirty="0" smtClean="0"/>
-              <a:t>my_apis.pl</a:t>
-            </a:r>
-            <a:endParaRPr lang="en-US" dirty="0"/>
-          </a:p>
-        </p:txBody>
-      </p:sp>
-      <p:sp>
-        <p:nvSpPr>
-          <p:cNvPr id="9" name="Content Placeholder 8"/>
-          <p:cNvSpPr>
-            <a:spLocks noGrp="1"/>
-          </p:cNvSpPr>
-          <p:nvPr>
-            <p:ph sz="quarter" idx="4"/>
-          </p:nvPr>
-        </p:nvSpPr>
-        <p:spPr>
-          <a:xfrm>
-            <a:off x="6172200" y="1259594"/>
-            <a:ext cx="5183188" cy="4930069"/>
-          </a:xfrm>
-        </p:spPr>
-        <p:txBody>
-          <a:bodyPr>
-            <a:normAutofit/>
-          </a:bodyPr>
-          <a:lstStyle/>
-          <a:p>
-            <a:pPr marL="0" indent="0">
-              <a:lnSpc>
-                <a:spcPct val="120000"/>
-              </a:lnSpc>
-              <a:spcBef>
-                <a:spcPts val="0"/>
-              </a:spcBef>
-              <a:buNone/>
-            </a:pPr>
-            <a:r>
-              <a:rPr lang="en-US" sz="1400" dirty="0" smtClean="0">
-                <a:latin typeface="Courier Final Draft" panose="02000409000000000000" pitchFamily="49" charset="0"/>
-              </a:rPr>
-              <a:t>:- module(</a:t>
-            </a:r>
-            <a:r>
-              <a:rPr lang="en-US" sz="1400" dirty="0" err="1" smtClean="0">
-                <a:latin typeface="Courier Final Draft" panose="02000409000000000000" pitchFamily="49" charset="0"/>
-              </a:rPr>
-              <a:t>my_apis</a:t>
-            </a:r>
-            <a:r>
-              <a:rPr lang="en-US" sz="1400" dirty="0" smtClean="0">
-                <a:latin typeface="Courier Final Draft" panose="02000409000000000000" pitchFamily="49" charset="0"/>
-              </a:rPr>
-              <a:t>, [</a:t>
-            </a:r>
-            <a:r>
-              <a:rPr lang="en-US" sz="1400" b="1" dirty="0" err="1" smtClean="0">
-                <a:latin typeface="Courier Final Draft" panose="02000409000000000000" pitchFamily="49" charset="0"/>
-              </a:rPr>
-              <a:t>my_public</a:t>
-            </a:r>
-            <a:r>
-              <a:rPr lang="en-US" sz="1400" b="1" dirty="0" smtClean="0">
-                <a:latin typeface="Courier Final Draft" panose="02000409000000000000" pitchFamily="49" charset="0"/>
-              </a:rPr>
-              <a:t>/1</a:t>
-            </a:r>
-            <a:r>
-              <a:rPr lang="en-US" sz="1400" dirty="0" smtClean="0">
-                <a:latin typeface="Courier Final Draft" panose="02000409000000000000" pitchFamily="49" charset="0"/>
-              </a:rPr>
-              <a:t>]).</a:t>
-            </a:r>
-          </a:p>
-          <a:p>
-            <a:pPr marL="0" indent="0">
-              <a:lnSpc>
-                <a:spcPct val="120000"/>
-              </a:lnSpc>
-              <a:spcBef>
-                <a:spcPts val="0"/>
-              </a:spcBef>
-              <a:buNone/>
-            </a:pPr>
-            <a:endParaRPr lang="en-US" sz="1400" dirty="0" smtClean="0">
-              <a:latin typeface="Courier Final Draft" panose="02000409000000000000" pitchFamily="49" charset="0"/>
-            </a:endParaRPr>
-          </a:p>
-          <a:p>
-            <a:pPr marL="0" indent="0">
-              <a:lnSpc>
-                <a:spcPct val="120000"/>
-              </a:lnSpc>
-              <a:spcBef>
-                <a:spcPts val="0"/>
-              </a:spcBef>
-              <a:buNone/>
-            </a:pPr>
-            <a:r>
-              <a:rPr lang="en-US" sz="1400" dirty="0" smtClean="0">
-                <a:latin typeface="Courier Final Draft" panose="02000409000000000000" pitchFamily="49" charset="0"/>
-              </a:rPr>
-              <a:t>:- </a:t>
-            </a:r>
-            <a:r>
-              <a:rPr lang="en-US" sz="1400" dirty="0" err="1" smtClean="0">
-                <a:latin typeface="Courier Final Draft" panose="02000409000000000000" pitchFamily="49" charset="0"/>
-              </a:rPr>
-              <a:t>use_module</a:t>
-            </a:r>
-            <a:r>
-              <a:rPr lang="en-US" sz="1400" dirty="0" smtClean="0">
-                <a:latin typeface="Courier Final Draft" panose="02000409000000000000" pitchFamily="49" charset="0"/>
-              </a:rPr>
-              <a:t>(library(</a:t>
-            </a:r>
-            <a:r>
-              <a:rPr lang="en-US" sz="1400" dirty="0" err="1" smtClean="0">
-                <a:latin typeface="Courier Final Draft" panose="02000409000000000000" pitchFamily="49" charset="0"/>
-              </a:rPr>
-              <a:t>dcg</a:t>
-            </a:r>
-            <a:r>
-              <a:rPr lang="en-US" sz="1400" dirty="0" smtClean="0">
-                <a:latin typeface="Courier Final Draft" panose="02000409000000000000" pitchFamily="49" charset="0"/>
-              </a:rPr>
-              <a:t>/basics)).</a:t>
-            </a:r>
-          </a:p>
-          <a:p>
-            <a:pPr marL="0" indent="0">
-              <a:lnSpc>
-                <a:spcPct val="120000"/>
-              </a:lnSpc>
-              <a:spcBef>
-                <a:spcPts val="0"/>
-              </a:spcBef>
-              <a:buNone/>
-            </a:pPr>
-            <a:endParaRPr lang="en-US" sz="1400" dirty="0" smtClean="0">
-              <a:latin typeface="Courier Final Draft" panose="02000409000000000000" pitchFamily="49" charset="0"/>
-            </a:endParaRPr>
-          </a:p>
-          <a:p>
-            <a:pPr marL="0" indent="0">
-              <a:lnSpc>
-                <a:spcPct val="120000"/>
-              </a:lnSpc>
-              <a:spcBef>
-                <a:spcPts val="0"/>
-              </a:spcBef>
-              <a:buNone/>
-            </a:pPr>
-            <a:r>
-              <a:rPr lang="en-US" sz="1400" dirty="0" err="1" smtClean="0">
-                <a:latin typeface="Courier Final Draft" panose="02000409000000000000" pitchFamily="49" charset="0"/>
-              </a:rPr>
-              <a:t>my_public</a:t>
-            </a:r>
-            <a:r>
-              <a:rPr lang="en-US" sz="1400" dirty="0" smtClean="0">
-                <a:latin typeface="Courier Final Draft" panose="02000409000000000000" pitchFamily="49" charset="0"/>
-              </a:rPr>
-              <a:t>(X) :-</a:t>
-            </a:r>
-          </a:p>
-          <a:p>
-            <a:pPr marL="0" indent="0">
-              <a:lnSpc>
-                <a:spcPct val="120000"/>
-              </a:lnSpc>
-              <a:spcBef>
-                <a:spcPts val="0"/>
-              </a:spcBef>
-              <a:buNone/>
-            </a:pPr>
-            <a:r>
-              <a:rPr lang="en-US" sz="1400" dirty="0" smtClean="0">
-                <a:latin typeface="Courier Final Draft" panose="02000409000000000000" pitchFamily="49" charset="0"/>
-              </a:rPr>
-              <a:t>	</a:t>
-            </a:r>
-            <a:r>
-              <a:rPr lang="en-US" sz="1400" dirty="0" err="1" smtClean="0">
-                <a:latin typeface="Courier Final Draft" panose="02000409000000000000" pitchFamily="49" charset="0"/>
-              </a:rPr>
-              <a:t>dont_say_walrus</a:t>
-            </a:r>
-            <a:r>
-              <a:rPr lang="en-US" sz="1400" dirty="0" smtClean="0">
-                <a:latin typeface="Courier Final Draft" panose="02000409000000000000" pitchFamily="49" charset="0"/>
-              </a:rPr>
-              <a:t>(X),</a:t>
-            </a:r>
-          </a:p>
-          <a:p>
-            <a:pPr marL="0" indent="0">
-              <a:lnSpc>
-                <a:spcPct val="120000"/>
-              </a:lnSpc>
-              <a:spcBef>
-                <a:spcPts val="0"/>
-              </a:spcBef>
-              <a:buNone/>
-            </a:pPr>
-            <a:r>
-              <a:rPr lang="en-US" sz="1400" dirty="0" smtClean="0">
-                <a:latin typeface="Courier Final Draft" panose="02000409000000000000" pitchFamily="49" charset="0"/>
-              </a:rPr>
-              <a:t>	debug(</a:t>
-            </a:r>
-            <a:r>
-              <a:rPr lang="en-US" sz="1400" dirty="0" err="1" smtClean="0">
-                <a:latin typeface="Courier Final Draft" panose="02000409000000000000" pitchFamily="49" charset="0"/>
-              </a:rPr>
-              <a:t>pengine_example</a:t>
-            </a:r>
-            <a:r>
-              <a:rPr lang="en-US" sz="1400" dirty="0" smtClean="0">
-                <a:latin typeface="Courier Final Draft" panose="02000409000000000000" pitchFamily="49" charset="0"/>
-              </a:rPr>
-              <a:t>, '</a:t>
-            </a:r>
-            <a:r>
-              <a:rPr lang="en-US" sz="1400" dirty="0" err="1" smtClean="0">
-                <a:latin typeface="Courier Final Draft" panose="02000409000000000000" pitchFamily="49" charset="0"/>
-              </a:rPr>
-              <a:t>my_public</a:t>
-            </a:r>
-            <a:r>
-              <a:rPr lang="en-US" sz="1400" dirty="0" smtClean="0">
-                <a:latin typeface="Courier Final Draft" panose="02000409000000000000" pitchFamily="49" charset="0"/>
-              </a:rPr>
-              <a:t> says ~w', [X]).</a:t>
-            </a:r>
-          </a:p>
-          <a:p>
-            <a:pPr marL="0" indent="0">
-              <a:lnSpc>
-                <a:spcPct val="120000"/>
-              </a:lnSpc>
-              <a:spcBef>
-                <a:spcPts val="0"/>
-              </a:spcBef>
-              <a:buNone/>
-            </a:pPr>
-            <a:endParaRPr lang="en-US" sz="1400" dirty="0" smtClean="0">
-              <a:latin typeface="Courier Final Draft" panose="02000409000000000000" pitchFamily="49" charset="0"/>
-            </a:endParaRPr>
-          </a:p>
-          <a:p>
-            <a:pPr marL="0" indent="0">
-              <a:lnSpc>
-                <a:spcPct val="120000"/>
-              </a:lnSpc>
-              <a:spcBef>
-                <a:spcPts val="0"/>
-              </a:spcBef>
-              <a:buNone/>
-            </a:pPr>
-            <a:r>
-              <a:rPr lang="en-US" sz="1400" dirty="0" err="1" smtClean="0">
-                <a:latin typeface="Courier Final Draft" panose="02000409000000000000" pitchFamily="49" charset="0"/>
-              </a:rPr>
-              <a:t>dont_say_walrus</a:t>
-            </a:r>
-            <a:r>
-              <a:rPr lang="en-US" sz="1400" dirty="0" smtClean="0">
-                <a:latin typeface="Courier Final Draft" panose="02000409000000000000" pitchFamily="49" charset="0"/>
-              </a:rPr>
-              <a:t>(X) :-</a:t>
-            </a:r>
-          </a:p>
-          <a:p>
-            <a:pPr marL="0" indent="0">
-              <a:lnSpc>
-                <a:spcPct val="120000"/>
-              </a:lnSpc>
-              <a:spcBef>
-                <a:spcPts val="0"/>
-              </a:spcBef>
-              <a:buNone/>
-            </a:pPr>
-            <a:r>
-              <a:rPr lang="en-US" sz="1400" dirty="0" smtClean="0">
-                <a:latin typeface="Courier Final Draft" panose="02000409000000000000" pitchFamily="49" charset="0"/>
-              </a:rPr>
-              <a:t>	</a:t>
-            </a:r>
-            <a:r>
-              <a:rPr lang="en-US" sz="1400" dirty="0" err="1" smtClean="0">
-                <a:latin typeface="Courier Final Draft" panose="02000409000000000000" pitchFamily="49" charset="0"/>
-              </a:rPr>
-              <a:t>atom_codes</a:t>
-            </a:r>
-            <a:r>
-              <a:rPr lang="en-US" sz="1400" dirty="0" smtClean="0">
-                <a:latin typeface="Courier Final Draft" panose="02000409000000000000" pitchFamily="49" charset="0"/>
-              </a:rPr>
-              <a:t>(X, XC),</a:t>
-            </a:r>
-          </a:p>
-          <a:p>
-            <a:pPr marL="0" indent="0">
-              <a:lnSpc>
-                <a:spcPct val="120000"/>
-              </a:lnSpc>
-              <a:spcBef>
-                <a:spcPts val="0"/>
-              </a:spcBef>
-              <a:buNone/>
-            </a:pPr>
-            <a:r>
-              <a:rPr lang="en-US" sz="1400" dirty="0" smtClean="0">
-                <a:latin typeface="Courier Final Draft" panose="02000409000000000000" pitchFamily="49" charset="0"/>
-              </a:rPr>
-              <a:t>	phrase(walrus, XC),</a:t>
-            </a:r>
-          </a:p>
-          <a:p>
-            <a:pPr marL="0" indent="0">
-              <a:lnSpc>
-                <a:spcPct val="120000"/>
-              </a:lnSpc>
-              <a:spcBef>
-                <a:spcPts val="0"/>
-              </a:spcBef>
-              <a:buNone/>
-            </a:pPr>
-            <a:r>
-              <a:rPr lang="en-US" sz="1400" dirty="0" smtClean="0">
-                <a:latin typeface="Courier Final Draft" panose="02000409000000000000" pitchFamily="49" charset="0"/>
-              </a:rPr>
-              <a:t>	!,fail.</a:t>
-            </a:r>
-          </a:p>
-          <a:p>
-            <a:pPr marL="0" indent="0">
-              <a:lnSpc>
-                <a:spcPct val="120000"/>
-              </a:lnSpc>
-              <a:spcBef>
-                <a:spcPts val="0"/>
-              </a:spcBef>
-              <a:buNone/>
-            </a:pPr>
-            <a:r>
-              <a:rPr lang="en-US" sz="1400" dirty="0" err="1" smtClean="0">
-                <a:latin typeface="Courier Final Draft" panose="02000409000000000000" pitchFamily="49" charset="0"/>
-              </a:rPr>
-              <a:t>dont_say_walrus</a:t>
-            </a:r>
-            <a:r>
-              <a:rPr lang="en-US" sz="1400" dirty="0" smtClean="0">
-                <a:latin typeface="Courier Final Draft" panose="02000409000000000000" pitchFamily="49" charset="0"/>
-              </a:rPr>
-              <a:t>(_).</a:t>
-            </a:r>
-          </a:p>
-          <a:p>
-            <a:pPr marL="0" indent="0">
-              <a:lnSpc>
-                <a:spcPct val="120000"/>
-              </a:lnSpc>
-              <a:spcBef>
-                <a:spcPts val="0"/>
-              </a:spcBef>
-              <a:buNone/>
-            </a:pPr>
-            <a:r>
-              <a:rPr lang="en-US" sz="1400" dirty="0" smtClean="0">
-                <a:latin typeface="Courier Final Draft" panose="02000409000000000000" pitchFamily="49" charset="0"/>
-              </a:rPr>
-              <a:t>walrus --&gt; string(_) ,  "walrus", string(_).</a:t>
-            </a:r>
-          </a:p>
-          <a:p>
-            <a:endParaRPr lang="en-US" sz="1400" dirty="0"/>
-          </a:p>
-        </p:txBody>
-      </p:sp>
-    </p:spTree>
-    <p:extLst>
-      <p:ext uri="{BB962C8B-B14F-4D97-AF65-F5344CB8AC3E}">
-        <p14:creationId xmlns:p14="http://schemas.microsoft.com/office/powerpoint/2010/main" val="774611755"/>
-      </p:ext>
-    </p:extLst>
-  </p:cSld>
-  <p:clrMapOvr>
-    <a:masterClrMapping/>
-  </p:clrMapOvr>
-  <p:timing>
-    <p:tnLst>
-      <p:par>
-        <p:cTn id="1" dur="indefinite" restart="never" nodeType="tmRoot"/>
-      </p:par>
-    </p:tnLst>
-  </p:timing>
-</p:sld>
-</file>
-
 <file path=ppt/slides/slide26.xml><?xml version="1.0" encoding="utf-8"?>
 <p:sld xmlns:a="http://schemas.openxmlformats.org/drawingml/2006/main" xmlns:r="http://schemas.openxmlformats.org/officeDocument/2006/relationships" xmlns:p="http://schemas.openxmlformats.org/presentationml/2006/main">
   <p:cSld>
@@ -10416,31 +10030,31 @@
               <a:buNone/>
             </a:pPr>
             <a:r>
-              <a:rPr lang="en-US" sz="1400" dirty="0" smtClean="0">
+              <a:rPr lang="en-US" sz="1800" dirty="0" smtClean="0">
                 <a:latin typeface="Courier Final Draft" panose="02000409000000000000" pitchFamily="49" charset="0"/>
               </a:rPr>
               <a:t>:- </a:t>
             </a:r>
             <a:r>
-              <a:rPr lang="en-US" sz="1400" dirty="0" err="1" smtClean="0">
+              <a:rPr lang="en-US" sz="1800" dirty="0" err="1" smtClean="0">
                 <a:latin typeface="Courier Final Draft" panose="02000409000000000000" pitchFamily="49" charset="0"/>
               </a:rPr>
               <a:t>use_module</a:t>
             </a:r>
             <a:r>
-              <a:rPr lang="en-US" sz="1400" dirty="0" smtClean="0">
+              <a:rPr lang="en-US" sz="1800" dirty="0" smtClean="0">
                 <a:latin typeface="Courier Final Draft" panose="02000409000000000000" pitchFamily="49" charset="0"/>
               </a:rPr>
               <a:t>(library(</a:t>
             </a:r>
             <a:r>
-              <a:rPr lang="en-US" sz="1400" dirty="0" err="1" smtClean="0">
+              <a:rPr lang="en-US" sz="1800" dirty="0" err="1" smtClean="0">
                 <a:latin typeface="Courier Final Draft" panose="02000409000000000000" pitchFamily="49" charset="0"/>
               </a:rPr>
               <a:t>pengines</a:t>
             </a:r>
             <a:r>
-              <a:rPr lang="en-US" sz="1400" dirty="0" smtClean="0">
+              <a:rPr lang="en-US" sz="1800" dirty="0" smtClean="0">
                 <a:latin typeface="Courier Final Draft" panose="02000409000000000000" pitchFamily="49" charset="0"/>
               </a:rPr>
               <a:t>)).</a:t>
@@ -10457,19 +10071,19 @@
               <a:buNone/>
             </a:pPr>
             <a:r>
-              <a:rPr lang="en-US" sz="1400" dirty="0" smtClean="0">
+              <a:rPr lang="en-US" sz="1800" dirty="0" smtClean="0">
                 <a:latin typeface="Courier Final Draft" panose="02000409000000000000" pitchFamily="49" charset="0"/>
               </a:rPr>
               <a:t>:- </a:t>
             </a:r>
             <a:r>
-              <a:rPr lang="en-US" sz="1400" dirty="0" err="1" smtClean="0">
+              <a:rPr lang="en-US" sz="1800" dirty="0" err="1" smtClean="0">
                 <a:latin typeface="Courier Final Draft" panose="02000409000000000000" pitchFamily="49" charset="0"/>
               </a:rPr>
               <a:t>use_module</a:t>
             </a:r>
             <a:r>
-              <a:rPr lang="en-US" sz="1400" dirty="0" smtClean="0">
+              <a:rPr lang="en-US" sz="1800" dirty="0" smtClean="0">
                 <a:latin typeface="Courier Final Draft" panose="02000409000000000000" pitchFamily="49" charset="0"/>
               </a:rPr>
               <a:t>(library(sandbox)).</a:t>
@@ -10486,31 +10100,31 @@
               <a:buNone/>
             </a:pPr>
             <a:r>
-              <a:rPr lang="en-US" sz="1400" b="1" dirty="0" smtClean="0">
+              <a:rPr lang="en-US" sz="1800" b="1" dirty="0" smtClean="0">
                 <a:latin typeface="Courier Final Draft" panose="02000409000000000000" pitchFamily="49" charset="0"/>
               </a:rPr>
               <a:t>:- </a:t>
             </a:r>
             <a:r>
-              <a:rPr lang="en-US" sz="1400" b="1" dirty="0" err="1" smtClean="0">
+              <a:rPr lang="en-US" sz="1800" b="1" dirty="0" err="1" smtClean="0">
                 <a:latin typeface="Courier Final Draft" panose="02000409000000000000" pitchFamily="49" charset="0"/>
               </a:rPr>
               <a:t>use_module</a:t>
             </a:r>
             <a:r>
-              <a:rPr lang="en-US" sz="1400" b="1" dirty="0" smtClean="0">
+              <a:rPr lang="en-US" sz="1800" b="1" dirty="0" smtClean="0">
                 <a:latin typeface="Courier Final Draft" panose="02000409000000000000" pitchFamily="49" charset="0"/>
               </a:rPr>
               <a:t>(</a:t>
             </a:r>
             <a:r>
-              <a:rPr lang="en-US" sz="1400" b="1" dirty="0" err="1" smtClean="0">
+              <a:rPr lang="en-US" sz="1800" b="1" dirty="0" err="1" smtClean="0">
                 <a:latin typeface="Courier Final Draft" panose="02000409000000000000" pitchFamily="49" charset="0"/>
               </a:rPr>
               <a:t>pengine_sandbox:my_apis</a:t>
             </a:r>
             <a:r>
-              <a:rPr lang="en-US" sz="1400" b="1" dirty="0" smtClean="0">
+              <a:rPr lang="en-US" sz="1800" b="1" dirty="0" smtClean="0">
                 <a:latin typeface="Courier Final Draft" panose="02000409000000000000" pitchFamily="49" charset="0"/>
               </a:rPr>
               <a:t>).</a:t>
@@ -10564,7 +10178,7 @@
         </p:spPr>
         <p:txBody>
           <a:bodyPr>
-            <a:normAutofit lnSpcReduction="10000"/>
+            <a:normAutofit/>
           </a:bodyPr>
           <a:lstStyle/>
           <a:p>
@@ -10596,22 +10210,10 @@
               <a:t>, [</a:t>
             </a:r>
             <a:r>
-              <a:rPr lang="en-US" sz="1400" dirty="0" err="1" smtClean="0">
+              <a:rPr lang="en-US" sz="1400" b="1" dirty="0" err="1" smtClean="0">
                 <a:latin typeface="Courier Final Draft" panose="02000409000000000000" pitchFamily="49" charset="0"/>
               </a:rPr>
               <a:t>my_public</a:t>
-            </a:r>
-            <a:r>
-              <a:rPr lang="en-US" sz="1400" dirty="0" smtClean="0">
-                <a:latin typeface="Courier Final Draft" panose="02000409000000000000" pitchFamily="49" charset="0"/>
-              </a:rPr>
-              <a:t>/1, </a:t>
-            </a:r>
-            <a:r>
-              <a:rPr lang="en-US" sz="1400" b="1" dirty="0" err="1" smtClean="0">
-                <a:latin typeface="Courier Final Draft" panose="02000409000000000000" pitchFamily="49" charset="0"/>
-              </a:rPr>
-              <a:t>my_unsafe</a:t>
             </a:r>
             <a:r>
               <a:rPr lang="en-US" sz="1400" b="1" dirty="0" smtClean="0">
@@ -10813,13 +10415,13 @@
               <a:buNone/>
             </a:pPr>
             <a:r>
-              <a:rPr lang="en-US" sz="1400" b="1" dirty="0" err="1" smtClean="0">
-                <a:latin typeface="Courier Final Draft" panose="02000409000000000000" pitchFamily="49" charset="0"/>
-              </a:rPr>
-              <a:t>my_unsafe</a:t>
-            </a:r>
-            <a:r>
-              <a:rPr lang="en-US" sz="1400" b="1" dirty="0" smtClean="0">
+              <a:rPr lang="en-US" sz="1400" dirty="0" err="1" smtClean="0">
+                <a:latin typeface="Courier Final Draft" panose="02000409000000000000" pitchFamily="49" charset="0"/>
+              </a:rPr>
+              <a:t>dont_say_walrus</a:t>
+            </a:r>
+            <a:r>
+              <a:rPr lang="en-US" sz="1400" dirty="0" smtClean="0">
                 <a:latin typeface="Courier Final Draft" panose="02000409000000000000" pitchFamily="49" charset="0"/>
               </a:rPr>
               <a:t>(X) :-</a:t>
@@ -10845,13 +10447,13 @@
               <a:rPr lang="en-US" sz="1400" dirty="0" err="1" smtClean="0">
                 <a:latin typeface="Courier Final Draft" panose="02000409000000000000" pitchFamily="49" charset="0"/>
               </a:rPr>
-              <a:t>atom_length</a:t>
+              <a:t>atom_codes</a:t>
             </a:r>
             <a:r>
               <a:rPr lang="en-US" sz="1400" dirty="0" smtClean="0">
                 <a:latin typeface="Courier Final Draft" panose="02000409000000000000" pitchFamily="49" charset="0"/>
               </a:rPr>
-              <a:t>(X, Len),</a:t>
+              <a:t>(X, XC),</a:t>
             </a:r>
           </a:p>
           <a:p>
@@ -10868,7 +10470,7 @@
               <a:rPr lang="en-US" sz="1400" dirty="0" smtClean="0">
                 <a:latin typeface="Courier Final Draft" panose="02000409000000000000" pitchFamily="49" charset="0"/>
               </a:rPr>
-              <a:t>	Len &lt; 25,</a:t>
+              <a:t>	phrase(walrus, XC),</a:t>
             </a:r>
           </a:p>
           <a:p>
@@ -10885,7 +10487,7 @@
               <a:rPr lang="en-US" sz="1400" dirty="0" smtClean="0">
                 <a:latin typeface="Courier Final Draft" panose="02000409000000000000" pitchFamily="49" charset="0"/>
               </a:rPr>
-              <a:t>	open('foo.txt', write, Stream),</a:t>
+              <a:t>	!,fail.</a:t>
             </a:r>
           </a:p>
           <a:p>
@@ -10899,22 +10501,16 @@
               <a:buNone/>
             </a:pPr>
             <a:r>
+              <a:rPr lang="en-US" sz="1400" dirty="0" err="1" smtClean="0">
+                <a:latin typeface="Courier Final Draft" panose="02000409000000000000" pitchFamily="49" charset="0"/>
+              </a:rPr>
+              <a:t>dont_say_walrus</a:t>
+            </a:r>
+            <a:r>
               <a:rPr lang="en-US" sz="1400" dirty="0" smtClean="0">
                 <a:latin typeface="Courier Final Draft" panose="02000409000000000000" pitchFamily="49" charset="0"/>
               </a:rPr>
-              <a:t>	format(Stream, 'Hello Out There ~</a:t>
-            </a:r>
-            <a:r>
-              <a:rPr lang="en-US" sz="1400" dirty="0" err="1" smtClean="0">
-                <a:latin typeface="Courier Final Draft" panose="02000409000000000000" pitchFamily="49" charset="0"/>
-              </a:rPr>
-              <a:t>w~n</a:t>
-            </a:r>
-            <a:r>
-              <a:rPr lang="en-US" sz="1400" dirty="0" smtClean="0">
-                <a:latin typeface="Courier Final Draft" panose="02000409000000000000" pitchFamily="49" charset="0"/>
-              </a:rPr>
-              <a:t>', [X]),</a:t>
+              <a:t>(_).</a:t>
             </a:r>
           </a:p>
           <a:p>
@@ -10931,126 +10527,8 @@
               <a:rPr lang="en-US" sz="1400" dirty="0" smtClean="0">
                 <a:latin typeface="Courier Final Draft" panose="02000409000000000000" pitchFamily="49" charset="0"/>
               </a:rPr>
-              <a:t>	close(Stream).</a:t>
-            </a:r>
-          </a:p>
-          <a:p>
-            <a:pPr marL="0" indent="0">
-              <a:lnSpc>
-                <a:spcPct val="120000"/>
-              </a:lnSpc>
-              <a:spcBef>
-                <a:spcPts val="0"/>
-              </a:spcBef>
-              <a:buNone/>
-            </a:pPr>
-            <a:endParaRPr lang="en-US" sz="1400" dirty="0" smtClean="0">
-              <a:latin typeface="Courier Final Draft" panose="02000409000000000000" pitchFamily="49" charset="0"/>
-            </a:endParaRPr>
-          </a:p>
-          <a:p>
-            <a:pPr marL="0" indent="0">
-              <a:lnSpc>
-                <a:spcPct val="120000"/>
-              </a:lnSpc>
-              <a:spcBef>
-                <a:spcPts val="0"/>
-              </a:spcBef>
-              <a:buNone/>
-            </a:pPr>
-            <a:r>
-              <a:rPr lang="en-US" sz="1400" b="1" dirty="0" smtClean="0">
-                <a:latin typeface="Courier Final Draft" panose="02000409000000000000" pitchFamily="49" charset="0"/>
-              </a:rPr>
-              <a:t>:- </a:t>
-            </a:r>
-            <a:r>
-              <a:rPr lang="en-US" sz="1400" b="1" dirty="0" err="1" smtClean="0">
-                <a:latin typeface="Courier Final Draft" panose="02000409000000000000" pitchFamily="49" charset="0"/>
-              </a:rPr>
-              <a:t>multifile</a:t>
-            </a:r>
-            <a:r>
-              <a:rPr lang="en-US" sz="1400" b="1" dirty="0" smtClean="0">
-                <a:latin typeface="Courier Final Draft" panose="02000409000000000000" pitchFamily="49" charset="0"/>
-              </a:rPr>
-              <a:t> </a:t>
-            </a:r>
-            <a:r>
-              <a:rPr lang="en-US" sz="1400" b="1" dirty="0" err="1" smtClean="0">
-                <a:latin typeface="Courier Final Draft" panose="02000409000000000000" pitchFamily="49" charset="0"/>
-              </a:rPr>
-              <a:t>sandbox:safe_primitive</a:t>
-            </a:r>
-            <a:r>
-              <a:rPr lang="en-US" sz="1400" b="1" dirty="0" smtClean="0">
-                <a:latin typeface="Courier Final Draft" panose="02000409000000000000" pitchFamily="49" charset="0"/>
-              </a:rPr>
-              <a:t>/1.</a:t>
-            </a:r>
-          </a:p>
-          <a:p>
-            <a:pPr marL="0" indent="0">
-              <a:lnSpc>
-                <a:spcPct val="120000"/>
-              </a:lnSpc>
-              <a:spcBef>
-                <a:spcPts val="0"/>
-              </a:spcBef>
-              <a:buNone/>
-            </a:pPr>
-            <a:endParaRPr lang="en-US" sz="1400" b="1" dirty="0" smtClean="0">
-              <a:latin typeface="Courier Final Draft" panose="02000409000000000000" pitchFamily="49" charset="0"/>
-            </a:endParaRPr>
-          </a:p>
-          <a:p>
-            <a:pPr marL="0" indent="0">
-              <a:lnSpc>
-                <a:spcPct val="120000"/>
-              </a:lnSpc>
-              <a:spcBef>
-                <a:spcPts val="0"/>
-              </a:spcBef>
-              <a:buNone/>
-            </a:pPr>
-            <a:r>
-              <a:rPr lang="en-US" sz="1400" b="1" dirty="0" err="1" smtClean="0">
-                <a:latin typeface="Courier Final Draft" panose="02000409000000000000" pitchFamily="49" charset="0"/>
-              </a:rPr>
-              <a:t>sandbox:safe_primitive</a:t>
-            </a:r>
-            <a:r>
-              <a:rPr lang="en-US" sz="1400" b="1" dirty="0" smtClean="0">
-                <a:latin typeface="Courier Final Draft" panose="02000409000000000000" pitchFamily="49" charset="0"/>
-              </a:rPr>
-              <a:t>(</a:t>
-            </a:r>
-            <a:r>
-              <a:rPr lang="en-US" sz="1400" b="1" dirty="0" err="1" smtClean="0">
-                <a:latin typeface="Courier Final Draft" panose="02000409000000000000" pitchFamily="49" charset="0"/>
-              </a:rPr>
-              <a:t>my_apis:my_unsafe</a:t>
-            </a:r>
-            <a:r>
-              <a:rPr lang="en-US" sz="1400" b="1" dirty="0" smtClean="0">
-                <a:latin typeface="Courier Final Draft" panose="02000409000000000000" pitchFamily="49" charset="0"/>
-              </a:rPr>
-              <a:t>(_)).</a:t>
-            </a:r>
-          </a:p>
-          <a:p>
-            <a:pPr marL="0" indent="0">
-              <a:lnSpc>
-                <a:spcPct val="120000"/>
-              </a:lnSpc>
-              <a:spcBef>
-                <a:spcPts val="0"/>
-              </a:spcBef>
-              <a:buNone/>
-            </a:pPr>
-            <a:endParaRPr lang="en-US" sz="1400" dirty="0" smtClean="0">
-              <a:latin typeface="Courier Final Draft" panose="02000409000000000000" pitchFamily="49" charset="0"/>
-            </a:endParaRPr>
+              <a:t>walrus --&gt; string(_) ,  "walrus", string(_).</a:t>
+            </a:r>
           </a:p>
           <a:p>
             <a:endParaRPr lang="en-US" sz="1400" dirty="0"/>
@@ -11060,7 +10538,7 @@
     </p:spTree>
     <p:extLst>
       <p:ext uri="{BB962C8B-B14F-4D97-AF65-F5344CB8AC3E}">
-        <p14:creationId xmlns:p14="http://schemas.microsoft.com/office/powerpoint/2010/main" val="1123577534"/>
+        <p14:creationId xmlns:p14="http://schemas.microsoft.com/office/powerpoint/2010/main" val="774611755"/>
       </p:ext>
     </p:extLst>
   </p:cSld>
@@ -11096,23 +10574,27 @@
       </p:grpSpPr>
       <p:sp>
         <p:nvSpPr>
-          <p:cNvPr id="5" name="Title 4"/>
-          <p:cNvSpPr>
-            <a:spLocks noGrp="1"/>
-          </p:cNvSpPr>
-          <p:nvPr>
-            <p:ph type="title"/>
-          </p:nvPr>
-        </p:nvSpPr>
-        <p:spPr/>
-        <p:txBody>
-          <a:bodyPr/>
-          <a:lstStyle/>
-          <a:p>
-            <a:pPr algn="ctr"/>
-            <a:r>
-              <a:rPr lang="en-US" dirty="0" smtClean="0"/>
-              <a:t>Federating Queries</a:t>
+          <p:cNvPr id="6" name="Text Placeholder 5"/>
+          <p:cNvSpPr>
+            <a:spLocks noGrp="1"/>
+          </p:cNvSpPr>
+          <p:nvPr>
+            <p:ph type="body" idx="1"/>
+          </p:nvPr>
+        </p:nvSpPr>
+        <p:spPr>
+          <a:xfrm>
+            <a:off x="839788" y="435682"/>
+            <a:ext cx="5157787" cy="823912"/>
+          </a:xfrm>
+        </p:spPr>
+        <p:txBody>
+          <a:bodyPr/>
+          <a:lstStyle/>
+          <a:p>
+            <a:r>
+              <a:rPr lang="en-US" dirty="0" smtClean="0"/>
+              <a:t>main.pl</a:t>
             </a:r>
             <a:endParaRPr lang="en-US" dirty="0"/>
           </a:p>
@@ -11125,209 +10607,676 @@
             <a:spLocks noGrp="1"/>
           </p:cNvSpPr>
           <p:nvPr>
-            <p:ph idx="1"/>
-          </p:nvPr>
-        </p:nvSpPr>
-        <p:spPr/>
-        <p:txBody>
-          <a:bodyPr/>
-          <a:lstStyle/>
-          <a:p>
-            <a:r>
-              <a:rPr lang="en-US" dirty="0" err="1" smtClean="0"/>
-              <a:t>from_everywhere</a:t>
-            </a:r>
-            <a:r>
-              <a:rPr lang="en-US" dirty="0" smtClean="0"/>
-              <a:t>(Name, Address) :-</a:t>
-            </a:r>
-          </a:p>
-          <a:p>
-            <a:r>
-              <a:rPr lang="en-US" dirty="0"/>
+            <p:ph sz="half" idx="2"/>
+          </p:nvPr>
+        </p:nvSpPr>
+        <p:spPr>
+          <a:xfrm>
+            <a:off x="839788" y="1259594"/>
+            <a:ext cx="5157787" cy="4930069"/>
+          </a:xfrm>
+        </p:spPr>
+        <p:txBody>
+          <a:bodyPr>
+            <a:normAutofit/>
+          </a:bodyPr>
+          <a:lstStyle/>
+          <a:p>
+            <a:pPr marL="0" indent="0">
+              <a:lnSpc>
+                <a:spcPct val="120000"/>
+              </a:lnSpc>
+              <a:spcBef>
+                <a:spcPts val="0"/>
+              </a:spcBef>
+              <a:buNone/>
+            </a:pPr>
+            <a:r>
+              <a:rPr lang="en-US" sz="1400" dirty="0" smtClean="0">
+                <a:latin typeface="Courier Final Draft" panose="02000409000000000000" pitchFamily="49" charset="0"/>
+              </a:rPr>
+              <a:t>:- </a:t>
+            </a:r>
+            <a:r>
+              <a:rPr lang="en-US" sz="1400" dirty="0" err="1" smtClean="0">
+                <a:latin typeface="Courier Final Draft" panose="02000409000000000000" pitchFamily="49" charset="0"/>
+              </a:rPr>
+              <a:t>use_module</a:t>
+            </a:r>
+            <a:r>
+              <a:rPr lang="en-US" sz="1400" dirty="0" smtClean="0">
+                <a:latin typeface="Courier Final Draft" panose="02000409000000000000" pitchFamily="49" charset="0"/>
+              </a:rPr>
+              <a:t>(library(</a:t>
+            </a:r>
+            <a:r>
+              <a:rPr lang="en-US" sz="1400" dirty="0" err="1" smtClean="0">
+                <a:latin typeface="Courier Final Draft" panose="02000409000000000000" pitchFamily="49" charset="0"/>
+              </a:rPr>
+              <a:t>pengines</a:t>
+            </a:r>
+            <a:r>
+              <a:rPr lang="en-US" sz="1400" dirty="0" smtClean="0">
+                <a:latin typeface="Courier Final Draft" panose="02000409000000000000" pitchFamily="49" charset="0"/>
+              </a:rPr>
+              <a:t>)).</a:t>
+            </a:r>
+          </a:p>
+          <a:p>
+            <a:pPr marL="0" indent="0">
+              <a:lnSpc>
+                <a:spcPct val="120000"/>
+              </a:lnSpc>
+              <a:spcBef>
+                <a:spcPts val="0"/>
+              </a:spcBef>
+              <a:buNone/>
+            </a:pPr>
+            <a:r>
+              <a:rPr lang="en-US" sz="1400" dirty="0" smtClean="0">
+                <a:latin typeface="Courier Final Draft" panose="02000409000000000000" pitchFamily="49" charset="0"/>
+              </a:rPr>
+              <a:t>:- </a:t>
+            </a:r>
+            <a:r>
+              <a:rPr lang="en-US" sz="1400" dirty="0" err="1" smtClean="0">
+                <a:latin typeface="Courier Final Draft" panose="02000409000000000000" pitchFamily="49" charset="0"/>
+              </a:rPr>
+              <a:t>use_module</a:t>
+            </a:r>
+            <a:r>
+              <a:rPr lang="en-US" sz="1400" dirty="0" smtClean="0">
+                <a:latin typeface="Courier Final Draft" panose="02000409000000000000" pitchFamily="49" charset="0"/>
+              </a:rPr>
+              <a:t>(library(sandbox)).</a:t>
+            </a:r>
+          </a:p>
+          <a:p>
+            <a:pPr marL="0" indent="0">
+              <a:lnSpc>
+                <a:spcPct val="120000"/>
+              </a:lnSpc>
+              <a:spcBef>
+                <a:spcPts val="0"/>
+              </a:spcBef>
+              <a:buNone/>
+            </a:pPr>
+            <a:r>
+              <a:rPr lang="en-US" sz="1400" b="1" dirty="0" smtClean="0">
+                <a:latin typeface="Courier Final Draft" panose="02000409000000000000" pitchFamily="49" charset="0"/>
+              </a:rPr>
+              <a:t>:- </a:t>
+            </a:r>
+            <a:r>
+              <a:rPr lang="en-US" sz="1400" b="1" dirty="0" err="1" smtClean="0">
+                <a:latin typeface="Courier Final Draft" panose="02000409000000000000" pitchFamily="49" charset="0"/>
+              </a:rPr>
+              <a:t>use_module</a:t>
+            </a:r>
+            <a:r>
+              <a:rPr lang="en-US" sz="1400" b="1" dirty="0" smtClean="0">
+                <a:latin typeface="Courier Final Draft" panose="02000409000000000000" pitchFamily="49" charset="0"/>
+              </a:rPr>
+              <a:t>(</a:t>
+            </a:r>
+            <a:r>
+              <a:rPr lang="en-US" sz="1400" b="1" dirty="0" err="1" smtClean="0">
+                <a:latin typeface="Courier Final Draft" panose="02000409000000000000" pitchFamily="49" charset="0"/>
+              </a:rPr>
+              <a:t>pengine_sandbox:my_apis</a:t>
+            </a:r>
+            <a:r>
+              <a:rPr lang="en-US" sz="1400" b="1" dirty="0" smtClean="0">
+                <a:latin typeface="Courier Final Draft" panose="02000409000000000000" pitchFamily="49" charset="0"/>
+              </a:rPr>
+              <a:t>).</a:t>
+            </a:r>
+          </a:p>
+        </p:txBody>
+      </p:sp>
+      <p:sp>
+        <p:nvSpPr>
+          <p:cNvPr id="8" name="Text Placeholder 7"/>
+          <p:cNvSpPr>
+            <a:spLocks noGrp="1"/>
+          </p:cNvSpPr>
+          <p:nvPr>
+            <p:ph type="body" sz="quarter" idx="3"/>
+          </p:nvPr>
+        </p:nvSpPr>
+        <p:spPr>
+          <a:xfrm>
+            <a:off x="6172200" y="435682"/>
+            <a:ext cx="5183188" cy="823912"/>
+          </a:xfrm>
+        </p:spPr>
+        <p:txBody>
+          <a:bodyPr/>
+          <a:lstStyle/>
+          <a:p>
+            <a:r>
+              <a:rPr lang="en-US" dirty="0" smtClean="0"/>
+              <a:t>my_apis.pl</a:t>
+            </a:r>
+            <a:endParaRPr lang="en-US" dirty="0"/>
+          </a:p>
+        </p:txBody>
+      </p:sp>
+      <p:sp>
+        <p:nvSpPr>
+          <p:cNvPr id="9" name="Content Placeholder 8"/>
+          <p:cNvSpPr>
+            <a:spLocks noGrp="1"/>
+          </p:cNvSpPr>
+          <p:nvPr>
+            <p:ph sz="quarter" idx="4"/>
+          </p:nvPr>
+        </p:nvSpPr>
+        <p:spPr>
+          <a:xfrm>
+            <a:off x="6172200" y="1259594"/>
+            <a:ext cx="5183188" cy="4930069"/>
+          </a:xfrm>
+        </p:spPr>
+        <p:txBody>
+          <a:bodyPr>
+            <a:normAutofit lnSpcReduction="10000"/>
+          </a:bodyPr>
+          <a:lstStyle/>
+          <a:p>
+            <a:pPr marL="0" indent="0">
+              <a:lnSpc>
+                <a:spcPct val="120000"/>
+              </a:lnSpc>
+              <a:spcBef>
+                <a:spcPts val="0"/>
+              </a:spcBef>
+              <a:buNone/>
+            </a:pPr>
+            <a:r>
+              <a:rPr lang="en-US" sz="1400" dirty="0" smtClean="0">
+                <a:latin typeface="Courier Final Draft" panose="02000409000000000000" pitchFamily="49" charset="0"/>
+              </a:rPr>
+              <a:t>:- module(</a:t>
+            </a:r>
+            <a:r>
+              <a:rPr lang="en-US" sz="1400" dirty="0" err="1" smtClean="0">
+                <a:latin typeface="Courier Final Draft" panose="02000409000000000000" pitchFamily="49" charset="0"/>
+              </a:rPr>
+              <a:t>my_apis</a:t>
+            </a:r>
+            <a:r>
+              <a:rPr lang="en-US" sz="1400" dirty="0" smtClean="0">
+                <a:latin typeface="Courier Final Draft" panose="02000409000000000000" pitchFamily="49" charset="0"/>
+              </a:rPr>
+              <a:t>, [</a:t>
+            </a:r>
+            <a:r>
+              <a:rPr lang="en-US" sz="1400" dirty="0" err="1" smtClean="0">
+                <a:latin typeface="Courier Final Draft" panose="02000409000000000000" pitchFamily="49" charset="0"/>
+              </a:rPr>
+              <a:t>my_public</a:t>
+            </a:r>
+            <a:r>
+              <a:rPr lang="en-US" sz="1400" dirty="0" smtClean="0">
+                <a:latin typeface="Courier Final Draft" panose="02000409000000000000" pitchFamily="49" charset="0"/>
+              </a:rPr>
+              <a:t>/1, </a:t>
+            </a:r>
+            <a:r>
+              <a:rPr lang="en-US" sz="1400" b="1" dirty="0" err="1" smtClean="0">
+                <a:latin typeface="Courier Final Draft" panose="02000409000000000000" pitchFamily="49" charset="0"/>
+              </a:rPr>
+              <a:t>my_unsafe</a:t>
+            </a:r>
+            <a:r>
+              <a:rPr lang="en-US" sz="1400" b="1" dirty="0" smtClean="0">
+                <a:latin typeface="Courier Final Draft" panose="02000409000000000000" pitchFamily="49" charset="0"/>
+              </a:rPr>
+              <a:t>/1</a:t>
+            </a:r>
+            <a:r>
+              <a:rPr lang="en-US" sz="1400" dirty="0" smtClean="0">
+                <a:latin typeface="Courier Final Draft" panose="02000409000000000000" pitchFamily="49" charset="0"/>
+              </a:rPr>
+              <a:t>]).</a:t>
+            </a:r>
+          </a:p>
+          <a:p>
+            <a:pPr marL="0" indent="0">
+              <a:lnSpc>
+                <a:spcPct val="120000"/>
+              </a:lnSpc>
+              <a:spcBef>
+                <a:spcPts val="0"/>
+              </a:spcBef>
+              <a:buNone/>
+            </a:pPr>
+            <a:endParaRPr lang="en-US" sz="1400" dirty="0" smtClean="0">
+              <a:latin typeface="Courier Final Draft" panose="02000409000000000000" pitchFamily="49" charset="0"/>
+            </a:endParaRPr>
+          </a:p>
+          <a:p>
+            <a:pPr marL="0" indent="0">
+              <a:lnSpc>
+                <a:spcPct val="120000"/>
+              </a:lnSpc>
+              <a:spcBef>
+                <a:spcPts val="0"/>
+              </a:spcBef>
+              <a:buNone/>
+            </a:pPr>
+            <a:r>
+              <a:rPr lang="en-US" sz="1400" dirty="0" smtClean="0">
+                <a:latin typeface="Courier Final Draft" panose="02000409000000000000" pitchFamily="49" charset="0"/>
+              </a:rPr>
+              <a:t>:- </a:t>
+            </a:r>
+            <a:r>
+              <a:rPr lang="en-US" sz="1400" dirty="0" err="1" smtClean="0">
+                <a:latin typeface="Courier Final Draft" panose="02000409000000000000" pitchFamily="49" charset="0"/>
+              </a:rPr>
+              <a:t>use_module</a:t>
+            </a:r>
+            <a:r>
+              <a:rPr lang="en-US" sz="1400" dirty="0" smtClean="0">
+                <a:latin typeface="Courier Final Draft" panose="02000409000000000000" pitchFamily="49" charset="0"/>
+              </a:rPr>
+              <a:t>(library(</a:t>
+            </a:r>
+            <a:r>
+              <a:rPr lang="en-US" sz="1400" dirty="0" err="1" smtClean="0">
+                <a:latin typeface="Courier Final Draft" panose="02000409000000000000" pitchFamily="49" charset="0"/>
+              </a:rPr>
+              <a:t>dcg</a:t>
+            </a:r>
+            <a:r>
+              <a:rPr lang="en-US" sz="1400" dirty="0" smtClean="0">
+                <a:latin typeface="Courier Final Draft" panose="02000409000000000000" pitchFamily="49" charset="0"/>
+              </a:rPr>
+              <a:t>/basics)).</a:t>
+            </a:r>
+          </a:p>
+          <a:p>
+            <a:pPr marL="0" indent="0">
+              <a:lnSpc>
+                <a:spcPct val="120000"/>
+              </a:lnSpc>
+              <a:spcBef>
+                <a:spcPts val="0"/>
+              </a:spcBef>
+              <a:buNone/>
+            </a:pPr>
+            <a:endParaRPr lang="en-US" sz="1400" dirty="0" smtClean="0">
+              <a:latin typeface="Courier Final Draft" panose="02000409000000000000" pitchFamily="49" charset="0"/>
+            </a:endParaRPr>
+          </a:p>
+          <a:p>
+            <a:pPr marL="0" indent="0">
+              <a:lnSpc>
+                <a:spcPct val="120000"/>
+              </a:lnSpc>
+              <a:spcBef>
+                <a:spcPts val="0"/>
+              </a:spcBef>
+              <a:buNone/>
+            </a:pPr>
+            <a:r>
+              <a:rPr lang="en-US" sz="1400" dirty="0" err="1" smtClean="0">
+                <a:latin typeface="Courier Final Draft" panose="02000409000000000000" pitchFamily="49" charset="0"/>
+              </a:rPr>
+              <a:t>my_public</a:t>
+            </a:r>
+            <a:r>
+              <a:rPr lang="en-US" sz="1400" dirty="0" smtClean="0">
+                <a:latin typeface="Courier Final Draft" panose="02000409000000000000" pitchFamily="49" charset="0"/>
+              </a:rPr>
+              <a:t>(X) :-</a:t>
+            </a:r>
+          </a:p>
+          <a:p>
+            <a:pPr marL="0" indent="0">
+              <a:lnSpc>
+                <a:spcPct val="120000"/>
+              </a:lnSpc>
+              <a:spcBef>
+                <a:spcPts val="0"/>
+              </a:spcBef>
+              <a:buNone/>
+            </a:pPr>
+            <a:r>
+              <a:rPr lang="en-US" sz="1400" dirty="0" smtClean="0">
+                <a:latin typeface="Courier Final Draft" panose="02000409000000000000" pitchFamily="49" charset="0"/>
+              </a:rPr>
               <a:t>	</a:t>
             </a:r>
             <a:r>
-              <a:rPr lang="en-US" dirty="0" smtClean="0"/>
+              <a:rPr lang="en-US" sz="1400" dirty="0" err="1" smtClean="0">
+                <a:latin typeface="Courier Final Draft" panose="02000409000000000000" pitchFamily="49" charset="0"/>
+              </a:rPr>
+              <a:t>dont_say_walrus</a:t>
+            </a:r>
+            <a:r>
+              <a:rPr lang="en-US" sz="1400" dirty="0" smtClean="0">
+                <a:latin typeface="Courier Final Draft" panose="02000409000000000000" pitchFamily="49" charset="0"/>
+              </a:rPr>
+              <a:t>(X),</a:t>
+            </a:r>
+          </a:p>
+          <a:p>
+            <a:pPr marL="0" indent="0">
+              <a:lnSpc>
+                <a:spcPct val="120000"/>
+              </a:lnSpc>
+              <a:spcBef>
+                <a:spcPts val="0"/>
+              </a:spcBef>
+              <a:buNone/>
+            </a:pPr>
+            <a:r>
+              <a:rPr lang="en-US" sz="1400" dirty="0" smtClean="0">
+                <a:latin typeface="Courier Final Draft" panose="02000409000000000000" pitchFamily="49" charset="0"/>
+              </a:rPr>
+              <a:t>	debug(</a:t>
+            </a:r>
+            <a:r>
+              <a:rPr lang="en-US" sz="1400" dirty="0" err="1" smtClean="0">
+                <a:latin typeface="Courier Final Draft" panose="02000409000000000000" pitchFamily="49" charset="0"/>
+              </a:rPr>
+              <a:t>pengine_example</a:t>
+            </a:r>
+            <a:r>
+              <a:rPr lang="en-US" sz="1400" dirty="0" smtClean="0">
+                <a:latin typeface="Courier Final Draft" panose="02000409000000000000" pitchFamily="49" charset="0"/>
+              </a:rPr>
+              <a:t>, '</a:t>
+            </a:r>
+            <a:r>
+              <a:rPr lang="en-US" sz="1400" dirty="0" err="1" smtClean="0">
+                <a:latin typeface="Courier Final Draft" panose="02000409000000000000" pitchFamily="49" charset="0"/>
+              </a:rPr>
+              <a:t>my_public</a:t>
+            </a:r>
+            <a:r>
+              <a:rPr lang="en-US" sz="1400" dirty="0" smtClean="0">
+                <a:latin typeface="Courier Final Draft" panose="02000409000000000000" pitchFamily="49" charset="0"/>
+              </a:rPr>
+              <a:t> says ~w', [X]).</a:t>
+            </a:r>
+          </a:p>
+          <a:p>
+            <a:pPr marL="0" indent="0">
+              <a:lnSpc>
+                <a:spcPct val="120000"/>
+              </a:lnSpc>
+              <a:spcBef>
+                <a:spcPts val="0"/>
+              </a:spcBef>
+              <a:buNone/>
+            </a:pPr>
+            <a:endParaRPr lang="en-US" sz="1400" dirty="0" smtClean="0">
+              <a:latin typeface="Courier Final Draft" panose="02000409000000000000" pitchFamily="49" charset="0"/>
+            </a:endParaRPr>
+          </a:p>
+          <a:p>
+            <a:pPr marL="0" indent="0">
+              <a:lnSpc>
+                <a:spcPct val="120000"/>
+              </a:lnSpc>
+              <a:spcBef>
+                <a:spcPts val="0"/>
+              </a:spcBef>
+              <a:buNone/>
+            </a:pPr>
+            <a:r>
+              <a:rPr lang="en-US" sz="1400" b="1" dirty="0" err="1" smtClean="0">
+                <a:latin typeface="Courier Final Draft" panose="02000409000000000000" pitchFamily="49" charset="0"/>
+              </a:rPr>
+              <a:t>my_unsafe</a:t>
+            </a:r>
+            <a:r>
+              <a:rPr lang="en-US" sz="1400" b="1" dirty="0" smtClean="0">
+                <a:latin typeface="Courier Final Draft" panose="02000409000000000000" pitchFamily="49" charset="0"/>
+              </a:rPr>
+              <a:t>(X) :-</a:t>
+            </a:r>
+          </a:p>
+          <a:p>
+            <a:pPr marL="0" indent="0">
+              <a:lnSpc>
+                <a:spcPct val="120000"/>
+              </a:lnSpc>
+              <a:spcBef>
+                <a:spcPts val="0"/>
+              </a:spcBef>
+              <a:buNone/>
+            </a:pPr>
+            <a:r>
+              <a:rPr lang="en-US" sz="1400" dirty="0" smtClean="0">
+                <a:latin typeface="Courier Final Draft" panose="02000409000000000000" pitchFamily="49" charset="0"/>
+              </a:rPr>
               <a:t>	</a:t>
             </a:r>
             <a:r>
-              <a:rPr lang="en-US" dirty="0" err="1" smtClean="0"/>
-              <a:t>pengine_rpc</a:t>
-            </a:r>
-            <a:r>
-              <a:rPr lang="en-US" dirty="0" smtClean="0"/>
-              <a:t>('http://someserver.com/',</a:t>
-            </a:r>
-          </a:p>
-          <a:p>
-            <a:r>
-              <a:rPr lang="en-US" dirty="0" smtClean="0"/>
-              <a:t>			</a:t>
-            </a:r>
-            <a:r>
-              <a:rPr lang="en-US" dirty="0" err="1" smtClean="0"/>
-              <a:t>rdf</a:t>
-            </a:r>
-            <a:r>
-              <a:rPr lang="en-US" dirty="0" smtClean="0"/>
-              <a:t>(S, </a:t>
-            </a:r>
-            <a:r>
-              <a:rPr lang="en-US" dirty="0" err="1" smtClean="0"/>
-              <a:t>rdf:type</a:t>
-            </a:r>
-            <a:r>
-              <a:rPr lang="en-US" dirty="0" smtClean="0"/>
-              <a:t>, </a:t>
-            </a:r>
-            <a:r>
-              <a:rPr lang="en-US" dirty="0" err="1" smtClean="0"/>
-              <a:t>foaf:Agent</a:t>
-            </a:r>
-            <a:r>
-              <a:rPr lang="en-US" dirty="0" smtClean="0"/>
-              <a:t>)),</a:t>
-            </a:r>
-          </a:p>
-          <a:p>
-            <a:r>
-              <a:rPr lang="en-US" dirty="0"/>
-              <a:t>	</a:t>
-            </a:r>
-            <a:r>
-              <a:rPr lang="en-US" dirty="0" smtClean="0"/>
-              <a:t>	</a:t>
-            </a:r>
-            <a:r>
-              <a:rPr lang="en-US" dirty="0" err="1" smtClean="0"/>
-              <a:t>pengine_rpc</a:t>
-            </a:r>
-            <a:r>
-              <a:rPr lang="en-US" dirty="0" smtClean="0"/>
-              <a:t>('http://someserver.com/',</a:t>
-            </a:r>
-          </a:p>
-          <a:p>
-            <a:r>
-              <a:rPr lang="en-US" dirty="0"/>
-              <a:t>	</a:t>
-            </a:r>
-            <a:r>
-              <a:rPr lang="en-US" dirty="0" smtClean="0"/>
-              <a:t>		</a:t>
-            </a:r>
-            <a:r>
-              <a:rPr lang="en-US" dirty="0" err="1" smtClean="0"/>
-              <a:t>rdf</a:t>
-            </a:r>
-            <a:r>
-              <a:rPr lang="en-US" dirty="0" smtClean="0"/>
-              <a:t>(S, </a:t>
-            </a:r>
-            <a:r>
-              <a:rPr lang="en-US" dirty="0" err="1" smtClean="0"/>
-              <a:t>foaf:name</a:t>
-            </a:r>
-            <a:r>
-              <a:rPr lang="en-US" dirty="0" smtClean="0"/>
-              <a:t>, Name)),</a:t>
-            </a:r>
-          </a:p>
-          <a:p>
-            <a:r>
-              <a:rPr lang="en-US" dirty="0"/>
-              <a:t>	</a:t>
-            </a:r>
-            <a:r>
-              <a:rPr lang="en-US" dirty="0" smtClean="0"/>
-              <a:t>	</a:t>
-            </a:r>
-            <a:r>
-              <a:rPr lang="en-US" dirty="0" err="1" smtClean="0"/>
-              <a:t>pengine_rpc</a:t>
-            </a:r>
-            <a:r>
-              <a:rPr lang="en-US" dirty="0" smtClean="0"/>
-              <a:t>('http://whitepages.com/pengines/',</a:t>
-            </a:r>
-          </a:p>
-          <a:p>
-            <a:r>
-              <a:rPr lang="en-US" dirty="0"/>
-              <a:t>	</a:t>
-            </a:r>
-            <a:r>
-              <a:rPr lang="en-US" dirty="0" smtClean="0"/>
-              <a:t>		</a:t>
-            </a:r>
-            <a:r>
-              <a:rPr lang="en-US" dirty="0" err="1" smtClean="0"/>
-              <a:t>rdf</a:t>
-            </a:r>
-            <a:r>
-              <a:rPr lang="en-US" dirty="0" smtClean="0"/>
-              <a:t>(S2, </a:t>
-            </a:r>
-            <a:r>
-              <a:rPr lang="en-US" dirty="0" err="1" smtClean="0"/>
-              <a:t>foaf:name</a:t>
-            </a:r>
-            <a:r>
-              <a:rPr lang="en-US" dirty="0" smtClean="0"/>
-              <a:t>, Name)),</a:t>
-            </a:r>
-          </a:p>
-          <a:p>
-            <a:r>
-              <a:rPr lang="en-US" dirty="0"/>
-              <a:t>	</a:t>
-            </a:r>
-            <a:r>
-              <a:rPr lang="en-US" dirty="0" smtClean="0"/>
-              <a:t>	</a:t>
-            </a:r>
-            <a:r>
-              <a:rPr lang="en-US" dirty="0" err="1" smtClean="0"/>
-              <a:t>pengine_rpc</a:t>
-            </a:r>
-            <a:r>
-              <a:rPr lang="en-US" dirty="0" smtClean="0"/>
-              <a:t>('http://whitepages.com/pengines/',</a:t>
-            </a:r>
-          </a:p>
-          <a:p>
-            <a:r>
-              <a:rPr lang="en-US" dirty="0"/>
-              <a:t>	</a:t>
-            </a:r>
-            <a:r>
-              <a:rPr lang="en-US" dirty="0" smtClean="0"/>
-              <a:t>		</a:t>
-            </a:r>
-            <a:r>
-              <a:rPr lang="en-US" dirty="0" err="1" smtClean="0"/>
-              <a:t>rdf</a:t>
-            </a:r>
-            <a:r>
-              <a:rPr lang="en-US" dirty="0" smtClean="0"/>
-              <a:t>(S2, </a:t>
-            </a:r>
-            <a:r>
-              <a:rPr lang="en-US" dirty="0" err="1" smtClean="0"/>
-              <a:t>wp:address</a:t>
-            </a:r>
-            <a:r>
-              <a:rPr lang="en-US" dirty="0" smtClean="0"/>
-              <a:t>, Address)).</a:t>
-            </a:r>
+              <a:rPr lang="en-US" sz="1400" dirty="0" err="1" smtClean="0">
+                <a:latin typeface="Courier Final Draft" panose="02000409000000000000" pitchFamily="49" charset="0"/>
+              </a:rPr>
+              <a:t>atom_length</a:t>
+            </a:r>
+            <a:r>
+              <a:rPr lang="en-US" sz="1400" dirty="0" smtClean="0">
+                <a:latin typeface="Courier Final Draft" panose="02000409000000000000" pitchFamily="49" charset="0"/>
+              </a:rPr>
+              <a:t>(X, Len),</a:t>
+            </a:r>
+          </a:p>
+          <a:p>
+            <a:pPr marL="0" indent="0">
+              <a:lnSpc>
+                <a:spcPct val="120000"/>
+              </a:lnSpc>
+              <a:spcBef>
+                <a:spcPts val="0"/>
+              </a:spcBef>
+              <a:buNone/>
+            </a:pPr>
+            <a:r>
+              <a:rPr lang="en-US" sz="1400" dirty="0" smtClean="0">
+                <a:latin typeface="Courier Final Draft" panose="02000409000000000000" pitchFamily="49" charset="0"/>
+              </a:rPr>
+              <a:t>	Len &lt; 25,</a:t>
+            </a:r>
+          </a:p>
+          <a:p>
+            <a:pPr marL="0" indent="0">
+              <a:lnSpc>
+                <a:spcPct val="120000"/>
+              </a:lnSpc>
+              <a:spcBef>
+                <a:spcPts val="0"/>
+              </a:spcBef>
+              <a:buNone/>
+            </a:pPr>
+            <a:r>
+              <a:rPr lang="en-US" sz="1400" dirty="0" smtClean="0">
+                <a:latin typeface="Courier Final Draft" panose="02000409000000000000" pitchFamily="49" charset="0"/>
+              </a:rPr>
+              <a:t>	open('foo.txt', write, Stream),</a:t>
+            </a:r>
+          </a:p>
+          <a:p>
+            <a:pPr marL="0" indent="0">
+              <a:lnSpc>
+                <a:spcPct val="120000"/>
+              </a:lnSpc>
+              <a:spcBef>
+                <a:spcPts val="0"/>
+              </a:spcBef>
+              <a:buNone/>
+            </a:pPr>
+            <a:r>
+              <a:rPr lang="en-US" sz="1400" dirty="0" smtClean="0">
+                <a:latin typeface="Courier Final Draft" panose="02000409000000000000" pitchFamily="49" charset="0"/>
+              </a:rPr>
+              <a:t>	format(Stream, 'Hello Out There ~</a:t>
+            </a:r>
+            <a:r>
+              <a:rPr lang="en-US" sz="1400" dirty="0" err="1" smtClean="0">
+                <a:latin typeface="Courier Final Draft" panose="02000409000000000000" pitchFamily="49" charset="0"/>
+              </a:rPr>
+              <a:t>w~n</a:t>
+            </a:r>
+            <a:r>
+              <a:rPr lang="en-US" sz="1400" dirty="0" smtClean="0">
+                <a:latin typeface="Courier Final Draft" panose="02000409000000000000" pitchFamily="49" charset="0"/>
+              </a:rPr>
+              <a:t>', [X]),</a:t>
+            </a:r>
+          </a:p>
+          <a:p>
+            <a:pPr marL="0" indent="0">
+              <a:lnSpc>
+                <a:spcPct val="120000"/>
+              </a:lnSpc>
+              <a:spcBef>
+                <a:spcPts val="0"/>
+              </a:spcBef>
+              <a:buNone/>
+            </a:pPr>
+            <a:r>
+              <a:rPr lang="en-US" sz="1400" dirty="0" smtClean="0">
+                <a:latin typeface="Courier Final Draft" panose="02000409000000000000" pitchFamily="49" charset="0"/>
+              </a:rPr>
+              <a:t>	close(Stream).</a:t>
+            </a:r>
+          </a:p>
+          <a:p>
+            <a:pPr marL="0" indent="0">
+              <a:lnSpc>
+                <a:spcPct val="120000"/>
+              </a:lnSpc>
+              <a:spcBef>
+                <a:spcPts val="0"/>
+              </a:spcBef>
+              <a:buNone/>
+            </a:pPr>
+            <a:endParaRPr lang="en-US" sz="1400" dirty="0" smtClean="0">
+              <a:latin typeface="Courier Final Draft" panose="02000409000000000000" pitchFamily="49" charset="0"/>
+            </a:endParaRPr>
+          </a:p>
+          <a:p>
+            <a:pPr marL="0" indent="0">
+              <a:lnSpc>
+                <a:spcPct val="120000"/>
+              </a:lnSpc>
+              <a:spcBef>
+                <a:spcPts val="0"/>
+              </a:spcBef>
+              <a:buNone/>
+            </a:pPr>
+            <a:r>
+              <a:rPr lang="en-US" sz="1400" b="1" dirty="0" smtClean="0">
+                <a:latin typeface="Courier Final Draft" panose="02000409000000000000" pitchFamily="49" charset="0"/>
+              </a:rPr>
+              <a:t>:- </a:t>
+            </a:r>
+            <a:r>
+              <a:rPr lang="en-US" sz="1400" b="1" dirty="0" err="1" smtClean="0">
+                <a:latin typeface="Courier Final Draft" panose="02000409000000000000" pitchFamily="49" charset="0"/>
+              </a:rPr>
+              <a:t>multifile</a:t>
+            </a:r>
+            <a:r>
+              <a:rPr lang="en-US" sz="1400" b="1" dirty="0" smtClean="0">
+                <a:latin typeface="Courier Final Draft" panose="02000409000000000000" pitchFamily="49" charset="0"/>
+              </a:rPr>
+              <a:t> </a:t>
+            </a:r>
+            <a:r>
+              <a:rPr lang="en-US" sz="1400" b="1" dirty="0" err="1" smtClean="0">
+                <a:latin typeface="Courier Final Draft" panose="02000409000000000000" pitchFamily="49" charset="0"/>
+              </a:rPr>
+              <a:t>sandbox:safe_primitive</a:t>
+            </a:r>
+            <a:r>
+              <a:rPr lang="en-US" sz="1400" b="1" dirty="0" smtClean="0">
+                <a:latin typeface="Courier Final Draft" panose="02000409000000000000" pitchFamily="49" charset="0"/>
+              </a:rPr>
+              <a:t>/1.</a:t>
+            </a:r>
+          </a:p>
+          <a:p>
+            <a:pPr marL="0" indent="0">
+              <a:lnSpc>
+                <a:spcPct val="120000"/>
+              </a:lnSpc>
+              <a:spcBef>
+                <a:spcPts val="0"/>
+              </a:spcBef>
+              <a:buNone/>
+            </a:pPr>
+            <a:endParaRPr lang="en-US" sz="1400" b="1" dirty="0" smtClean="0">
+              <a:latin typeface="Courier Final Draft" panose="02000409000000000000" pitchFamily="49" charset="0"/>
+            </a:endParaRPr>
+          </a:p>
+          <a:p>
+            <a:pPr marL="0" indent="0">
+              <a:lnSpc>
+                <a:spcPct val="120000"/>
+              </a:lnSpc>
+              <a:spcBef>
+                <a:spcPts val="0"/>
+              </a:spcBef>
+              <a:buNone/>
+            </a:pPr>
+            <a:r>
+              <a:rPr lang="en-US" sz="1400" b="1" dirty="0" err="1" smtClean="0">
+                <a:latin typeface="Courier Final Draft" panose="02000409000000000000" pitchFamily="49" charset="0"/>
+              </a:rPr>
+              <a:t>sandbox:safe_primitive</a:t>
+            </a:r>
+            <a:r>
+              <a:rPr lang="en-US" sz="1400" b="1" dirty="0" smtClean="0">
+                <a:latin typeface="Courier Final Draft" panose="02000409000000000000" pitchFamily="49" charset="0"/>
+              </a:rPr>
+              <a:t>(</a:t>
+            </a:r>
+            <a:r>
+              <a:rPr lang="en-US" sz="1400" b="1" dirty="0" err="1" smtClean="0">
+                <a:latin typeface="Courier Final Draft" panose="02000409000000000000" pitchFamily="49" charset="0"/>
+              </a:rPr>
+              <a:t>my_apis:my_unsafe</a:t>
+            </a:r>
+            <a:r>
+              <a:rPr lang="en-US" sz="1400" b="1" dirty="0" smtClean="0">
+                <a:latin typeface="Courier Final Draft" panose="02000409000000000000" pitchFamily="49" charset="0"/>
+              </a:rPr>
+              <a:t>(_)).</a:t>
+            </a:r>
+          </a:p>
+          <a:p>
+            <a:pPr marL="0" indent="0">
+              <a:lnSpc>
+                <a:spcPct val="120000"/>
+              </a:lnSpc>
+              <a:spcBef>
+                <a:spcPts val="0"/>
+              </a:spcBef>
+              <a:buNone/>
+            </a:pPr>
+            <a:endParaRPr lang="en-US" sz="1400" dirty="0" smtClean="0">
+              <a:latin typeface="Courier Final Draft" panose="02000409000000000000" pitchFamily="49" charset="0"/>
+            </a:endParaRPr>
+          </a:p>
+          <a:p>
+            <a:endParaRPr lang="en-US" sz="1400" dirty="0"/>
           </a:p>
         </p:txBody>
       </p:sp>
     </p:spTree>
     <p:extLst>
       <p:ext uri="{BB962C8B-B14F-4D97-AF65-F5344CB8AC3E}">
-        <p14:creationId xmlns:p14="http://schemas.microsoft.com/office/powerpoint/2010/main" val="3661812524"/>
+        <p14:creationId xmlns:p14="http://schemas.microsoft.com/office/powerpoint/2010/main" val="1123577534"/>
       </p:ext>
     </p:extLst>
   </p:cSld>
@@ -11363,7 +11312,7 @@
       </p:grpSpPr>
       <p:sp>
         <p:nvSpPr>
-          <p:cNvPr id="4" name="Title 3"/>
+          <p:cNvPr id="5" name="Title 4"/>
           <p:cNvSpPr>
             <a:spLocks noGrp="1"/>
           </p:cNvSpPr>
@@ -11378,78 +11327,223 @@
           <a:p>
             <a:pPr algn="ctr"/>
             <a:r>
+              <a:rPr lang="en-US" dirty="0" smtClean="0"/>
+              <a:t>Federating Queries</a:t>
+            </a:r>
+            <a:endParaRPr lang="en-US" dirty="0"/>
+          </a:p>
+        </p:txBody>
+      </p:sp>
+      <p:sp>
+        <p:nvSpPr>
+          <p:cNvPr id="7" name="Content Placeholder 6"/>
+          <p:cNvSpPr>
+            <a:spLocks noGrp="1"/>
+          </p:cNvSpPr>
+          <p:nvPr>
+            <p:ph idx="1"/>
+          </p:nvPr>
+        </p:nvSpPr>
+        <p:spPr/>
+        <p:txBody>
+          <a:bodyPr/>
+          <a:lstStyle/>
+          <a:p>
+            <a:r>
               <a:rPr lang="en-US" dirty="0" err="1" smtClean="0"/>
-              <a:t>Cliopatria</a:t>
-            </a:r>
-            <a:r>
-              <a:rPr lang="en-US" dirty="0" smtClean="0"/>
-              <a:t> Whitepaper</a:t>
-            </a:r>
-            <a:endParaRPr lang="en-US" dirty="0"/>
-          </a:p>
-        </p:txBody>
-      </p:sp>
-      <p:sp>
-        <p:nvSpPr>
-          <p:cNvPr id="3" name="Content Placeholder 2"/>
-          <p:cNvSpPr>
-            <a:spLocks noGrp="1"/>
-          </p:cNvSpPr>
-          <p:nvPr>
-            <p:ph idx="1"/>
-          </p:nvPr>
-        </p:nvSpPr>
-        <p:spPr/>
-        <p:txBody>
-          <a:bodyPr/>
-          <a:lstStyle/>
-          <a:p>
-            <a:pPr marL="0" indent="0">
-              <a:buNone/>
-            </a:pPr>
+              <a:t>from_everywhere</a:t>
+            </a:r>
+            <a:r>
+              <a:rPr lang="en-US" dirty="0" smtClean="0"/>
+              <a:t>(Name, Address) :-</a:t>
+            </a:r>
+          </a:p>
+          <a:p>
             <a:r>
               <a:rPr lang="en-US" dirty="0"/>
-              <a:t>Useful paper for understanding the relationship between </a:t>
-            </a:r>
-            <a:r>
-              <a:rPr lang="en-US" dirty="0" smtClean="0"/>
-              <a:t>SWI-P</a:t>
-            </a:r>
-            <a:r>
-              <a:rPr lang="en-US" dirty="0" smtClean="0"/>
-              <a:t>rolog </a:t>
-            </a:r>
+              <a:t>	</a:t>
+            </a:r>
+            <a:r>
+              <a:rPr lang="en-US" dirty="0" smtClean="0"/>
+              <a:t>	</a:t>
+            </a:r>
+            <a:r>
+              <a:rPr lang="en-US" dirty="0" err="1" smtClean="0"/>
+              <a:t>pengine_rpc</a:t>
+            </a:r>
+            <a:r>
+              <a:rPr lang="en-US" dirty="0" smtClean="0"/>
+              <a:t>('http://someserver.com/',</a:t>
+            </a:r>
+          </a:p>
+          <a:p>
+            <a:r>
+              <a:rPr lang="en-US" dirty="0" smtClean="0"/>
+              <a:t>			</a:t>
+            </a:r>
+            <a:r>
+              <a:rPr lang="en-US" dirty="0" err="1" smtClean="0"/>
+              <a:t>rdf</a:t>
+            </a:r>
+            <a:r>
+              <a:rPr lang="en-US" dirty="0" smtClean="0"/>
+              <a:t>(S, </a:t>
+            </a:r>
+            <a:r>
+              <a:rPr lang="en-US" dirty="0" err="1" smtClean="0"/>
+              <a:t>rdf:type</a:t>
+            </a:r>
+            <a:r>
+              <a:rPr lang="en-US" dirty="0" smtClean="0"/>
+              <a:t>, </a:t>
+            </a:r>
+            <a:r>
+              <a:rPr lang="en-US" dirty="0" err="1" smtClean="0"/>
+              <a:t>foaf:Agent</a:t>
+            </a:r>
+            <a:r>
+              <a:rPr lang="en-US" dirty="0" smtClean="0"/>
+              <a:t>)),</a:t>
+            </a:r>
+          </a:p>
+          <a:p>
             <a:r>
               <a:rPr lang="en-US" dirty="0"/>
-              <a:t>and </a:t>
-            </a:r>
-            <a:r>
-              <a:rPr lang="en-US" dirty="0" smtClean="0"/>
-              <a:t>RDF</a:t>
-            </a:r>
-          </a:p>
-          <a:p>
-            <a:pPr marL="0" indent="0">
-              <a:buNone/>
-            </a:pPr>
-            <a:r>
-              <a:rPr lang="en-US" dirty="0" smtClean="0"/>
-              <a:t>http</a:t>
-            </a:r>
+              <a:t>	</a:t>
+            </a:r>
+            <a:r>
+              <a:rPr lang="en-US" dirty="0" smtClean="0"/>
+              <a:t>	</a:t>
+            </a:r>
+            <a:r>
+              <a:rPr lang="en-US" dirty="0" err="1" smtClean="0"/>
+              <a:t>pengine_rpc</a:t>
+            </a:r>
+            <a:r>
+              <a:rPr lang="en-US" dirty="0" smtClean="0"/>
+              <a:t>('http://someserver.com/',</a:t>
+            </a:r>
+          </a:p>
+          <a:p>
             <a:r>
               <a:rPr lang="en-US" dirty="0"/>
-              <a:t>://cliopatria.swi-prolog.org/help/whitepaper.html</a:t>
-            </a:r>
-          </a:p>
-          <a:p>
-            <a:endParaRPr lang="en-US" dirty="0"/>
+              <a:t>	</a:t>
+            </a:r>
+            <a:r>
+              <a:rPr lang="en-US" dirty="0" smtClean="0"/>
+              <a:t>		</a:t>
+            </a:r>
+            <a:r>
+              <a:rPr lang="en-US" dirty="0" err="1" smtClean="0"/>
+              <a:t>rdf</a:t>
+            </a:r>
+            <a:r>
+              <a:rPr lang="en-US" dirty="0" smtClean="0"/>
+              <a:t>(S, </a:t>
+            </a:r>
+            <a:r>
+              <a:rPr lang="en-US" dirty="0" err="1" smtClean="0"/>
+              <a:t>foaf:name</a:t>
+            </a:r>
+            <a:r>
+              <a:rPr lang="en-US" dirty="0" smtClean="0"/>
+              <a:t>, Name)),</a:t>
+            </a:r>
+          </a:p>
+          <a:p>
+            <a:r>
+              <a:rPr lang="en-US" dirty="0"/>
+              <a:t>	</a:t>
+            </a:r>
+            <a:r>
+              <a:rPr lang="en-US" dirty="0" smtClean="0"/>
+              <a:t>	</a:t>
+            </a:r>
+            <a:r>
+              <a:rPr lang="en-US" dirty="0" err="1" smtClean="0"/>
+              <a:t>pengine_rpc</a:t>
+            </a:r>
+            <a:r>
+              <a:rPr lang="en-US" dirty="0" smtClean="0"/>
+              <a:t>('http://whitepages.com/pengines/',</a:t>
+            </a:r>
+          </a:p>
+          <a:p>
+            <a:r>
+              <a:rPr lang="en-US" dirty="0"/>
+              <a:t>	</a:t>
+            </a:r>
+            <a:r>
+              <a:rPr lang="en-US" dirty="0" smtClean="0"/>
+              <a:t>		</a:t>
+            </a:r>
+            <a:r>
+              <a:rPr lang="en-US" dirty="0" err="1" smtClean="0"/>
+              <a:t>rdf</a:t>
+            </a:r>
+            <a:r>
+              <a:rPr lang="en-US" dirty="0" smtClean="0"/>
+              <a:t>(S2, </a:t>
+            </a:r>
+            <a:r>
+              <a:rPr lang="en-US" dirty="0" err="1" smtClean="0"/>
+              <a:t>foaf:name</a:t>
+            </a:r>
+            <a:r>
+              <a:rPr lang="en-US" dirty="0" smtClean="0"/>
+              <a:t>, Name)),</a:t>
+            </a:r>
+          </a:p>
+          <a:p>
+            <a:r>
+              <a:rPr lang="en-US" dirty="0"/>
+              <a:t>	</a:t>
+            </a:r>
+            <a:r>
+              <a:rPr lang="en-US" dirty="0" smtClean="0"/>
+              <a:t>	</a:t>
+            </a:r>
+            <a:r>
+              <a:rPr lang="en-US" dirty="0" err="1" smtClean="0"/>
+              <a:t>pengine_rpc</a:t>
+            </a:r>
+            <a:r>
+              <a:rPr lang="en-US" dirty="0" smtClean="0"/>
+              <a:t>('http://whitepages.com/pengines/',</a:t>
+            </a:r>
+          </a:p>
+          <a:p>
+            <a:r>
+              <a:rPr lang="en-US" dirty="0"/>
+              <a:t>	</a:t>
+            </a:r>
+            <a:r>
+              <a:rPr lang="en-US" dirty="0" smtClean="0"/>
+              <a:t>		</a:t>
+            </a:r>
+            <a:r>
+              <a:rPr lang="en-US" dirty="0" err="1" smtClean="0"/>
+              <a:t>rdf</a:t>
+            </a:r>
+            <a:r>
+              <a:rPr lang="en-US" dirty="0" smtClean="0"/>
+              <a:t>(S2, </a:t>
+            </a:r>
+            <a:r>
+              <a:rPr lang="en-US" dirty="0" err="1" smtClean="0"/>
+              <a:t>wp:address</a:t>
+            </a:r>
+            <a:r>
+              <a:rPr lang="en-US" dirty="0" smtClean="0"/>
+              <a:t>, Address)).</a:t>
+            </a:r>
           </a:p>
         </p:txBody>
       </p:sp>
     </p:spTree>
     <p:extLst>
       <p:ext uri="{BB962C8B-B14F-4D97-AF65-F5344CB8AC3E}">
-        <p14:creationId xmlns:p14="http://schemas.microsoft.com/office/powerpoint/2010/main" val="21410172"/>
+        <p14:creationId xmlns:p14="http://schemas.microsoft.com/office/powerpoint/2010/main" val="3661812524"/>
       </p:ext>
     </p:extLst>
   </p:cSld>
@@ -11485,7 +11579,7 @@
       </p:grpSpPr>
       <p:sp>
         <p:nvSpPr>
-          <p:cNvPr id="2" name="Title 1"/>
+          <p:cNvPr id="4" name="Title 3"/>
           <p:cNvSpPr>
             <a:spLocks noGrp="1"/>
           </p:cNvSpPr>
@@ -11500,46 +11594,78 @@
           <a:p>
             <a:pPr algn="ctr"/>
             <a:r>
-              <a:rPr lang="en-US" dirty="0" smtClean="0"/>
-              <a:t>Where Are We Going?</a:t>
+              <a:rPr lang="en-US" dirty="0" err="1" smtClean="0"/>
+              <a:t>Cliopatria</a:t>
+            </a:r>
+            <a:r>
+              <a:rPr lang="en-US" dirty="0" smtClean="0"/>
+              <a:t> Whitepaper</a:t>
             </a:r>
             <a:endParaRPr lang="en-US" dirty="0"/>
           </a:p>
         </p:txBody>
       </p:sp>
-      <p:pic>
-        <p:nvPicPr>
-          <p:cNvPr id="4" name="Content Placeholder 3"/>
-          <p:cNvPicPr>
-            <a:picLocks noGrp="1" noChangeAspect="1"/>
-          </p:cNvPicPr>
+      <p:sp>
+        <p:nvSpPr>
+          <p:cNvPr id="3" name="Content Placeholder 2"/>
+          <p:cNvSpPr>
+            <a:spLocks noGrp="1"/>
+          </p:cNvSpPr>
           <p:nvPr>
             <p:ph idx="1"/>
           </p:nvPr>
-        </p:nvPicPr>
-        <p:blipFill>
-          <a:blip r:embed="rId3">
-            <a:extLst>
-              <a:ext uri="{28A0092B-C50C-407E-A947-70E740481C1C}">
-                <a14:useLocalDpi xmlns:a14="http://schemas.microsoft.com/office/drawing/2010/main" val="0"/>
-              </a:ext>
-            </a:extLst>
-          </a:blip>
-          <a:stretch>
-            <a:fillRect/>
-          </a:stretch>
-        </p:blipFill>
-        <p:spPr>
-          <a:xfrm>
-            <a:off x="1179095" y="1627390"/>
-            <a:ext cx="9877926" cy="4769105"/>
-          </a:xfrm>
-        </p:spPr>
-      </p:pic>
+        </p:nvSpPr>
+        <p:spPr/>
+        <p:txBody>
+          <a:bodyPr/>
+          <a:lstStyle/>
+          <a:p>
+            <a:pPr marL="0" indent="0">
+              <a:buNone/>
+            </a:pPr>
+            <a:r>
+              <a:rPr lang="en-US" dirty="0"/>
+              <a:t>Useful paper for understanding the relationship between </a:t>
+            </a:r>
+            <a:r>
+              <a:rPr lang="en-US" dirty="0" smtClean="0"/>
+              <a:t>SWI-P</a:t>
+            </a:r>
+            <a:r>
+              <a:rPr lang="en-US" dirty="0" smtClean="0"/>
+              <a:t>rolog </a:t>
+            </a:r>
+            <a:r>
+              <a:rPr lang="en-US" dirty="0"/>
+              <a:t>and </a:t>
+            </a:r>
+            <a:r>
+              <a:rPr lang="en-US" dirty="0" smtClean="0"/>
+              <a:t>RDF</a:t>
+            </a:r>
+          </a:p>
+          <a:p>
+            <a:pPr marL="0" indent="0">
+              <a:buNone/>
+            </a:pPr>
+            <a:r>
+              <a:rPr lang="en-US" dirty="0" smtClean="0"/>
+              <a:t>http</a:t>
+            </a:r>
+            <a:r>
+              <a:rPr lang="en-US" dirty="0"/>
+              <a:t>://cliopatria.swi-prolog.org/help/whitepaper.html</a:t>
+            </a:r>
+          </a:p>
+          <a:p>
+            <a:endParaRPr lang="en-US" dirty="0"/>
+          </a:p>
+        </p:txBody>
+      </p:sp>
     </p:spTree>
     <p:extLst>
       <p:ext uri="{BB962C8B-B14F-4D97-AF65-F5344CB8AC3E}">
-        <p14:creationId xmlns:p14="http://schemas.microsoft.com/office/powerpoint/2010/main" val="113146163"/>
+        <p14:creationId xmlns:p14="http://schemas.microsoft.com/office/powerpoint/2010/main" val="21410172"/>
       </p:ext>
     </p:extLst>
   </p:cSld>
@@ -11785,6 +11911,96 @@
             <p:ph type="title"/>
           </p:nvPr>
         </p:nvSpPr>
+        <p:spPr/>
+        <p:txBody>
+          <a:bodyPr/>
+          <a:lstStyle/>
+          <a:p>
+            <a:pPr algn="ctr"/>
+            <a:r>
+              <a:rPr lang="en-US" dirty="0" smtClean="0"/>
+              <a:t>Where Are We Going?</a:t>
+            </a:r>
+            <a:endParaRPr lang="en-US" dirty="0"/>
+          </a:p>
+        </p:txBody>
+      </p:sp>
+      <p:pic>
+        <p:nvPicPr>
+          <p:cNvPr id="4" name="Content Placeholder 3"/>
+          <p:cNvPicPr>
+            <a:picLocks noGrp="1" noChangeAspect="1"/>
+          </p:cNvPicPr>
+          <p:nvPr>
+            <p:ph idx="1"/>
+          </p:nvPr>
+        </p:nvPicPr>
+        <p:blipFill>
+          <a:blip r:embed="rId3">
+            <a:extLst>
+              <a:ext uri="{28A0092B-C50C-407E-A947-70E740481C1C}">
+                <a14:useLocalDpi xmlns:a14="http://schemas.microsoft.com/office/drawing/2010/main" val="0"/>
+              </a:ext>
+            </a:extLst>
+          </a:blip>
+          <a:stretch>
+            <a:fillRect/>
+          </a:stretch>
+        </p:blipFill>
+        <p:spPr>
+          <a:xfrm>
+            <a:off x="1179095" y="1627390"/>
+            <a:ext cx="9877926" cy="4769105"/>
+          </a:xfrm>
+        </p:spPr>
+      </p:pic>
+    </p:spTree>
+    <p:extLst>
+      <p:ext uri="{BB962C8B-B14F-4D97-AF65-F5344CB8AC3E}">
+        <p14:creationId xmlns:p14="http://schemas.microsoft.com/office/powerpoint/2010/main" val="113146163"/>
+      </p:ext>
+    </p:extLst>
+  </p:cSld>
+  <p:clrMapOvr>
+    <a:masterClrMapping/>
+  </p:clrMapOvr>
+  <p:timing>
+    <p:tnLst>
+      <p:par>
+        <p:cTn id="1" dur="indefinite" restart="never" nodeType="tmRoot"/>
+      </p:par>
+    </p:tnLst>
+  </p:timing>
+</p:sld>
+</file>
+
+<file path=ppt/slides/slide31.xml><?xml version="1.0" encoding="utf-8"?>
+<p:sld xmlns:a="http://schemas.openxmlformats.org/drawingml/2006/main" xmlns:r="http://schemas.openxmlformats.org/officeDocument/2006/relationships" xmlns:p="http://schemas.openxmlformats.org/presentationml/2006/main">
+  <p:cSld>
+    <p:spTree>
+      <p:nvGrpSpPr>
+        <p:cNvPr id="1" name=""/>
+        <p:cNvGrpSpPr/>
+        <p:nvPr/>
+      </p:nvGrpSpPr>
+      <p:grpSpPr>
+        <a:xfrm>
+          <a:off x="0" y="0"/>
+          <a:ext cx="0" cy="0"/>
+          <a:chOff x="0" y="0"/>
+          <a:chExt cx="0" cy="0"/>
+        </a:xfrm>
+      </p:grpSpPr>
+      <p:sp>
+        <p:nvSpPr>
+          <p:cNvPr id="2" name="Title 1"/>
+          <p:cNvSpPr>
+            <a:spLocks noGrp="1"/>
+          </p:cNvSpPr>
+          <p:nvPr>
+            <p:ph type="title"/>
+          </p:nvPr>
+        </p:nvSpPr>
         <p:spPr>
           <a:xfrm>
             <a:off x="838200" y="365125"/>
@@ -11963,6 +12179,120 @@
       </p:grpSpPr>
       <p:sp>
         <p:nvSpPr>
+          <p:cNvPr id="2" name="Title 1"/>
+          <p:cNvSpPr>
+            <a:spLocks noGrp="1"/>
+          </p:cNvSpPr>
+          <p:nvPr>
+            <p:ph type="title"/>
+          </p:nvPr>
+        </p:nvSpPr>
+        <p:spPr>
+          <a:xfrm>
+            <a:off x="2479431" y="1513987"/>
+            <a:ext cx="2303585" cy="1325563"/>
+          </a:xfrm>
+        </p:spPr>
+        <p:txBody>
+          <a:bodyPr/>
+          <a:lstStyle/>
+          <a:p>
+            <a:r>
+              <a:rPr lang="en-US" dirty="0" smtClean="0"/>
+              <a:t>Prolog?</a:t>
+            </a:r>
+            <a:endParaRPr lang="en-US" dirty="0"/>
+          </a:p>
+        </p:txBody>
+      </p:sp>
+      <p:sp>
+        <p:nvSpPr>
+          <p:cNvPr id="5" name="Title 1"/>
+          <p:cNvSpPr txBox="1">
+            <a:spLocks/>
+          </p:cNvSpPr>
+          <p:nvPr/>
+        </p:nvSpPr>
+        <p:spPr>
+          <a:xfrm>
+            <a:off x="5691555" y="3730503"/>
+            <a:ext cx="3933092" cy="1325563"/>
+          </a:xfrm>
+          <a:prstGeom prst="rect">
+            <a:avLst/>
+          </a:prstGeom>
+        </p:spPr>
+        <p:txBody>
+          <a:bodyPr vert="horz" lIns="91440" tIns="45720" rIns="91440" bIns="45720" rtlCol="0" anchor="ctr">
+            <a:normAutofit/>
+          </a:bodyPr>
+          <a:lstStyle>
+            <a:lvl1pPr algn="l" defTabSz="914400" rtl="0" eaLnBrk="1" latinLnBrk="0" hangingPunct="1">
+              <a:lnSpc>
+                <a:spcPct val="90000"/>
+              </a:lnSpc>
+              <a:spcBef>
+                <a:spcPct val="0"/>
+              </a:spcBef>
+              <a:buNone/>
+              <a:defRPr sz="4400" kern="1200">
+                <a:solidFill>
+                  <a:schemeClr val="tx1"/>
+                </a:solidFill>
+                <a:latin typeface="+mj-lt"/>
+                <a:ea typeface="+mj-ea"/>
+                <a:cs typeface="+mj-cs"/>
+              </a:defRPr>
+            </a:lvl1pPr>
+          </a:lstStyle>
+          <a:p>
+            <a:r>
+              <a:rPr lang="en-US" dirty="0" smtClean="0"/>
+              <a:t>Semantic Web?</a:t>
+            </a:r>
+            <a:endParaRPr lang="en-US" dirty="0"/>
+          </a:p>
+        </p:txBody>
+      </p:sp>
+    </p:spTree>
+    <p:extLst>
+      <p:ext uri="{BB962C8B-B14F-4D97-AF65-F5344CB8AC3E}">
+        <p14:creationId xmlns:p14="http://schemas.microsoft.com/office/powerpoint/2010/main" val="732934574"/>
+      </p:ext>
+    </p:extLst>
+  </p:cSld>
+  <p:clrMapOvr>
+    <a:masterClrMapping/>
+  </p:clrMapOvr>
+  <p:timing>
+    <p:tnLst>
+      <p:par>
+        <p:cTn id="1" dur="indefinite" restart="never" nodeType="tmRoot"/>
+      </p:par>
+    </p:tnLst>
+  </p:timing>
+</p:sld>
+</file>
+
+<file path=ppt/slides/slide5.xml><?xml version="1.0" encoding="utf-8"?>
+<p:sld xmlns:a="http://schemas.openxmlformats.org/drawingml/2006/main" xmlns:r="http://schemas.openxmlformats.org/officeDocument/2006/relationships" xmlns:p="http://schemas.openxmlformats.org/presentationml/2006/main">
+  <p:cSld>
+    <p:spTree>
+      <p:nvGrpSpPr>
+        <p:cNvPr id="1" name=""/>
+        <p:cNvGrpSpPr/>
+        <p:nvPr/>
+      </p:nvGrpSpPr>
+      <p:grpSpPr>
+        <a:xfrm>
+          <a:off x="0" y="0"/>
+          <a:ext cx="0" cy="0"/>
+          <a:chOff x="0" y="0"/>
+          <a:chExt cx="0" cy="0"/>
+        </a:xfrm>
+      </p:grpSpPr>
+      <p:sp>
+        <p:nvSpPr>
           <p:cNvPr id="5" name="Title 4"/>
           <p:cNvSpPr>
             <a:spLocks noGrp="1"/>
@@ -12029,7 +12359,7 @@
 </p:sld>
 </file>
 
-<file path=ppt/slides/slide5.xml><?xml version="1.0" encoding="utf-8"?>
+<file path=ppt/slides/slide6.xml><?xml version="1.0" encoding="utf-8"?>
 <p:sld xmlns:a="http://schemas.openxmlformats.org/drawingml/2006/main" xmlns:r="http://schemas.openxmlformats.org/officeDocument/2006/relationships" xmlns:p="http://schemas.openxmlformats.org/presentationml/2006/main">
   <p:cSld>
     <p:spTree>
@@ -12095,7 +12425,7 @@
 </p:sld>
 </file>
 
-<file path=ppt/slides/slide6.xml><?xml version="1.0" encoding="utf-8"?>
+<file path=ppt/slides/slide7.xml><?xml version="1.0" encoding="utf-8"?>
 <p:sld xmlns:a="http://schemas.openxmlformats.org/drawingml/2006/main" xmlns:r="http://schemas.openxmlformats.org/officeDocument/2006/relationships" xmlns:p="http://schemas.openxmlformats.org/presentationml/2006/main">
   <p:cSld>
     <p:spTree>
@@ -12134,7 +12464,7 @@
           <a:graphicData uri="http://schemas.openxmlformats.org/presentationml/2006/ole">
             <mc:AlternateContent xmlns:mc="http://schemas.openxmlformats.org/markup-compatibility/2006">
               <mc:Choice xmlns:v="urn:schemas-microsoft-com:vml" Requires="v">
-                <p:oleObj spid="_x0000_s3127" name="Image" r:id="rId4" imgW="12774600" imgH="5866560" progId="Photoshop.Image.12">
+                <p:oleObj spid="_x0000_s3134" name="Image" r:id="rId4" imgW="12774600" imgH="5866560" progId="Photoshop.Image.12">
                   <p:embed/>
                 </p:oleObj>
               </mc:Choice>
@@ -12189,7 +12519,7 @@
 </p:sld>
 </file>
 
-<file path=ppt/slides/slide7.xml><?xml version="1.0" encoding="utf-8"?>
+<file path=ppt/slides/slide8.xml><?xml version="1.0" encoding="utf-8"?>
 <p:sld xmlns:a="http://schemas.openxmlformats.org/drawingml/2006/main" xmlns:r="http://schemas.openxmlformats.org/officeDocument/2006/relationships" xmlns:p="http://schemas.openxmlformats.org/presentationml/2006/main">
   <p:cSld>
     <p:spTree>
@@ -12256,7 +12586,7 @@
 </p:sld>
 </file>
 
-<file path=ppt/slides/slide8.xml><?xml version="1.0" encoding="utf-8"?>
+<file path=ppt/slides/slide9.xml><?xml version="1.0" encoding="utf-8"?>
 <p:sld xmlns:a="http://schemas.openxmlformats.org/drawingml/2006/main" xmlns:r="http://schemas.openxmlformats.org/officeDocument/2006/relationships" xmlns:p="http://schemas.openxmlformats.org/presentationml/2006/main">
   <p:cSld>
     <p:spTree>
@@ -12307,91 +12637,6 @@
     <p:extLst>
       <p:ext uri="{BB962C8B-B14F-4D97-AF65-F5344CB8AC3E}">
         <p14:creationId xmlns:p14="http://schemas.microsoft.com/office/powerpoint/2010/main" val="2322295178"/>
-      </p:ext>
-    </p:extLst>
-  </p:cSld>
-  <p:clrMapOvr>
-    <a:masterClrMapping/>
-  </p:clrMapOvr>
-  <p:timing>
-    <p:tnLst>
-      <p:par>
-        <p:cTn id="1" dur="indefinite" restart="never" nodeType="tmRoot"/>
-      </p:par>
-    </p:tnLst>
-  </p:timing>
-</p:sld>
-</file>
-
-<file path=ppt/slides/slide9.xml><?xml version="1.0" encoding="utf-8"?>
-<p:sld xmlns:a="http://schemas.openxmlformats.org/drawingml/2006/main" xmlns:r="http://schemas.openxmlformats.org/officeDocument/2006/relationships" xmlns:p="http://schemas.openxmlformats.org/presentationml/2006/main">
-  <p:cSld>
-    <p:spTree>
-      <p:nvGrpSpPr>
-        <p:cNvPr id="1" name=""/>
-        <p:cNvGrpSpPr/>
-        <p:nvPr/>
-      </p:nvGrpSpPr>
-      <p:grpSpPr>
-        <a:xfrm>
-          <a:off x="0" y="0"/>
-          <a:ext cx="0" cy="0"/>
-          <a:chOff x="0" y="0"/>
-          <a:chExt cx="0" cy="0"/>
-        </a:xfrm>
-      </p:grpSpPr>
-      <p:sp>
-        <p:nvSpPr>
-          <p:cNvPr id="4" name="Title 3"/>
-          <p:cNvSpPr>
-            <a:spLocks noGrp="1"/>
-          </p:cNvSpPr>
-          <p:nvPr>
-            <p:ph type="title"/>
-          </p:nvPr>
-        </p:nvSpPr>
-        <p:spPr>
-          <a:xfrm>
-            <a:off x="831850" y="467092"/>
-            <a:ext cx="10515600" cy="2852737"/>
-          </a:xfrm>
-        </p:spPr>
-        <p:txBody>
-          <a:bodyPr/>
-          <a:lstStyle/>
-          <a:p>
-            <a:pPr algn="ctr"/>
-            <a:r>
-              <a:rPr lang="en-US" dirty="0" smtClean="0"/>
-              <a:t>The Pengine Knowledgebase</a:t>
-            </a:r>
-            <a:endParaRPr lang="en-US" dirty="0"/>
-          </a:p>
-        </p:txBody>
-      </p:sp>
-      <p:sp>
-        <p:nvSpPr>
-          <p:cNvPr id="5" name="Text Placeholder 4"/>
-          <p:cNvSpPr>
-            <a:spLocks noGrp="1"/>
-          </p:cNvSpPr>
-          <p:nvPr>
-            <p:ph type="body" idx="1"/>
-          </p:nvPr>
-        </p:nvSpPr>
-        <p:spPr/>
-        <p:txBody>
-          <a:bodyPr/>
-          <a:lstStyle/>
-          <a:p>
-            <a:endParaRPr lang="en-US"/>
-          </a:p>
-        </p:txBody>
-      </p:sp>
-    </p:spTree>
-    <p:extLst>
-      <p:ext uri="{BB962C8B-B14F-4D97-AF65-F5344CB8AC3E}">
-        <p14:creationId xmlns:p14="http://schemas.microsoft.com/office/powerpoint/2010/main" val="529844022"/>
       </p:ext>
     </p:extLst>
   </p:cSld>
